--- a/time_series_regression.pptx
+++ b/time_series_regression.pptx
@@ -6525,7 +6525,16 @@
                 <a:pPr lvl="1"/>
                 <a:r>
                   <a:rPr/>
-                  <a:t>In order to measure the quality of the methods: re-simulate the training data (</a:t>
+                  <a:t>In order to measure the quality of the methods:</a:t>
+                </a:r>
+              </a:p>
+              <a:p>
+                <a:pPr lvl="2">
+                  <a:buAutoNum type="arabicPeriod"/>
+                </a:pPr>
+                <a:r>
+                  <a:rPr/>
+                  <a:t>Re-simulate the training data (</a:t>
                 </a:r>
                 <a14:m>
                   <m:oMath xmlns:m="http://schemas.openxmlformats.org/officeDocument/2006/math">
@@ -6554,9 +6563,14 @@
                     </m:r>
                   </m:oMath>
                 </a14:m>
+              </a:p>
+              <a:p>
+                <a:pPr lvl="2">
+                  <a:buAutoNum type="arabicPeriod"/>
+                </a:pPr>
                 <a:r>
                   <a:rPr/>
-                  <a:t>, then measure how often Type 1 errors occur (</a:t>
+                  <a:t>Measure how often Type 1 errors occur (</a:t>
                 </a:r>
                 <a14:m>
                   <m:oMath xmlns:m="http://schemas.openxmlformats.org/officeDocument/2006/math">
@@ -6576,7 +6590,16 @@
                 </a14:m>
                 <a:r>
                   <a:rPr/>
-                  <a:t>).</a:t>
+                  <a:t>)</a:t>
+                </a:r>
+              </a:p>
+              <a:p>
+                <a:pPr lvl="2">
+                  <a:buAutoNum type="arabicPeriod"/>
+                </a:pPr>
+                <a:r>
+                  <a:rPr/>
+                  <a:t>Measure test set error</a:t>
                 </a:r>
               </a:p>
               <a:p>
@@ -6722,9 +6745,10 @@
                 <a:tableStyleId>{5C22544A-7EE6-4342-B048-85BDC9FD1C3A}</a:tableStyleId>
               </a:tblPr>
               <a:tblGrid>
-                <a:gridCol w="3644900"/>
-                <a:gridCol w="3644900"/>
-                <a:gridCol w="3644900"/>
+                <a:gridCol w="2730500"/>
+                <a:gridCol w="2730500"/>
+                <a:gridCol w="2730500"/>
+                <a:gridCol w="2730500"/>
               </a:tblGrid>
               <a:tr h="0">
                 <a:tc>
@@ -6775,6 +6799,22 @@
                   </a:txBody>
                   <a:tcPr/>
                 </a:tc>
+                <a:tc>
+                  <a:txBody>
+                    <a:bodyPr/>
+                    <a:lstStyle/>
+                    <a:p>
+                      <a:pPr lvl="0" marL="0" indent="0" algn="r">
+                        <a:buNone/>
+                      </a:pPr>
+                      <a:r>
+                        <a:rPr/>
+                        <a:t>Avg_Test_RMSE</a:t>
+                      </a:r>
+                    </a:p>
+                  </a:txBody>
+                  <a:tcPr/>
+                </a:tc>
               </a:tr>
               <a:tr h="0">
                 <a:tc>
@@ -6789,6 +6829,14 @@
                         <a:rPr/>
                         <a:t>1-Low</a:t>
                       </a:r>
+                      <a:r>
+                        <a:rPr/>
+                        <a:t> </a:t>
+                      </a:r>
+                      <a:r>
+                        <a:rPr/>
+                        <a:t>(0.1)</a:t>
+                      </a:r>
                     </a:p>
                   </a:txBody>
                 </a:tc>
@@ -6818,6 +6866,21 @@
                       <a:r>
                         <a:rPr/>
                         <a:t>0.109</a:t>
+                      </a:r>
+                    </a:p>
+                  </a:txBody>
+                </a:tc>
+                <a:tc>
+                  <a:txBody>
+                    <a:bodyPr/>
+                    <a:lstStyle/>
+                    <a:p>
+                      <a:pPr lvl="0" marL="0" indent="0" algn="r">
+                        <a:buNone/>
+                      </a:pPr>
+                      <a:r>
+                        <a:rPr/>
+                        <a:t>5.1</a:t>
                       </a:r>
                     </a:p>
                   </a:txBody>
@@ -6836,6 +6899,14 @@
                         <a:rPr/>
                         <a:t>1-Low</a:t>
                       </a:r>
+                      <a:r>
+                        <a:rPr/>
+                        <a:t> </a:t>
+                      </a:r>
+                      <a:r>
+                        <a:rPr/>
+                        <a:t>(0.1)</a:t>
+                      </a:r>
                     </a:p>
                   </a:txBody>
                 </a:tc>
@@ -6865,6 +6936,21 @@
                       <a:r>
                         <a:rPr/>
                         <a:t>0.114</a:t>
+                      </a:r>
+                    </a:p>
+                  </a:txBody>
+                </a:tc>
+                <a:tc>
+                  <a:txBody>
+                    <a:bodyPr/>
+                    <a:lstStyle/>
+                    <a:p>
+                      <a:pPr lvl="0" marL="0" indent="0" algn="r">
+                        <a:buNone/>
+                      </a:pPr>
+                      <a:r>
+                        <a:rPr/>
+                        <a:t>5.1</a:t>
                       </a:r>
                     </a:p>
                   </a:txBody>
@@ -6883,6 +6969,14 @@
                         <a:rPr/>
                         <a:t>1-Low</a:t>
                       </a:r>
+                      <a:r>
+                        <a:rPr/>
+                        <a:t> </a:t>
+                      </a:r>
+                      <a:r>
+                        <a:rPr/>
+                        <a:t>(0.1)</a:t>
+                      </a:r>
                     </a:p>
                   </a:txBody>
                 </a:tc>
@@ -6912,6 +7006,21 @@
                       <a:r>
                         <a:rPr/>
                         <a:t>0.120</a:t>
+                      </a:r>
+                    </a:p>
+                  </a:txBody>
+                </a:tc>
+                <a:tc>
+                  <a:txBody>
+                    <a:bodyPr/>
+                    <a:lstStyle/>
+                    <a:p>
+                      <a:pPr lvl="0" marL="0" indent="0" algn="r">
+                        <a:buNone/>
+                      </a:pPr>
+                      <a:r>
+                        <a:rPr/>
+                        <a:t>NA</a:t>
                       </a:r>
                     </a:p>
                   </a:txBody>
@@ -6930,6 +7039,14 @@
                         <a:rPr/>
                         <a:t>1-Low</a:t>
                       </a:r>
+                      <a:r>
+                        <a:rPr/>
+                        <a:t> </a:t>
+                      </a:r>
+                      <a:r>
+                        <a:rPr/>
+                        <a:t>(0.1)</a:t>
+                      </a:r>
                     </a:p>
                   </a:txBody>
                 </a:tc>
@@ -6959,6 +7076,21 @@
                       <a:r>
                         <a:rPr/>
                         <a:t>0.128</a:t>
+                      </a:r>
+                    </a:p>
+                  </a:txBody>
+                </a:tc>
+                <a:tc>
+                  <a:txBody>
+                    <a:bodyPr/>
+                    <a:lstStyle/>
+                    <a:p>
+                      <a:pPr lvl="0" marL="0" indent="0" algn="r">
+                        <a:buNone/>
+                      </a:pPr>
+                      <a:r>
+                        <a:rPr/>
+                        <a:t>NA</a:t>
                       </a:r>
                     </a:p>
                   </a:txBody>
@@ -6977,6 +7109,14 @@
                         <a:rPr/>
                         <a:t>1-Low</a:t>
                       </a:r>
+                      <a:r>
+                        <a:rPr/>
+                        <a:t> </a:t>
+                      </a:r>
+                      <a:r>
+                        <a:rPr/>
+                        <a:t>(0.1)</a:t>
+                      </a:r>
                     </a:p>
                   </a:txBody>
                 </a:tc>
@@ -7006,6 +7146,21 @@
                       <a:r>
                         <a:rPr/>
                         <a:t>0.138</a:t>
+                      </a:r>
+                    </a:p>
+                  </a:txBody>
+                </a:tc>
+                <a:tc>
+                  <a:txBody>
+                    <a:bodyPr/>
+                    <a:lstStyle/>
+                    <a:p>
+                      <a:pPr lvl="0" marL="0" indent="0" algn="r">
+                        <a:buNone/>
+                      </a:pPr>
+                      <a:r>
+                        <a:rPr/>
+                        <a:t>NA</a:t>
                       </a:r>
                     </a:p>
                   </a:txBody>
@@ -7036,9 +7191,10 @@
                 <a:tableStyleId>{5C22544A-7EE6-4342-B048-85BDC9FD1C3A}</a:tableStyleId>
               </a:tblPr>
               <a:tblGrid>
-                <a:gridCol w="3657600"/>
-                <a:gridCol w="3657600"/>
-                <a:gridCol w="3657600"/>
+                <a:gridCol w="2743200"/>
+                <a:gridCol w="2743200"/>
+                <a:gridCol w="2743200"/>
+                <a:gridCol w="2743200"/>
               </a:tblGrid>
               <a:tr h="0">
                 <a:tc>
@@ -7089,6 +7245,22 @@
                   </a:txBody>
                   <a:tcPr/>
                 </a:tc>
+                <a:tc>
+                  <a:txBody>
+                    <a:bodyPr/>
+                    <a:lstStyle/>
+                    <a:p>
+                      <a:pPr lvl="0" marL="0" indent="0" algn="r">
+                        <a:buNone/>
+                      </a:pPr>
+                      <a:r>
+                        <a:rPr/>
+                        <a:t>Avg_Test_RMSE</a:t>
+                      </a:r>
+                    </a:p>
+                  </a:txBody>
+                  <a:tcPr/>
+                </a:tc>
               </a:tr>
               <a:tr h="0">
                 <a:tc>
@@ -7101,7 +7273,15 @@
                       </a:pPr>
                       <a:r>
                         <a:rPr/>
-                        <a:t>2-Moderate</a:t>
+                        <a:t>2-High</a:t>
+                      </a:r>
+                      <a:r>
+                        <a:rPr/>
+                        <a:t> </a:t>
+                      </a:r>
+                      <a:r>
+                        <a:rPr/>
+                        <a:t>(0.7)</a:t>
                       </a:r>
                     </a:p>
                   </a:txBody>
@@ -7131,7 +7311,22 @@
                       </a:pPr>
                       <a:r>
                         <a:rPr/>
-                        <a:t>0.099</a:t>
+                        <a:t>0.108</a:t>
+                      </a:r>
+                    </a:p>
+                  </a:txBody>
+                </a:tc>
+                <a:tc>
+                  <a:txBody>
+                    <a:bodyPr/>
+                    <a:lstStyle/>
+                    <a:p>
+                      <a:pPr lvl="0" marL="0" indent="0" algn="r">
+                        <a:buNone/>
+                      </a:pPr>
+                      <a:r>
+                        <a:rPr/>
+                        <a:t>7.0</a:t>
                       </a:r>
                     </a:p>
                   </a:txBody>
@@ -7148,7 +7343,15 @@
                       </a:pPr>
                       <a:r>
                         <a:rPr/>
-                        <a:t>2-Moderate</a:t>
+                        <a:t>2-High</a:t>
+                      </a:r>
+                      <a:r>
+                        <a:rPr/>
+                        <a:t> </a:t>
+                      </a:r>
+                      <a:r>
+                        <a:rPr/>
+                        <a:t>(0.7)</a:t>
                       </a:r>
                     </a:p>
                   </a:txBody>
@@ -7178,7 +7381,22 @@
                       </a:pPr>
                       <a:r>
                         <a:rPr/>
-                        <a:t>0.124</a:t>
+                        <a:t>0.132</a:t>
+                      </a:r>
+                    </a:p>
+                  </a:txBody>
+                </a:tc>
+                <a:tc>
+                  <a:txBody>
+                    <a:bodyPr/>
+                    <a:lstStyle/>
+                    <a:p>
+                      <a:pPr lvl="0" marL="0" indent="0" algn="r">
+                        <a:buNone/>
+                      </a:pPr>
+                      <a:r>
+                        <a:rPr/>
+                        <a:t>NA</a:t>
                       </a:r>
                     </a:p>
                   </a:txBody>
@@ -7195,7 +7413,15 @@
                       </a:pPr>
                       <a:r>
                         <a:rPr/>
-                        <a:t>2-Moderate</a:t>
+                        <a:t>2-High</a:t>
+                      </a:r>
+                      <a:r>
+                        <a:rPr/>
+                        <a:t> </a:t>
+                      </a:r>
+                      <a:r>
+                        <a:rPr/>
+                        <a:t>(0.7)</a:t>
                       </a:r>
                     </a:p>
                   </a:txBody>
@@ -7225,7 +7451,22 @@
                       </a:pPr>
                       <a:r>
                         <a:rPr/>
-                        <a:t>0.134</a:t>
+                        <a:t>0.148</a:t>
+                      </a:r>
+                    </a:p>
+                  </a:txBody>
+                </a:tc>
+                <a:tc>
+                  <a:txBody>
+                    <a:bodyPr/>
+                    <a:lstStyle/>
+                    <a:p>
+                      <a:pPr lvl="0" marL="0" indent="0" algn="r">
+                        <a:buNone/>
+                      </a:pPr>
+                      <a:r>
+                        <a:rPr/>
+                        <a:t>NA</a:t>
                       </a:r>
                     </a:p>
                   </a:txBody>
@@ -7242,7 +7483,15 @@
                       </a:pPr>
                       <a:r>
                         <a:rPr/>
-                        <a:t>2-Moderate</a:t>
+                        <a:t>2-High</a:t>
+                      </a:r>
+                      <a:r>
+                        <a:rPr/>
+                        <a:t> </a:t>
+                      </a:r>
+                      <a:r>
+                        <a:rPr/>
+                        <a:t>(0.7)</a:t>
                       </a:r>
                     </a:p>
                   </a:txBody>
@@ -7272,7 +7521,22 @@
                       </a:pPr>
                       <a:r>
                         <a:rPr/>
-                        <a:t>0.158</a:t>
+                        <a:t>0.174</a:t>
+                      </a:r>
+                    </a:p>
+                  </a:txBody>
+                </a:tc>
+                <a:tc>
+                  <a:txBody>
+                    <a:bodyPr/>
+                    <a:lstStyle/>
+                    <a:p>
+                      <a:pPr lvl="0" marL="0" indent="0" algn="r">
+                        <a:buNone/>
+                      </a:pPr>
+                      <a:r>
+                        <a:rPr/>
+                        <a:t>NA</a:t>
                       </a:r>
                     </a:p>
                   </a:txBody>
@@ -7289,7 +7553,15 @@
                       </a:pPr>
                       <a:r>
                         <a:rPr/>
-                        <a:t>2-Moderate</a:t>
+                        <a:t>2-High</a:t>
+                      </a:r>
+                      <a:r>
+                        <a:rPr/>
+                        <a:t> </a:t>
+                      </a:r>
+                      <a:r>
+                        <a:rPr/>
+                        <a:t>(0.7)</a:t>
                       </a:r>
                     </a:p>
                   </a:txBody>
@@ -7319,7 +7591,22 @@
                       </a:pPr>
                       <a:r>
                         <a:rPr/>
-                        <a:t>0.242</a:t>
+                        <a:t>0.319</a:t>
+                      </a:r>
+                    </a:p>
+                  </a:txBody>
+                </a:tc>
+                <a:tc>
+                  <a:txBody>
+                    <a:bodyPr/>
+                    <a:lstStyle/>
+                    <a:p>
+                      <a:pPr lvl="0" marL="0" indent="0" algn="r">
+                        <a:buNone/>
+                      </a:pPr>
+                      <a:r>
+                        <a:rPr/>
+                        <a:t>7.1</a:t>
                       </a:r>
                     </a:p>
                   </a:txBody>
@@ -7498,6 +7785,14 @@
             </a:pPr>
             <a:r>
               <a:rPr/>
+              <a:t>Very</a:t>
+            </a:r>
+            <a:r>
+              <a:rPr/>
+              <a:t> </a:t>
+            </a:r>
+            <a:r>
+              <a:rPr/>
               <a:t>High</a:t>
             </a:r>
             <a:r>
@@ -7539,7 +7834,7 @@
                 <a:pPr lvl="1"/>
                 <a:r>
                   <a:rPr/>
-                  <a:t>Under high serial correlation, most of the previous methods struggle to return the correct p-values.</a:t>
+                  <a:t>Under very high serial correlation, most of the previous methods struggle to return the correct p-values.</a:t>
                 </a:r>
               </a:p>
               <a:p>
@@ -7592,9 +7887,10 @@
                 <a:tableStyleId>{5C22544A-7EE6-4342-B048-85BDC9FD1C3A}</a:tableStyleId>
               </a:tblPr>
               <a:tblGrid>
-                <a:gridCol w="3657600"/>
-                <a:gridCol w="3657600"/>
-                <a:gridCol w="3657600"/>
+                <a:gridCol w="2743200"/>
+                <a:gridCol w="2743200"/>
+                <a:gridCol w="2743200"/>
+                <a:gridCol w="2743200"/>
               </a:tblGrid>
               <a:tr h="0">
                 <a:tc>
@@ -7645,6 +7941,22 @@
                   </a:txBody>
                   <a:tcPr/>
                 </a:tc>
+                <a:tc>
+                  <a:txBody>
+                    <a:bodyPr/>
+                    <a:lstStyle/>
+                    <a:p>
+                      <a:pPr lvl="0" marL="0" indent="0" algn="r">
+                        <a:buNone/>
+                      </a:pPr>
+                      <a:r>
+                        <a:rPr/>
+                        <a:t>Avg_Test_RMSE</a:t>
+                      </a:r>
+                    </a:p>
+                  </a:txBody>
+                  <a:tcPr/>
+                </a:tc>
               </a:tr>
               <a:tr h="0">
                 <a:tc>
@@ -7657,7 +7969,23 @@
                       </a:pPr>
                       <a:r>
                         <a:rPr/>
-                        <a:t>3-High</a:t>
+                        <a:t>3-Very</a:t>
+                      </a:r>
+                      <a:r>
+                        <a:rPr/>
+                        <a:t> </a:t>
+                      </a:r>
+                      <a:r>
+                        <a:rPr/>
+                        <a:t>High</a:t>
+                      </a:r>
+                      <a:r>
+                        <a:rPr/>
+                        <a:t> </a:t>
+                      </a:r>
+                      <a:r>
+                        <a:rPr/>
+                        <a:t>(0.99)</a:t>
                       </a:r>
                     </a:p>
                   </a:txBody>
@@ -7688,6 +8016,21 @@
                       <a:r>
                         <a:rPr/>
                         <a:t>0.104</a:t>
+                      </a:r>
+                    </a:p>
+                  </a:txBody>
+                </a:tc>
+                <a:tc>
+                  <a:txBody>
+                    <a:bodyPr/>
+                    <a:lstStyle/>
+                    <a:p>
+                      <a:pPr lvl="0" marL="0" indent="0" algn="r">
+                        <a:buNone/>
+                      </a:pPr>
+                      <a:r>
+                        <a:rPr/>
+                        <a:t>26.3</a:t>
                       </a:r>
                     </a:p>
                   </a:txBody>
@@ -7704,7 +8047,23 @@
                       </a:pPr>
                       <a:r>
                         <a:rPr/>
-                        <a:t>3-High</a:t>
+                        <a:t>3-Very</a:t>
+                      </a:r>
+                      <a:r>
+                        <a:rPr/>
+                        <a:t> </a:t>
+                      </a:r>
+                      <a:r>
+                        <a:rPr/>
+                        <a:t>High</a:t>
+                      </a:r>
+                      <a:r>
+                        <a:rPr/>
+                        <a:t> </a:t>
+                      </a:r>
+                      <a:r>
+                        <a:rPr/>
+                        <a:t>(0.99)</a:t>
                       </a:r>
                     </a:p>
                   </a:txBody>
@@ -7735,6 +8094,21 @@
                       <a:r>
                         <a:rPr/>
                         <a:t>0.339</a:t>
+                      </a:r>
+                    </a:p>
+                  </a:txBody>
+                </a:tc>
+                <a:tc>
+                  <a:txBody>
+                    <a:bodyPr/>
+                    <a:lstStyle/>
+                    <a:p>
+                      <a:pPr lvl="0" marL="0" indent="0" algn="r">
+                        <a:buNone/>
+                      </a:pPr>
+                      <a:r>
+                        <a:rPr/>
+                        <a:t>NA</a:t>
                       </a:r>
                     </a:p>
                   </a:txBody>
@@ -7751,7 +8125,23 @@
                       </a:pPr>
                       <a:r>
                         <a:rPr/>
-                        <a:t>3-High</a:t>
+                        <a:t>3-Very</a:t>
+                      </a:r>
+                      <a:r>
+                        <a:rPr/>
+                        <a:t> </a:t>
+                      </a:r>
+                      <a:r>
+                        <a:rPr/>
+                        <a:t>High</a:t>
+                      </a:r>
+                      <a:r>
+                        <a:rPr/>
+                        <a:t> </a:t>
+                      </a:r>
+                      <a:r>
+                        <a:rPr/>
+                        <a:t>(0.99)</a:t>
                       </a:r>
                     </a:p>
                   </a:txBody>
@@ -7782,6 +8172,21 @@
                       <a:r>
                         <a:rPr/>
                         <a:t>0.345</a:t>
+                      </a:r>
+                    </a:p>
+                  </a:txBody>
+                </a:tc>
+                <a:tc>
+                  <a:txBody>
+                    <a:bodyPr/>
+                    <a:lstStyle/>
+                    <a:p>
+                      <a:pPr lvl="0" marL="0" indent="0" algn="r">
+                        <a:buNone/>
+                      </a:pPr>
+                      <a:r>
+                        <a:rPr/>
+                        <a:t>NA</a:t>
                       </a:r>
                     </a:p>
                   </a:txBody>
@@ -7798,7 +8203,23 @@
                       </a:pPr>
                       <a:r>
                         <a:rPr/>
-                        <a:t>3-High</a:t>
+                        <a:t>3-Very</a:t>
+                      </a:r>
+                      <a:r>
+                        <a:rPr/>
+                        <a:t> </a:t>
+                      </a:r>
+                      <a:r>
+                        <a:rPr/>
+                        <a:t>High</a:t>
+                      </a:r>
+                      <a:r>
+                        <a:rPr/>
+                        <a:t> </a:t>
+                      </a:r>
+                      <a:r>
+                        <a:rPr/>
+                        <a:t>(0.99)</a:t>
                       </a:r>
                     </a:p>
                   </a:txBody>
@@ -7829,6 +8250,21 @@
                       <a:r>
                         <a:rPr/>
                         <a:t>0.392</a:t>
+                      </a:r>
+                    </a:p>
+                  </a:txBody>
+                </a:tc>
+                <a:tc>
+                  <a:txBody>
+                    <a:bodyPr/>
+                    <a:lstStyle/>
+                    <a:p>
+                      <a:pPr lvl="0" marL="0" indent="0" algn="r">
+                        <a:buNone/>
+                      </a:pPr>
+                      <a:r>
+                        <a:rPr/>
+                        <a:t>NA</a:t>
                       </a:r>
                     </a:p>
                   </a:txBody>
@@ -7845,7 +8281,23 @@
                       </a:pPr>
                       <a:r>
                         <a:rPr/>
-                        <a:t>3-High</a:t>
+                        <a:t>3-Very</a:t>
+                      </a:r>
+                      <a:r>
+                        <a:rPr/>
+                        <a:t> </a:t>
+                      </a:r>
+                      <a:r>
+                        <a:rPr/>
+                        <a:t>High</a:t>
+                      </a:r>
+                      <a:r>
+                        <a:rPr/>
+                        <a:t> </a:t>
+                      </a:r>
+                      <a:r>
+                        <a:rPr/>
+                        <a:t>(0.99)</a:t>
                       </a:r>
                     </a:p>
                   </a:txBody>
@@ -7876,6 +8328,21 @@
                       <a:r>
                         <a:rPr/>
                         <a:t>0.768</a:t>
+                      </a:r>
+                    </a:p>
+                  </a:txBody>
+                </a:tc>
+                <a:tc>
+                  <a:txBody>
+                    <a:bodyPr/>
+                    <a:lstStyle/>
+                    <a:p>
+                      <a:pPr lvl="0" marL="0" indent="0" algn="r">
+                        <a:buNone/>
+                      </a:pPr>
+                      <a:r>
+                        <a:rPr/>
+                        <a:t>29.3</a:t>
                       </a:r>
                     </a:p>
                   </a:txBody>
@@ -8495,6 +8962,13 @@
             <a:pPr lvl="1"/>
             <a:r>
               <a:rPr/>
+              <a:t>Fortunately, OLS coefficient estimates remain unbiased and consistent</a:t>
+            </a:r>
+          </a:p>
+          <a:p>
+            <a:pPr lvl="1"/>
+            <a:r>
+              <a:rPr/>
               <a:t>Remediating serial correlation:</a:t>
             </a:r>
           </a:p>
@@ -8523,7 +8997,7 @@
             <a:pPr lvl="1"/>
             <a:r>
               <a:rPr/>
-              <a:t>Fortunately, OLS coefficient estimates remain unbiased and consistent</a:t>
+              <a:t>Under non-stationary errors, beware of spurious regressions</a:t>
             </a:r>
           </a:p>
         </p:txBody>

--- a/time_series_regression.pptx
+++ b/time_series_regression.pptx
@@ -28,6 +28,13 @@
     <p:sldId id="276" r:id="rId22"/>
     <p:sldId id="277" r:id="rId23"/>
     <p:sldId id="278" r:id="rId24"/>
+    <p:sldId id="279" r:id="rId25"/>
+    <p:sldId id="280" r:id="rId26"/>
+    <p:sldId id="281" r:id="rId27"/>
+    <p:sldId id="282" r:id="rId28"/>
+    <p:sldId id="283" r:id="rId29"/>
+    <p:sldId id="284" r:id="rId30"/>
+    <p:sldId id="285" r:id="rId31"/>
   </p:sldIdLst>
   <p:sldSz cx="12192000" cy="6858000"/>
   <p:notesSz cx="6858000" cy="9144000"/>
@@ -6599,7 +6606,7 @@
                 </a:pPr>
                 <a:r>
                   <a:rPr/>
-                  <a:t>Measure test set error</a:t>
+                  <a:t>Measure test set error (i.e., average MSE over K simulations, then take the square root)</a:t>
                 </a:r>
               </a:p>
               <a:p>
@@ -6880,7 +6887,7 @@
                       </a:pPr>
                       <a:r>
                         <a:rPr/>
-                        <a:t>5.1</a:t>
+                        <a:t>5.12</a:t>
                       </a:r>
                     </a:p>
                   </a:txBody>
@@ -6950,7 +6957,7 @@
                       </a:pPr>
                       <a:r>
                         <a:rPr/>
-                        <a:t>5.1</a:t>
+                        <a:t>5.12</a:t>
                       </a:r>
                     </a:p>
                   </a:txBody>
@@ -7273,7 +7280,7 @@
                       </a:pPr>
                       <a:r>
                         <a:rPr/>
-                        <a:t>2-High</a:t>
+                        <a:t>2-Moderate</a:t>
                       </a:r>
                       <a:r>
                         <a:rPr/>
@@ -7326,7 +7333,7 @@
                       </a:pPr>
                       <a:r>
                         <a:rPr/>
-                        <a:t>7.0</a:t>
+                        <a:t>7.10</a:t>
                       </a:r>
                     </a:p>
                   </a:txBody>
@@ -7343,7 +7350,7 @@
                       </a:pPr>
                       <a:r>
                         <a:rPr/>
-                        <a:t>2-High</a:t>
+                        <a:t>2-Moderate</a:t>
                       </a:r>
                       <a:r>
                         <a:rPr/>
@@ -7413,7 +7420,7 @@
                       </a:pPr>
                       <a:r>
                         <a:rPr/>
-                        <a:t>2-High</a:t>
+                        <a:t>2-Moderate</a:t>
                       </a:r>
                       <a:r>
                         <a:rPr/>
@@ -7483,7 +7490,7 @@
                       </a:pPr>
                       <a:r>
                         <a:rPr/>
-                        <a:t>2-High</a:t>
+                        <a:t>2-Moderate</a:t>
                       </a:r>
                       <a:r>
                         <a:rPr/>
@@ -7553,7 +7560,7 @@
                       </a:pPr>
                       <a:r>
                         <a:rPr/>
-                        <a:t>2-High</a:t>
+                        <a:t>2-Moderate</a:t>
                       </a:r>
                       <a:r>
                         <a:rPr/>
@@ -7606,7 +7613,7 @@
                       </a:pPr>
                       <a:r>
                         <a:rPr/>
-                        <a:t>7.1</a:t>
+                        <a:t>7.21</a:t>
                       </a:r>
                     </a:p>
                   </a:txBody>
@@ -7749,6 +7756,247 @@
 </file>
 
 <file path=ppt/slides/slide20.xml><?xml version="1.0" encoding="utf-8"?>
+<p:sld xmlns:a="http://schemas.openxmlformats.org/drawingml/2006/main" xmlns:r="http://schemas.openxmlformats.org/officeDocument/2006/relationships" xmlns:p="http://schemas.openxmlformats.org/presentationml/2006/main">
+  <p:cSld>
+    <p:spTree>
+      <p:nvGrpSpPr>
+        <p:cNvPr id="1" name=""/>
+        <p:cNvGrpSpPr/>
+        <p:nvPr/>
+      </p:nvGrpSpPr>
+      <p:grpSpPr>
+        <a:xfrm>
+          <a:off x="0" y="0"/>
+          <a:ext cx="0" cy="0"/>
+          <a:chOff x="0" y="0"/>
+          <a:chExt cx="0" cy="0"/>
+        </a:xfrm>
+      </p:grpSpPr>
+      <p:sp>
+        <p:nvSpPr>
+          <p:cNvPr id="2" name="Title 1"/>
+          <p:cNvSpPr>
+            <a:spLocks noGrp="1"/>
+          </p:cNvSpPr>
+          <p:nvPr>
+            <p:ph type="title"/>
+          </p:nvPr>
+        </p:nvSpPr>
+        <p:spPr/>
+        <p:txBody>
+          <a:bodyPr/>
+          <a:lstStyle/>
+          <a:p>
+            <a:pPr lvl="0" marL="0" indent="0">
+              <a:buNone/>
+            </a:pPr>
+            <a:r>
+              <a:rPr/>
+              <a:t>Test</a:t>
+            </a:r>
+            <a:r>
+              <a:rPr/>
+              <a:t> </a:t>
+            </a:r>
+            <a:r>
+              <a:rPr/>
+              <a:t>Set</a:t>
+            </a:r>
+            <a:r>
+              <a:rPr/>
+              <a:t> </a:t>
+            </a:r>
+            <a:r>
+              <a:rPr/>
+              <a:t>RMSE</a:t>
+            </a:r>
+          </a:p>
+        </p:txBody>
+      </p:sp>
+      <mc:AlternateContent xmlns:mc="http://schemas.openxmlformats.org/markup-compatibility/2006">
+        <mc:Choice xmlns:a14="http://schemas.microsoft.com/office/drawing/2010/main" Requires="a14">
+          <p:sp>
+            <p:nvSpPr>
+              <p:cNvPr id="3" name="Content Placeholder 2"/>
+              <p:cNvSpPr>
+                <a:spLocks noGrp="1"/>
+              </p:cNvSpPr>
+              <p:nvPr>
+                <p:ph idx="1"/>
+              </p:nvPr>
+            </p:nvSpPr>
+            <p:spPr/>
+            <p:txBody>
+              <a:bodyPr/>
+              <a:lstStyle/>
+              <a:p>
+                <a:pPr lvl="0" marL="0" indent="0">
+                  <a:buNone/>
+                </a:pPr>
+                <a14:m>
+                  <m:oMathPara xmlns:m="http://schemas.openxmlformats.org/officeDocument/2006/math">
+                    <m:oMathParaPr>
+                      <m:jc m:val="center"/>
+                    </m:oMathParaPr>
+                    <m:oMath>
+                      <m:r>
+                        <m:t>R</m:t>
+                      </m:r>
+                      <m:r>
+                        <m:t>M</m:t>
+                      </m:r>
+                      <m:r>
+                        <m:t>S</m:t>
+                      </m:r>
+                      <m:sSub>
+                        <m:e>
+                          <m:r>
+                            <m:t>E</m:t>
+                          </m:r>
+                        </m:e>
+                        <m:sub>
+                          <m:r>
+                            <m:t>t</m:t>
+                          </m:r>
+                          <m:r>
+                            <m:t>e</m:t>
+                          </m:r>
+                          <m:r>
+                            <m:t>s</m:t>
+                          </m:r>
+                          <m:r>
+                            <m:t>t</m:t>
+                          </m:r>
+                        </m:sub>
+                      </m:sSub>
+                      <m:r>
+                        <m:rPr>
+                          <m:sty m:val="p"/>
+                        </m:rPr>
+                        <m:t>=</m:t>
+                      </m:r>
+                      <m:rad>
+                        <m:deg>
+                          <m:r>
+                            <m:t>​</m:t>
+                          </m:r>
+                        </m:deg>
+                        <m:e>
+                          <m:sSubSup>
+                            <m:e>
+                              <m:r>
+                                <m:t>σ</m:t>
+                              </m:r>
+                            </m:e>
+                            <m:sub>
+                              <m:r>
+                                <m:t>ε</m:t>
+                              </m:r>
+                            </m:sub>
+                            <m:sup>
+                              <m:r>
+                                <m:t>2</m:t>
+                              </m:r>
+                            </m:sup>
+                          </m:sSubSup>
+                        </m:e>
+                      </m:rad>
+                      <m:r>
+                        <m:rPr>
+                          <m:sty m:val="p"/>
+                        </m:rPr>
+                        <m:t>=</m:t>
+                      </m:r>
+                      <m:rad>
+                        <m:deg>
+                          <m:r>
+                            <m:t>​</m:t>
+                          </m:r>
+                        </m:deg>
+                        <m:e>
+                          <m:f>
+                            <m:fPr>
+                              <m:type m:val="bar"/>
+                            </m:fPr>
+                            <m:num>
+                              <m:sSubSup>
+                                <m:e>
+                                  <m:r>
+                                    <m:t>σ</m:t>
+                                  </m:r>
+                                </m:e>
+                                <m:sub>
+                                  <m:r>
+                                    <m:t>v</m:t>
+                                  </m:r>
+                                </m:sub>
+                                <m:sup>
+                                  <m:r>
+                                    <m:t>2</m:t>
+                                  </m:r>
+                                </m:sup>
+                              </m:sSubSup>
+                            </m:num>
+                            <m:den>
+                              <m:r>
+                                <m:t>1</m:t>
+                              </m:r>
+                              <m:r>
+                                <m:rPr>
+                                  <m:sty m:val="p"/>
+                                </m:rPr>
+                                <m:t>−</m:t>
+                              </m:r>
+                              <m:sSup>
+                                <m:e>
+                                  <m:r>
+                                    <m:t>ρ</m:t>
+                                  </m:r>
+                                </m:e>
+                                <m:sup>
+                                  <m:r>
+                                    <m:t>2</m:t>
+                                  </m:r>
+                                </m:sup>
+                              </m:sSup>
+                            </m:den>
+                          </m:f>
+                        </m:e>
+                      </m:rad>
+                    </m:oMath>
+                  </m:oMathPara>
+                </a14:m>
+              </a:p>
+              <a:p>
+                <a:pPr lvl="0" marL="0" indent="0">
+                  <a:buNone/>
+                </a:pPr>
+              </a:p>
+              <a:p>
+                <a:pPr lvl="0" marL="0" indent="0">
+                  <a:buNone/>
+                </a:pPr>
+                <a:r>
+                  <a:rPr/>
+                  <a:t>The Pennsylvania State University. (2018). 10.3 - Regression with Autoregressive Errors. Applied Regression Analysis. Retrieved February 27, 2022, from </a:t>
+                </a:r>
+                <a:r>
+                  <a:rPr>
+                    <a:hlinkClick r:id="rId2"/>
+                  </a:rPr>
+                  <a:t>https://online.stat.psu.edu/stat462/node/189/</a:t>
+                </a:r>
+              </a:p>
+            </p:txBody>
+          </p:sp>
+        </mc:Choice>
+      </mc:AlternateContent>
+    </p:spTree>
+  </p:cSld>
+</p:sld>
+</file>
+
+<file path=ppt/slides/slide21.xml><?xml version="1.0" encoding="utf-8"?>
 <p:sld xmlns:a="http://schemas.openxmlformats.org/drawingml/2006/main" xmlns:r="http://schemas.openxmlformats.org/officeDocument/2006/relationships" xmlns:p="http://schemas.openxmlformats.org/presentationml/2006/main">
   <p:cSld>
     <p:spTree>
@@ -7859,7 +8107,7 @@
                 </a14:m>
                 <a:r>
                   <a:rPr/>
-                  <a:t> is close to -1 or 1, then check for non-stationary errors (e.g., Phillips-Ouliaris Cointegration Test).</a:t>
+                  <a:t> is close to -1 or 1, then check for non-stationary errors (e.g., Phillips-Ouliaris Cointegration Test; Pesaran-Shin-Smith Cointegration Test).</a:t>
                 </a:r>
               </a:p>
             </p:txBody>
@@ -7985,7 +8233,7 @@
                       </a:r>
                       <a:r>
                         <a:rPr/>
-                        <a:t>(0.99)</a:t>
+                        <a:t>(0.9)</a:t>
                       </a:r>
                     </a:p>
                   </a:txBody>
@@ -8015,22 +8263,22 @@
                       </a:pPr>
                       <a:r>
                         <a:rPr/>
-                        <a:t>0.104</a:t>
-                      </a:r>
-                    </a:p>
-                  </a:txBody>
-                </a:tc>
-                <a:tc>
-                  <a:txBody>
-                    <a:bodyPr/>
-                    <a:lstStyle/>
-                    <a:p>
-                      <a:pPr lvl="0" marL="0" indent="0" algn="r">
-                        <a:buNone/>
-                      </a:pPr>
-                      <a:r>
-                        <a:rPr/>
-                        <a:t>26.3</a:t>
+                        <a:t>0.096</a:t>
+                      </a:r>
+                    </a:p>
+                  </a:txBody>
+                </a:tc>
+                <a:tc>
+                  <a:txBody>
+                    <a:bodyPr/>
+                    <a:lstStyle/>
+                    <a:p>
+                      <a:pPr lvl="0" marL="0" indent="0" algn="r">
+                        <a:buNone/>
+                      </a:pPr>
+                      <a:r>
+                        <a:rPr/>
+                        <a:t>12.0</a:t>
                       </a:r>
                     </a:p>
                   </a:txBody>
@@ -8063,7 +8311,7 @@
                       </a:r>
                       <a:r>
                         <a:rPr/>
-                        <a:t>(0.99)</a:t>
+                        <a:t>(0.9)</a:t>
                       </a:r>
                     </a:p>
                   </a:txBody>
@@ -8093,7 +8341,7 @@
                       </a:pPr>
                       <a:r>
                         <a:rPr/>
-                        <a:t>0.339</a:t>
+                        <a:t>0.186</a:t>
                       </a:r>
                     </a:p>
                   </a:txBody>
@@ -8141,7 +8389,7 @@
                       </a:r>
                       <a:r>
                         <a:rPr/>
-                        <a:t>(0.99)</a:t>
+                        <a:t>(0.9)</a:t>
                       </a:r>
                     </a:p>
                   </a:txBody>
@@ -8171,7 +8419,7 @@
                       </a:pPr>
                       <a:r>
                         <a:rPr/>
-                        <a:t>0.345</a:t>
+                        <a:t>0.195</a:t>
                       </a:r>
                     </a:p>
                   </a:txBody>
@@ -8219,7 +8467,7 @@
                       </a:r>
                       <a:r>
                         <a:rPr/>
-                        <a:t>(0.99)</a:t>
+                        <a:t>(0.9)</a:t>
                       </a:r>
                     </a:p>
                   </a:txBody>
@@ -8249,7 +8497,7 @@
                       </a:pPr>
                       <a:r>
                         <a:rPr/>
-                        <a:t>0.392</a:t>
+                        <a:t>0.233</a:t>
                       </a:r>
                     </a:p>
                   </a:txBody>
@@ -8297,7 +8545,7 @@
                       </a:r>
                       <a:r>
                         <a:rPr/>
-                        <a:t>(0.99)</a:t>
+                        <a:t>(0.9)</a:t>
                       </a:r>
                     </a:p>
                   </a:txBody>
@@ -8327,22 +8575,22 @@
                       </a:pPr>
                       <a:r>
                         <a:rPr/>
-                        <a:t>0.768</a:t>
-                      </a:r>
-                    </a:p>
-                  </a:txBody>
-                </a:tc>
-                <a:tc>
-                  <a:txBody>
-                    <a:bodyPr/>
-                    <a:lstStyle/>
-                    <a:p>
-                      <a:pPr lvl="0" marL="0" indent="0" algn="r">
-                        <a:buNone/>
-                      </a:pPr>
-                      <a:r>
-                        <a:rPr/>
-                        <a:t>29.3</a:t>
+                        <a:t>0.550</a:t>
+                      </a:r>
+                    </a:p>
+                  </a:txBody>
+                </a:tc>
+                <a:tc>
+                  <a:txBody>
+                    <a:bodyPr/>
+                    <a:lstStyle/>
+                    <a:p>
+                      <a:pPr lvl="0" marL="0" indent="0" algn="r">
+                        <a:buNone/>
+                      </a:pPr>
+                      <a:r>
+                        <a:rPr/>
+                        <a:t>12.7</a:t>
                       </a:r>
                     </a:p>
                   </a:txBody>
@@ -8357,7 +8605,7 @@
 </p:sld>
 </file>
 
-<file path=ppt/slides/slide21.xml><?xml version="1.0" encoding="utf-8"?>
+<file path=ppt/slides/slide22.xml><?xml version="1.0" encoding="utf-8"?>
 <p:sld xmlns:a="http://schemas.openxmlformats.org/drawingml/2006/main" xmlns:r="http://schemas.openxmlformats.org/officeDocument/2006/relationships" xmlns:p="http://schemas.openxmlformats.org/presentationml/2006/main">
   <p:cSld>
     <p:spTree>
@@ -8481,7 +8729,7 @@
                 </a14:m>
                 <a:r>
                   <a:rPr/>
-                  <a:t>, the errors are non-stationary.</a:t>
+                  <a:t>, the errors are non-stationary (i.e. “random walk”).</a:t>
                 </a:r>
               </a:p>
               <a:p>
@@ -8594,7 +8842,2460 @@
 </p:sld>
 </file>
 
-<file path=ppt/slides/slide22.xml><?xml version="1.0" encoding="utf-8"?>
+<file path=ppt/slides/slide23.xml><?xml version="1.0" encoding="utf-8"?>
+<p:sld xmlns:a="http://schemas.openxmlformats.org/drawingml/2006/main" xmlns:r="http://schemas.openxmlformats.org/officeDocument/2006/relationships" xmlns:p="http://schemas.openxmlformats.org/presentationml/2006/main">
+  <p:cSld>
+    <p:spTree>
+      <p:nvGrpSpPr>
+        <p:cNvPr id="1" name=""/>
+        <p:cNvGrpSpPr/>
+        <p:nvPr/>
+      </p:nvGrpSpPr>
+      <p:grpSpPr>
+        <a:xfrm>
+          <a:off x="0" y="0"/>
+          <a:ext cx="0" cy="0"/>
+          <a:chOff x="0" y="0"/>
+          <a:chExt cx="0" cy="0"/>
+        </a:xfrm>
+      </p:grpSpPr>
+      <p:sp>
+        <p:nvSpPr>
+          <p:cNvPr id="2" name="Title 1"/>
+          <p:cNvSpPr>
+            <a:spLocks noGrp="1"/>
+          </p:cNvSpPr>
+          <p:nvPr>
+            <p:ph type="title"/>
+          </p:nvPr>
+        </p:nvSpPr>
+        <p:spPr/>
+        <p:txBody>
+          <a:bodyPr/>
+          <a:lstStyle/>
+          <a:p>
+            <a:pPr lvl="0" marL="0" indent="0">
+              <a:buNone/>
+            </a:pPr>
+            <a:r>
+              <a:rPr/>
+              <a:t>Simulate</a:t>
+            </a:r>
+            <a:r>
+              <a:rPr/>
+              <a:t> </a:t>
+            </a:r>
+            <a:r>
+              <a:rPr/>
+              <a:t>non-stationary</a:t>
+            </a:r>
+            <a:r>
+              <a:rPr/>
+              <a:t> </a:t>
+            </a:r>
+            <a:r>
+              <a:rPr/>
+              <a:t>predictors</a:t>
+            </a:r>
+          </a:p>
+        </p:txBody>
+      </p:sp>
+      <p:sp>
+        <p:nvSpPr>
+          <p:cNvPr id="3" name="Content Placeholder 2"/>
+          <p:cNvSpPr>
+            <a:spLocks noGrp="1"/>
+          </p:cNvSpPr>
+          <p:nvPr>
+            <p:ph idx="1"/>
+          </p:nvPr>
+        </p:nvSpPr>
+        <p:spPr/>
+        <p:txBody>
+          <a:bodyPr/>
+          <a:lstStyle/>
+          <a:p>
+            <a:pPr lvl="0" indent="0">
+              <a:buNone/>
+            </a:pPr>
+            <a:r>
+              <a:rPr>
+                <a:solidFill>
+                  <a:srgbClr val="06287E"/>
+                </a:solidFill>
+                <a:latin typeface="Courier"/>
+              </a:rPr>
+              <a:t>set.seed</a:t>
+            </a:r>
+            <a:r>
+              <a:rPr>
+                <a:latin typeface="Courier"/>
+              </a:rPr>
+              <a:t>(</a:t>
+            </a:r>
+            <a:r>
+              <a:rPr>
+                <a:solidFill>
+                  <a:srgbClr val="40A070"/>
+                </a:solidFill>
+                <a:latin typeface="Courier"/>
+              </a:rPr>
+              <a:t>2013</a:t>
+            </a:r>
+            <a:r>
+              <a:rPr>
+                <a:latin typeface="Courier"/>
+              </a:rPr>
+              <a:t>) </a:t>
+            </a:r>
+            <a:br/>
+            <a:br/>
+            <a:r>
+              <a:rPr>
+                <a:latin typeface="Courier"/>
+              </a:rPr>
+              <a:t>w1 </a:t>
+            </a:r>
+            <a:r>
+              <a:rPr>
+                <a:solidFill>
+                  <a:srgbClr val="007020"/>
+                </a:solidFill>
+                <a:latin typeface="Courier"/>
+              </a:rPr>
+              <a:t>&lt;-</a:t>
+            </a:r>
+            <a:r>
+              <a:rPr>
+                <a:latin typeface="Courier"/>
+              </a:rPr>
+              <a:t> </a:t>
+            </a:r>
+            <a:r>
+              <a:rPr>
+                <a:solidFill>
+                  <a:srgbClr val="06287E"/>
+                </a:solidFill>
+                <a:latin typeface="Courier"/>
+              </a:rPr>
+              <a:t>arima.sim</a:t>
+            </a:r>
+            <a:r>
+              <a:rPr>
+                <a:latin typeface="Courier"/>
+              </a:rPr>
+              <a:t>(</a:t>
+            </a:r>
+            <a:r>
+              <a:rPr>
+                <a:solidFill>
+                  <a:srgbClr val="06287E"/>
+                </a:solidFill>
+                <a:latin typeface="Courier"/>
+              </a:rPr>
+              <a:t>list</a:t>
+            </a:r>
+            <a:r>
+              <a:rPr>
+                <a:latin typeface="Courier"/>
+              </a:rPr>
+              <a:t>(</a:t>
+            </a:r>
+            <a:r>
+              <a:rPr>
+                <a:solidFill>
+                  <a:srgbClr val="7D9029"/>
+                </a:solidFill>
+                <a:latin typeface="Courier"/>
+              </a:rPr>
+              <a:t>order =</a:t>
+            </a:r>
+            <a:r>
+              <a:rPr>
+                <a:latin typeface="Courier"/>
+              </a:rPr>
+              <a:t> </a:t>
+            </a:r>
+            <a:r>
+              <a:rPr>
+                <a:solidFill>
+                  <a:srgbClr val="06287E"/>
+                </a:solidFill>
+                <a:latin typeface="Courier"/>
+              </a:rPr>
+              <a:t>c</a:t>
+            </a:r>
+            <a:r>
+              <a:rPr>
+                <a:latin typeface="Courier"/>
+              </a:rPr>
+              <a:t>(</a:t>
+            </a:r>
+            <a:r>
+              <a:rPr>
+                <a:solidFill>
+                  <a:srgbClr val="40A070"/>
+                </a:solidFill>
+                <a:latin typeface="Courier"/>
+              </a:rPr>
+              <a:t>0</a:t>
+            </a:r>
+            <a:r>
+              <a:rPr>
+                <a:latin typeface="Courier"/>
+              </a:rPr>
+              <a:t>,</a:t>
+            </a:r>
+            <a:r>
+              <a:rPr>
+                <a:solidFill>
+                  <a:srgbClr val="40A070"/>
+                </a:solidFill>
+                <a:latin typeface="Courier"/>
+              </a:rPr>
+              <a:t>1</a:t>
+            </a:r>
+            <a:r>
+              <a:rPr>
+                <a:latin typeface="Courier"/>
+              </a:rPr>
+              <a:t>,</a:t>
+            </a:r>
+            <a:r>
+              <a:rPr>
+                <a:solidFill>
+                  <a:srgbClr val="40A070"/>
+                </a:solidFill>
+                <a:latin typeface="Courier"/>
+              </a:rPr>
+              <a:t>0</a:t>
+            </a:r>
+            <a:r>
+              <a:rPr>
+                <a:latin typeface="Courier"/>
+              </a:rPr>
+              <a:t>)), </a:t>
+            </a:r>
+            <a:r>
+              <a:rPr>
+                <a:solidFill>
+                  <a:srgbClr val="7D9029"/>
+                </a:solidFill>
+                <a:latin typeface="Courier"/>
+              </a:rPr>
+              <a:t>n =</a:t>
+            </a:r>
+            <a:r>
+              <a:rPr>
+                <a:latin typeface="Courier"/>
+              </a:rPr>
+              <a:t> </a:t>
+            </a:r>
+            <a:r>
+              <a:rPr>
+                <a:solidFill>
+                  <a:srgbClr val="40A070"/>
+                </a:solidFill>
+                <a:latin typeface="Courier"/>
+              </a:rPr>
+              <a:t>200</a:t>
+            </a:r>
+            <a:r>
+              <a:rPr>
+                <a:latin typeface="Courier"/>
+              </a:rPr>
+              <a:t>, </a:t>
+            </a:r>
+            <a:r>
+              <a:rPr>
+                <a:solidFill>
+                  <a:srgbClr val="7D9029"/>
+                </a:solidFill>
+                <a:latin typeface="Courier"/>
+              </a:rPr>
+              <a:t>sd=</a:t>
+            </a:r>
+            <a:r>
+              <a:rPr>
+                <a:solidFill>
+                  <a:srgbClr val="40A070"/>
+                </a:solidFill>
+                <a:latin typeface="Courier"/>
+              </a:rPr>
+              <a:t>2</a:t>
+            </a:r>
+            <a:r>
+              <a:rPr>
+                <a:latin typeface="Courier"/>
+              </a:rPr>
+              <a:t>, </a:t>
+            </a:r>
+            <a:r>
+              <a:rPr>
+                <a:solidFill>
+                  <a:srgbClr val="7D9029"/>
+                </a:solidFill>
+                <a:latin typeface="Courier"/>
+              </a:rPr>
+              <a:t>mean=</a:t>
+            </a:r>
+            <a:r>
+              <a:rPr>
+                <a:solidFill>
+                  <a:srgbClr val="40A070"/>
+                </a:solidFill>
+                <a:latin typeface="Courier"/>
+              </a:rPr>
+              <a:t>2</a:t>
+            </a:r>
+            <a:r>
+              <a:rPr>
+                <a:latin typeface="Courier"/>
+              </a:rPr>
+              <a:t>)</a:t>
+            </a:r>
+            <a:br/>
+            <a:r>
+              <a:rPr>
+                <a:latin typeface="Courier"/>
+              </a:rPr>
+              <a:t>w2 </a:t>
+            </a:r>
+            <a:r>
+              <a:rPr>
+                <a:solidFill>
+                  <a:srgbClr val="007020"/>
+                </a:solidFill>
+                <a:latin typeface="Courier"/>
+              </a:rPr>
+              <a:t>&lt;-</a:t>
+            </a:r>
+            <a:r>
+              <a:rPr>
+                <a:latin typeface="Courier"/>
+              </a:rPr>
+              <a:t> </a:t>
+            </a:r>
+            <a:r>
+              <a:rPr>
+                <a:solidFill>
+                  <a:srgbClr val="06287E"/>
+                </a:solidFill>
+                <a:latin typeface="Courier"/>
+              </a:rPr>
+              <a:t>arima.sim</a:t>
+            </a:r>
+            <a:r>
+              <a:rPr>
+                <a:latin typeface="Courier"/>
+              </a:rPr>
+              <a:t>(</a:t>
+            </a:r>
+            <a:r>
+              <a:rPr>
+                <a:solidFill>
+                  <a:srgbClr val="06287E"/>
+                </a:solidFill>
+                <a:latin typeface="Courier"/>
+              </a:rPr>
+              <a:t>list</a:t>
+            </a:r>
+            <a:r>
+              <a:rPr>
+                <a:latin typeface="Courier"/>
+              </a:rPr>
+              <a:t>(</a:t>
+            </a:r>
+            <a:r>
+              <a:rPr>
+                <a:solidFill>
+                  <a:srgbClr val="7D9029"/>
+                </a:solidFill>
+                <a:latin typeface="Courier"/>
+              </a:rPr>
+              <a:t>order =</a:t>
+            </a:r>
+            <a:r>
+              <a:rPr>
+                <a:latin typeface="Courier"/>
+              </a:rPr>
+              <a:t> </a:t>
+            </a:r>
+            <a:r>
+              <a:rPr>
+                <a:solidFill>
+                  <a:srgbClr val="06287E"/>
+                </a:solidFill>
+                <a:latin typeface="Courier"/>
+              </a:rPr>
+              <a:t>c</a:t>
+            </a:r>
+            <a:r>
+              <a:rPr>
+                <a:latin typeface="Courier"/>
+              </a:rPr>
+              <a:t>(</a:t>
+            </a:r>
+            <a:r>
+              <a:rPr>
+                <a:solidFill>
+                  <a:srgbClr val="40A070"/>
+                </a:solidFill>
+                <a:latin typeface="Courier"/>
+              </a:rPr>
+              <a:t>0</a:t>
+            </a:r>
+            <a:r>
+              <a:rPr>
+                <a:latin typeface="Courier"/>
+              </a:rPr>
+              <a:t>,</a:t>
+            </a:r>
+            <a:r>
+              <a:rPr>
+                <a:solidFill>
+                  <a:srgbClr val="40A070"/>
+                </a:solidFill>
+                <a:latin typeface="Courier"/>
+              </a:rPr>
+              <a:t>1</a:t>
+            </a:r>
+            <a:r>
+              <a:rPr>
+                <a:latin typeface="Courier"/>
+              </a:rPr>
+              <a:t>,</a:t>
+            </a:r>
+            <a:r>
+              <a:rPr>
+                <a:solidFill>
+                  <a:srgbClr val="40A070"/>
+                </a:solidFill>
+                <a:latin typeface="Courier"/>
+              </a:rPr>
+              <a:t>0</a:t>
+            </a:r>
+            <a:r>
+              <a:rPr>
+                <a:latin typeface="Courier"/>
+              </a:rPr>
+              <a:t>)), </a:t>
+            </a:r>
+            <a:r>
+              <a:rPr>
+                <a:solidFill>
+                  <a:srgbClr val="7D9029"/>
+                </a:solidFill>
+                <a:latin typeface="Courier"/>
+              </a:rPr>
+              <a:t>n =</a:t>
+            </a:r>
+            <a:r>
+              <a:rPr>
+                <a:latin typeface="Courier"/>
+              </a:rPr>
+              <a:t> </a:t>
+            </a:r>
+            <a:r>
+              <a:rPr>
+                <a:solidFill>
+                  <a:srgbClr val="40A070"/>
+                </a:solidFill>
+                <a:latin typeface="Courier"/>
+              </a:rPr>
+              <a:t>200</a:t>
+            </a:r>
+            <a:r>
+              <a:rPr>
+                <a:latin typeface="Courier"/>
+              </a:rPr>
+              <a:t>, </a:t>
+            </a:r>
+            <a:r>
+              <a:rPr>
+                <a:solidFill>
+                  <a:srgbClr val="7D9029"/>
+                </a:solidFill>
+                <a:latin typeface="Courier"/>
+              </a:rPr>
+              <a:t>sd=</a:t>
+            </a:r>
+            <a:r>
+              <a:rPr>
+                <a:solidFill>
+                  <a:srgbClr val="40A070"/>
+                </a:solidFill>
+                <a:latin typeface="Courier"/>
+              </a:rPr>
+              <a:t>3</a:t>
+            </a:r>
+            <a:r>
+              <a:rPr>
+                <a:latin typeface="Courier"/>
+              </a:rPr>
+              <a:t>, </a:t>
+            </a:r>
+            <a:r>
+              <a:rPr>
+                <a:solidFill>
+                  <a:srgbClr val="7D9029"/>
+                </a:solidFill>
+                <a:latin typeface="Courier"/>
+              </a:rPr>
+              <a:t>mean=</a:t>
+            </a:r>
+            <a:r>
+              <a:rPr>
+                <a:solidFill>
+                  <a:srgbClr val="40A070"/>
+                </a:solidFill>
+                <a:latin typeface="Courier"/>
+              </a:rPr>
+              <a:t>2</a:t>
+            </a:r>
+            <a:r>
+              <a:rPr>
+                <a:latin typeface="Courier"/>
+              </a:rPr>
+              <a:t>)</a:t>
+            </a:r>
+            <a:br/>
+            <a:r>
+              <a:rPr>
+                <a:latin typeface="Courier"/>
+              </a:rPr>
+              <a:t>w3 </a:t>
+            </a:r>
+            <a:r>
+              <a:rPr>
+                <a:solidFill>
+                  <a:srgbClr val="007020"/>
+                </a:solidFill>
+                <a:latin typeface="Courier"/>
+              </a:rPr>
+              <a:t>&lt;-</a:t>
+            </a:r>
+            <a:r>
+              <a:rPr>
+                <a:latin typeface="Courier"/>
+              </a:rPr>
+              <a:t> </a:t>
+            </a:r>
+            <a:r>
+              <a:rPr>
+                <a:solidFill>
+                  <a:srgbClr val="06287E"/>
+                </a:solidFill>
+                <a:latin typeface="Courier"/>
+              </a:rPr>
+              <a:t>arima.sim</a:t>
+            </a:r>
+            <a:r>
+              <a:rPr>
+                <a:latin typeface="Courier"/>
+              </a:rPr>
+              <a:t>(</a:t>
+            </a:r>
+            <a:r>
+              <a:rPr>
+                <a:solidFill>
+                  <a:srgbClr val="06287E"/>
+                </a:solidFill>
+                <a:latin typeface="Courier"/>
+              </a:rPr>
+              <a:t>list</a:t>
+            </a:r>
+            <a:r>
+              <a:rPr>
+                <a:latin typeface="Courier"/>
+              </a:rPr>
+              <a:t>(</a:t>
+            </a:r>
+            <a:r>
+              <a:rPr>
+                <a:solidFill>
+                  <a:srgbClr val="7D9029"/>
+                </a:solidFill>
+                <a:latin typeface="Courier"/>
+              </a:rPr>
+              <a:t>order =</a:t>
+            </a:r>
+            <a:r>
+              <a:rPr>
+                <a:latin typeface="Courier"/>
+              </a:rPr>
+              <a:t> </a:t>
+            </a:r>
+            <a:r>
+              <a:rPr>
+                <a:solidFill>
+                  <a:srgbClr val="06287E"/>
+                </a:solidFill>
+                <a:latin typeface="Courier"/>
+              </a:rPr>
+              <a:t>c</a:t>
+            </a:r>
+            <a:r>
+              <a:rPr>
+                <a:latin typeface="Courier"/>
+              </a:rPr>
+              <a:t>(</a:t>
+            </a:r>
+            <a:r>
+              <a:rPr>
+                <a:solidFill>
+                  <a:srgbClr val="40A070"/>
+                </a:solidFill>
+                <a:latin typeface="Courier"/>
+              </a:rPr>
+              <a:t>0</a:t>
+            </a:r>
+            <a:r>
+              <a:rPr>
+                <a:latin typeface="Courier"/>
+              </a:rPr>
+              <a:t>,</a:t>
+            </a:r>
+            <a:r>
+              <a:rPr>
+                <a:solidFill>
+                  <a:srgbClr val="40A070"/>
+                </a:solidFill>
+                <a:latin typeface="Courier"/>
+              </a:rPr>
+              <a:t>1</a:t>
+            </a:r>
+            <a:r>
+              <a:rPr>
+                <a:latin typeface="Courier"/>
+              </a:rPr>
+              <a:t>,</a:t>
+            </a:r>
+            <a:r>
+              <a:rPr>
+                <a:solidFill>
+                  <a:srgbClr val="40A070"/>
+                </a:solidFill>
+                <a:latin typeface="Courier"/>
+              </a:rPr>
+              <a:t>0</a:t>
+            </a:r>
+            <a:r>
+              <a:rPr>
+                <a:latin typeface="Courier"/>
+              </a:rPr>
+              <a:t>)), </a:t>
+            </a:r>
+            <a:r>
+              <a:rPr>
+                <a:solidFill>
+                  <a:srgbClr val="7D9029"/>
+                </a:solidFill>
+                <a:latin typeface="Courier"/>
+              </a:rPr>
+              <a:t>n =</a:t>
+            </a:r>
+            <a:r>
+              <a:rPr>
+                <a:latin typeface="Courier"/>
+              </a:rPr>
+              <a:t> </a:t>
+            </a:r>
+            <a:r>
+              <a:rPr>
+                <a:solidFill>
+                  <a:srgbClr val="40A070"/>
+                </a:solidFill>
+                <a:latin typeface="Courier"/>
+              </a:rPr>
+              <a:t>200</a:t>
+            </a:r>
+            <a:r>
+              <a:rPr>
+                <a:latin typeface="Courier"/>
+              </a:rPr>
+              <a:t>, </a:t>
+            </a:r>
+            <a:r>
+              <a:rPr>
+                <a:solidFill>
+                  <a:srgbClr val="7D9029"/>
+                </a:solidFill>
+                <a:latin typeface="Courier"/>
+              </a:rPr>
+              <a:t>sd=</a:t>
+            </a:r>
+            <a:r>
+              <a:rPr>
+                <a:solidFill>
+                  <a:srgbClr val="40A070"/>
+                </a:solidFill>
+                <a:latin typeface="Courier"/>
+              </a:rPr>
+              <a:t>4</a:t>
+            </a:r>
+            <a:r>
+              <a:rPr>
+                <a:latin typeface="Courier"/>
+              </a:rPr>
+              <a:t>, </a:t>
+            </a:r>
+            <a:r>
+              <a:rPr>
+                <a:solidFill>
+                  <a:srgbClr val="7D9029"/>
+                </a:solidFill>
+                <a:latin typeface="Courier"/>
+              </a:rPr>
+              <a:t>mean=</a:t>
+            </a:r>
+            <a:r>
+              <a:rPr>
+                <a:solidFill>
+                  <a:srgbClr val="40A070"/>
+                </a:solidFill>
+                <a:latin typeface="Courier"/>
+              </a:rPr>
+              <a:t>2</a:t>
+            </a:r>
+            <a:r>
+              <a:rPr>
+                <a:latin typeface="Courier"/>
+              </a:rPr>
+              <a:t>)</a:t>
+            </a:r>
+          </a:p>
+        </p:txBody>
+      </p:sp>
+    </p:spTree>
+  </p:cSld>
+</p:sld>
+</file>
+
+<file path=ppt/slides/slide24.xml><?xml version="1.0" encoding="utf-8"?>
+<p:sld xmlns:a="http://schemas.openxmlformats.org/drawingml/2006/main" xmlns:r="http://schemas.openxmlformats.org/officeDocument/2006/relationships" xmlns:p="http://schemas.openxmlformats.org/presentationml/2006/main">
+  <p:cSld>
+    <p:spTree>
+      <p:nvGrpSpPr>
+        <p:cNvPr id="1" name=""/>
+        <p:cNvGrpSpPr/>
+        <p:nvPr/>
+      </p:nvGrpSpPr>
+      <p:grpSpPr>
+        <a:xfrm>
+          <a:off x="0" y="0"/>
+          <a:ext cx="0" cy="0"/>
+          <a:chOff x="0" y="0"/>
+          <a:chExt cx="0" cy="0"/>
+        </a:xfrm>
+      </p:grpSpPr>
+      <p:sp>
+        <p:nvSpPr>
+          <p:cNvPr id="2" name="Title 1"/>
+          <p:cNvSpPr>
+            <a:spLocks noGrp="1"/>
+          </p:cNvSpPr>
+          <p:nvPr>
+            <p:ph type="title"/>
+          </p:nvPr>
+        </p:nvSpPr>
+        <p:spPr/>
+        <p:txBody>
+          <a:bodyPr/>
+          <a:lstStyle/>
+          <a:p>
+            <a:pPr lvl="0" marL="0" indent="0">
+              <a:buNone/>
+            </a:pPr>
+            <a:r>
+              <a:rPr/>
+              <a:t>Simulate</a:t>
+            </a:r>
+            <a:r>
+              <a:rPr/>
+              <a:t> </a:t>
+            </a:r>
+            <a:r>
+              <a:rPr/>
+              <a:t>non-stationary</a:t>
+            </a:r>
+            <a:r>
+              <a:rPr/>
+              <a:t> </a:t>
+            </a:r>
+            <a:r>
+              <a:rPr/>
+              <a:t>response</a:t>
+            </a:r>
+          </a:p>
+        </p:txBody>
+      </p:sp>
+      <mc:AlternateContent xmlns:mc="http://schemas.openxmlformats.org/markup-compatibility/2006">
+        <mc:Choice xmlns:a14="http://schemas.microsoft.com/office/drawing/2010/main" Requires="a14">
+          <p:sp>
+            <p:nvSpPr>
+              <p:cNvPr id="3" name="Content Placeholder 2"/>
+              <p:cNvSpPr>
+                <a:spLocks noGrp="1"/>
+              </p:cNvSpPr>
+              <p:nvPr>
+                <p:ph idx="1"/>
+              </p:nvPr>
+            </p:nvSpPr>
+            <p:spPr/>
+            <p:txBody>
+              <a:bodyPr/>
+              <a:lstStyle/>
+              <a:p>
+                <a:pPr lvl="1"/>
+                <a:r>
+                  <a:rPr/>
+                  <a:t>Suppose </a:t>
+                </a:r>
+                <a14:m>
+                  <m:oMath xmlns:m="http://schemas.openxmlformats.org/officeDocument/2006/math">
+                    <m:sSub>
+                      <m:e>
+                        <m:r>
+                          <m:t>z</m:t>
+                        </m:r>
+                      </m:e>
+                      <m:sub>
+                        <m:r>
+                          <m:t>t</m:t>
+                        </m:r>
+                      </m:sub>
+                    </m:sSub>
+                  </m:oMath>
+                </a14:m>
+                <a:r>
+                  <a:rPr/>
+                  <a:t> is a random walk and does </a:t>
+                </a:r>
+                <a:r>
+                  <a:rPr b="1"/>
+                  <a:t>not</a:t>
+                </a:r>
+                <a:r>
+                  <a:rPr/>
+                  <a:t> depend on any predictors</a:t>
+                </a:r>
+              </a:p>
+              <a:p>
+                <a:pPr lvl="0" marL="0" indent="0">
+                  <a:buNone/>
+                </a:pPr>
+                <a14:m>
+                  <m:oMathPara xmlns:m="http://schemas.openxmlformats.org/officeDocument/2006/math">
+                    <m:oMathParaPr>
+                      <m:jc m:val="center"/>
+                    </m:oMathParaPr>
+                    <m:oMath>
+                      <m:sSub>
+                        <m:e>
+                          <m:r>
+                            <m:t>z</m:t>
+                          </m:r>
+                        </m:e>
+                        <m:sub>
+                          <m:r>
+                            <m:t>t</m:t>
+                          </m:r>
+                        </m:sub>
+                      </m:sSub>
+                      <m:r>
+                        <m:rPr>
+                          <m:sty m:val="p"/>
+                        </m:rPr>
+                        <m:t>=</m:t>
+                      </m:r>
+                      <m:sSub>
+                        <m:e>
+                          <m:r>
+                            <m:t>z</m:t>
+                          </m:r>
+                        </m:e>
+                        <m:sub>
+                          <m:r>
+                            <m:t>t</m:t>
+                          </m:r>
+                          <m:r>
+                            <m:rPr>
+                              <m:sty m:val="p"/>
+                            </m:rPr>
+                            <m:t>−</m:t>
+                          </m:r>
+                          <m:r>
+                            <m:t>1</m:t>
+                          </m:r>
+                        </m:sub>
+                      </m:sSub>
+                      <m:r>
+                        <m:rPr>
+                          <m:sty m:val="p"/>
+                        </m:rPr>
+                        <m:t>+</m:t>
+                      </m:r>
+                      <m:sSub>
+                        <m:e>
+                          <m:r>
+                            <m:t>v</m:t>
+                          </m:r>
+                        </m:e>
+                        <m:sub>
+                          <m:r>
+                            <m:t>t</m:t>
+                          </m:r>
+                        </m:sub>
+                      </m:sSub>
+                    </m:oMath>
+                  </m:oMathPara>
+                </a14:m>
+              </a:p>
+              <a:p>
+                <a:pPr lvl="0" marL="0" indent="0">
+                  <a:buNone/>
+                </a:pPr>
+                <a14:m>
+                  <m:oMathPara xmlns:m="http://schemas.openxmlformats.org/officeDocument/2006/math">
+                    <m:oMathParaPr>
+                      <m:jc m:val="center"/>
+                    </m:oMathParaPr>
+                    <m:oMath>
+                      <m:sSub>
+                        <m:e>
+                          <m:r>
+                            <m:t>v</m:t>
+                          </m:r>
+                        </m:e>
+                        <m:sub>
+                          <m:r>
+                            <m:t>t</m:t>
+                          </m:r>
+                        </m:sub>
+                      </m:sSub>
+                      <m:r>
+                        <m:rPr>
+                          <m:sty m:val="p"/>
+                        </m:rPr>
+                        <m:t>∼</m:t>
+                      </m:r>
+                      <m:r>
+                        <m:rPr>
+                          <m:sty m:val="p"/>
+                          <m:scr m:val="script"/>
+                        </m:rPr>
+                        <m:t>N</m:t>
+                      </m:r>
+                      <m:d>
+                        <m:dPr>
+                          <m:begChr m:val="("/>
+                          <m:endChr m:val=")"/>
+                          <m:sepChr m:val=""/>
+                          <m:grow/>
+                        </m:dPr>
+                        <m:e>
+                          <m:r>
+                            <m:t>0</m:t>
+                          </m:r>
+                          <m:r>
+                            <m:rPr>
+                              <m:sty m:val="p"/>
+                            </m:rPr>
+                            <m:t>,</m:t>
+                          </m:r>
+                          <m:sSup>
+                            <m:e>
+                              <m:r>
+                                <m:t>σ</m:t>
+                              </m:r>
+                            </m:e>
+                            <m:sup>
+                              <m:r>
+                                <m:t>2</m:t>
+                              </m:r>
+                            </m:sup>
+                          </m:sSup>
+                        </m:e>
+                      </m:d>
+                    </m:oMath>
+                  </m:oMathPara>
+                </a14:m>
+              </a:p>
+              <a:p>
+                <a:pPr lvl="1"/>
+                <a:r>
+                  <a:rPr/>
+                  <a:t>The predictors </a:t>
+                </a:r>
+                <a14:m>
+                  <m:oMath xmlns:m="http://schemas.openxmlformats.org/officeDocument/2006/math">
+                    <m:sSub>
+                      <m:e>
+                        <m:r>
+                          <m:t>w</m:t>
+                        </m:r>
+                      </m:e>
+                      <m:sub>
+                        <m:r>
+                          <m:t>1</m:t>
+                        </m:r>
+                      </m:sub>
+                    </m:sSub>
+                  </m:oMath>
+                </a14:m>
+                <a:r>
+                  <a:rPr/>
+                  <a:t>, </a:t>
+                </a:r>
+                <a14:m>
+                  <m:oMath xmlns:m="http://schemas.openxmlformats.org/officeDocument/2006/math">
+                    <m:sSub>
+                      <m:e>
+                        <m:r>
+                          <m:t>w</m:t>
+                        </m:r>
+                      </m:e>
+                      <m:sub>
+                        <m:r>
+                          <m:t>2</m:t>
+                        </m:r>
+                      </m:sub>
+                    </m:sSub>
+                  </m:oMath>
+                </a14:m>
+                <a:r>
+                  <a:rPr/>
+                  <a:t>, </a:t>
+                </a:r>
+                <a14:m>
+                  <m:oMath xmlns:m="http://schemas.openxmlformats.org/officeDocument/2006/math">
+                    <m:sSub>
+                      <m:e>
+                        <m:r>
+                          <m:t>w</m:t>
+                        </m:r>
+                      </m:e>
+                      <m:sub>
+                        <m:r>
+                          <m:t>3</m:t>
+                        </m:r>
+                      </m:sub>
+                    </m:sSub>
+                  </m:oMath>
+                </a14:m>
+                <a:r>
+                  <a:rPr/>
+                  <a:t> should not affect </a:t>
+                </a:r>
+                <a14:m>
+                  <m:oMath xmlns:m="http://schemas.openxmlformats.org/officeDocument/2006/math">
+                    <m:sSub>
+                      <m:e>
+                        <m:r>
+                          <m:t>z</m:t>
+                        </m:r>
+                      </m:e>
+                      <m:sub>
+                        <m:r>
+                          <m:t>t</m:t>
+                        </m:r>
+                      </m:sub>
+                    </m:sSub>
+                  </m:oMath>
+                </a14:m>
+              </a:p>
+              <a:p>
+                <a:pPr lvl="0" marL="0" indent="0">
+                  <a:buNone/>
+                </a:pPr>
+              </a:p>
+              <a:p>
+                <a:pPr lvl="0" indent="0">
+                  <a:buNone/>
+                </a:pPr>
+                <a:r>
+                  <a:rPr>
+                    <a:latin typeface="Courier"/>
+                  </a:rPr>
+                  <a:t>z </a:t>
+                </a:r>
+                <a:r>
+                  <a:rPr>
+                    <a:solidFill>
+                      <a:srgbClr val="007020"/>
+                    </a:solidFill>
+                    <a:latin typeface="Courier"/>
+                  </a:rPr>
+                  <a:t>&lt;-</a:t>
+                </a:r>
+                <a:r>
+                  <a:rPr>
+                    <a:latin typeface="Courier"/>
+                  </a:rPr>
+                  <a:t> </a:t>
+                </a:r>
+                <a:r>
+                  <a:rPr>
+                    <a:solidFill>
+                      <a:srgbClr val="06287E"/>
+                    </a:solidFill>
+                    <a:latin typeface="Courier"/>
+                  </a:rPr>
+                  <a:t>arima.sim</a:t>
+                </a:r>
+                <a:r>
+                  <a:rPr>
+                    <a:latin typeface="Courier"/>
+                  </a:rPr>
+                  <a:t>(</a:t>
+                </a:r>
+                <a:r>
+                  <a:rPr>
+                    <a:solidFill>
+                      <a:srgbClr val="06287E"/>
+                    </a:solidFill>
+                    <a:latin typeface="Courier"/>
+                  </a:rPr>
+                  <a:t>list</a:t>
+                </a:r>
+                <a:r>
+                  <a:rPr>
+                    <a:latin typeface="Courier"/>
+                  </a:rPr>
+                  <a:t>(</a:t>
+                </a:r>
+                <a:r>
+                  <a:rPr>
+                    <a:solidFill>
+                      <a:srgbClr val="7D9029"/>
+                    </a:solidFill>
+                    <a:latin typeface="Courier"/>
+                  </a:rPr>
+                  <a:t>order =</a:t>
+                </a:r>
+                <a:r>
+                  <a:rPr>
+                    <a:latin typeface="Courier"/>
+                  </a:rPr>
+                  <a:t> </a:t>
+                </a:r>
+                <a:r>
+                  <a:rPr>
+                    <a:solidFill>
+                      <a:srgbClr val="06287E"/>
+                    </a:solidFill>
+                    <a:latin typeface="Courier"/>
+                  </a:rPr>
+                  <a:t>c</a:t>
+                </a:r>
+                <a:r>
+                  <a:rPr>
+                    <a:latin typeface="Courier"/>
+                  </a:rPr>
+                  <a:t>(</a:t>
+                </a:r>
+                <a:r>
+                  <a:rPr>
+                    <a:solidFill>
+                      <a:srgbClr val="40A070"/>
+                    </a:solidFill>
+                    <a:latin typeface="Courier"/>
+                  </a:rPr>
+                  <a:t>0</a:t>
+                </a:r>
+                <a:r>
+                  <a:rPr>
+                    <a:latin typeface="Courier"/>
+                  </a:rPr>
+                  <a:t>,</a:t>
+                </a:r>
+                <a:r>
+                  <a:rPr>
+                    <a:solidFill>
+                      <a:srgbClr val="40A070"/>
+                    </a:solidFill>
+                    <a:latin typeface="Courier"/>
+                  </a:rPr>
+                  <a:t>1</a:t>
+                </a:r>
+                <a:r>
+                  <a:rPr>
+                    <a:latin typeface="Courier"/>
+                  </a:rPr>
+                  <a:t>,</a:t>
+                </a:r>
+                <a:r>
+                  <a:rPr>
+                    <a:solidFill>
+                      <a:srgbClr val="40A070"/>
+                    </a:solidFill>
+                    <a:latin typeface="Courier"/>
+                  </a:rPr>
+                  <a:t>0</a:t>
+                </a:r>
+                <a:r>
+                  <a:rPr>
+                    <a:latin typeface="Courier"/>
+                  </a:rPr>
+                  <a:t>)), </a:t>
+                </a:r>
+                <a:r>
+                  <a:rPr>
+                    <a:solidFill>
+                      <a:srgbClr val="7D9029"/>
+                    </a:solidFill>
+                    <a:latin typeface="Courier"/>
+                  </a:rPr>
+                  <a:t>n =</a:t>
+                </a:r>
+                <a:r>
+                  <a:rPr>
+                    <a:latin typeface="Courier"/>
+                  </a:rPr>
+                  <a:t> </a:t>
+                </a:r>
+                <a:r>
+                  <a:rPr>
+                    <a:solidFill>
+                      <a:srgbClr val="40A070"/>
+                    </a:solidFill>
+                    <a:latin typeface="Courier"/>
+                  </a:rPr>
+                  <a:t>200</a:t>
+                </a:r>
+                <a:r>
+                  <a:rPr>
+                    <a:latin typeface="Courier"/>
+                  </a:rPr>
+                  <a:t>, </a:t>
+                </a:r>
+                <a:r>
+                  <a:rPr>
+                    <a:solidFill>
+                      <a:srgbClr val="7D9029"/>
+                    </a:solidFill>
+                    <a:latin typeface="Courier"/>
+                  </a:rPr>
+                  <a:t>sd=</a:t>
+                </a:r>
+                <a:r>
+                  <a:rPr>
+                    <a:solidFill>
+                      <a:srgbClr val="40A070"/>
+                    </a:solidFill>
+                    <a:latin typeface="Courier"/>
+                  </a:rPr>
+                  <a:t>5</a:t>
+                </a:r>
+                <a:r>
+                  <a:rPr>
+                    <a:latin typeface="Courier"/>
+                  </a:rPr>
+                  <a:t>, </a:t>
+                </a:r>
+                <a:r>
+                  <a:rPr>
+                    <a:solidFill>
+                      <a:srgbClr val="7D9029"/>
+                    </a:solidFill>
+                    <a:latin typeface="Courier"/>
+                  </a:rPr>
+                  <a:t>mean=</a:t>
+                </a:r>
+                <a:r>
+                  <a:rPr>
+                    <a:solidFill>
+                      <a:srgbClr val="40A070"/>
+                    </a:solidFill>
+                    <a:latin typeface="Courier"/>
+                  </a:rPr>
+                  <a:t>0</a:t>
+                </a:r>
+                <a:r>
+                  <a:rPr>
+                    <a:latin typeface="Courier"/>
+                  </a:rPr>
+                  <a:t>)</a:t>
+                </a:r>
+                <a:br/>
+                <a:br/>
+                <a:r>
+                  <a:rPr i="1">
+                    <a:solidFill>
+                      <a:srgbClr val="BA2121"/>
+                    </a:solidFill>
+                    <a:latin typeface="Courier"/>
+                  </a:rPr>
+                  <a:t>## w1, w2, w3 are not part of the dgp (and z is a random walk)</a:t>
+                </a:r>
+                <a:br/>
+                <a:br/>
+                <a:r>
+                  <a:rPr>
+                    <a:latin typeface="Courier"/>
+                  </a:rPr>
+                  <a:t>df_nonstationary </a:t>
+                </a:r>
+                <a:r>
+                  <a:rPr>
+                    <a:solidFill>
+                      <a:srgbClr val="007020"/>
+                    </a:solidFill>
+                    <a:latin typeface="Courier"/>
+                  </a:rPr>
+                  <a:t>&lt;-</a:t>
+                </a:r>
+                <a:r>
+                  <a:rPr>
+                    <a:latin typeface="Courier"/>
+                  </a:rPr>
+                  <a:t> </a:t>
+                </a:r>
+                <a:r>
+                  <a:rPr>
+                    <a:solidFill>
+                      <a:srgbClr val="06287E"/>
+                    </a:solidFill>
+                    <a:latin typeface="Courier"/>
+                  </a:rPr>
+                  <a:t>data.frame</a:t>
+                </a:r>
+                <a:r>
+                  <a:rPr>
+                    <a:latin typeface="Courier"/>
+                  </a:rPr>
+                  <a:t>(</a:t>
+                </a:r>
+                <a:r>
+                  <a:rPr>
+                    <a:solidFill>
+                      <a:srgbClr val="7D9029"/>
+                    </a:solidFill>
+                    <a:latin typeface="Courier"/>
+                  </a:rPr>
+                  <a:t>z=</a:t>
+                </a:r>
+                <a:r>
+                  <a:rPr>
+                    <a:latin typeface="Courier"/>
+                  </a:rPr>
+                  <a:t>z, </a:t>
+                </a:r>
+                <a:r>
+                  <a:rPr>
+                    <a:solidFill>
+                      <a:srgbClr val="7D9029"/>
+                    </a:solidFill>
+                    <a:latin typeface="Courier"/>
+                  </a:rPr>
+                  <a:t>w1=</a:t>
+                </a:r>
+                <a:r>
+                  <a:rPr>
+                    <a:latin typeface="Courier"/>
+                  </a:rPr>
+                  <a:t>w1, </a:t>
+                </a:r>
+                <a:r>
+                  <a:rPr>
+                    <a:solidFill>
+                      <a:srgbClr val="7D9029"/>
+                    </a:solidFill>
+                    <a:latin typeface="Courier"/>
+                  </a:rPr>
+                  <a:t>w2=</a:t>
+                </a:r>
+                <a:r>
+                  <a:rPr>
+                    <a:latin typeface="Courier"/>
+                  </a:rPr>
+                  <a:t>w2, </a:t>
+                </a:r>
+                <a:r>
+                  <a:rPr>
+                    <a:solidFill>
+                      <a:srgbClr val="7D9029"/>
+                    </a:solidFill>
+                    <a:latin typeface="Courier"/>
+                  </a:rPr>
+                  <a:t>w3=</a:t>
+                </a:r>
+                <a:r>
+                  <a:rPr>
+                    <a:latin typeface="Courier"/>
+                  </a:rPr>
+                  <a:t>w3, </a:t>
+                </a:r>
+                <a:r>
+                  <a:rPr>
+                    <a:solidFill>
+                      <a:srgbClr val="7D9029"/>
+                    </a:solidFill>
+                    <a:latin typeface="Courier"/>
+                  </a:rPr>
+                  <a:t>t=</a:t>
+                </a:r>
+                <a:r>
+                  <a:rPr>
+                    <a:solidFill>
+                      <a:srgbClr val="40A070"/>
+                    </a:solidFill>
+                    <a:latin typeface="Courier"/>
+                  </a:rPr>
+                  <a:t>1</a:t>
+                </a:r>
+                <a:r>
+                  <a:rPr>
+                    <a:solidFill>
+                      <a:srgbClr val="4070A0"/>
+                    </a:solidFill>
+                    <a:latin typeface="Courier"/>
+                  </a:rPr>
+                  <a:t>:</a:t>
+                </a:r>
+                <a:r>
+                  <a:rPr>
+                    <a:solidFill>
+                      <a:srgbClr val="06287E"/>
+                    </a:solidFill>
+                    <a:latin typeface="Courier"/>
+                  </a:rPr>
+                  <a:t>length</a:t>
+                </a:r>
+                <a:r>
+                  <a:rPr>
+                    <a:latin typeface="Courier"/>
+                  </a:rPr>
+                  <a:t>(z))</a:t>
+                </a:r>
+              </a:p>
+            </p:txBody>
+          </p:sp>
+        </mc:Choice>
+      </mc:AlternateContent>
+    </p:spTree>
+  </p:cSld>
+</p:sld>
+</file>
+
+<file path=ppt/slides/slide25.xml><?xml version="1.0" encoding="utf-8"?>
+<p:sld xmlns:a="http://schemas.openxmlformats.org/drawingml/2006/main" xmlns:r="http://schemas.openxmlformats.org/officeDocument/2006/relationships" xmlns:p="http://schemas.openxmlformats.org/presentationml/2006/main">
+  <p:cSld>
+    <p:spTree>
+      <p:nvGrpSpPr>
+        <p:cNvPr id="1" name=""/>
+        <p:cNvGrpSpPr/>
+        <p:nvPr/>
+      </p:nvGrpSpPr>
+      <p:grpSpPr>
+        <a:xfrm>
+          <a:off x="0" y="0"/>
+          <a:ext cx="0" cy="0"/>
+          <a:chOff x="0" y="0"/>
+          <a:chExt cx="0" cy="0"/>
+        </a:xfrm>
+      </p:grpSpPr>
+      <p:sp>
+        <p:nvSpPr>
+          <p:cNvPr id="2" name="Title 1"/>
+          <p:cNvSpPr>
+            <a:spLocks noGrp="1"/>
+          </p:cNvSpPr>
+          <p:nvPr>
+            <p:ph type="title"/>
+          </p:nvPr>
+        </p:nvSpPr>
+        <p:spPr/>
+        <p:txBody>
+          <a:bodyPr/>
+          <a:lstStyle/>
+          <a:p>
+            <a:pPr lvl="0" marL="0" indent="0">
+              <a:buNone/>
+            </a:pPr>
+            <a:r>
+              <a:rPr/>
+              <a:t>Plot</a:t>
+            </a:r>
+            <a:r>
+              <a:rPr/>
+              <a:t> </a:t>
+            </a:r>
+            <a:r>
+              <a:rPr/>
+              <a:t>simulated</a:t>
+            </a:r>
+            <a:r>
+              <a:rPr/>
+              <a:t> </a:t>
+            </a:r>
+            <a:r>
+              <a:rPr/>
+              <a:t>data</a:t>
+            </a:r>
+            <a:r>
+              <a:rPr/>
+              <a:t> </a:t>
+            </a:r>
+            <a:r>
+              <a:rPr/>
+              <a:t>(first</a:t>
+            </a:r>
+            <a:r>
+              <a:rPr/>
+              <a:t> </a:t>
+            </a:r>
+            <a:r>
+              <a:rPr/>
+              <a:t>50</a:t>
+            </a:r>
+            <a:r>
+              <a:rPr/>
+              <a:t> </a:t>
+            </a:r>
+            <a:r>
+              <a:rPr/>
+              <a:t>obs)</a:t>
+            </a:r>
+          </a:p>
+        </p:txBody>
+      </p:sp>
+      <p:pic>
+        <p:nvPicPr>
+          <p:cNvPr descr="time_series_regression_files/figure-pptx/unnamed-chunk-17-1.png" id="0" name="Picture 1"/>
+          <p:cNvPicPr>
+            <a:picLocks noGrp="1" noChangeAspect="1"/>
+          </p:cNvPicPr>
+          <p:nvPr/>
+        </p:nvPicPr>
+        <p:blipFill>
+          <a:blip r:embed="rId2"/>
+          <a:stretch>
+            <a:fillRect/>
+          </a:stretch>
+        </p:blipFill>
+        <p:spPr bwMode="auto">
+          <a:xfrm>
+            <a:off x="1574800" y="1600200"/>
+            <a:ext cx="9042400" cy="4521200"/>
+          </a:xfrm>
+          <a:prstGeom prst="rect">
+            <a:avLst/>
+          </a:prstGeom>
+          <a:noFill/>
+          <a:ln w="9525">
+            <a:noFill/>
+            <a:headEnd/>
+            <a:tailEnd/>
+          </a:ln>
+        </p:spPr>
+      </p:pic>
+    </p:spTree>
+  </p:cSld>
+</p:sld>
+</file>
+
+<file path=ppt/slides/slide26.xml><?xml version="1.0" encoding="utf-8"?>
+<p:sld xmlns:a="http://schemas.openxmlformats.org/drawingml/2006/main" xmlns:r="http://schemas.openxmlformats.org/officeDocument/2006/relationships" xmlns:p="http://schemas.openxmlformats.org/presentationml/2006/main">
+  <p:cSld>
+    <p:spTree>
+      <p:nvGrpSpPr>
+        <p:cNvPr id="1" name=""/>
+        <p:cNvGrpSpPr/>
+        <p:nvPr/>
+      </p:nvGrpSpPr>
+      <p:grpSpPr>
+        <a:xfrm>
+          <a:off x="0" y="0"/>
+          <a:ext cx="0" cy="0"/>
+          <a:chOff x="0" y="0"/>
+          <a:chExt cx="0" cy="0"/>
+        </a:xfrm>
+      </p:grpSpPr>
+      <p:sp>
+        <p:nvSpPr>
+          <p:cNvPr id="2" name="Title 1"/>
+          <p:cNvSpPr>
+            <a:spLocks noGrp="1"/>
+          </p:cNvSpPr>
+          <p:nvPr>
+            <p:ph type="title"/>
+          </p:nvPr>
+        </p:nvSpPr>
+        <p:spPr/>
+        <p:txBody>
+          <a:bodyPr/>
+          <a:lstStyle/>
+          <a:p>
+            <a:pPr lvl="0" marL="0" indent="0">
+              <a:buNone/>
+            </a:pPr>
+            <a:r>
+              <a:rPr/>
+              <a:t>Split</a:t>
+            </a:r>
+            <a:r>
+              <a:rPr/>
+              <a:t> </a:t>
+            </a:r>
+            <a:r>
+              <a:rPr/>
+              <a:t>between</a:t>
+            </a:r>
+            <a:r>
+              <a:rPr/>
+              <a:t> </a:t>
+            </a:r>
+            <a:r>
+              <a:rPr/>
+              <a:t>train</a:t>
+            </a:r>
+            <a:r>
+              <a:rPr/>
+              <a:t> </a:t>
+            </a:r>
+            <a:r>
+              <a:rPr/>
+              <a:t>and</a:t>
+            </a:r>
+            <a:r>
+              <a:rPr/>
+              <a:t> </a:t>
+            </a:r>
+            <a:r>
+              <a:rPr/>
+              <a:t>test</a:t>
+            </a:r>
+          </a:p>
+        </p:txBody>
+      </p:sp>
+      <p:sp>
+        <p:nvSpPr>
+          <p:cNvPr id="3" name="Content Placeholder 2"/>
+          <p:cNvSpPr>
+            <a:spLocks noGrp="1"/>
+          </p:cNvSpPr>
+          <p:nvPr>
+            <p:ph idx="1"/>
+          </p:nvPr>
+        </p:nvSpPr>
+        <p:spPr/>
+        <p:txBody>
+          <a:bodyPr/>
+          <a:lstStyle/>
+          <a:p>
+            <a:pPr lvl="0" indent="0">
+              <a:buNone/>
+            </a:pPr>
+            <a:r>
+              <a:rPr>
+                <a:latin typeface="Courier"/>
+              </a:rPr>
+              <a:t>train_ns </a:t>
+            </a:r>
+            <a:r>
+              <a:rPr>
+                <a:solidFill>
+                  <a:srgbClr val="007020"/>
+                </a:solidFill>
+                <a:latin typeface="Courier"/>
+              </a:rPr>
+              <a:t>&lt;-</a:t>
+            </a:r>
+            <a:r>
+              <a:rPr>
+                <a:latin typeface="Courier"/>
+              </a:rPr>
+              <a:t> </a:t>
+            </a:r>
+            <a:r>
+              <a:rPr>
+                <a:solidFill>
+                  <a:srgbClr val="06287E"/>
+                </a:solidFill>
+                <a:latin typeface="Courier"/>
+              </a:rPr>
+              <a:t>head</a:t>
+            </a:r>
+            <a:r>
+              <a:rPr>
+                <a:latin typeface="Courier"/>
+              </a:rPr>
+              <a:t>(df_nonstationary, </a:t>
+            </a:r>
+            <a:r>
+              <a:rPr>
+                <a:solidFill>
+                  <a:srgbClr val="40A070"/>
+                </a:solidFill>
+                <a:latin typeface="Courier"/>
+              </a:rPr>
+              <a:t>150</a:t>
+            </a:r>
+            <a:r>
+              <a:rPr>
+                <a:latin typeface="Courier"/>
+              </a:rPr>
+              <a:t>)</a:t>
+            </a:r>
+            <a:br/>
+            <a:r>
+              <a:rPr>
+                <a:latin typeface="Courier"/>
+              </a:rPr>
+              <a:t>test_ns </a:t>
+            </a:r>
+            <a:r>
+              <a:rPr>
+                <a:solidFill>
+                  <a:srgbClr val="007020"/>
+                </a:solidFill>
+                <a:latin typeface="Courier"/>
+              </a:rPr>
+              <a:t>&lt;-</a:t>
+            </a:r>
+            <a:r>
+              <a:rPr>
+                <a:latin typeface="Courier"/>
+              </a:rPr>
+              <a:t> </a:t>
+            </a:r>
+            <a:r>
+              <a:rPr>
+                <a:solidFill>
+                  <a:srgbClr val="06287E"/>
+                </a:solidFill>
+                <a:latin typeface="Courier"/>
+              </a:rPr>
+              <a:t>tail</a:t>
+            </a:r>
+            <a:r>
+              <a:rPr>
+                <a:latin typeface="Courier"/>
+              </a:rPr>
+              <a:t>(df_nonstationary, </a:t>
+            </a:r>
+            <a:r>
+              <a:rPr>
+                <a:solidFill>
+                  <a:srgbClr val="40A070"/>
+                </a:solidFill>
+                <a:latin typeface="Courier"/>
+              </a:rPr>
+              <a:t>52</a:t>
+            </a:r>
+            <a:r>
+              <a:rPr>
+                <a:latin typeface="Courier"/>
+              </a:rPr>
+              <a:t>) </a:t>
+            </a:r>
+            <a:r>
+              <a:rPr i="1">
+                <a:solidFill>
+                  <a:srgbClr val="60A0B0"/>
+                </a:solidFill>
+                <a:latin typeface="Courier"/>
+              </a:rPr>
+              <a:t># helps with plotting</a:t>
+            </a:r>
+          </a:p>
+        </p:txBody>
+      </p:sp>
+    </p:spTree>
+  </p:cSld>
+</p:sld>
+</file>
+
+<file path=ppt/slides/slide27.xml><?xml version="1.0" encoding="utf-8"?>
+<p:sld xmlns:a="http://schemas.openxmlformats.org/drawingml/2006/main" xmlns:r="http://schemas.openxmlformats.org/officeDocument/2006/relationships" xmlns:p="http://schemas.openxmlformats.org/presentationml/2006/main">
+  <p:cSld>
+    <p:spTree>
+      <p:nvGrpSpPr>
+        <p:cNvPr id="1" name=""/>
+        <p:cNvGrpSpPr/>
+        <p:nvPr/>
+      </p:nvGrpSpPr>
+      <p:grpSpPr>
+        <a:xfrm>
+          <a:off x="0" y="0"/>
+          <a:ext cx="0" cy="0"/>
+          <a:chOff x="0" y="0"/>
+          <a:chExt cx="0" cy="0"/>
+        </a:xfrm>
+      </p:grpSpPr>
+      <p:sp>
+        <p:nvSpPr>
+          <p:cNvPr id="2" name="Title 1"/>
+          <p:cNvSpPr>
+            <a:spLocks noGrp="1"/>
+          </p:cNvSpPr>
+          <p:nvPr>
+            <p:ph type="title"/>
+          </p:nvPr>
+        </p:nvSpPr>
+        <p:spPr/>
+        <p:txBody>
+          <a:bodyPr/>
+          <a:lstStyle/>
+          <a:p>
+            <a:pPr lvl="0" marL="0" indent="0">
+              <a:buNone/>
+            </a:pPr>
+            <a:r>
+              <a:rPr/>
+              <a:t>OLS</a:t>
+            </a:r>
+            <a:r>
+              <a:rPr/>
+              <a:t> </a:t>
+            </a:r>
+            <a:r>
+              <a:rPr/>
+              <a:t>ignores</a:t>
+            </a:r>
+            <a:r>
+              <a:rPr/>
+              <a:t> </a:t>
+            </a:r>
+            <a:r>
+              <a:rPr/>
+              <a:t>non-stationary</a:t>
+            </a:r>
+            <a:r>
+              <a:rPr/>
+              <a:t> </a:t>
+            </a:r>
+            <a:r>
+              <a:rPr/>
+              <a:t>errors</a:t>
+            </a:r>
+          </a:p>
+        </p:txBody>
+      </p:sp>
+      <p:graphicFrame>
+        <p:nvGraphicFramePr>
+          <p:cNvPr id="6" name="Content Placeholder 5"/>
+          <p:cNvGraphicFramePr>
+            <a:graphicFrameLocks noGrp="1"/>
+          </p:cNvGraphicFramePr>
+          <p:nvPr>
+            <p:ph idx="1"/>
+          </p:nvPr>
+        </p:nvGraphicFramePr>
+        <p:xfrm>
+          <a:off x="596900" y="1600200"/>
+          <a:ext cx="10960100" cy="2374900"/>
+        </p:xfrm>
+        <a:graphic>
+          <a:graphicData uri="http://schemas.openxmlformats.org/drawingml/2006/table">
+            <a:tbl>
+              <a:tblPr firstRow="1" bandRow="1">
+                <a:tableStyleId>{5C22544A-7EE6-4342-B048-85BDC9FD1C3A}</a:tableStyleId>
+              </a:tblPr>
+              <a:tblGrid>
+                <a:gridCol w="2184400"/>
+                <a:gridCol w="2184400"/>
+                <a:gridCol w="2184400"/>
+                <a:gridCol w="2184400"/>
+                <a:gridCol w="2184400"/>
+              </a:tblGrid>
+              <a:tr h="0">
+                <a:tc>
+                  <a:txBody>
+                    <a:bodyPr/>
+                    <a:lstStyle/>
+                    <a:p>
+                      <a:pPr lvl="0" marL="0" indent="0" algn="l">
+                        <a:buNone/>
+                      </a:pPr>
+                      <a:r>
+                        <a:rPr/>
+                        <a:t>term</a:t>
+                      </a:r>
+                    </a:p>
+                  </a:txBody>
+                  <a:tcPr/>
+                </a:tc>
+                <a:tc>
+                  <a:txBody>
+                    <a:bodyPr/>
+                    <a:lstStyle/>
+                    <a:p>
+                      <a:pPr lvl="0" marL="0" indent="0" algn="r">
+                        <a:buNone/>
+                      </a:pPr>
+                      <a:r>
+                        <a:rPr/>
+                        <a:t>estimate</a:t>
+                      </a:r>
+                    </a:p>
+                  </a:txBody>
+                  <a:tcPr/>
+                </a:tc>
+                <a:tc>
+                  <a:txBody>
+                    <a:bodyPr/>
+                    <a:lstStyle/>
+                    <a:p>
+                      <a:pPr lvl="0" marL="0" indent="0" algn="r">
+                        <a:buNone/>
+                      </a:pPr>
+                      <a:r>
+                        <a:rPr/>
+                        <a:t>std.error</a:t>
+                      </a:r>
+                    </a:p>
+                  </a:txBody>
+                  <a:tcPr/>
+                </a:tc>
+                <a:tc>
+                  <a:txBody>
+                    <a:bodyPr/>
+                    <a:lstStyle/>
+                    <a:p>
+                      <a:pPr lvl="0" marL="0" indent="0" algn="r">
+                        <a:buNone/>
+                      </a:pPr>
+                      <a:r>
+                        <a:rPr/>
+                        <a:t>statistic</a:t>
+                      </a:r>
+                    </a:p>
+                  </a:txBody>
+                  <a:tcPr/>
+                </a:tc>
+                <a:tc>
+                  <a:txBody>
+                    <a:bodyPr/>
+                    <a:lstStyle/>
+                    <a:p>
+                      <a:pPr lvl="0" marL="0" indent="0" algn="r">
+                        <a:buNone/>
+                      </a:pPr>
+                      <a:r>
+                        <a:rPr/>
+                        <a:t>p.value</a:t>
+                      </a:r>
+                    </a:p>
+                  </a:txBody>
+                  <a:tcPr/>
+                </a:tc>
+              </a:tr>
+              <a:tr h="0">
+                <a:tc>
+                  <a:txBody>
+                    <a:bodyPr/>
+                    <a:lstStyle/>
+                    <a:p>
+                      <a:pPr lvl="0" marL="0" indent="0" algn="l">
+                        <a:buNone/>
+                      </a:pPr>
+                      <a:r>
+                        <a:rPr/>
+                        <a:t>(Intercept)</a:t>
+                      </a:r>
+                    </a:p>
+                  </a:txBody>
+                </a:tc>
+                <a:tc>
+                  <a:txBody>
+                    <a:bodyPr/>
+                    <a:lstStyle/>
+                    <a:p>
+                      <a:pPr lvl="0" marL="0" indent="0" algn="r">
+                        <a:buNone/>
+                      </a:pPr>
+                      <a:r>
+                        <a:rPr/>
+                        <a:t>-0.291</a:t>
+                      </a:r>
+                    </a:p>
+                  </a:txBody>
+                </a:tc>
+                <a:tc>
+                  <a:txBody>
+                    <a:bodyPr/>
+                    <a:lstStyle/>
+                    <a:p>
+                      <a:pPr lvl="0" marL="0" indent="0" algn="r">
+                        <a:buNone/>
+                      </a:pPr>
+                      <a:r>
+                        <a:rPr/>
+                        <a:t>1.338</a:t>
+                      </a:r>
+                    </a:p>
+                  </a:txBody>
+                </a:tc>
+                <a:tc>
+                  <a:txBody>
+                    <a:bodyPr/>
+                    <a:lstStyle/>
+                    <a:p>
+                      <a:pPr lvl="0" marL="0" indent="0" algn="r">
+                        <a:buNone/>
+                      </a:pPr>
+                      <a:r>
+                        <a:rPr/>
+                        <a:t>-0.217</a:t>
+                      </a:r>
+                    </a:p>
+                  </a:txBody>
+                </a:tc>
+                <a:tc>
+                  <a:txBody>
+                    <a:bodyPr/>
+                    <a:lstStyle/>
+                    <a:p>
+                      <a:pPr lvl="0" marL="0" indent="0" algn="r">
+                        <a:buNone/>
+                      </a:pPr>
+                      <a:r>
+                        <a:rPr/>
+                        <a:t>0.828</a:t>
+                      </a:r>
+                    </a:p>
+                  </a:txBody>
+                </a:tc>
+              </a:tr>
+              <a:tr h="0">
+                <a:tc>
+                  <a:txBody>
+                    <a:bodyPr/>
+                    <a:lstStyle/>
+                    <a:p>
+                      <a:pPr lvl="0" marL="0" indent="0" algn="l">
+                        <a:buNone/>
+                      </a:pPr>
+                      <a:r>
+                        <a:rPr/>
+                        <a:t>w1</a:t>
+                      </a:r>
+                    </a:p>
+                  </a:txBody>
+                </a:tc>
+                <a:tc>
+                  <a:txBody>
+                    <a:bodyPr/>
+                    <a:lstStyle/>
+                    <a:p>
+                      <a:pPr lvl="0" marL="0" indent="0" algn="r">
+                        <a:buNone/>
+                      </a:pPr>
+                      <a:r>
+                        <a:rPr/>
+                        <a:t>0.234</a:t>
+                      </a:r>
+                    </a:p>
+                  </a:txBody>
+                </a:tc>
+                <a:tc>
+                  <a:txBody>
+                    <a:bodyPr/>
+                    <a:lstStyle/>
+                    <a:p>
+                      <a:pPr lvl="0" marL="0" indent="0" algn="r">
+                        <a:buNone/>
+                      </a:pPr>
+                      <a:r>
+                        <a:rPr/>
+                        <a:t>0.086</a:t>
+                      </a:r>
+                    </a:p>
+                  </a:txBody>
+                </a:tc>
+                <a:tc>
+                  <a:txBody>
+                    <a:bodyPr/>
+                    <a:lstStyle/>
+                    <a:p>
+                      <a:pPr lvl="0" marL="0" indent="0" algn="r">
+                        <a:buNone/>
+                      </a:pPr>
+                      <a:r>
+                        <a:rPr/>
+                        <a:t>2.718</a:t>
+                      </a:r>
+                    </a:p>
+                  </a:txBody>
+                </a:tc>
+                <a:tc>
+                  <a:txBody>
+                    <a:bodyPr/>
+                    <a:lstStyle/>
+                    <a:p>
+                      <a:pPr lvl="0" marL="0" indent="0" algn="r">
+                        <a:buNone/>
+                      </a:pPr>
+                      <a:r>
+                        <a:rPr/>
+                        <a:t>0.007</a:t>
+                      </a:r>
+                    </a:p>
+                  </a:txBody>
+                </a:tc>
+              </a:tr>
+              <a:tr h="0">
+                <a:tc>
+                  <a:txBody>
+                    <a:bodyPr/>
+                    <a:lstStyle/>
+                    <a:p>
+                      <a:pPr lvl="0" marL="0" indent="0" algn="l">
+                        <a:buNone/>
+                      </a:pPr>
+                      <a:r>
+                        <a:rPr/>
+                        <a:t>w2</a:t>
+                      </a:r>
+                    </a:p>
+                  </a:txBody>
+                </a:tc>
+                <a:tc>
+                  <a:txBody>
+                    <a:bodyPr/>
+                    <a:lstStyle/>
+                    <a:p>
+                      <a:pPr lvl="0" marL="0" indent="0" algn="r">
+                        <a:buNone/>
+                      </a:pPr>
+                      <a:r>
+                        <a:rPr/>
+                        <a:t>0.173</a:t>
+                      </a:r>
+                    </a:p>
+                  </a:txBody>
+                </a:tc>
+                <a:tc>
+                  <a:txBody>
+                    <a:bodyPr/>
+                    <a:lstStyle/>
+                    <a:p>
+                      <a:pPr lvl="0" marL="0" indent="0" algn="r">
+                        <a:buNone/>
+                      </a:pPr>
+                      <a:r>
+                        <a:rPr/>
+                        <a:t>0.065</a:t>
+                      </a:r>
+                    </a:p>
+                  </a:txBody>
+                </a:tc>
+                <a:tc>
+                  <a:txBody>
+                    <a:bodyPr/>
+                    <a:lstStyle/>
+                    <a:p>
+                      <a:pPr lvl="0" marL="0" indent="0" algn="r">
+                        <a:buNone/>
+                      </a:pPr>
+                      <a:r>
+                        <a:rPr/>
+                        <a:t>2.675</a:t>
+                      </a:r>
+                    </a:p>
+                  </a:txBody>
+                </a:tc>
+                <a:tc>
+                  <a:txBody>
+                    <a:bodyPr/>
+                    <a:lstStyle/>
+                    <a:p>
+                      <a:pPr lvl="0" marL="0" indent="0" algn="r">
+                        <a:buNone/>
+                      </a:pPr>
+                      <a:r>
+                        <a:rPr/>
+                        <a:t>0.008</a:t>
+                      </a:r>
+                    </a:p>
+                  </a:txBody>
+                </a:tc>
+              </a:tr>
+              <a:tr h="0">
+                <a:tc>
+                  <a:txBody>
+                    <a:bodyPr/>
+                    <a:lstStyle/>
+                    <a:p>
+                      <a:pPr lvl="0" marL="0" indent="0" algn="l">
+                        <a:buNone/>
+                      </a:pPr>
+                      <a:r>
+                        <a:rPr/>
+                        <a:t>w3</a:t>
+                      </a:r>
+                    </a:p>
+                  </a:txBody>
+                </a:tc>
+                <a:tc>
+                  <a:txBody>
+                    <a:bodyPr/>
+                    <a:lstStyle/>
+                    <a:p>
+                      <a:pPr lvl="0" marL="0" indent="0" algn="r">
+                        <a:buNone/>
+                      </a:pPr>
+                      <a:r>
+                        <a:rPr/>
+                        <a:t>-0.441</a:t>
+                      </a:r>
+                    </a:p>
+                  </a:txBody>
+                </a:tc>
+                <a:tc>
+                  <a:txBody>
+                    <a:bodyPr/>
+                    <a:lstStyle/>
+                    <a:p>
+                      <a:pPr lvl="0" marL="0" indent="0" algn="r">
+                        <a:buNone/>
+                      </a:pPr>
+                      <a:r>
+                        <a:rPr/>
+                        <a:t>0.042</a:t>
+                      </a:r>
+                    </a:p>
+                  </a:txBody>
+                </a:tc>
+                <a:tc>
+                  <a:txBody>
+                    <a:bodyPr/>
+                    <a:lstStyle/>
+                    <a:p>
+                      <a:pPr lvl="0" marL="0" indent="0" algn="r">
+                        <a:buNone/>
+                      </a:pPr>
+                      <a:r>
+                        <a:rPr/>
+                        <a:t>-10.598</a:t>
+                      </a:r>
+                    </a:p>
+                  </a:txBody>
+                </a:tc>
+                <a:tc>
+                  <a:txBody>
+                    <a:bodyPr/>
+                    <a:lstStyle/>
+                    <a:p>
+                      <a:pPr lvl="0" marL="0" indent="0" algn="r">
+                        <a:buNone/>
+                      </a:pPr>
+                      <a:r>
+                        <a:rPr/>
+                        <a:t>0.000</a:t>
+                      </a:r>
+                    </a:p>
+                  </a:txBody>
+                </a:tc>
+              </a:tr>
+            </a:tbl>
+          </a:graphicData>
+        </a:graphic>
+      </p:graphicFrame>
+      <p:graphicFrame>
+        <p:nvGraphicFramePr>
+          <p:cNvPr id="6" name="Content Placeholder 5"/>
+          <p:cNvGraphicFramePr>
+            <a:graphicFrameLocks noGrp="1"/>
+          </p:cNvGraphicFramePr>
+          <p:nvPr>
+            <p:ph idx="1"/>
+          </p:nvPr>
+        </p:nvGraphicFramePr>
+        <p:xfrm>
+          <a:off x="609600" y="3975100"/>
+          <a:ext cx="10972800" cy="2146300"/>
+        </p:xfrm>
+        <a:graphic>
+          <a:graphicData uri="http://schemas.openxmlformats.org/drawingml/2006/table">
+            <a:tbl>
+              <a:tblPr firstRow="1" bandRow="1">
+                <a:tableStyleId>{5C22544A-7EE6-4342-B048-85BDC9FD1C3A}</a:tableStyleId>
+              </a:tblPr>
+              <a:tblGrid>
+                <a:gridCol w="5486400"/>
+                <a:gridCol w="5486400"/>
+              </a:tblGrid>
+              <a:tr h="0">
+                <a:tc>
+                  <a:txBody>
+                    <a:bodyPr/>
+                    <a:lstStyle/>
+                    <a:p>
+                      <a:pPr lvl="0" marL="0" indent="0" algn="r">
+                        <a:buNone/>
+                      </a:pPr>
+                      <a:r>
+                        <a:rPr/>
+                        <a:t>r.squared</a:t>
+                      </a:r>
+                    </a:p>
+                  </a:txBody>
+                  <a:tcPr/>
+                </a:tc>
+                <a:tc>
+                  <a:txBody>
+                    <a:bodyPr/>
+                    <a:lstStyle/>
+                    <a:p>
+                      <a:pPr lvl="0" marL="0" indent="0" algn="r">
+                        <a:buNone/>
+                      </a:pPr>
+                      <a:r>
+                        <a:rPr/>
+                        <a:t>adj.r.squared</a:t>
+                      </a:r>
+                    </a:p>
+                  </a:txBody>
+                  <a:tcPr/>
+                </a:tc>
+              </a:tr>
+              <a:tr h="0">
+                <a:tc>
+                  <a:txBody>
+                    <a:bodyPr/>
+                    <a:lstStyle/>
+                    <a:p>
+                      <a:pPr lvl="0" marL="0" indent="0" algn="r">
+                        <a:buNone/>
+                      </a:pPr>
+                      <a:r>
+                        <a:rPr/>
+                        <a:t>0.736</a:t>
+                      </a:r>
+                    </a:p>
+                  </a:txBody>
+                </a:tc>
+                <a:tc>
+                  <a:txBody>
+                    <a:bodyPr/>
+                    <a:lstStyle/>
+                    <a:p>
+                      <a:pPr lvl="0" marL="0" indent="0" algn="r">
+                        <a:buNone/>
+                      </a:pPr>
+                      <a:r>
+                        <a:rPr/>
+                        <a:t>0.731</a:t>
+                      </a:r>
+                    </a:p>
+                  </a:txBody>
+                </a:tc>
+              </a:tr>
+            </a:tbl>
+          </a:graphicData>
+        </a:graphic>
+      </p:graphicFrame>
+    </p:spTree>
+  </p:cSld>
+</p:sld>
+</file>
+
+<file path=ppt/slides/slide28.xml><?xml version="1.0" encoding="utf-8"?>
+<p:sld xmlns:a="http://schemas.openxmlformats.org/drawingml/2006/main" xmlns:r="http://schemas.openxmlformats.org/officeDocument/2006/relationships" xmlns:p="http://schemas.openxmlformats.org/presentationml/2006/main">
+  <p:cSld>
+    <p:spTree>
+      <p:nvGrpSpPr>
+        <p:cNvPr id="1" name=""/>
+        <p:cNvGrpSpPr/>
+        <p:nvPr/>
+      </p:nvGrpSpPr>
+      <p:grpSpPr>
+        <a:xfrm>
+          <a:off x="0" y="0"/>
+          <a:ext cx="0" cy="0"/>
+          <a:chOff x="0" y="0"/>
+          <a:chExt cx="0" cy="0"/>
+        </a:xfrm>
+      </p:grpSpPr>
+      <p:sp>
+        <p:nvSpPr>
+          <p:cNvPr id="2" name="Title 1"/>
+          <p:cNvSpPr>
+            <a:spLocks noGrp="1"/>
+          </p:cNvSpPr>
+          <p:nvPr>
+            <p:ph type="title"/>
+          </p:nvPr>
+        </p:nvSpPr>
+        <p:spPr/>
+        <p:txBody>
+          <a:bodyPr/>
+          <a:lstStyle/>
+          <a:p>
+            <a:pPr lvl="0" marL="0" indent="0">
+              <a:buNone/>
+            </a:pPr>
+            <a:r>
+              <a:rPr/>
+              <a:t>Test</a:t>
+            </a:r>
+            <a:r>
+              <a:rPr/>
+              <a:t> </a:t>
+            </a:r>
+            <a:r>
+              <a:rPr/>
+              <a:t>Set</a:t>
+            </a:r>
+            <a:r>
+              <a:rPr/>
+              <a:t> </a:t>
+            </a:r>
+            <a:r>
+              <a:rPr/>
+              <a:t>Error</a:t>
+            </a:r>
+            <a:r>
+              <a:rPr/>
+              <a:t> </a:t>
+            </a:r>
+            <a:r>
+              <a:rPr/>
+              <a:t>Explodes</a:t>
+            </a:r>
+          </a:p>
+        </p:txBody>
+      </p:sp>
+      <p:pic>
+        <p:nvPicPr>
+          <p:cNvPr descr="time_series_regression_files/figure-pptx/unnamed-chunk-21-1.png" id="0" name="Picture 1"/>
+          <p:cNvPicPr>
+            <a:picLocks noGrp="1" noChangeAspect="1"/>
+          </p:cNvPicPr>
+          <p:nvPr/>
+        </p:nvPicPr>
+        <p:blipFill>
+          <a:blip r:embed="rId2"/>
+          <a:stretch>
+            <a:fillRect/>
+          </a:stretch>
+        </p:blipFill>
+        <p:spPr bwMode="auto">
+          <a:xfrm>
+            <a:off x="1574800" y="1600200"/>
+            <a:ext cx="9042400" cy="4521200"/>
+          </a:xfrm>
+          <a:prstGeom prst="rect">
+            <a:avLst/>
+          </a:prstGeom>
+          <a:noFill/>
+          <a:ln w="9525">
+            <a:noFill/>
+            <a:headEnd/>
+            <a:tailEnd/>
+          </a:ln>
+        </p:spPr>
+      </p:pic>
+    </p:spTree>
+  </p:cSld>
+</p:sld>
+</file>
+
+<file path=ppt/slides/slide29.xml><?xml version="1.0" encoding="utf-8"?>
 <p:sld xmlns:a="http://schemas.openxmlformats.org/drawingml/2006/main" xmlns:r="http://schemas.openxmlformats.org/officeDocument/2006/relationships" xmlns:p="http://schemas.openxmlformats.org/presentationml/2006/main">
   <p:cSld>
     <p:spTree>
@@ -8876,132 +11577,6 @@
           </p:sp>
         </mc:Choice>
       </mc:AlternateContent>
-    </p:spTree>
-  </p:cSld>
-</p:sld>
-</file>
-
-<file path=ppt/slides/slide23.xml><?xml version="1.0" encoding="utf-8"?>
-<p:sld xmlns:a="http://schemas.openxmlformats.org/drawingml/2006/main" xmlns:r="http://schemas.openxmlformats.org/officeDocument/2006/relationships" xmlns:p="http://schemas.openxmlformats.org/presentationml/2006/main">
-  <p:cSld>
-    <p:spTree>
-      <p:nvGrpSpPr>
-        <p:cNvPr id="1" name=""/>
-        <p:cNvGrpSpPr/>
-        <p:nvPr/>
-      </p:nvGrpSpPr>
-      <p:grpSpPr>
-        <a:xfrm>
-          <a:off x="0" y="0"/>
-          <a:ext cx="0" cy="0"/>
-          <a:chOff x="0" y="0"/>
-          <a:chExt cx="0" cy="0"/>
-        </a:xfrm>
-      </p:grpSpPr>
-      <p:sp>
-        <p:nvSpPr>
-          <p:cNvPr id="2" name="Title 1"/>
-          <p:cNvSpPr>
-            <a:spLocks noGrp="1"/>
-          </p:cNvSpPr>
-          <p:nvPr>
-            <p:ph type="title"/>
-          </p:nvPr>
-        </p:nvSpPr>
-        <p:spPr/>
-        <p:txBody>
-          <a:bodyPr/>
-          <a:lstStyle/>
-          <a:p>
-            <a:pPr lvl="0" marL="0" indent="0">
-              <a:buNone/>
-            </a:pPr>
-            <a:r>
-              <a:rPr/>
-              <a:t>Conclusions</a:t>
-            </a:r>
-          </a:p>
-        </p:txBody>
-      </p:sp>
-      <p:sp>
-        <p:nvSpPr>
-          <p:cNvPr id="3" name="Content Placeholder 2"/>
-          <p:cNvSpPr>
-            <a:spLocks noGrp="1"/>
-          </p:cNvSpPr>
-          <p:nvPr>
-            <p:ph idx="1"/>
-          </p:nvPr>
-        </p:nvSpPr>
-        <p:spPr/>
-        <p:txBody>
-          <a:bodyPr/>
-          <a:lstStyle/>
-          <a:p>
-            <a:pPr lvl="1"/>
-            <a:r>
-              <a:rPr/>
-              <a:t>OLS is most suitable for independent errors</a:t>
-            </a:r>
-          </a:p>
-          <a:p>
-            <a:pPr lvl="1"/>
-            <a:r>
-              <a:rPr/>
-              <a:t>The independent error assumption is often violated with time series regression</a:t>
-            </a:r>
-          </a:p>
-          <a:p>
-            <a:pPr lvl="1"/>
-            <a:r>
-              <a:rPr/>
-              <a:t>Under serial correlation, standard errors and p-values from OLS are unreliable</a:t>
-            </a:r>
-          </a:p>
-          <a:p>
-            <a:pPr lvl="1"/>
-            <a:r>
-              <a:rPr/>
-              <a:t>Fortunately, OLS coefficient estimates remain unbiased and consistent</a:t>
-            </a:r>
-          </a:p>
-          <a:p>
-            <a:pPr lvl="1"/>
-            <a:r>
-              <a:rPr/>
-              <a:t>Remediating serial correlation:</a:t>
-            </a:r>
-          </a:p>
-          <a:p>
-            <a:pPr lvl="2"/>
-            <a:r>
-              <a:rPr/>
-              <a:t>GLS</a:t>
-            </a:r>
-          </a:p>
-          <a:p>
-            <a:pPr lvl="2"/>
-            <a:r>
-              <a:rPr/>
-              <a:t>OLS with HAC standard errors</a:t>
-            </a:r>
-          </a:p>
-          <a:p>
-            <a:pPr lvl="2"/>
-            <a:r>
-              <a:rPr/>
-              <a:t>OLS with block bootstrapped standard errors</a:t>
-            </a:r>
-          </a:p>
-          <a:p>
-            <a:pPr lvl="1"/>
-            <a:r>
-              <a:rPr/>
-              <a:t>Under non-stationary errors, beware of spurious regressions</a:t>
-            </a:r>
-          </a:p>
-        </p:txBody>
-      </p:sp>
     </p:spTree>
   </p:cSld>
 </p:sld>
@@ -9368,6 +11943,132 @@
           </p:sp>
         </mc:Choice>
       </mc:AlternateContent>
+    </p:spTree>
+  </p:cSld>
+</p:sld>
+</file>
+
+<file path=ppt/slides/slide30.xml><?xml version="1.0" encoding="utf-8"?>
+<p:sld xmlns:a="http://schemas.openxmlformats.org/drawingml/2006/main" xmlns:r="http://schemas.openxmlformats.org/officeDocument/2006/relationships" xmlns:p="http://schemas.openxmlformats.org/presentationml/2006/main">
+  <p:cSld>
+    <p:spTree>
+      <p:nvGrpSpPr>
+        <p:cNvPr id="1" name=""/>
+        <p:cNvGrpSpPr/>
+        <p:nvPr/>
+      </p:nvGrpSpPr>
+      <p:grpSpPr>
+        <a:xfrm>
+          <a:off x="0" y="0"/>
+          <a:ext cx="0" cy="0"/>
+          <a:chOff x="0" y="0"/>
+          <a:chExt cx="0" cy="0"/>
+        </a:xfrm>
+      </p:grpSpPr>
+      <p:sp>
+        <p:nvSpPr>
+          <p:cNvPr id="2" name="Title 1"/>
+          <p:cNvSpPr>
+            <a:spLocks noGrp="1"/>
+          </p:cNvSpPr>
+          <p:nvPr>
+            <p:ph type="title"/>
+          </p:nvPr>
+        </p:nvSpPr>
+        <p:spPr/>
+        <p:txBody>
+          <a:bodyPr/>
+          <a:lstStyle/>
+          <a:p>
+            <a:pPr lvl="0" marL="0" indent="0">
+              <a:buNone/>
+            </a:pPr>
+            <a:r>
+              <a:rPr/>
+              <a:t>Conclusions</a:t>
+            </a:r>
+          </a:p>
+        </p:txBody>
+      </p:sp>
+      <p:sp>
+        <p:nvSpPr>
+          <p:cNvPr id="3" name="Content Placeholder 2"/>
+          <p:cNvSpPr>
+            <a:spLocks noGrp="1"/>
+          </p:cNvSpPr>
+          <p:nvPr>
+            <p:ph idx="1"/>
+          </p:nvPr>
+        </p:nvSpPr>
+        <p:spPr/>
+        <p:txBody>
+          <a:bodyPr/>
+          <a:lstStyle/>
+          <a:p>
+            <a:pPr lvl="1"/>
+            <a:r>
+              <a:rPr/>
+              <a:t>OLS is most suitable for independent errors</a:t>
+            </a:r>
+          </a:p>
+          <a:p>
+            <a:pPr lvl="1"/>
+            <a:r>
+              <a:rPr/>
+              <a:t>The independent error assumption is often violated with time series regression</a:t>
+            </a:r>
+          </a:p>
+          <a:p>
+            <a:pPr lvl="1"/>
+            <a:r>
+              <a:rPr/>
+              <a:t>Under serial correlation, standard errors and p-values from OLS are unreliable</a:t>
+            </a:r>
+          </a:p>
+          <a:p>
+            <a:pPr lvl="1"/>
+            <a:r>
+              <a:rPr/>
+              <a:t>Fortunately, OLS coefficient estimates remain unbiased and consistent</a:t>
+            </a:r>
+          </a:p>
+          <a:p>
+            <a:pPr lvl="1"/>
+            <a:r>
+              <a:rPr/>
+              <a:t>Remediating serial correlation:</a:t>
+            </a:r>
+          </a:p>
+          <a:p>
+            <a:pPr lvl="2"/>
+            <a:r>
+              <a:rPr/>
+              <a:t>GLS</a:t>
+            </a:r>
+          </a:p>
+          <a:p>
+            <a:pPr lvl="2"/>
+            <a:r>
+              <a:rPr/>
+              <a:t>OLS with HAC standard errors</a:t>
+            </a:r>
+          </a:p>
+          <a:p>
+            <a:pPr lvl="2"/>
+            <a:r>
+              <a:rPr/>
+              <a:t>OLS with block bootstrapped standard errors</a:t>
+            </a:r>
+          </a:p>
+          <a:p>
+            <a:pPr lvl="1"/>
+            <a:r>
+              <a:rPr/>
+              <a:t>Under non-stationary errors, beware of spurious regressions</a:t>
+            </a:r>
+          </a:p>
+        </p:txBody>
+      </p:sp>
     </p:spTree>
   </p:cSld>
 </p:sld>

--- a/time_series_regression.pptx
+++ b/time_series_regression.pptx
@@ -35,6 +35,7 @@
     <p:sldId id="283" r:id="rId29"/>
     <p:sldId id="284" r:id="rId30"/>
     <p:sldId id="285" r:id="rId31"/>
+    <p:sldId id="286" r:id="rId32"/>
   </p:sldIdLst>
   <p:sldSz cx="12192000" cy="6858000"/>
   <p:notesSz cx="6858000" cy="9144000"/>
@@ -7792,6 +7793,615 @@
             </a:pPr>
             <a:r>
               <a:rPr/>
+              <a:t>Very</a:t>
+            </a:r>
+            <a:r>
+              <a:rPr/>
+              <a:t> </a:t>
+            </a:r>
+            <a:r>
+              <a:rPr/>
+              <a:t>High</a:t>
+            </a:r>
+            <a:r>
+              <a:rPr/>
+              <a:t> </a:t>
+            </a:r>
+            <a:r>
+              <a:rPr/>
+              <a:t>Serial</a:t>
+            </a:r>
+            <a:r>
+              <a:rPr/>
+              <a:t> </a:t>
+            </a:r>
+            <a:r>
+              <a:rPr/>
+              <a:t>Correlation</a:t>
+            </a:r>
+          </a:p>
+        </p:txBody>
+      </p:sp>
+      <mc:AlternateContent xmlns:mc="http://schemas.openxmlformats.org/markup-compatibility/2006">
+        <mc:Choice xmlns:a14="http://schemas.microsoft.com/office/drawing/2010/main" Requires="a14">
+          <p:sp>
+            <p:nvSpPr>
+              <p:cNvPr id="3" name="Content Placeholder 2"/>
+              <p:cNvSpPr>
+                <a:spLocks noGrp="1"/>
+              </p:cNvSpPr>
+              <p:nvPr>
+                <p:ph idx="1" sz="half"/>
+              </p:nvPr>
+            </p:nvSpPr>
+            <p:spPr/>
+            <p:txBody>
+              <a:bodyPr/>
+              <a:lstStyle/>
+              <a:p>
+                <a:pPr lvl="1"/>
+                <a:r>
+                  <a:rPr/>
+                  <a:t>Under very high serial correlation, most of the previous methods struggle to return the correct p-values.</a:t>
+                </a:r>
+              </a:p>
+              <a:p>
+                <a:pPr lvl="1"/>
+                <a:r>
+                  <a:rPr/>
+                  <a:t>If </a:t>
+                </a:r>
+                <a14:m>
+                  <m:oMath xmlns:m="http://schemas.openxmlformats.org/officeDocument/2006/math">
+                    <m:acc>
+                      <m:accPr>
+                        <m:chr m:val="̂"/>
+                      </m:accPr>
+                      <m:e>
+                        <m:r>
+                          <m:t>ρ</m:t>
+                        </m:r>
+                      </m:e>
+                    </m:acc>
+                  </m:oMath>
+                </a14:m>
+                <a:r>
+                  <a:rPr/>
+                  <a:t> is close to -1 or 1, then check for non-stationary errors (e.g., Phillips-Ouliaris Cointegration Test; Pesaran-Shin-Smith Cointegration Test).</a:t>
+                </a:r>
+              </a:p>
+            </p:txBody>
+          </p:sp>
+        </mc:Choice>
+      </mc:AlternateContent>
+      <p:graphicFrame>
+        <p:nvGraphicFramePr>
+          <p:cNvPr id="6" name="Content Placeholder 5"/>
+          <p:cNvGraphicFramePr>
+            <a:graphicFrameLocks noGrp="1"/>
+          </p:cNvGraphicFramePr>
+          <p:nvPr>
+            <p:ph idx="1"/>
+          </p:nvPr>
+        </p:nvGraphicFramePr>
+        <p:xfrm>
+          <a:off x="609600" y="3975100"/>
+          <a:ext cx="10972800" cy="2146300"/>
+        </p:xfrm>
+        <a:graphic>
+          <a:graphicData uri="http://schemas.openxmlformats.org/drawingml/2006/table">
+            <a:tbl>
+              <a:tblPr firstRow="1" bandRow="1">
+                <a:tableStyleId>{5C22544A-7EE6-4342-B048-85BDC9FD1C3A}</a:tableStyleId>
+              </a:tblPr>
+              <a:tblGrid>
+                <a:gridCol w="2743200"/>
+                <a:gridCol w="2743200"/>
+                <a:gridCol w="2743200"/>
+                <a:gridCol w="2743200"/>
+              </a:tblGrid>
+              <a:tr h="0">
+                <a:tc>
+                  <a:txBody>
+                    <a:bodyPr/>
+                    <a:lstStyle/>
+                    <a:p>
+                      <a:pPr lvl="0" marL="0" indent="0" algn="l">
+                        <a:buNone/>
+                      </a:pPr>
+                      <a:r>
+                        <a:rPr/>
+                        <a:t>rho</a:t>
+                      </a:r>
+                    </a:p>
+                  </a:txBody>
+                  <a:tcPr/>
+                </a:tc>
+                <a:tc>
+                  <a:txBody>
+                    <a:bodyPr/>
+                    <a:lstStyle/>
+                    <a:p>
+                      <a:pPr lvl="0" marL="0" indent="0" algn="l">
+                        <a:buNone/>
+                      </a:pPr>
+                      <a:r>
+                        <a:rPr/>
+                        <a:t>method</a:t>
+                      </a:r>
+                    </a:p>
+                  </a:txBody>
+                  <a:tcPr/>
+                </a:tc>
+                <a:tc>
+                  <a:txBody>
+                    <a:bodyPr/>
+                    <a:lstStyle/>
+                    <a:p>
+                      <a:pPr lvl="0" marL="0" indent="0" algn="r">
+                        <a:buNone/>
+                      </a:pPr>
+                      <a:r>
+                        <a:rPr/>
+                        <a:t>Prob_Type_1_Error</a:t>
+                      </a:r>
+                    </a:p>
+                  </a:txBody>
+                  <a:tcPr/>
+                </a:tc>
+                <a:tc>
+                  <a:txBody>
+                    <a:bodyPr/>
+                    <a:lstStyle/>
+                    <a:p>
+                      <a:pPr lvl="0" marL="0" indent="0" algn="r">
+                        <a:buNone/>
+                      </a:pPr>
+                      <a:r>
+                        <a:rPr/>
+                        <a:t>Avg_Test_RMSE</a:t>
+                      </a:r>
+                    </a:p>
+                  </a:txBody>
+                  <a:tcPr/>
+                </a:tc>
+              </a:tr>
+              <a:tr h="0">
+                <a:tc>
+                  <a:txBody>
+                    <a:bodyPr/>
+                    <a:lstStyle/>
+                    <a:p>
+                      <a:pPr lvl="0" marL="0" indent="0" algn="l">
+                        <a:buNone/>
+                      </a:pPr>
+                      <a:r>
+                        <a:rPr/>
+                        <a:t>3-Very</a:t>
+                      </a:r>
+                      <a:r>
+                        <a:rPr/>
+                        <a:t> </a:t>
+                      </a:r>
+                      <a:r>
+                        <a:rPr/>
+                        <a:t>High</a:t>
+                      </a:r>
+                      <a:r>
+                        <a:rPr/>
+                        <a:t> </a:t>
+                      </a:r>
+                      <a:r>
+                        <a:rPr/>
+                        <a:t>(0.9)</a:t>
+                      </a:r>
+                    </a:p>
+                  </a:txBody>
+                </a:tc>
+                <a:tc>
+                  <a:txBody>
+                    <a:bodyPr/>
+                    <a:lstStyle/>
+                    <a:p>
+                      <a:pPr lvl="0" marL="0" indent="0" algn="l">
+                        <a:buNone/>
+                      </a:pPr>
+                      <a:r>
+                        <a:rPr/>
+                        <a:t>gls</a:t>
+                      </a:r>
+                    </a:p>
+                  </a:txBody>
+                </a:tc>
+                <a:tc>
+                  <a:txBody>
+                    <a:bodyPr/>
+                    <a:lstStyle/>
+                    <a:p>
+                      <a:pPr lvl="0" marL="0" indent="0" algn="r">
+                        <a:buNone/>
+                      </a:pPr>
+                      <a:r>
+                        <a:rPr/>
+                        <a:t>0.096</a:t>
+                      </a:r>
+                    </a:p>
+                  </a:txBody>
+                </a:tc>
+                <a:tc>
+                  <a:txBody>
+                    <a:bodyPr/>
+                    <a:lstStyle/>
+                    <a:p>
+                      <a:pPr lvl="0" marL="0" indent="0" algn="r">
+                        <a:buNone/>
+                      </a:pPr>
+                      <a:r>
+                        <a:rPr/>
+                        <a:t>12.0</a:t>
+                      </a:r>
+                    </a:p>
+                  </a:txBody>
+                </a:tc>
+              </a:tr>
+              <a:tr h="0">
+                <a:tc>
+                  <a:txBody>
+                    <a:bodyPr/>
+                    <a:lstStyle/>
+                    <a:p>
+                      <a:pPr lvl="0" marL="0" indent="0" algn="l">
+                        <a:buNone/>
+                      </a:pPr>
+                      <a:r>
+                        <a:rPr/>
+                        <a:t>3-Very</a:t>
+                      </a:r>
+                      <a:r>
+                        <a:rPr/>
+                        <a:t> </a:t>
+                      </a:r>
+                      <a:r>
+                        <a:rPr/>
+                        <a:t>High</a:t>
+                      </a:r>
+                      <a:r>
+                        <a:rPr/>
+                        <a:t> </a:t>
+                      </a:r>
+                      <a:r>
+                        <a:rPr/>
+                        <a:t>(0.9)</a:t>
+                      </a:r>
+                    </a:p>
+                  </a:txBody>
+                </a:tc>
+                <a:tc>
+                  <a:txBody>
+                    <a:bodyPr/>
+                    <a:lstStyle/>
+                    <a:p>
+                      <a:pPr lvl="0" marL="0" indent="0" algn="l">
+                        <a:buNone/>
+                      </a:pPr>
+                      <a:r>
+                        <a:rPr/>
+                        <a:t>andrews</a:t>
+                      </a:r>
+                    </a:p>
+                  </a:txBody>
+                </a:tc>
+                <a:tc>
+                  <a:txBody>
+                    <a:bodyPr/>
+                    <a:lstStyle/>
+                    <a:p>
+                      <a:pPr lvl="0" marL="0" indent="0" algn="r">
+                        <a:buNone/>
+                      </a:pPr>
+                      <a:r>
+                        <a:rPr/>
+                        <a:t>0.186</a:t>
+                      </a:r>
+                    </a:p>
+                  </a:txBody>
+                </a:tc>
+                <a:tc>
+                  <a:txBody>
+                    <a:bodyPr/>
+                    <a:lstStyle/>
+                    <a:p>
+                      <a:pPr lvl="0" marL="0" indent="0" algn="r">
+                        <a:buNone/>
+                      </a:pPr>
+                      <a:r>
+                        <a:rPr/>
+                        <a:t>NA</a:t>
+                      </a:r>
+                    </a:p>
+                  </a:txBody>
+                </a:tc>
+              </a:tr>
+              <a:tr h="0">
+                <a:tc>
+                  <a:txBody>
+                    <a:bodyPr/>
+                    <a:lstStyle/>
+                    <a:p>
+                      <a:pPr lvl="0" marL="0" indent="0" algn="l">
+                        <a:buNone/>
+                      </a:pPr>
+                      <a:r>
+                        <a:rPr/>
+                        <a:t>3-Very</a:t>
+                      </a:r>
+                      <a:r>
+                        <a:rPr/>
+                        <a:t> </a:t>
+                      </a:r>
+                      <a:r>
+                        <a:rPr/>
+                        <a:t>High</a:t>
+                      </a:r>
+                      <a:r>
+                        <a:rPr/>
+                        <a:t> </a:t>
+                      </a:r>
+                      <a:r>
+                        <a:rPr/>
+                        <a:t>(0.9)</a:t>
+                      </a:r>
+                    </a:p>
+                  </a:txBody>
+                </a:tc>
+                <a:tc>
+                  <a:txBody>
+                    <a:bodyPr/>
+                    <a:lstStyle/>
+                    <a:p>
+                      <a:pPr lvl="0" marL="0" indent="0" algn="l">
+                        <a:buNone/>
+                      </a:pPr>
+                      <a:r>
+                        <a:rPr/>
+                        <a:t>nw</a:t>
+                      </a:r>
+                    </a:p>
+                  </a:txBody>
+                </a:tc>
+                <a:tc>
+                  <a:txBody>
+                    <a:bodyPr/>
+                    <a:lstStyle/>
+                    <a:p>
+                      <a:pPr lvl="0" marL="0" indent="0" algn="r">
+                        <a:buNone/>
+                      </a:pPr>
+                      <a:r>
+                        <a:rPr/>
+                        <a:t>0.195</a:t>
+                      </a:r>
+                    </a:p>
+                  </a:txBody>
+                </a:tc>
+                <a:tc>
+                  <a:txBody>
+                    <a:bodyPr/>
+                    <a:lstStyle/>
+                    <a:p>
+                      <a:pPr lvl="0" marL="0" indent="0" algn="r">
+                        <a:buNone/>
+                      </a:pPr>
+                      <a:r>
+                        <a:rPr/>
+                        <a:t>NA</a:t>
+                      </a:r>
+                    </a:p>
+                  </a:txBody>
+                </a:tc>
+              </a:tr>
+              <a:tr h="0">
+                <a:tc>
+                  <a:txBody>
+                    <a:bodyPr/>
+                    <a:lstStyle/>
+                    <a:p>
+                      <a:pPr lvl="0" marL="0" indent="0" algn="l">
+                        <a:buNone/>
+                      </a:pPr>
+                      <a:r>
+                        <a:rPr/>
+                        <a:t>3-Very</a:t>
+                      </a:r>
+                      <a:r>
+                        <a:rPr/>
+                        <a:t> </a:t>
+                      </a:r>
+                      <a:r>
+                        <a:rPr/>
+                        <a:t>High</a:t>
+                      </a:r>
+                      <a:r>
+                        <a:rPr/>
+                        <a:t> </a:t>
+                      </a:r>
+                      <a:r>
+                        <a:rPr/>
+                        <a:t>(0.9)</a:t>
+                      </a:r>
+                    </a:p>
+                  </a:txBody>
+                </a:tc>
+                <a:tc>
+                  <a:txBody>
+                    <a:bodyPr/>
+                    <a:lstStyle/>
+                    <a:p>
+                      <a:pPr lvl="0" marL="0" indent="0" algn="l">
+                        <a:buNone/>
+                      </a:pPr>
+                      <a:r>
+                        <a:rPr/>
+                        <a:t>bootstrap</a:t>
+                      </a:r>
+                    </a:p>
+                  </a:txBody>
+                </a:tc>
+                <a:tc>
+                  <a:txBody>
+                    <a:bodyPr/>
+                    <a:lstStyle/>
+                    <a:p>
+                      <a:pPr lvl="0" marL="0" indent="0" algn="r">
+                        <a:buNone/>
+                      </a:pPr>
+                      <a:r>
+                        <a:rPr/>
+                        <a:t>0.233</a:t>
+                      </a:r>
+                    </a:p>
+                  </a:txBody>
+                </a:tc>
+                <a:tc>
+                  <a:txBody>
+                    <a:bodyPr/>
+                    <a:lstStyle/>
+                    <a:p>
+                      <a:pPr lvl="0" marL="0" indent="0" algn="r">
+                        <a:buNone/>
+                      </a:pPr>
+                      <a:r>
+                        <a:rPr/>
+                        <a:t>NA</a:t>
+                      </a:r>
+                    </a:p>
+                  </a:txBody>
+                </a:tc>
+              </a:tr>
+              <a:tr h="0">
+                <a:tc>
+                  <a:txBody>
+                    <a:bodyPr/>
+                    <a:lstStyle/>
+                    <a:p>
+                      <a:pPr lvl="0" marL="0" indent="0" algn="l">
+                        <a:buNone/>
+                      </a:pPr>
+                      <a:r>
+                        <a:rPr/>
+                        <a:t>3-Very</a:t>
+                      </a:r>
+                      <a:r>
+                        <a:rPr/>
+                        <a:t> </a:t>
+                      </a:r>
+                      <a:r>
+                        <a:rPr/>
+                        <a:t>High</a:t>
+                      </a:r>
+                      <a:r>
+                        <a:rPr/>
+                        <a:t> </a:t>
+                      </a:r>
+                      <a:r>
+                        <a:rPr/>
+                        <a:t>(0.9)</a:t>
+                      </a:r>
+                    </a:p>
+                  </a:txBody>
+                </a:tc>
+                <a:tc>
+                  <a:txBody>
+                    <a:bodyPr/>
+                    <a:lstStyle/>
+                    <a:p>
+                      <a:pPr lvl="0" marL="0" indent="0" algn="l">
+                        <a:buNone/>
+                      </a:pPr>
+                      <a:r>
+                        <a:rPr/>
+                        <a:t>lm</a:t>
+                      </a:r>
+                    </a:p>
+                  </a:txBody>
+                </a:tc>
+                <a:tc>
+                  <a:txBody>
+                    <a:bodyPr/>
+                    <a:lstStyle/>
+                    <a:p>
+                      <a:pPr lvl="0" marL="0" indent="0" algn="r">
+                        <a:buNone/>
+                      </a:pPr>
+                      <a:r>
+                        <a:rPr/>
+                        <a:t>0.550</a:t>
+                      </a:r>
+                    </a:p>
+                  </a:txBody>
+                </a:tc>
+                <a:tc>
+                  <a:txBody>
+                    <a:bodyPr/>
+                    <a:lstStyle/>
+                    <a:p>
+                      <a:pPr lvl="0" marL="0" indent="0" algn="r">
+                        <a:buNone/>
+                      </a:pPr>
+                      <a:r>
+                        <a:rPr/>
+                        <a:t>12.7</a:t>
+                      </a:r>
+                    </a:p>
+                  </a:txBody>
+                </a:tc>
+              </a:tr>
+            </a:tbl>
+          </a:graphicData>
+        </a:graphic>
+      </p:graphicFrame>
+    </p:spTree>
+  </p:cSld>
+</p:sld>
+</file>
+
+<file path=ppt/slides/slide21.xml><?xml version="1.0" encoding="utf-8"?>
+<p:sld xmlns:a="http://schemas.openxmlformats.org/drawingml/2006/main" xmlns:r="http://schemas.openxmlformats.org/officeDocument/2006/relationships" xmlns:p="http://schemas.openxmlformats.org/presentationml/2006/main">
+  <p:cSld>
+    <p:spTree>
+      <p:nvGrpSpPr>
+        <p:cNvPr id="1" name=""/>
+        <p:cNvGrpSpPr/>
+        <p:nvPr/>
+      </p:nvGrpSpPr>
+      <p:grpSpPr>
+        <a:xfrm>
+          <a:off x="0" y="0"/>
+          <a:ext cx="0" cy="0"/>
+          <a:chOff x="0" y="0"/>
+          <a:chExt cx="0" cy="0"/>
+        </a:xfrm>
+      </p:grpSpPr>
+      <p:sp>
+        <p:nvSpPr>
+          <p:cNvPr id="2" name="Title 1"/>
+          <p:cNvSpPr>
+            <a:spLocks noGrp="1"/>
+          </p:cNvSpPr>
+          <p:nvPr>
+            <p:ph type="title"/>
+          </p:nvPr>
+        </p:nvSpPr>
+        <p:spPr/>
+        <p:txBody>
+          <a:bodyPr/>
+          <a:lstStyle/>
+          <a:p>
+            <a:pPr lvl="0" marL="0" indent="0">
+              <a:buNone/>
+            </a:pPr>
+            <a:r>
+              <a:rPr/>
               <a:t>Test</a:t>
             </a:r>
             <a:r>
@@ -7991,615 +8601,6 @@
           </p:sp>
         </mc:Choice>
       </mc:AlternateContent>
-    </p:spTree>
-  </p:cSld>
-</p:sld>
-</file>
-
-<file path=ppt/slides/slide21.xml><?xml version="1.0" encoding="utf-8"?>
-<p:sld xmlns:a="http://schemas.openxmlformats.org/drawingml/2006/main" xmlns:r="http://schemas.openxmlformats.org/officeDocument/2006/relationships" xmlns:p="http://schemas.openxmlformats.org/presentationml/2006/main">
-  <p:cSld>
-    <p:spTree>
-      <p:nvGrpSpPr>
-        <p:cNvPr id="1" name=""/>
-        <p:cNvGrpSpPr/>
-        <p:nvPr/>
-      </p:nvGrpSpPr>
-      <p:grpSpPr>
-        <a:xfrm>
-          <a:off x="0" y="0"/>
-          <a:ext cx="0" cy="0"/>
-          <a:chOff x="0" y="0"/>
-          <a:chExt cx="0" cy="0"/>
-        </a:xfrm>
-      </p:grpSpPr>
-      <p:sp>
-        <p:nvSpPr>
-          <p:cNvPr id="2" name="Title 1"/>
-          <p:cNvSpPr>
-            <a:spLocks noGrp="1"/>
-          </p:cNvSpPr>
-          <p:nvPr>
-            <p:ph type="title"/>
-          </p:nvPr>
-        </p:nvSpPr>
-        <p:spPr/>
-        <p:txBody>
-          <a:bodyPr/>
-          <a:lstStyle/>
-          <a:p>
-            <a:pPr lvl="0" marL="0" indent="0">
-              <a:buNone/>
-            </a:pPr>
-            <a:r>
-              <a:rPr/>
-              <a:t>Very</a:t>
-            </a:r>
-            <a:r>
-              <a:rPr/>
-              <a:t> </a:t>
-            </a:r>
-            <a:r>
-              <a:rPr/>
-              <a:t>High</a:t>
-            </a:r>
-            <a:r>
-              <a:rPr/>
-              <a:t> </a:t>
-            </a:r>
-            <a:r>
-              <a:rPr/>
-              <a:t>Serial</a:t>
-            </a:r>
-            <a:r>
-              <a:rPr/>
-              <a:t> </a:t>
-            </a:r>
-            <a:r>
-              <a:rPr/>
-              <a:t>Correlation</a:t>
-            </a:r>
-          </a:p>
-        </p:txBody>
-      </p:sp>
-      <mc:AlternateContent xmlns:mc="http://schemas.openxmlformats.org/markup-compatibility/2006">
-        <mc:Choice xmlns:a14="http://schemas.microsoft.com/office/drawing/2010/main" Requires="a14">
-          <p:sp>
-            <p:nvSpPr>
-              <p:cNvPr id="3" name="Content Placeholder 2"/>
-              <p:cNvSpPr>
-                <a:spLocks noGrp="1"/>
-              </p:cNvSpPr>
-              <p:nvPr>
-                <p:ph idx="1" sz="half"/>
-              </p:nvPr>
-            </p:nvSpPr>
-            <p:spPr/>
-            <p:txBody>
-              <a:bodyPr/>
-              <a:lstStyle/>
-              <a:p>
-                <a:pPr lvl="1"/>
-                <a:r>
-                  <a:rPr/>
-                  <a:t>Under very high serial correlation, most of the previous methods struggle to return the correct p-values.</a:t>
-                </a:r>
-              </a:p>
-              <a:p>
-                <a:pPr lvl="1"/>
-                <a:r>
-                  <a:rPr/>
-                  <a:t>If </a:t>
-                </a:r>
-                <a14:m>
-                  <m:oMath xmlns:m="http://schemas.openxmlformats.org/officeDocument/2006/math">
-                    <m:acc>
-                      <m:accPr>
-                        <m:chr m:val="̂"/>
-                      </m:accPr>
-                      <m:e>
-                        <m:r>
-                          <m:t>ρ</m:t>
-                        </m:r>
-                      </m:e>
-                    </m:acc>
-                  </m:oMath>
-                </a14:m>
-                <a:r>
-                  <a:rPr/>
-                  <a:t> is close to -1 or 1, then check for non-stationary errors (e.g., Phillips-Ouliaris Cointegration Test; Pesaran-Shin-Smith Cointegration Test).</a:t>
-                </a:r>
-              </a:p>
-            </p:txBody>
-          </p:sp>
-        </mc:Choice>
-      </mc:AlternateContent>
-      <p:graphicFrame>
-        <p:nvGraphicFramePr>
-          <p:cNvPr id="6" name="Content Placeholder 5"/>
-          <p:cNvGraphicFramePr>
-            <a:graphicFrameLocks noGrp="1"/>
-          </p:cNvGraphicFramePr>
-          <p:nvPr>
-            <p:ph idx="1"/>
-          </p:nvPr>
-        </p:nvGraphicFramePr>
-        <p:xfrm>
-          <a:off x="609600" y="3975100"/>
-          <a:ext cx="10972800" cy="2146300"/>
-        </p:xfrm>
-        <a:graphic>
-          <a:graphicData uri="http://schemas.openxmlformats.org/drawingml/2006/table">
-            <a:tbl>
-              <a:tblPr firstRow="1" bandRow="1">
-                <a:tableStyleId>{5C22544A-7EE6-4342-B048-85BDC9FD1C3A}</a:tableStyleId>
-              </a:tblPr>
-              <a:tblGrid>
-                <a:gridCol w="2743200"/>
-                <a:gridCol w="2743200"/>
-                <a:gridCol w="2743200"/>
-                <a:gridCol w="2743200"/>
-              </a:tblGrid>
-              <a:tr h="0">
-                <a:tc>
-                  <a:txBody>
-                    <a:bodyPr/>
-                    <a:lstStyle/>
-                    <a:p>
-                      <a:pPr lvl="0" marL="0" indent="0" algn="l">
-                        <a:buNone/>
-                      </a:pPr>
-                      <a:r>
-                        <a:rPr/>
-                        <a:t>rho</a:t>
-                      </a:r>
-                    </a:p>
-                  </a:txBody>
-                  <a:tcPr/>
-                </a:tc>
-                <a:tc>
-                  <a:txBody>
-                    <a:bodyPr/>
-                    <a:lstStyle/>
-                    <a:p>
-                      <a:pPr lvl="0" marL="0" indent="0" algn="l">
-                        <a:buNone/>
-                      </a:pPr>
-                      <a:r>
-                        <a:rPr/>
-                        <a:t>method</a:t>
-                      </a:r>
-                    </a:p>
-                  </a:txBody>
-                  <a:tcPr/>
-                </a:tc>
-                <a:tc>
-                  <a:txBody>
-                    <a:bodyPr/>
-                    <a:lstStyle/>
-                    <a:p>
-                      <a:pPr lvl="0" marL="0" indent="0" algn="r">
-                        <a:buNone/>
-                      </a:pPr>
-                      <a:r>
-                        <a:rPr/>
-                        <a:t>Prob_Type_1_Error</a:t>
-                      </a:r>
-                    </a:p>
-                  </a:txBody>
-                  <a:tcPr/>
-                </a:tc>
-                <a:tc>
-                  <a:txBody>
-                    <a:bodyPr/>
-                    <a:lstStyle/>
-                    <a:p>
-                      <a:pPr lvl="0" marL="0" indent="0" algn="r">
-                        <a:buNone/>
-                      </a:pPr>
-                      <a:r>
-                        <a:rPr/>
-                        <a:t>Avg_Test_RMSE</a:t>
-                      </a:r>
-                    </a:p>
-                  </a:txBody>
-                  <a:tcPr/>
-                </a:tc>
-              </a:tr>
-              <a:tr h="0">
-                <a:tc>
-                  <a:txBody>
-                    <a:bodyPr/>
-                    <a:lstStyle/>
-                    <a:p>
-                      <a:pPr lvl="0" marL="0" indent="0" algn="l">
-                        <a:buNone/>
-                      </a:pPr>
-                      <a:r>
-                        <a:rPr/>
-                        <a:t>3-Very</a:t>
-                      </a:r>
-                      <a:r>
-                        <a:rPr/>
-                        <a:t> </a:t>
-                      </a:r>
-                      <a:r>
-                        <a:rPr/>
-                        <a:t>High</a:t>
-                      </a:r>
-                      <a:r>
-                        <a:rPr/>
-                        <a:t> </a:t>
-                      </a:r>
-                      <a:r>
-                        <a:rPr/>
-                        <a:t>(0.9)</a:t>
-                      </a:r>
-                    </a:p>
-                  </a:txBody>
-                </a:tc>
-                <a:tc>
-                  <a:txBody>
-                    <a:bodyPr/>
-                    <a:lstStyle/>
-                    <a:p>
-                      <a:pPr lvl="0" marL="0" indent="0" algn="l">
-                        <a:buNone/>
-                      </a:pPr>
-                      <a:r>
-                        <a:rPr/>
-                        <a:t>gls</a:t>
-                      </a:r>
-                    </a:p>
-                  </a:txBody>
-                </a:tc>
-                <a:tc>
-                  <a:txBody>
-                    <a:bodyPr/>
-                    <a:lstStyle/>
-                    <a:p>
-                      <a:pPr lvl="0" marL="0" indent="0" algn="r">
-                        <a:buNone/>
-                      </a:pPr>
-                      <a:r>
-                        <a:rPr/>
-                        <a:t>0.096</a:t>
-                      </a:r>
-                    </a:p>
-                  </a:txBody>
-                </a:tc>
-                <a:tc>
-                  <a:txBody>
-                    <a:bodyPr/>
-                    <a:lstStyle/>
-                    <a:p>
-                      <a:pPr lvl="0" marL="0" indent="0" algn="r">
-                        <a:buNone/>
-                      </a:pPr>
-                      <a:r>
-                        <a:rPr/>
-                        <a:t>12.0</a:t>
-                      </a:r>
-                    </a:p>
-                  </a:txBody>
-                </a:tc>
-              </a:tr>
-              <a:tr h="0">
-                <a:tc>
-                  <a:txBody>
-                    <a:bodyPr/>
-                    <a:lstStyle/>
-                    <a:p>
-                      <a:pPr lvl="0" marL="0" indent="0" algn="l">
-                        <a:buNone/>
-                      </a:pPr>
-                      <a:r>
-                        <a:rPr/>
-                        <a:t>3-Very</a:t>
-                      </a:r>
-                      <a:r>
-                        <a:rPr/>
-                        <a:t> </a:t>
-                      </a:r>
-                      <a:r>
-                        <a:rPr/>
-                        <a:t>High</a:t>
-                      </a:r>
-                      <a:r>
-                        <a:rPr/>
-                        <a:t> </a:t>
-                      </a:r>
-                      <a:r>
-                        <a:rPr/>
-                        <a:t>(0.9)</a:t>
-                      </a:r>
-                    </a:p>
-                  </a:txBody>
-                </a:tc>
-                <a:tc>
-                  <a:txBody>
-                    <a:bodyPr/>
-                    <a:lstStyle/>
-                    <a:p>
-                      <a:pPr lvl="0" marL="0" indent="0" algn="l">
-                        <a:buNone/>
-                      </a:pPr>
-                      <a:r>
-                        <a:rPr/>
-                        <a:t>andrews</a:t>
-                      </a:r>
-                    </a:p>
-                  </a:txBody>
-                </a:tc>
-                <a:tc>
-                  <a:txBody>
-                    <a:bodyPr/>
-                    <a:lstStyle/>
-                    <a:p>
-                      <a:pPr lvl="0" marL="0" indent="0" algn="r">
-                        <a:buNone/>
-                      </a:pPr>
-                      <a:r>
-                        <a:rPr/>
-                        <a:t>0.186</a:t>
-                      </a:r>
-                    </a:p>
-                  </a:txBody>
-                </a:tc>
-                <a:tc>
-                  <a:txBody>
-                    <a:bodyPr/>
-                    <a:lstStyle/>
-                    <a:p>
-                      <a:pPr lvl="0" marL="0" indent="0" algn="r">
-                        <a:buNone/>
-                      </a:pPr>
-                      <a:r>
-                        <a:rPr/>
-                        <a:t>NA</a:t>
-                      </a:r>
-                    </a:p>
-                  </a:txBody>
-                </a:tc>
-              </a:tr>
-              <a:tr h="0">
-                <a:tc>
-                  <a:txBody>
-                    <a:bodyPr/>
-                    <a:lstStyle/>
-                    <a:p>
-                      <a:pPr lvl="0" marL="0" indent="0" algn="l">
-                        <a:buNone/>
-                      </a:pPr>
-                      <a:r>
-                        <a:rPr/>
-                        <a:t>3-Very</a:t>
-                      </a:r>
-                      <a:r>
-                        <a:rPr/>
-                        <a:t> </a:t>
-                      </a:r>
-                      <a:r>
-                        <a:rPr/>
-                        <a:t>High</a:t>
-                      </a:r>
-                      <a:r>
-                        <a:rPr/>
-                        <a:t> </a:t>
-                      </a:r>
-                      <a:r>
-                        <a:rPr/>
-                        <a:t>(0.9)</a:t>
-                      </a:r>
-                    </a:p>
-                  </a:txBody>
-                </a:tc>
-                <a:tc>
-                  <a:txBody>
-                    <a:bodyPr/>
-                    <a:lstStyle/>
-                    <a:p>
-                      <a:pPr lvl="0" marL="0" indent="0" algn="l">
-                        <a:buNone/>
-                      </a:pPr>
-                      <a:r>
-                        <a:rPr/>
-                        <a:t>nw</a:t>
-                      </a:r>
-                    </a:p>
-                  </a:txBody>
-                </a:tc>
-                <a:tc>
-                  <a:txBody>
-                    <a:bodyPr/>
-                    <a:lstStyle/>
-                    <a:p>
-                      <a:pPr lvl="0" marL="0" indent="0" algn="r">
-                        <a:buNone/>
-                      </a:pPr>
-                      <a:r>
-                        <a:rPr/>
-                        <a:t>0.195</a:t>
-                      </a:r>
-                    </a:p>
-                  </a:txBody>
-                </a:tc>
-                <a:tc>
-                  <a:txBody>
-                    <a:bodyPr/>
-                    <a:lstStyle/>
-                    <a:p>
-                      <a:pPr lvl="0" marL="0" indent="0" algn="r">
-                        <a:buNone/>
-                      </a:pPr>
-                      <a:r>
-                        <a:rPr/>
-                        <a:t>NA</a:t>
-                      </a:r>
-                    </a:p>
-                  </a:txBody>
-                </a:tc>
-              </a:tr>
-              <a:tr h="0">
-                <a:tc>
-                  <a:txBody>
-                    <a:bodyPr/>
-                    <a:lstStyle/>
-                    <a:p>
-                      <a:pPr lvl="0" marL="0" indent="0" algn="l">
-                        <a:buNone/>
-                      </a:pPr>
-                      <a:r>
-                        <a:rPr/>
-                        <a:t>3-Very</a:t>
-                      </a:r>
-                      <a:r>
-                        <a:rPr/>
-                        <a:t> </a:t>
-                      </a:r>
-                      <a:r>
-                        <a:rPr/>
-                        <a:t>High</a:t>
-                      </a:r>
-                      <a:r>
-                        <a:rPr/>
-                        <a:t> </a:t>
-                      </a:r>
-                      <a:r>
-                        <a:rPr/>
-                        <a:t>(0.9)</a:t>
-                      </a:r>
-                    </a:p>
-                  </a:txBody>
-                </a:tc>
-                <a:tc>
-                  <a:txBody>
-                    <a:bodyPr/>
-                    <a:lstStyle/>
-                    <a:p>
-                      <a:pPr lvl="0" marL="0" indent="0" algn="l">
-                        <a:buNone/>
-                      </a:pPr>
-                      <a:r>
-                        <a:rPr/>
-                        <a:t>bootstrap</a:t>
-                      </a:r>
-                    </a:p>
-                  </a:txBody>
-                </a:tc>
-                <a:tc>
-                  <a:txBody>
-                    <a:bodyPr/>
-                    <a:lstStyle/>
-                    <a:p>
-                      <a:pPr lvl="0" marL="0" indent="0" algn="r">
-                        <a:buNone/>
-                      </a:pPr>
-                      <a:r>
-                        <a:rPr/>
-                        <a:t>0.233</a:t>
-                      </a:r>
-                    </a:p>
-                  </a:txBody>
-                </a:tc>
-                <a:tc>
-                  <a:txBody>
-                    <a:bodyPr/>
-                    <a:lstStyle/>
-                    <a:p>
-                      <a:pPr lvl="0" marL="0" indent="0" algn="r">
-                        <a:buNone/>
-                      </a:pPr>
-                      <a:r>
-                        <a:rPr/>
-                        <a:t>NA</a:t>
-                      </a:r>
-                    </a:p>
-                  </a:txBody>
-                </a:tc>
-              </a:tr>
-              <a:tr h="0">
-                <a:tc>
-                  <a:txBody>
-                    <a:bodyPr/>
-                    <a:lstStyle/>
-                    <a:p>
-                      <a:pPr lvl="0" marL="0" indent="0" algn="l">
-                        <a:buNone/>
-                      </a:pPr>
-                      <a:r>
-                        <a:rPr/>
-                        <a:t>3-Very</a:t>
-                      </a:r>
-                      <a:r>
-                        <a:rPr/>
-                        <a:t> </a:t>
-                      </a:r>
-                      <a:r>
-                        <a:rPr/>
-                        <a:t>High</a:t>
-                      </a:r>
-                      <a:r>
-                        <a:rPr/>
-                        <a:t> </a:t>
-                      </a:r>
-                      <a:r>
-                        <a:rPr/>
-                        <a:t>(0.9)</a:t>
-                      </a:r>
-                    </a:p>
-                  </a:txBody>
-                </a:tc>
-                <a:tc>
-                  <a:txBody>
-                    <a:bodyPr/>
-                    <a:lstStyle/>
-                    <a:p>
-                      <a:pPr lvl="0" marL="0" indent="0" algn="l">
-                        <a:buNone/>
-                      </a:pPr>
-                      <a:r>
-                        <a:rPr/>
-                        <a:t>lm</a:t>
-                      </a:r>
-                    </a:p>
-                  </a:txBody>
-                </a:tc>
-                <a:tc>
-                  <a:txBody>
-                    <a:bodyPr/>
-                    <a:lstStyle/>
-                    <a:p>
-                      <a:pPr lvl="0" marL="0" indent="0" algn="r">
-                        <a:buNone/>
-                      </a:pPr>
-                      <a:r>
-                        <a:rPr/>
-                        <a:t>0.550</a:t>
-                      </a:r>
-                    </a:p>
-                  </a:txBody>
-                </a:tc>
-                <a:tc>
-                  <a:txBody>
-                    <a:bodyPr/>
-                    <a:lstStyle/>
-                    <a:p>
-                      <a:pPr lvl="0" marL="0" indent="0" algn="r">
-                        <a:buNone/>
-                      </a:pPr>
-                      <a:r>
-                        <a:rPr/>
-                        <a:t>12.7</a:t>
-                      </a:r>
-                    </a:p>
-                  </a:txBody>
-                </a:tc>
-              </a:tr>
-            </a:tbl>
-          </a:graphicData>
-        </a:graphic>
-      </p:graphicFrame>
     </p:spTree>
   </p:cSld>
 </p:sld>
@@ -10340,23 +10341,7 @@
             </a:r>
             <a:r>
               <a:rPr/>
-              <a:t>(first</a:t>
-            </a:r>
-            <a:r>
-              <a:rPr/>
-              <a:t> </a:t>
-            </a:r>
-            <a:r>
-              <a:rPr/>
-              <a:t>50</a:t>
-            </a:r>
-            <a:r>
-              <a:rPr/>
-              <a:t> </a:t>
-            </a:r>
-            <a:r>
-              <a:rPr/>
-              <a:t>obs)</a:t>
+              <a:t>(Train)</a:t>
             </a:r>
           </a:p>
         </p:txBody>
@@ -11332,7 +11317,7 @@
             </a:pPr>
             <a:r>
               <a:rPr/>
-              <a:t>Remediating</a:t>
+              <a:t>Non-stationarity</a:t>
             </a:r>
             <a:r>
               <a:rPr/>
@@ -11340,7 +11325,7 @@
             </a:r>
             <a:r>
               <a:rPr/>
-              <a:t>non-stationary</a:t>
+              <a:t>is</a:t>
             </a:r>
             <a:r>
               <a:rPr/>
@@ -11348,7 +11333,31 @@
             </a:r>
             <a:r>
               <a:rPr/>
-              <a:t>errors</a:t>
+              <a:t>a</a:t>
+            </a:r>
+            <a:r>
+              <a:rPr/>
+              <a:t> </a:t>
+            </a:r>
+            <a:r>
+              <a:rPr/>
+              <a:t>very</a:t>
+            </a:r>
+            <a:r>
+              <a:rPr/>
+              <a:t> </a:t>
+            </a:r>
+            <a:r>
+              <a:rPr/>
+              <a:t>big</a:t>
+            </a:r>
+            <a:r>
+              <a:rPr/>
+              <a:t> </a:t>
+            </a:r>
+            <a:r>
+              <a:rPr/>
+              <a:t>problem</a:t>
             </a:r>
           </a:p>
         </p:txBody>
@@ -11362,7 +11371,7 @@
                 <a:spLocks noGrp="1"/>
               </p:cNvSpPr>
               <p:nvPr>
-                <p:ph idx="1"/>
+                <p:ph idx="1" sz="half"/>
               </p:nvPr>
             </p:nvSpPr>
             <p:spPr/>
@@ -11370,213 +11379,411 @@
               <a:bodyPr/>
               <a:lstStyle/>
               <a:p>
-                <a:pPr lvl="1">
-                  <a:buAutoNum type="arabicPeriod"/>
-                </a:pPr>
+                <a:pPr lvl="1"/>
                 <a:r>
                   <a:rPr/>
-                  <a:t>Transform each response and predictor into “first differences” (e.g., </a:t>
+                  <a:t>Simulate </a:t>
                 </a:r>
                 <a14:m>
                   <m:oMath xmlns:m="http://schemas.openxmlformats.org/officeDocument/2006/math">
-                    <m:sSub>
-                      <m:e>
-                        <m:r>
-                          <m:t>y</m:t>
-                        </m:r>
-                      </m:e>
-                      <m:sub>
-                        <m:r>
-                          <m:t>t</m:t>
-                        </m:r>
-                      </m:sub>
-                    </m:sSub>
                     <m:r>
-                      <m:rPr>
-                        <m:sty m:val="p"/>
-                      </m:rPr>
-                      <m:t>−</m:t>
+                      <m:t>K</m:t>
                     </m:r>
-                    <m:sSub>
-                      <m:e>
-                        <m:r>
-                          <m:t>y</m:t>
-                        </m:r>
-                      </m:e>
-                      <m:sub>
-                        <m:r>
-                          <m:t>t</m:t>
-                        </m:r>
-                        <m:r>
-                          <m:rPr>
-                            <m:sty m:val="p"/>
-                          </m:rPr>
-                          <m:t>−</m:t>
-                        </m:r>
-                        <m:r>
-                          <m:t>1</m:t>
-                        </m:r>
-                      </m:sub>
-                    </m:sSub>
-                  </m:oMath>
-                </a14:m>
-                <a:r>
-                  <a:rPr/>
-                  <a:t>)</a:t>
-                </a:r>
-              </a:p>
-              <a:p>
-                <a:pPr lvl="1">
-                  <a:buAutoNum type="arabicPeriod"/>
-                </a:pPr>
-                <a:r>
-                  <a:rPr/>
-                  <a:t>Estimate the transformed model using OLS or GLS</a:t>
-                </a:r>
-              </a:p>
-              <a:p>
-                <a:pPr lvl="1">
-                  <a:buAutoNum type="arabicPeriod"/>
-                </a:pPr>
-                <a:r>
-                  <a:rPr/>
-                  <a:t>Forecast with the last historical value and the cumulative sum of the predicted first differences:</a:t>
-                </a:r>
-              </a:p>
-              <a:p>
-                <a:pPr lvl="0" marL="0" indent="0">
-                  <a:buNone/>
-                </a:pPr>
-                <a14:m>
-                  <m:oMath xmlns:m="http://schemas.openxmlformats.org/officeDocument/2006/math">
-                    <m:acc>
-                      <m:accPr>
-                        <m:chr m:val="̂"/>
-                      </m:accPr>
-                      <m:e>
-                        <m:sSub>
-                          <m:e>
-                            <m:r>
-                              <m:t>y</m:t>
-                            </m:r>
-                          </m:e>
-                          <m:sub>
-                            <m:r>
-                              <m:t>t</m:t>
-                            </m:r>
-                            <m:r>
-                              <m:rPr>
-                                <m:sty m:val="p"/>
-                              </m:rPr>
-                              <m:t>+</m:t>
-                            </m:r>
-                            <m:r>
-                              <m:t>h</m:t>
-                            </m:r>
-                          </m:sub>
-                        </m:sSub>
-                      </m:e>
-                    </m:acc>
                     <m:r>
                       <m:rPr>
                         <m:sty m:val="p"/>
                       </m:rPr>
                       <m:t>=</m:t>
                     </m:r>
-                    <m:sSub>
-                      <m:e>
-                        <m:r>
-                          <m:t>y</m:t>
-                        </m:r>
-                      </m:e>
-                      <m:sub>
-                        <m:r>
-                          <m:t>t</m:t>
-                        </m:r>
-                      </m:sub>
-                    </m:sSub>
                     <m:r>
-                      <m:rPr>
-                        <m:sty m:val="p"/>
-                      </m:rPr>
-                      <m:t>+</m:t>
+                      <m:t>1000</m:t>
                     </m:r>
-                    <m:nary>
-                      <m:naryPr>
-                        <m:chr m:val="∑"/>
-                        <m:limLoc m:val="undOvr"/>
-                        <m:subHide m:val="0"/>
-                        <m:supHide m:val="0"/>
-                      </m:naryPr>
-                      <m:sub>
-                        <m:r>
-                          <m:t>i</m:t>
-                        </m:r>
-                        <m:r>
-                          <m:rPr>
-                            <m:sty m:val="p"/>
-                          </m:rPr>
-                          <m:t>=</m:t>
-                        </m:r>
-                        <m:r>
-                          <m:t>t</m:t>
-                        </m:r>
-                        <m:r>
-                          <m:rPr>
-                            <m:sty m:val="p"/>
-                          </m:rPr>
-                          <m:t>+</m:t>
-                        </m:r>
-                        <m:r>
-                          <m:t>1</m:t>
-                        </m:r>
-                      </m:sub>
-                      <m:sup>
-                        <m:r>
-                          <m:t>t</m:t>
-                        </m:r>
-                        <m:r>
-                          <m:rPr>
-                            <m:sty m:val="p"/>
-                          </m:rPr>
-                          <m:t>+</m:t>
-                        </m:r>
-                        <m:r>
-                          <m:t>h</m:t>
-                        </m:r>
-                      </m:sup>
-                      <m:e>
-                        <m:acc>
-                          <m:accPr>
-                            <m:chr m:val="̂"/>
-                          </m:accPr>
-                          <m:e>
-                            <m:r>
-                              <m:t>Δ</m:t>
-                            </m:r>
-                            <m:sSub>
-                              <m:e>
-                                <m:r>
-                                  <m:t>y</m:t>
-                                </m:r>
-                              </m:e>
-                              <m:sub>
-                                <m:r>
-                                  <m:t>i</m:t>
-                                </m:r>
-                              </m:sub>
-                            </m:sSub>
-                          </m:e>
-                        </m:acc>
-                      </m:e>
-                    </m:nary>
                   </m:oMath>
                 </a14:m>
+                <a:r>
+                  <a:rPr/>
+                  <a:t> data sets where the response and predictors are independent random walks (non-stationary)</a:t>
+                </a:r>
+              </a:p>
+              <a:p>
+                <a:pPr lvl="1"/>
+                <a:r>
+                  <a:rPr/>
+                  <a:t>OLS inferences are highly unreliable</a:t>
+                </a:r>
+              </a:p>
+              <a:p>
+                <a:pPr lvl="1"/>
+                <a:r>
+                  <a:rPr/>
+                  <a:t>OLS and GLS both perform worse than a naive model (i.e., take the last response from the training set and assume the response never changes in the test set)</a:t>
+                </a:r>
               </a:p>
             </p:txBody>
           </p:sp>
         </mc:Choice>
       </mc:AlternateContent>
+      <p:graphicFrame>
+        <p:nvGraphicFramePr>
+          <p:cNvPr id="6" name="Content Placeholder 5"/>
+          <p:cNvGraphicFramePr>
+            <a:graphicFrameLocks noGrp="1"/>
+          </p:cNvGraphicFramePr>
+          <p:nvPr>
+            <p:ph idx="1"/>
+          </p:nvPr>
+        </p:nvGraphicFramePr>
+        <p:xfrm>
+          <a:off x="609600" y="3975100"/>
+          <a:ext cx="10972800" cy="2146300"/>
+        </p:xfrm>
+        <a:graphic>
+          <a:graphicData uri="http://schemas.openxmlformats.org/drawingml/2006/table">
+            <a:tbl>
+              <a:tblPr firstRow="1" bandRow="1">
+                <a:tableStyleId>{5C22544A-7EE6-4342-B048-85BDC9FD1C3A}</a:tableStyleId>
+              </a:tblPr>
+              <a:tblGrid>
+                <a:gridCol w="3657600"/>
+                <a:gridCol w="3657600"/>
+                <a:gridCol w="3657600"/>
+              </a:tblGrid>
+              <a:tr h="0">
+                <a:tc>
+                  <a:txBody>
+                    <a:bodyPr/>
+                    <a:lstStyle/>
+                    <a:p>
+                      <a:pPr lvl="0" marL="0" indent="0" algn="l">
+                        <a:buNone/>
+                      </a:pPr>
+                      <a:r>
+                        <a:rPr/>
+                        <a:t>method</a:t>
+                      </a:r>
+                    </a:p>
+                  </a:txBody>
+                  <a:tcPr/>
+                </a:tc>
+                <a:tc>
+                  <a:txBody>
+                    <a:bodyPr/>
+                    <a:lstStyle/>
+                    <a:p>
+                      <a:pPr lvl="0" marL="0" indent="0" algn="r">
+                        <a:buNone/>
+                      </a:pPr>
+                      <a:r>
+                        <a:rPr/>
+                        <a:t>Prob_Type_1_Error</a:t>
+                      </a:r>
+                    </a:p>
+                  </a:txBody>
+                  <a:tcPr/>
+                </a:tc>
+                <a:tc>
+                  <a:txBody>
+                    <a:bodyPr/>
+                    <a:lstStyle/>
+                    <a:p>
+                      <a:pPr lvl="0" marL="0" indent="0" algn="r">
+                        <a:buNone/>
+                      </a:pPr>
+                      <a:r>
+                        <a:rPr/>
+                        <a:t>Avg_Test_RMSE</a:t>
+                      </a:r>
+                    </a:p>
+                  </a:txBody>
+                  <a:tcPr/>
+                </a:tc>
+              </a:tr>
+              <a:tr h="0">
+                <a:tc>
+                  <a:txBody>
+                    <a:bodyPr/>
+                    <a:lstStyle/>
+                    <a:p>
+                      <a:pPr lvl="0" marL="0" indent="0" algn="l">
+                        <a:buNone/>
+                      </a:pPr>
+                      <a:r>
+                        <a:rPr/>
+                        <a:t>rw</a:t>
+                      </a:r>
+                    </a:p>
+                  </a:txBody>
+                </a:tc>
+                <a:tc>
+                  <a:txBody>
+                    <a:bodyPr/>
+                    <a:lstStyle/>
+                    <a:p>
+                      <a:pPr lvl="0" marL="0" indent="0" algn="r">
+                        <a:buNone/>
+                      </a:pPr>
+                      <a:r>
+                        <a:rPr/>
+                        <a:t>0.000</a:t>
+                      </a:r>
+                    </a:p>
+                  </a:txBody>
+                </a:tc>
+                <a:tc>
+                  <a:txBody>
+                    <a:bodyPr/>
+                    <a:lstStyle/>
+                    <a:p>
+                      <a:pPr lvl="0" marL="0" indent="0" algn="r">
+                        <a:buNone/>
+                      </a:pPr>
+                      <a:r>
+                        <a:rPr/>
+                        <a:t>25.6</a:t>
+                      </a:r>
+                    </a:p>
+                  </a:txBody>
+                </a:tc>
+              </a:tr>
+              <a:tr h="0">
+                <a:tc>
+                  <a:txBody>
+                    <a:bodyPr/>
+                    <a:lstStyle/>
+                    <a:p>
+                      <a:pPr lvl="0" marL="0" indent="0" algn="l">
+                        <a:buNone/>
+                      </a:pPr>
+                      <a:r>
+                        <a:rPr/>
+                        <a:t>gls</a:t>
+                      </a:r>
+                    </a:p>
+                  </a:txBody>
+                </a:tc>
+                <a:tc>
+                  <a:txBody>
+                    <a:bodyPr/>
+                    <a:lstStyle/>
+                    <a:p>
+                      <a:pPr lvl="0" marL="0" indent="0" algn="r">
+                        <a:buNone/>
+                      </a:pPr>
+                      <a:r>
+                        <a:rPr/>
+                        <a:t>0.148</a:t>
+                      </a:r>
+                    </a:p>
+                  </a:txBody>
+                </a:tc>
+                <a:tc>
+                  <a:txBody>
+                    <a:bodyPr/>
+                    <a:lstStyle/>
+                    <a:p>
+                      <a:pPr lvl="0" marL="0" indent="0" algn="r">
+                        <a:buNone/>
+                      </a:pPr>
+                      <a:r>
+                        <a:rPr/>
+                        <a:t>31.3</a:t>
+                      </a:r>
+                    </a:p>
+                  </a:txBody>
+                </a:tc>
+              </a:tr>
+              <a:tr h="0">
+                <a:tc>
+                  <a:txBody>
+                    <a:bodyPr/>
+                    <a:lstStyle/>
+                    <a:p>
+                      <a:pPr lvl="0" marL="0" indent="0" algn="l">
+                        <a:buNone/>
+                      </a:pPr>
+                      <a:r>
+                        <a:rPr/>
+                        <a:t>andrews</a:t>
+                      </a:r>
+                    </a:p>
+                  </a:txBody>
+                </a:tc>
+                <a:tc>
+                  <a:txBody>
+                    <a:bodyPr/>
+                    <a:lstStyle/>
+                    <a:p>
+                      <a:pPr lvl="0" marL="0" indent="0" algn="r">
+                        <a:buNone/>
+                      </a:pPr>
+                      <a:r>
+                        <a:rPr/>
+                        <a:t>0.290</a:t>
+                      </a:r>
+                    </a:p>
+                  </a:txBody>
+                </a:tc>
+                <a:tc>
+                  <a:txBody>
+                    <a:bodyPr/>
+                    <a:lstStyle/>
+                    <a:p>
+                      <a:pPr lvl="0" marL="0" indent="0" algn="r">
+                        <a:buNone/>
+                      </a:pPr>
+                      <a:r>
+                        <a:rPr/>
+                        <a:t>NA</a:t>
+                      </a:r>
+                    </a:p>
+                  </a:txBody>
+                </a:tc>
+              </a:tr>
+              <a:tr h="0">
+                <a:tc>
+                  <a:txBody>
+                    <a:bodyPr/>
+                    <a:lstStyle/>
+                    <a:p>
+                      <a:pPr lvl="0" marL="0" indent="0" algn="l">
+                        <a:buNone/>
+                      </a:pPr>
+                      <a:r>
+                        <a:rPr/>
+                        <a:t>nw</a:t>
+                      </a:r>
+                    </a:p>
+                  </a:txBody>
+                </a:tc>
+                <a:tc>
+                  <a:txBody>
+                    <a:bodyPr/>
+                    <a:lstStyle/>
+                    <a:p>
+                      <a:pPr lvl="0" marL="0" indent="0" algn="r">
+                        <a:buNone/>
+                      </a:pPr>
+                      <a:r>
+                        <a:rPr/>
+                        <a:t>0.290</a:t>
+                      </a:r>
+                    </a:p>
+                  </a:txBody>
+                </a:tc>
+                <a:tc>
+                  <a:txBody>
+                    <a:bodyPr/>
+                    <a:lstStyle/>
+                    <a:p>
+                      <a:pPr lvl="0" marL="0" indent="0" algn="r">
+                        <a:buNone/>
+                      </a:pPr>
+                      <a:r>
+                        <a:rPr/>
+                        <a:t>NA</a:t>
+                      </a:r>
+                    </a:p>
+                  </a:txBody>
+                </a:tc>
+              </a:tr>
+              <a:tr h="0">
+                <a:tc>
+                  <a:txBody>
+                    <a:bodyPr/>
+                    <a:lstStyle/>
+                    <a:p>
+                      <a:pPr lvl="0" marL="0" indent="0" algn="l">
+                        <a:buNone/>
+                      </a:pPr>
+                      <a:r>
+                        <a:rPr/>
+                        <a:t>bootstrap</a:t>
+                      </a:r>
+                    </a:p>
+                  </a:txBody>
+                </a:tc>
+                <a:tc>
+                  <a:txBody>
+                    <a:bodyPr/>
+                    <a:lstStyle/>
+                    <a:p>
+                      <a:pPr lvl="0" marL="0" indent="0" algn="r">
+                        <a:buNone/>
+                      </a:pPr>
+                      <a:r>
+                        <a:rPr/>
+                        <a:t>0.346</a:t>
+                      </a:r>
+                    </a:p>
+                  </a:txBody>
+                </a:tc>
+                <a:tc>
+                  <a:txBody>
+                    <a:bodyPr/>
+                    <a:lstStyle/>
+                    <a:p>
+                      <a:pPr lvl="0" marL="0" indent="0" algn="r">
+                        <a:buNone/>
+                      </a:pPr>
+                      <a:r>
+                        <a:rPr/>
+                        <a:t>NA</a:t>
+                      </a:r>
+                    </a:p>
+                  </a:txBody>
+                </a:tc>
+              </a:tr>
+              <a:tr h="0">
+                <a:tc>
+                  <a:txBody>
+                    <a:bodyPr/>
+                    <a:lstStyle/>
+                    <a:p>
+                      <a:pPr lvl="0" marL="0" indent="0" algn="l">
+                        <a:buNone/>
+                      </a:pPr>
+                      <a:r>
+                        <a:rPr/>
+                        <a:t>lm</a:t>
+                      </a:r>
+                    </a:p>
+                  </a:txBody>
+                </a:tc>
+                <a:tc>
+                  <a:txBody>
+                    <a:bodyPr/>
+                    <a:lstStyle/>
+                    <a:p>
+                      <a:pPr lvl="0" marL="0" indent="0" algn="r">
+                        <a:buNone/>
+                      </a:pPr>
+                      <a:r>
+                        <a:rPr/>
+                        <a:t>0.743</a:t>
+                      </a:r>
+                    </a:p>
+                  </a:txBody>
+                </a:tc>
+                <a:tc>
+                  <a:txBody>
+                    <a:bodyPr/>
+                    <a:lstStyle/>
+                    <a:p>
+                      <a:pPr lvl="0" marL="0" indent="0" algn="r">
+                        <a:buNone/>
+                      </a:pPr>
+                      <a:r>
+                        <a:rPr/>
+                        <a:t>39.2</a:t>
+                      </a:r>
+                    </a:p>
+                  </a:txBody>
+                </a:tc>
+              </a:tr>
+            </a:tbl>
+          </a:graphicData>
+        </a:graphic>
+      </p:graphicFrame>
     </p:spTree>
   </p:cSld>
 </p:sld>
@@ -11949,6 +12156,293 @@
 </file>
 
 <file path=ppt/slides/slide30.xml><?xml version="1.0" encoding="utf-8"?>
+<p:sld xmlns:a="http://schemas.openxmlformats.org/drawingml/2006/main" xmlns:r="http://schemas.openxmlformats.org/officeDocument/2006/relationships" xmlns:p="http://schemas.openxmlformats.org/presentationml/2006/main">
+  <p:cSld>
+    <p:spTree>
+      <p:nvGrpSpPr>
+        <p:cNvPr id="1" name=""/>
+        <p:cNvGrpSpPr/>
+        <p:nvPr/>
+      </p:nvGrpSpPr>
+      <p:grpSpPr>
+        <a:xfrm>
+          <a:off x="0" y="0"/>
+          <a:ext cx="0" cy="0"/>
+          <a:chOff x="0" y="0"/>
+          <a:chExt cx="0" cy="0"/>
+        </a:xfrm>
+      </p:grpSpPr>
+      <p:sp>
+        <p:nvSpPr>
+          <p:cNvPr id="2" name="Title 1"/>
+          <p:cNvSpPr>
+            <a:spLocks noGrp="1"/>
+          </p:cNvSpPr>
+          <p:nvPr>
+            <p:ph type="title"/>
+          </p:nvPr>
+        </p:nvSpPr>
+        <p:spPr/>
+        <p:txBody>
+          <a:bodyPr/>
+          <a:lstStyle/>
+          <a:p>
+            <a:pPr lvl="0" marL="0" indent="0">
+              <a:buNone/>
+            </a:pPr>
+            <a:r>
+              <a:rPr/>
+              <a:t>Remediating</a:t>
+            </a:r>
+            <a:r>
+              <a:rPr/>
+              <a:t> </a:t>
+            </a:r>
+            <a:r>
+              <a:rPr/>
+              <a:t>non-stationary</a:t>
+            </a:r>
+            <a:r>
+              <a:rPr/>
+              <a:t> </a:t>
+            </a:r>
+            <a:r>
+              <a:rPr/>
+              <a:t>errors</a:t>
+            </a:r>
+          </a:p>
+        </p:txBody>
+      </p:sp>
+      <mc:AlternateContent xmlns:mc="http://schemas.openxmlformats.org/markup-compatibility/2006">
+        <mc:Choice xmlns:a14="http://schemas.microsoft.com/office/drawing/2010/main" Requires="a14">
+          <p:sp>
+            <p:nvSpPr>
+              <p:cNvPr id="3" name="Content Placeholder 2"/>
+              <p:cNvSpPr>
+                <a:spLocks noGrp="1"/>
+              </p:cNvSpPr>
+              <p:nvPr>
+                <p:ph idx="1"/>
+              </p:nvPr>
+            </p:nvSpPr>
+            <p:spPr/>
+            <p:txBody>
+              <a:bodyPr/>
+              <a:lstStyle/>
+              <a:p>
+                <a:pPr lvl="1">
+                  <a:buAutoNum type="arabicPeriod"/>
+                </a:pPr>
+                <a:r>
+                  <a:rPr/>
+                  <a:t>Transform each response and predictor into “first differences” (e.g., </a:t>
+                </a:r>
+                <a14:m>
+                  <m:oMath xmlns:m="http://schemas.openxmlformats.org/officeDocument/2006/math">
+                    <m:sSub>
+                      <m:e>
+                        <m:r>
+                          <m:t>y</m:t>
+                        </m:r>
+                      </m:e>
+                      <m:sub>
+                        <m:r>
+                          <m:t>t</m:t>
+                        </m:r>
+                      </m:sub>
+                    </m:sSub>
+                    <m:r>
+                      <m:rPr>
+                        <m:sty m:val="p"/>
+                      </m:rPr>
+                      <m:t>−</m:t>
+                    </m:r>
+                    <m:sSub>
+                      <m:e>
+                        <m:r>
+                          <m:t>y</m:t>
+                        </m:r>
+                      </m:e>
+                      <m:sub>
+                        <m:r>
+                          <m:t>t</m:t>
+                        </m:r>
+                        <m:r>
+                          <m:rPr>
+                            <m:sty m:val="p"/>
+                          </m:rPr>
+                          <m:t>−</m:t>
+                        </m:r>
+                        <m:r>
+                          <m:t>1</m:t>
+                        </m:r>
+                      </m:sub>
+                    </m:sSub>
+                  </m:oMath>
+                </a14:m>
+                <a:r>
+                  <a:rPr/>
+                  <a:t>)</a:t>
+                </a:r>
+              </a:p>
+              <a:p>
+                <a:pPr lvl="1">
+                  <a:buAutoNum type="arabicPeriod"/>
+                </a:pPr>
+                <a:r>
+                  <a:rPr/>
+                  <a:t>Estimate the transformed model using OLS or GLS</a:t>
+                </a:r>
+              </a:p>
+              <a:p>
+                <a:pPr lvl="1">
+                  <a:buAutoNum type="arabicPeriod"/>
+                </a:pPr>
+                <a:r>
+                  <a:rPr/>
+                  <a:t>Forecast with the last historical value and the cumulative sum of the predicted first differences:</a:t>
+                </a:r>
+              </a:p>
+              <a:p>
+                <a:pPr lvl="0" marL="0" indent="0">
+                  <a:buNone/>
+                </a:pPr>
+                <a14:m>
+                  <m:oMath xmlns:m="http://schemas.openxmlformats.org/officeDocument/2006/math">
+                    <m:acc>
+                      <m:accPr>
+                        <m:chr m:val="̂"/>
+                      </m:accPr>
+                      <m:e>
+                        <m:sSub>
+                          <m:e>
+                            <m:r>
+                              <m:t>y</m:t>
+                            </m:r>
+                          </m:e>
+                          <m:sub>
+                            <m:r>
+                              <m:t>t</m:t>
+                            </m:r>
+                            <m:r>
+                              <m:rPr>
+                                <m:sty m:val="p"/>
+                              </m:rPr>
+                              <m:t>+</m:t>
+                            </m:r>
+                            <m:r>
+                              <m:t>h</m:t>
+                            </m:r>
+                          </m:sub>
+                        </m:sSub>
+                      </m:e>
+                    </m:acc>
+                    <m:r>
+                      <m:rPr>
+                        <m:sty m:val="p"/>
+                      </m:rPr>
+                      <m:t>=</m:t>
+                    </m:r>
+                    <m:sSub>
+                      <m:e>
+                        <m:r>
+                          <m:t>y</m:t>
+                        </m:r>
+                      </m:e>
+                      <m:sub>
+                        <m:r>
+                          <m:t>t</m:t>
+                        </m:r>
+                      </m:sub>
+                    </m:sSub>
+                    <m:r>
+                      <m:rPr>
+                        <m:sty m:val="p"/>
+                      </m:rPr>
+                      <m:t>+</m:t>
+                    </m:r>
+                    <m:nary>
+                      <m:naryPr>
+                        <m:chr m:val="∑"/>
+                        <m:limLoc m:val="undOvr"/>
+                        <m:subHide m:val="0"/>
+                        <m:supHide m:val="0"/>
+                      </m:naryPr>
+                      <m:sub>
+                        <m:r>
+                          <m:t>i</m:t>
+                        </m:r>
+                        <m:r>
+                          <m:rPr>
+                            <m:sty m:val="p"/>
+                          </m:rPr>
+                          <m:t>=</m:t>
+                        </m:r>
+                        <m:r>
+                          <m:t>t</m:t>
+                        </m:r>
+                        <m:r>
+                          <m:rPr>
+                            <m:sty m:val="p"/>
+                          </m:rPr>
+                          <m:t>+</m:t>
+                        </m:r>
+                        <m:r>
+                          <m:t>1</m:t>
+                        </m:r>
+                      </m:sub>
+                      <m:sup>
+                        <m:r>
+                          <m:t>t</m:t>
+                        </m:r>
+                        <m:r>
+                          <m:rPr>
+                            <m:sty m:val="p"/>
+                          </m:rPr>
+                          <m:t>+</m:t>
+                        </m:r>
+                        <m:r>
+                          <m:t>h</m:t>
+                        </m:r>
+                      </m:sup>
+                      <m:e>
+                        <m:acc>
+                          <m:accPr>
+                            <m:chr m:val="̂"/>
+                          </m:accPr>
+                          <m:e>
+                            <m:r>
+                              <m:t>Δ</m:t>
+                            </m:r>
+                            <m:sSub>
+                              <m:e>
+                                <m:r>
+                                  <m:t>y</m:t>
+                                </m:r>
+                              </m:e>
+                              <m:sub>
+                                <m:r>
+                                  <m:t>i</m:t>
+                                </m:r>
+                              </m:sub>
+                            </m:sSub>
+                          </m:e>
+                        </m:acc>
+                      </m:e>
+                    </m:nary>
+                  </m:oMath>
+                </a14:m>
+              </a:p>
+            </p:txBody>
+          </p:sp>
+        </mc:Choice>
+      </mc:AlternateContent>
+    </p:spTree>
+  </p:cSld>
+</p:sld>
+</file>
+
+<file path=ppt/slides/slide31.xml><?xml version="1.0" encoding="utf-8"?>
 <p:sld xmlns:a="http://schemas.openxmlformats.org/drawingml/2006/main" xmlns:r="http://schemas.openxmlformats.org/officeDocument/2006/relationships" xmlns:p="http://schemas.openxmlformats.org/presentationml/2006/main">
   <p:cSld>
     <p:spTree>
@@ -14432,23 +14926,7 @@
             </a:r>
             <a:r>
               <a:rPr/>
-              <a:t>(first</a:t>
-            </a:r>
-            <a:r>
-              <a:rPr/>
-              <a:t> </a:t>
-            </a:r>
-            <a:r>
-              <a:rPr/>
-              <a:t>50</a:t>
-            </a:r>
-            <a:r>
-              <a:rPr/>
-              <a:t> </a:t>
-            </a:r>
-            <a:r>
-              <a:rPr/>
-              <a:t>obs)</a:t>
+              <a:t>(Train)</a:t>
             </a:r>
           </a:p>
         </p:txBody>

--- a/time_series_regression.pptx
+++ b/time_series_regression.pptx
@@ -2376,7 +2376,7 @@
 </file>
 
 <file path=ppt/slideMasters/slideMaster1.xml><?xml version="1.0" encoding="utf-8"?>
-<p:sldMaster xmlns:a="http://schemas.openxmlformats.org/drawingml/2006/main" xmlns:r="http://schemas.openxmlformats.org/officeDocument/2006/relationships" xmlns:p="http://schemas.openxmlformats.org/presentationml/2006/main">
+<p:sldMaster xmlns:a="http://schemas.openxmlformats.org/drawingml/2006/main" xmlns:p="http://schemas.openxmlformats.org/presentationml/2006/main" xmlns:r="http://schemas.openxmlformats.org/officeDocument/2006/relationships">
   <p:cSld>
     <p:bg>
       <p:bgRef idx="1001">
@@ -2417,13 +2417,13 @@
           </a:prstGeom>
         </p:spPr>
         <p:txBody>
-          <a:bodyPr vert="horz" lIns="91440" tIns="45720" rIns="91440" bIns="45720" rtlCol="0" anchor="ctr">
+          <a:bodyPr anchor="ctr" bIns="45720" lIns="91440" rIns="91440" rtlCol="0" tIns="45720" vert="horz">
             <a:normAutofit/>
           </a:bodyPr>
           <a:lstStyle/>
           <a:p>
             <a:r>
-              <a:rPr lang="en-US" dirty="0"/>
+              <a:rPr dirty="0" lang="en-US"/>
               <a:t>Click to edit Master title style</a:t>
             </a:r>
           </a:p>
@@ -2436,7 +2436,7 @@
             <a:spLocks noGrp="1"/>
           </p:cNvSpPr>
           <p:nvPr>
-            <p:ph type="body" idx="1"/>
+            <p:ph idx="1" type="body"/>
           </p:nvPr>
         </p:nvSpPr>
         <p:spPr>
@@ -2449,42 +2449,42 @@
           </a:prstGeom>
         </p:spPr>
         <p:txBody>
-          <a:bodyPr vert="horz" lIns="91440" tIns="45720" rIns="91440" bIns="45720" rtlCol="0">
+          <a:bodyPr bIns="45720" lIns="91440" rIns="91440" rtlCol="0" tIns="45720" vert="horz">
             <a:normAutofit/>
           </a:bodyPr>
           <a:lstStyle/>
           <a:p>
             <a:pPr lvl="0"/>
             <a:r>
-              <a:rPr lang="en-US" dirty="0"/>
+              <a:rPr dirty="0" lang="en-US"/>
               <a:t>Click to edit Master text styles</a:t>
             </a:r>
           </a:p>
           <a:p>
             <a:pPr lvl="1"/>
             <a:r>
-              <a:rPr lang="en-US" dirty="0"/>
+              <a:rPr dirty="0" lang="en-US"/>
               <a:t>Second level</a:t>
             </a:r>
           </a:p>
           <a:p>
             <a:pPr lvl="2"/>
             <a:r>
-              <a:rPr lang="en-US" dirty="0"/>
+              <a:rPr dirty="0" lang="en-US"/>
               <a:t>Third level</a:t>
             </a:r>
           </a:p>
           <a:p>
             <a:pPr lvl="3"/>
             <a:r>
-              <a:rPr lang="en-US" dirty="0"/>
+              <a:rPr dirty="0" lang="en-US"/>
               <a:t>Fourth level</a:t>
             </a:r>
           </a:p>
           <a:p>
             <a:pPr lvl="4"/>
             <a:r>
-              <a:rPr lang="en-US" dirty="0"/>
+              <a:rPr dirty="0" lang="en-US"/>
               <a:t>Fifth level</a:t>
             </a:r>
           </a:p>
@@ -2497,7 +2497,7 @@
             <a:spLocks noGrp="1"/>
           </p:cNvSpPr>
           <p:nvPr>
-            <p:ph type="dt" sz="half" idx="2"/>
+            <p:ph idx="2" sz="half" type="dt"/>
           </p:nvPr>
         </p:nvSpPr>
         <p:spPr>
@@ -2510,7 +2510,7 @@
           </a:prstGeom>
         </p:spPr>
         <p:txBody>
-          <a:bodyPr vert="horz" lIns="91440" tIns="45720" rIns="91440" bIns="45720" rtlCol="0" anchor="ctr"/>
+          <a:bodyPr anchor="ctr" bIns="45720" lIns="91440" rIns="91440" rtlCol="0" tIns="45720" vert="horz"/>
           <a:lstStyle>
             <a:lvl1pPr algn="r">
               <a:defRPr sz="1200">
@@ -2527,7 +2527,7 @@
               <a:rPr lang="en-US" smtClean="0"/>
               <a:t>February 25, 2022</a:t>
             </a:fld>
-            <a:endParaRPr lang="en-US" dirty="0"/>
+            <a:endParaRPr dirty="0" lang="en-US"/>
           </a:p>
         </p:txBody>
       </p:sp>
@@ -2538,7 +2538,7 @@
             <a:spLocks noGrp="1"/>
           </p:cNvSpPr>
           <p:nvPr>
-            <p:ph type="ftr" sz="quarter" idx="3"/>
+            <p:ph idx="3" sz="quarter" type="ftr"/>
           </p:nvPr>
         </p:nvSpPr>
         <p:spPr>
@@ -2551,7 +2551,7 @@
           </a:prstGeom>
         </p:spPr>
         <p:txBody>
-          <a:bodyPr vert="horz" lIns="91440" tIns="45720" rIns="91440" bIns="45720" rtlCol="0" anchor="ctr"/>
+          <a:bodyPr anchor="ctr" bIns="45720" lIns="91440" rIns="91440" rtlCol="0" tIns="45720" vert="horz"/>
           <a:lstStyle>
             <a:lvl1pPr algn="ctr">
               <a:defRPr sz="1200">
@@ -2590,7 +2590,7 @@
           </a:prstGeom>
         </p:spPr>
         <p:txBody>
-          <a:bodyPr vert="horz" lIns="91440" tIns="45720" rIns="91440" bIns="45720" rtlCol="0" anchor="ctr"/>
+          <a:bodyPr anchor="ctr" bIns="45720" lIns="91440" rIns="91440" rtlCol="0" tIns="45720" vert="horz"/>
           <a:lstStyle>
             <a:defPPr>
               <a:defRPr lang="en-US"/>
@@ -2608,7 +2608,7 @@
           <a:p>
             <a:pPr lvl="0"/>
             <a:r>
-              <a:rPr lang="en-US" dirty="0"/>
+              <a:rPr dirty="0" lang="en-US"/>
               <a:t>| </a:t>
             </a:r>
             <a:fld id="{011452EF-B0DE-CF47-8A06-41034731223B}" type="slidenum">
@@ -2616,7 +2616,7 @@
               <a:pPr lvl="0"/>
               <a:t>‹#›</a:t>
             </a:fld>
-            <a:endParaRPr lang="en-US" dirty="0"/>
+            <a:endParaRPr dirty="0" lang="en-US"/>
           </a:p>
         </p:txBody>
       </p:sp>
@@ -2627,7 +2627,7 @@
       </p:ext>
     </p:extLst>
   </p:cSld>
-  <p:clrMap bg1="lt1" tx1="dk1" bg2="lt2" tx2="dk2" accent1="accent1" accent2="accent2" accent3="accent3" accent4="accent4" accent5="accent5" accent6="accent6" hlink="hlink" folHlink="folHlink"/>
+  <p:clrMap accent1="accent1" accent2="accent2" accent3="accent3" accent4="accent4" accent5="accent5" accent6="accent6" bg1="lt1" bg2="lt2" folHlink="folHlink" hlink="hlink" tx1="dk1" tx2="dk2"/>
   <p:sldLayoutIdLst>
     <p:sldLayoutId id="2147483649" r:id="rId1"/>
     <p:sldLayoutId id="2147483650" r:id="rId2"/>
@@ -2641,15 +2641,15 @@
     <p:sldLayoutId id="2147483658" r:id="rId10"/>
     <p:sldLayoutId id="2147483659" r:id="rId11"/>
   </p:sldLayoutIdLst>
-  <p:hf hdr="0" ftr="0"/>
+  <p:hf ftr="0" hdr="0"/>
   <p:txStyles>
     <p:titleStyle>
-      <a:lvl1pPr algn="ctr" defTabSz="457200" rtl="0" eaLnBrk="1" latinLnBrk="0" hangingPunct="1">
+      <a:lvl1pPr algn="ctr" defTabSz="457200" eaLnBrk="1" hangingPunct="1" latinLnBrk="0" rtl="0">
         <a:spcBef>
           <a:spcPct val="0"/>
         </a:spcBef>
         <a:buNone/>
-        <a:defRPr sz="4000" kern="1200">
+        <a:defRPr kern="1200" sz="4000">
           <a:solidFill>
             <a:schemeClr val="tx1"/>
           </a:solidFill>
@@ -2660,13 +2660,13 @@
       </a:lvl1pPr>
     </p:titleStyle>
     <p:bodyStyle>
-      <a:lvl1pPr marL="342900" indent="-342900" algn="l" defTabSz="457200" rtl="0" eaLnBrk="1" latinLnBrk="0" hangingPunct="1">
+      <a:lvl1pPr algn="l" defTabSz="457200" eaLnBrk="1" hangingPunct="1" indent="-342900" latinLnBrk="0" marL="342900" rtl="0">
         <a:spcBef>
           <a:spcPct val="20000"/>
         </a:spcBef>
-        <a:buFont typeface="Courier New" panose="02070309020205020404" pitchFamily="49" charset="0"/>
+        <a:buFont charset="0" panose="02070309020205020404" pitchFamily="49" typeface="Courier New"/>
         <a:buChar char="o"/>
-        <a:defRPr sz="2400" kern="1200">
+        <a:defRPr kern="1200" sz="2400">
           <a:solidFill>
             <a:schemeClr val="tx1"/>
           </a:solidFill>
@@ -2675,13 +2675,13 @@
           <a:cs typeface="+mn-cs"/>
         </a:defRPr>
       </a:lvl1pPr>
-      <a:lvl2pPr marL="742950" indent="-285750" algn="l" defTabSz="457200" rtl="0" eaLnBrk="1" latinLnBrk="0" hangingPunct="1">
+      <a:lvl2pPr algn="l" defTabSz="457200" eaLnBrk="1" hangingPunct="1" indent="-285750" latinLnBrk="0" marL="742950" rtl="0">
         <a:spcBef>
           <a:spcPct val="20000"/>
         </a:spcBef>
-        <a:buFont typeface="Courier New" panose="02070309020205020404" pitchFamily="49" charset="0"/>
+        <a:buFont charset="0" panose="02070309020205020404" pitchFamily="49" typeface="Courier New"/>
         <a:buChar char="o"/>
-        <a:defRPr sz="2400" kern="1200">
+        <a:defRPr kern="1200" sz="2400">
           <a:solidFill>
             <a:schemeClr val="tx1"/>
           </a:solidFill>
@@ -2690,13 +2690,13 @@
           <a:cs typeface="+mn-cs"/>
         </a:defRPr>
       </a:lvl2pPr>
-      <a:lvl3pPr marL="1143000" indent="-228600" algn="l" defTabSz="457200" rtl="0" eaLnBrk="1" latinLnBrk="0" hangingPunct="1">
+      <a:lvl3pPr algn="l" defTabSz="457200" eaLnBrk="1" hangingPunct="1" indent="-228600" latinLnBrk="0" marL="1143000" rtl="0">
         <a:spcBef>
           <a:spcPct val="20000"/>
         </a:spcBef>
-        <a:buFont typeface="Courier New" panose="02070309020205020404" pitchFamily="49" charset="0"/>
+        <a:buFont charset="0" panose="02070309020205020404" pitchFamily="49" typeface="Courier New"/>
         <a:buChar char="o"/>
-        <a:defRPr sz="2000" kern="1200">
+        <a:defRPr kern="1200" sz="2000">
           <a:solidFill>
             <a:schemeClr val="tx1"/>
           </a:solidFill>
@@ -2705,13 +2705,13 @@
           <a:cs typeface="+mn-cs"/>
         </a:defRPr>
       </a:lvl3pPr>
-      <a:lvl4pPr marL="1600200" indent="-228600" algn="l" defTabSz="457200" rtl="0" eaLnBrk="1" latinLnBrk="0" hangingPunct="1">
+      <a:lvl4pPr algn="l" defTabSz="457200" eaLnBrk="1" hangingPunct="1" indent="-228600" latinLnBrk="0" marL="1600200" rtl="0">
         <a:spcBef>
           <a:spcPct val="20000"/>
         </a:spcBef>
-        <a:buFont typeface="Courier New" panose="02070309020205020404" pitchFamily="49" charset="0"/>
+        <a:buFont charset="0" panose="02070309020205020404" pitchFamily="49" typeface="Courier New"/>
         <a:buChar char="o"/>
-        <a:defRPr sz="1800" kern="1200">
+        <a:defRPr kern="1200" sz="1800">
           <a:solidFill>
             <a:schemeClr val="tx1"/>
           </a:solidFill>
@@ -2720,13 +2720,13 @@
           <a:cs typeface="+mn-cs"/>
         </a:defRPr>
       </a:lvl4pPr>
-      <a:lvl5pPr marL="2057400" indent="-228600" algn="l" defTabSz="457200" rtl="0" eaLnBrk="1" latinLnBrk="0" hangingPunct="1">
+      <a:lvl5pPr algn="l" defTabSz="457200" eaLnBrk="1" hangingPunct="1" indent="-228600" latinLnBrk="0" marL="2057400" rtl="0">
         <a:spcBef>
           <a:spcPct val="20000"/>
         </a:spcBef>
-        <a:buFont typeface="Courier New" panose="02070309020205020404" pitchFamily="49" charset="0"/>
+        <a:buFont charset="0" panose="02070309020205020404" pitchFamily="49" typeface="Courier New"/>
         <a:buChar char="o"/>
-        <a:defRPr sz="1800" kern="1200">
+        <a:defRPr kern="1200" sz="1800">
           <a:solidFill>
             <a:schemeClr val="tx1"/>
           </a:solidFill>
@@ -2735,13 +2735,13 @@
           <a:cs typeface="+mn-cs"/>
         </a:defRPr>
       </a:lvl5pPr>
-      <a:lvl6pPr marL="2514600" indent="-228600" algn="l" defTabSz="457200" rtl="0" eaLnBrk="1" latinLnBrk="0" hangingPunct="1">
+      <a:lvl6pPr algn="l" defTabSz="457200" eaLnBrk="1" hangingPunct="1" indent="-228600" latinLnBrk="0" marL="2514600" rtl="0">
         <a:spcBef>
           <a:spcPct val="20000"/>
         </a:spcBef>
         <a:buFont typeface="Arial"/>
         <a:buChar char="•"/>
-        <a:defRPr sz="2000" kern="1200">
+        <a:defRPr kern="1200" sz="2000">
           <a:solidFill>
             <a:schemeClr val="tx1"/>
           </a:solidFill>
@@ -2750,13 +2750,13 @@
           <a:cs typeface="+mn-cs"/>
         </a:defRPr>
       </a:lvl6pPr>
-      <a:lvl7pPr marL="2971800" indent="-228600" algn="l" defTabSz="457200" rtl="0" eaLnBrk="1" latinLnBrk="0" hangingPunct="1">
+      <a:lvl7pPr algn="l" defTabSz="457200" eaLnBrk="1" hangingPunct="1" indent="-228600" latinLnBrk="0" marL="2971800" rtl="0">
         <a:spcBef>
           <a:spcPct val="20000"/>
         </a:spcBef>
         <a:buFont typeface="Arial"/>
         <a:buChar char="•"/>
-        <a:defRPr sz="2000" kern="1200">
+        <a:defRPr kern="1200" sz="2000">
           <a:solidFill>
             <a:schemeClr val="tx1"/>
           </a:solidFill>
@@ -2765,13 +2765,13 @@
           <a:cs typeface="+mn-cs"/>
         </a:defRPr>
       </a:lvl7pPr>
-      <a:lvl8pPr marL="3429000" indent="-228600" algn="l" defTabSz="457200" rtl="0" eaLnBrk="1" latinLnBrk="0" hangingPunct="1">
+      <a:lvl8pPr algn="l" defTabSz="457200" eaLnBrk="1" hangingPunct="1" indent="-228600" latinLnBrk="0" marL="3429000" rtl="0">
         <a:spcBef>
           <a:spcPct val="20000"/>
         </a:spcBef>
         <a:buFont typeface="Arial"/>
         <a:buChar char="•"/>
-        <a:defRPr sz="2000" kern="1200">
+        <a:defRPr kern="1200" sz="2000">
           <a:solidFill>
             <a:schemeClr val="tx1"/>
           </a:solidFill>
@@ -2780,13 +2780,13 @@
           <a:cs typeface="+mn-cs"/>
         </a:defRPr>
       </a:lvl8pPr>
-      <a:lvl9pPr marL="3886200" indent="-228600" algn="l" defTabSz="457200" rtl="0" eaLnBrk="1" latinLnBrk="0" hangingPunct="1">
+      <a:lvl9pPr algn="l" defTabSz="457200" eaLnBrk="1" hangingPunct="1" indent="-228600" latinLnBrk="0" marL="3886200" rtl="0">
         <a:spcBef>
           <a:spcPct val="20000"/>
         </a:spcBef>
         <a:buFont typeface="Arial"/>
         <a:buChar char="•"/>
-        <a:defRPr sz="2000" kern="1200">
+        <a:defRPr kern="1200" sz="2000">
           <a:solidFill>
             <a:schemeClr val="tx1"/>
           </a:solidFill>
@@ -2800,8 +2800,8 @@
       <a:defPPr>
         <a:defRPr lang="en-US"/>
       </a:defPPr>
-      <a:lvl1pPr marL="0" algn="l" defTabSz="457200" rtl="0" eaLnBrk="1" latinLnBrk="0" hangingPunct="1">
-        <a:defRPr sz="1800" kern="1200">
+      <a:lvl1pPr algn="l" defTabSz="457200" eaLnBrk="1" hangingPunct="1" latinLnBrk="0" marL="0" rtl="0">
+        <a:defRPr kern="1200" sz="1800">
           <a:solidFill>
             <a:schemeClr val="tx1"/>
           </a:solidFill>
@@ -2810,8 +2810,8 @@
           <a:cs typeface="+mn-cs"/>
         </a:defRPr>
       </a:lvl1pPr>
-      <a:lvl2pPr marL="457200" algn="l" defTabSz="457200" rtl="0" eaLnBrk="1" latinLnBrk="0" hangingPunct="1">
-        <a:defRPr sz="1800" kern="1200">
+      <a:lvl2pPr algn="l" defTabSz="457200" eaLnBrk="1" hangingPunct="1" latinLnBrk="0" marL="457200" rtl="0">
+        <a:defRPr kern="1200" sz="1800">
           <a:solidFill>
             <a:schemeClr val="tx1"/>
           </a:solidFill>
@@ -2820,8 +2820,8 @@
           <a:cs typeface="+mn-cs"/>
         </a:defRPr>
       </a:lvl2pPr>
-      <a:lvl3pPr marL="914400" algn="l" defTabSz="457200" rtl="0" eaLnBrk="1" latinLnBrk="0" hangingPunct="1">
-        <a:defRPr sz="1800" kern="1200">
+      <a:lvl3pPr algn="l" defTabSz="457200" eaLnBrk="1" hangingPunct="1" latinLnBrk="0" marL="914400" rtl="0">
+        <a:defRPr kern="1200" sz="1800">
           <a:solidFill>
             <a:schemeClr val="tx1"/>
           </a:solidFill>
@@ -2830,8 +2830,8 @@
           <a:cs typeface="+mn-cs"/>
         </a:defRPr>
       </a:lvl3pPr>
-      <a:lvl4pPr marL="1371600" algn="l" defTabSz="457200" rtl="0" eaLnBrk="1" latinLnBrk="0" hangingPunct="1">
-        <a:defRPr sz="1800" kern="1200">
+      <a:lvl4pPr algn="l" defTabSz="457200" eaLnBrk="1" hangingPunct="1" latinLnBrk="0" marL="1371600" rtl="0">
+        <a:defRPr kern="1200" sz="1800">
           <a:solidFill>
             <a:schemeClr val="tx1"/>
           </a:solidFill>
@@ -2840,8 +2840,8 @@
           <a:cs typeface="+mn-cs"/>
         </a:defRPr>
       </a:lvl4pPr>
-      <a:lvl5pPr marL="1828800" algn="l" defTabSz="457200" rtl="0" eaLnBrk="1" latinLnBrk="0" hangingPunct="1">
-        <a:defRPr sz="1800" kern="1200">
+      <a:lvl5pPr algn="l" defTabSz="457200" eaLnBrk="1" hangingPunct="1" latinLnBrk="0" marL="1828800" rtl="0">
+        <a:defRPr kern="1200" sz="1800">
           <a:solidFill>
             <a:schemeClr val="tx1"/>
           </a:solidFill>
@@ -2850,8 +2850,8 @@
           <a:cs typeface="+mn-cs"/>
         </a:defRPr>
       </a:lvl5pPr>
-      <a:lvl6pPr marL="2286000" algn="l" defTabSz="457200" rtl="0" eaLnBrk="1" latinLnBrk="0" hangingPunct="1">
-        <a:defRPr sz="1800" kern="1200">
+      <a:lvl6pPr algn="l" defTabSz="457200" eaLnBrk="1" hangingPunct="1" latinLnBrk="0" marL="2286000" rtl="0">
+        <a:defRPr kern="1200" sz="1800">
           <a:solidFill>
             <a:schemeClr val="tx1"/>
           </a:solidFill>
@@ -2860,8 +2860,8 @@
           <a:cs typeface="+mn-cs"/>
         </a:defRPr>
       </a:lvl6pPr>
-      <a:lvl7pPr marL="2743200" algn="l" defTabSz="457200" rtl="0" eaLnBrk="1" latinLnBrk="0" hangingPunct="1">
-        <a:defRPr sz="1800" kern="1200">
+      <a:lvl7pPr algn="l" defTabSz="457200" eaLnBrk="1" hangingPunct="1" latinLnBrk="0" marL="2743200" rtl="0">
+        <a:defRPr kern="1200" sz="1800">
           <a:solidFill>
             <a:schemeClr val="tx1"/>
           </a:solidFill>
@@ -2870,8 +2870,8 @@
           <a:cs typeface="+mn-cs"/>
         </a:defRPr>
       </a:lvl7pPr>
-      <a:lvl8pPr marL="3200400" algn="l" defTabSz="457200" rtl="0" eaLnBrk="1" latinLnBrk="0" hangingPunct="1">
-        <a:defRPr sz="1800" kern="1200">
+      <a:lvl8pPr algn="l" defTabSz="457200" eaLnBrk="1" hangingPunct="1" latinLnBrk="0" marL="3200400" rtl="0">
+        <a:defRPr kern="1200" sz="1800">
           <a:solidFill>
             <a:schemeClr val="tx1"/>
           </a:solidFill>
@@ -2880,8 +2880,8 @@
           <a:cs typeface="+mn-cs"/>
         </a:defRPr>
       </a:lvl8pPr>
-      <a:lvl9pPr marL="3657600" algn="l" defTabSz="457200" rtl="0" eaLnBrk="1" latinLnBrk="0" hangingPunct="1">
-        <a:defRPr sz="1800" kern="1200">
+      <a:lvl9pPr algn="l" defTabSz="457200" eaLnBrk="1" hangingPunct="1" latinLnBrk="0" marL="3657600" rtl="0">
+        <a:defRPr kern="1200" sz="1800">
           <a:solidFill>
             <a:schemeClr val="tx1"/>
           </a:solidFill>
@@ -2932,44 +2932,12 @@
           <a:bodyPr/>
           <a:lstStyle/>
           <a:p>
-            <a:pPr lvl="0" marL="0" indent="0">
+            <a:pPr lvl="0" indent="0" marL="0">
               <a:buNone/>
             </a:pPr>
             <a:r>
               <a:rPr/>
-              <a:t>Intro</a:t>
-            </a:r>
-            <a:r>
-              <a:rPr/>
-              <a:t> </a:t>
-            </a:r>
-            <a:r>
-              <a:rPr/>
-              <a:t>to</a:t>
-            </a:r>
-            <a:r>
-              <a:rPr/>
-              <a:t> </a:t>
-            </a:r>
-            <a:r>
-              <a:rPr/>
-              <a:t>Time</a:t>
-            </a:r>
-            <a:r>
-              <a:rPr/>
-              <a:t> </a:t>
-            </a:r>
-            <a:r>
-              <a:rPr/>
-              <a:t>Series</a:t>
-            </a:r>
-            <a:r>
-              <a:rPr/>
-              <a:t> </a:t>
-            </a:r>
-            <a:r>
-              <a:rPr/>
-              <a:t>Regression</a:t>
+              <a:t>Intro to Time Series Regression</a:t>
             </a:r>
           </a:p>
         </p:txBody>
@@ -2994,47 +2962,14 @@
           <a:bodyPr/>
           <a:lstStyle/>
           <a:p>
-            <a:pPr lvl="0" marL="0" indent="0">
+            <a:pPr lvl="0" indent="0" marL="0">
               <a:buNone/>
             </a:pPr>
             <a:br/>
             <a:br/>
             <a:r>
               <a:rPr/>
-              <a:t>William</a:t>
-            </a:r>
-            <a:r>
-              <a:rPr/>
-              <a:t> </a:t>
-            </a:r>
-            <a:r>
-              <a:rPr/>
-              <a:t>Chiu</a:t>
-            </a:r>
-          </a:p>
-        </p:txBody>
-      </p:sp>
-      <p:sp>
-        <p:nvSpPr>
-          <p:cNvPr id="4" name="Date Placeholder 3"/>
-          <p:cNvSpPr>
-            <a:spLocks noGrp="1"/>
-          </p:cNvSpPr>
-          <p:nvPr>
-            <p:ph idx="10" sz="half" type="dt"/>
-          </p:nvPr>
-        </p:nvSpPr>
-        <p:spPr/>
-        <p:txBody>
-          <a:bodyPr/>
-          <a:lstStyle/>
-          <a:p>
-            <a:pPr lvl="0" marL="0" indent="0">
-              <a:buNone/>
-            </a:pPr>
-            <a:r>
-              <a:rPr/>
-              <a:t>2/23/2022</a:t>
+              <a:t>William Chiu</a:t>
             </a:r>
           </a:p>
         </p:txBody>
@@ -3076,36 +3011,12 @@
           <a:bodyPr/>
           <a:lstStyle/>
           <a:p>
-            <a:pPr lvl="0" marL="0" indent="0">
+            <a:pPr lvl="0" indent="0" marL="0">
               <a:buNone/>
             </a:pPr>
             <a:r>
               <a:rPr/>
-              <a:t>OLS</a:t>
-            </a:r>
-            <a:r>
-              <a:rPr/>
-              <a:t> </a:t>
-            </a:r>
-            <a:r>
-              <a:rPr/>
-              <a:t>ignores</a:t>
-            </a:r>
-            <a:r>
-              <a:rPr/>
-              <a:t> </a:t>
-            </a:r>
-            <a:r>
-              <a:rPr/>
-              <a:t>serial</a:t>
-            </a:r>
-            <a:r>
-              <a:rPr/>
-              <a:t> </a:t>
-            </a:r>
-            <a:r>
-              <a:rPr/>
-              <a:t>correlation</a:t>
+              <a:t>OLS ignores serial correlation</a:t>
             </a:r>
           </a:p>
         </p:txBody>
@@ -3125,28 +3036,28 @@
           <a:bodyPr/>
           <a:lstStyle/>
           <a:p>
-            <a:pPr lvl="1"/>
+            <a:pPr lvl="0"/>
             <a:r>
               <a:rPr/>
               <a:t>Under serial correlation, OLS parameter estimates are unbiased and consistent</a:t>
             </a:r>
           </a:p>
           <a:p>
-            <a:pPr lvl="1"/>
+            <a:pPr lvl="0"/>
             <a:r>
               <a:rPr/>
               <a:t>However, standard errors are incorrect</a:t>
             </a:r>
           </a:p>
           <a:p>
-            <a:pPr lvl="1"/>
+            <a:pPr lvl="0"/>
             <a:r>
               <a:rPr/>
               <a:t>And p-values are incorrect</a:t>
             </a:r>
           </a:p>
           <a:p>
-            <a:pPr lvl="1"/>
+            <a:pPr lvl="0"/>
             <a:r>
               <a:rPr>
                 <a:latin typeface="Courier"/>
@@ -3201,7 +3112,7 @@
                     <a:bodyPr/>
                     <a:lstStyle/>
                     <a:p>
-                      <a:pPr lvl="0" marL="0" indent="0" algn="l">
+                      <a:pPr lvl="0" indent="0" marL="0" algn="l">
                         <a:buNone/>
                       </a:pPr>
                       <a:r>
@@ -3217,7 +3128,7 @@
                     <a:bodyPr/>
                     <a:lstStyle/>
                     <a:p>
-                      <a:pPr lvl="0" marL="0" indent="0" algn="r">
+                      <a:pPr lvl="0" indent="0" marL="0" algn="r">
                         <a:buNone/>
                       </a:pPr>
                       <a:r>
@@ -3233,7 +3144,7 @@
                     <a:bodyPr/>
                     <a:lstStyle/>
                     <a:p>
-                      <a:pPr lvl="0" marL="0" indent="0" algn="r">
+                      <a:pPr lvl="0" indent="0" marL="0" algn="r">
                         <a:buNone/>
                       </a:pPr>
                       <a:r>
@@ -3249,7 +3160,7 @@
                     <a:bodyPr/>
                     <a:lstStyle/>
                     <a:p>
-                      <a:pPr lvl="0" marL="0" indent="0" algn="r">
+                      <a:pPr lvl="0" indent="0" marL="0" algn="r">
                         <a:buNone/>
                       </a:pPr>
                       <a:r>
@@ -3265,7 +3176,7 @@
                     <a:bodyPr/>
                     <a:lstStyle/>
                     <a:p>
-                      <a:pPr lvl="0" marL="0" indent="0" algn="r">
+                      <a:pPr lvl="0" indent="0" marL="0" algn="r">
                         <a:buNone/>
                       </a:pPr>
                       <a:r>
@@ -3283,7 +3194,7 @@
                     <a:bodyPr/>
                     <a:lstStyle/>
                     <a:p>
-                      <a:pPr lvl="0" marL="0" indent="0" algn="l">
+                      <a:pPr lvl="0" indent="0" marL="0" algn="l">
                         <a:buNone/>
                       </a:pPr>
                       <a:r>
@@ -3298,7 +3209,7 @@
                     <a:bodyPr/>
                     <a:lstStyle/>
                     <a:p>
-                      <a:pPr lvl="0" marL="0" indent="0" algn="r">
+                      <a:pPr lvl="0" indent="0" marL="0" algn="r">
                         <a:buNone/>
                       </a:pPr>
                       <a:r>
@@ -3313,7 +3224,7 @@
                     <a:bodyPr/>
                     <a:lstStyle/>
                     <a:p>
-                      <a:pPr lvl="0" marL="0" indent="0" algn="r">
+                      <a:pPr lvl="0" indent="0" marL="0" algn="r">
                         <a:buNone/>
                       </a:pPr>
                       <a:r>
@@ -3328,7 +3239,7 @@
                     <a:bodyPr/>
                     <a:lstStyle/>
                     <a:p>
-                      <a:pPr lvl="0" marL="0" indent="0" algn="r">
+                      <a:pPr lvl="0" indent="0" marL="0" algn="r">
                         <a:buNone/>
                       </a:pPr>
                       <a:r>
@@ -3343,7 +3254,7 @@
                     <a:bodyPr/>
                     <a:lstStyle/>
                     <a:p>
-                      <a:pPr lvl="0" marL="0" indent="0" algn="r">
+                      <a:pPr lvl="0" indent="0" marL="0" algn="r">
                         <a:buNone/>
                       </a:pPr>
                       <a:r>
@@ -3360,7 +3271,7 @@
                     <a:bodyPr/>
                     <a:lstStyle/>
                     <a:p>
-                      <a:pPr lvl="0" marL="0" indent="0" algn="l">
+                      <a:pPr lvl="0" indent="0" marL="0" algn="l">
                         <a:buNone/>
                       </a:pPr>
                       <a:r>
@@ -3375,7 +3286,7 @@
                     <a:bodyPr/>
                     <a:lstStyle/>
                     <a:p>
-                      <a:pPr lvl="0" marL="0" indent="0" algn="r">
+                      <a:pPr lvl="0" indent="0" marL="0" algn="r">
                         <a:buNone/>
                       </a:pPr>
                       <a:r>
@@ -3390,7 +3301,7 @@
                     <a:bodyPr/>
                     <a:lstStyle/>
                     <a:p>
-                      <a:pPr lvl="0" marL="0" indent="0" algn="r">
+                      <a:pPr lvl="0" indent="0" marL="0" algn="r">
                         <a:buNone/>
                       </a:pPr>
                       <a:r>
@@ -3405,7 +3316,7 @@
                     <a:bodyPr/>
                     <a:lstStyle/>
                     <a:p>
-                      <a:pPr lvl="0" marL="0" indent="0" algn="r">
+                      <a:pPr lvl="0" indent="0" marL="0" algn="r">
                         <a:buNone/>
                       </a:pPr>
                       <a:r>
@@ -3420,7 +3331,7 @@
                     <a:bodyPr/>
                     <a:lstStyle/>
                     <a:p>
-                      <a:pPr lvl="0" marL="0" indent="0" algn="r">
+                      <a:pPr lvl="0" indent="0" marL="0" algn="r">
                         <a:buNone/>
                       </a:pPr>
                       <a:r>
@@ -3437,7 +3348,7 @@
                     <a:bodyPr/>
                     <a:lstStyle/>
                     <a:p>
-                      <a:pPr lvl="0" marL="0" indent="0" algn="l">
+                      <a:pPr lvl="0" indent="0" marL="0" algn="l">
                         <a:buNone/>
                       </a:pPr>
                       <a:r>
@@ -3452,7 +3363,7 @@
                     <a:bodyPr/>
                     <a:lstStyle/>
                     <a:p>
-                      <a:pPr lvl="0" marL="0" indent="0" algn="r">
+                      <a:pPr lvl="0" indent="0" marL="0" algn="r">
                         <a:buNone/>
                       </a:pPr>
                       <a:r>
@@ -3467,7 +3378,7 @@
                     <a:bodyPr/>
                     <a:lstStyle/>
                     <a:p>
-                      <a:pPr lvl="0" marL="0" indent="0" algn="r">
+                      <a:pPr lvl="0" indent="0" marL="0" algn="r">
                         <a:buNone/>
                       </a:pPr>
                       <a:r>
@@ -3482,7 +3393,7 @@
                     <a:bodyPr/>
                     <a:lstStyle/>
                     <a:p>
-                      <a:pPr lvl="0" marL="0" indent="0" algn="r">
+                      <a:pPr lvl="0" indent="0" marL="0" algn="r">
                         <a:buNone/>
                       </a:pPr>
                       <a:r>
@@ -3497,7 +3408,7 @@
                     <a:bodyPr/>
                     <a:lstStyle/>
                     <a:p>
-                      <a:pPr lvl="0" marL="0" indent="0" algn="r">
+                      <a:pPr lvl="0" indent="0" marL="0" algn="r">
                         <a:buNone/>
                       </a:pPr>
                       <a:r>
@@ -3514,7 +3425,7 @@
                     <a:bodyPr/>
                     <a:lstStyle/>
                     <a:p>
-                      <a:pPr lvl="0" marL="0" indent="0" algn="l">
+                      <a:pPr lvl="0" indent="0" marL="0" algn="l">
                         <a:buNone/>
                       </a:pPr>
                       <a:r>
@@ -3529,7 +3440,7 @@
                     <a:bodyPr/>
                     <a:lstStyle/>
                     <a:p>
-                      <a:pPr lvl="0" marL="0" indent="0" algn="r">
+                      <a:pPr lvl="0" indent="0" marL="0" algn="r">
                         <a:buNone/>
                       </a:pPr>
                       <a:r>
@@ -3544,7 +3455,7 @@
                     <a:bodyPr/>
                     <a:lstStyle/>
                     <a:p>
-                      <a:pPr lvl="0" marL="0" indent="0" algn="r">
+                      <a:pPr lvl="0" indent="0" marL="0" algn="r">
                         <a:buNone/>
                       </a:pPr>
                       <a:r>
@@ -3559,7 +3470,7 @@
                     <a:bodyPr/>
                     <a:lstStyle/>
                     <a:p>
-                      <a:pPr lvl="0" marL="0" indent="0" algn="r">
+                      <a:pPr lvl="0" indent="0" marL="0" algn="r">
                         <a:buNone/>
                       </a:pPr>
                       <a:r>
@@ -3574,7 +3485,7 @@
                     <a:bodyPr/>
                     <a:lstStyle/>
                     <a:p>
-                      <a:pPr lvl="0" marL="0" indent="0" algn="r">
+                      <a:pPr lvl="0" indent="0" marL="0" algn="r">
                         <a:buNone/>
                       </a:pPr>
                       <a:r>
@@ -3589,6 +3500,29 @@
           </a:graphicData>
         </a:graphic>
       </p:graphicFrame>
+      <p:sp>
+        <p:nvSpPr>
+          <p:cNvPr id="5" name="Date Placeholder 4"/>
+          <p:cNvSpPr>
+            <a:spLocks noGrp="1"/>
+          </p:cNvSpPr>
+          <p:nvPr>
+            <p:ph idx="10" sz="half" type="dt"/>
+          </p:nvPr>
+        </p:nvSpPr>
+        <p:spPr/>
+        <p:txBody>
+          <a:bodyPr/>
+          <a:lstStyle/>
+          <a:p>
+            <a:fld id="{25078A64-5338-724D-9253-210B3CE97A87}" type="datetime4">
+              <a:rPr lang="en-US" smtClean="0"/>
+              <a:t>2/23/2022</a:t>
+            </a:fld>
+            <a:endParaRPr lang="en-US"/>
+          </a:p>
+        </p:txBody>
+      </p:sp>
     </p:spTree>
   </p:cSld>
 </p:sld>
@@ -3626,28 +3560,12 @@
           <a:bodyPr/>
           <a:lstStyle/>
           <a:p>
-            <a:pPr lvl="0" marL="0" indent="0">
+            <a:pPr lvl="0" indent="0" marL="0">
               <a:buNone/>
             </a:pPr>
             <a:r>
               <a:rPr/>
-              <a:t>Detecting</a:t>
-            </a:r>
-            <a:r>
-              <a:rPr/>
-              <a:t> </a:t>
-            </a:r>
-            <a:r>
-              <a:rPr/>
-              <a:t>serial</a:t>
-            </a:r>
-            <a:r>
-              <a:rPr/>
-              <a:t> </a:t>
-            </a:r>
-            <a:r>
-              <a:rPr/>
-              <a:t>correlation</a:t>
+              <a:t>Detecting serial correlation</a:t>
             </a:r>
           </a:p>
         </p:txBody>
@@ -3667,14 +3585,14 @@
           <a:bodyPr/>
           <a:lstStyle/>
           <a:p>
-            <a:pPr lvl="1"/>
+            <a:pPr lvl="0"/>
             <a:r>
               <a:rPr/>
               <a:t>Durbin-Watson test is a popular test for serial correlation, but suffers from some major drawbacks.</a:t>
             </a:r>
           </a:p>
           <a:p>
-            <a:pPr lvl="1"/>
+            <a:pPr lvl="0"/>
             <a:r>
               <a:rPr/>
               <a:t>Breusch-Godfrey Test is a better test.</a:t>
@@ -3714,7 +3632,7 @@
                     <a:bodyPr/>
                     <a:lstStyle/>
                     <a:p>
-                      <a:pPr lvl="0" marL="0" indent="0" algn="r">
+                      <a:pPr lvl="0" indent="0" marL="0" algn="r">
                         <a:buNone/>
                       </a:pPr>
                       <a:r>
@@ -3730,7 +3648,7 @@
                     <a:bodyPr/>
                     <a:lstStyle/>
                     <a:p>
-                      <a:pPr lvl="0" marL="0" indent="0" algn="r">
+                      <a:pPr lvl="0" indent="0" marL="0" algn="r">
                         <a:buNone/>
                       </a:pPr>
                       <a:r>
@@ -3746,7 +3664,7 @@
                     <a:bodyPr/>
                     <a:lstStyle/>
                     <a:p>
-                      <a:pPr lvl="0" marL="0" indent="0" algn="r">
+                      <a:pPr lvl="0" indent="0" marL="0" algn="r">
                         <a:buNone/>
                       </a:pPr>
                       <a:r>
@@ -3762,7 +3680,7 @@
                     <a:bodyPr/>
                     <a:lstStyle/>
                     <a:p>
-                      <a:pPr lvl="0" marL="0" indent="0" algn="l">
+                      <a:pPr lvl="0" indent="0" marL="0" algn="l">
                         <a:buNone/>
                       </a:pPr>
                       <a:r>
@@ -3780,7 +3698,7 @@
                     <a:bodyPr/>
                     <a:lstStyle/>
                     <a:p>
-                      <a:pPr lvl="0" marL="0" indent="0" algn="r">
+                      <a:pPr lvl="0" indent="0" marL="0" algn="r">
                         <a:buNone/>
                       </a:pPr>
                       <a:r>
@@ -3795,7 +3713,7 @@
                     <a:bodyPr/>
                     <a:lstStyle/>
                     <a:p>
-                      <a:pPr lvl="0" marL="0" indent="0" algn="r">
+                      <a:pPr lvl="0" indent="0" marL="0" algn="r">
                         <a:buNone/>
                       </a:pPr>
                       <a:r>
@@ -3810,7 +3728,7 @@
                     <a:bodyPr/>
                     <a:lstStyle/>
                     <a:p>
-                      <a:pPr lvl="0" marL="0" indent="0" algn="r">
+                      <a:pPr lvl="0" indent="0" marL="0" algn="r">
                         <a:buNone/>
                       </a:pPr>
                       <a:r>
@@ -3825,84 +3743,12 @@
                     <a:bodyPr/>
                     <a:lstStyle/>
                     <a:p>
-                      <a:pPr lvl="0" marL="0" indent="0" algn="l">
-                        <a:buNone/>
-                      </a:pPr>
-                      <a:r>
-                        <a:rPr/>
-                        <a:t>Breusch-Godfrey</a:t>
-                      </a:r>
-                      <a:r>
-                        <a:rPr/>
-                        <a:t> </a:t>
-                      </a:r>
-                      <a:r>
-                        <a:rPr/>
-                        <a:t>test</a:t>
-                      </a:r>
-                      <a:r>
-                        <a:rPr/>
-                        <a:t> </a:t>
-                      </a:r>
-                      <a:r>
-                        <a:rPr/>
-                        <a:t>for</a:t>
-                      </a:r>
-                      <a:r>
-                        <a:rPr/>
-                        <a:t> </a:t>
-                      </a:r>
-                      <a:r>
-                        <a:rPr/>
-                        <a:t>serial</a:t>
-                      </a:r>
-                      <a:r>
-                        <a:rPr/>
-                        <a:t> </a:t>
-                      </a:r>
-                      <a:r>
-                        <a:rPr/>
-                        <a:t>correlation</a:t>
-                      </a:r>
-                      <a:r>
-                        <a:rPr/>
-                        <a:t> </a:t>
-                      </a:r>
-                      <a:r>
-                        <a:rPr/>
-                        <a:t>of</a:t>
-                      </a:r>
-                      <a:r>
-                        <a:rPr/>
-                        <a:t> </a:t>
-                      </a:r>
-                      <a:r>
-                        <a:rPr/>
-                        <a:t>order</a:t>
-                      </a:r>
-                      <a:r>
-                        <a:rPr/>
-                        <a:t> </a:t>
-                      </a:r>
-                      <a:r>
-                        <a:rPr/>
-                        <a:t>up</a:t>
-                      </a:r>
-                      <a:r>
-                        <a:rPr/>
-                        <a:t> </a:t>
-                      </a:r>
-                      <a:r>
-                        <a:rPr/>
-                        <a:t>to</a:t>
-                      </a:r>
-                      <a:r>
-                        <a:rPr/>
-                        <a:t> </a:t>
-                      </a:r>
-                      <a:r>
-                        <a:rPr/>
-                        <a:t>1</a:t>
+                      <a:pPr lvl="0" indent="0" marL="0" algn="l">
+                        <a:buNone/>
+                      </a:pPr>
+                      <a:r>
+                        <a:rPr/>
+                        <a:t>Breusch-Godfrey test for serial correlation of order up to 1</a:t>
                       </a:r>
                     </a:p>
                   </a:txBody>
@@ -3932,45 +3778,36 @@
           <a:bodyPr/>
           <a:lstStyle/>
           <a:p>
-            <a:pPr lvl="0" marL="0" indent="0" algn="ctr">
+            <a:pPr lvl="0" indent="0" marL="0" algn="ctr">
               <a:buNone/>
             </a:pPr>
             <a:r>
               <a:rPr/>
-              <a:t>Null</a:t>
-            </a:r>
-            <a:r>
-              <a:rPr/>
-              <a:t> </a:t>
-            </a:r>
-            <a:r>
-              <a:rPr/>
-              <a:t>Hypothesis:</a:t>
-            </a:r>
-            <a:r>
-              <a:rPr/>
-              <a:t> </a:t>
-            </a:r>
-            <a:r>
-              <a:rPr/>
-              <a:t>No</a:t>
-            </a:r>
-            <a:r>
-              <a:rPr/>
-              <a:t> </a:t>
-            </a:r>
-            <a:r>
-              <a:rPr/>
-              <a:t>serial</a:t>
-            </a:r>
-            <a:r>
-              <a:rPr/>
-              <a:t> </a:t>
-            </a:r>
-            <a:r>
-              <a:rPr/>
-              <a:t>correlation</a:t>
-            </a:r>
+              <a:t>Null Hypothesis: No serial correlation</a:t>
+            </a:r>
+          </a:p>
+        </p:txBody>
+      </p:sp>
+      <p:sp>
+        <p:nvSpPr>
+          <p:cNvPr id="5" name="Date Placeholder 4"/>
+          <p:cNvSpPr>
+            <a:spLocks noGrp="1"/>
+          </p:cNvSpPr>
+          <p:nvPr>
+            <p:ph idx="10" sz="half" type="dt"/>
+          </p:nvPr>
+        </p:nvSpPr>
+        <p:spPr/>
+        <p:txBody>
+          <a:bodyPr/>
+          <a:lstStyle/>
+          <a:p>
+            <a:fld id="{25078A64-5338-724D-9253-210B3CE97A87}" type="datetime4">
+              <a:rPr lang="en-US" smtClean="0"/>
+              <a:t>2/23/2022</a:t>
+            </a:fld>
+            <a:endParaRPr lang="en-US"/>
           </a:p>
         </p:txBody>
       </p:sp>
@@ -4011,28 +3848,12 @@
           <a:bodyPr/>
           <a:lstStyle/>
           <a:p>
-            <a:pPr lvl="0" marL="0" indent="0">
+            <a:pPr lvl="0" indent="0" marL="0">
               <a:buNone/>
             </a:pPr>
             <a:r>
               <a:rPr/>
-              <a:t>Remediating</a:t>
-            </a:r>
-            <a:r>
-              <a:rPr/>
-              <a:t> </a:t>
-            </a:r>
-            <a:r>
-              <a:rPr/>
-              <a:t>serial</a:t>
-            </a:r>
-            <a:r>
-              <a:rPr/>
-              <a:t> </a:t>
-            </a:r>
-            <a:r>
-              <a:rPr/>
-              <a:t>correlation</a:t>
+              <a:t>Remediating serial correlation</a:t>
             </a:r>
           </a:p>
         </p:txBody>
@@ -4052,25 +3873,48 @@
           <a:bodyPr/>
           <a:lstStyle/>
           <a:p>
-            <a:pPr lvl="1"/>
+            <a:pPr lvl="0"/>
             <a:r>
               <a:rPr/>
               <a:t>Replace OLS with GLS</a:t>
             </a:r>
           </a:p>
           <a:p>
-            <a:pPr lvl="1"/>
+            <a:pPr lvl="0"/>
             <a:r>
               <a:rPr/>
               <a:t>Keep OLS but estimate robust (HAC) standard errors</a:t>
             </a:r>
           </a:p>
           <a:p>
-            <a:pPr lvl="1"/>
+            <a:pPr lvl="0"/>
             <a:r>
               <a:rPr/>
               <a:t>Keep OLS but bootstrap the standard errors</a:t>
             </a:r>
+          </a:p>
+        </p:txBody>
+      </p:sp>
+      <p:sp>
+        <p:nvSpPr>
+          <p:cNvPr id="4" name="Date Placeholder 3"/>
+          <p:cNvSpPr>
+            <a:spLocks noGrp="1"/>
+          </p:cNvSpPr>
+          <p:nvPr>
+            <p:ph idx="10" sz="half" type="dt"/>
+          </p:nvPr>
+        </p:nvSpPr>
+        <p:spPr/>
+        <p:txBody>
+          <a:bodyPr/>
+          <a:lstStyle/>
+          <a:p>
+            <a:fld id="{78D1BCE1-314F-5145-B548-25B12CA3616C}" type="datetime4">
+              <a:rPr lang="en-US" smtClean="0"/>
+              <a:t>2/23/2022</a:t>
+            </a:fld>
+            <a:endParaRPr dirty="0" lang="en-US"/>
           </a:p>
         </p:txBody>
       </p:sp>
@@ -4111,36 +3955,12 @@
           <a:bodyPr/>
           <a:lstStyle/>
           <a:p>
-            <a:pPr lvl="0" marL="0" indent="0">
+            <a:pPr lvl="0" indent="0" marL="0">
               <a:buNone/>
             </a:pPr>
             <a:r>
               <a:rPr/>
-              <a:t>Generalized</a:t>
-            </a:r>
-            <a:r>
-              <a:rPr/>
-              <a:t> </a:t>
-            </a:r>
-            <a:r>
-              <a:rPr/>
-              <a:t>Least</a:t>
-            </a:r>
-            <a:r>
-              <a:rPr/>
-              <a:t> </a:t>
-            </a:r>
-            <a:r>
-              <a:rPr/>
-              <a:t>Squares</a:t>
-            </a:r>
-            <a:r>
-              <a:rPr/>
-              <a:t> </a:t>
-            </a:r>
-            <a:r>
-              <a:rPr/>
-              <a:t>(Cochrane–Orcutt)</a:t>
+              <a:t>Generalized Least Squares (Cochrane–Orcutt)</a:t>
             </a:r>
           </a:p>
         </p:txBody>
@@ -4162,7 +3982,7 @@
               <a:bodyPr/>
               <a:lstStyle/>
               <a:p>
-                <a:pPr lvl="1">
+                <a:pPr lvl="0" indent="-457200" marL="457200">
                   <a:buAutoNum type="arabicPeriod"/>
                 </a:pPr>
                 <a:r>
@@ -4178,7 +3998,7 @@
                 </a14:m>
               </a:p>
               <a:p>
-                <a:pPr lvl="1">
+                <a:pPr lvl="0" indent="-457200" marL="457200">
                   <a:buAutoNum type="arabicPeriod"/>
                 </a:pPr>
                 <a:r>
@@ -4244,7 +4064,7 @@
                 </a:r>
               </a:p>
               <a:p>
-                <a:pPr lvl="1">
+                <a:pPr lvl="0" indent="-457200" marL="457200">
                   <a:buAutoNum type="arabicPeriod"/>
                 </a:pPr>
                 <a:r>
@@ -4253,7 +4073,7 @@
                 </a:r>
               </a:p>
               <a:p>
-                <a:pPr lvl="1">
+                <a:pPr lvl="0" indent="-457200" marL="457200">
                   <a:buAutoNum type="arabicPeriod"/>
                 </a:pPr>
                 <a:r>
@@ -4298,7 +4118,7 @@
                     <a:bodyPr/>
                     <a:lstStyle/>
                     <a:p>
-                      <a:pPr lvl="0" marL="0" indent="0" algn="l">
+                      <a:pPr lvl="0" indent="0" marL="0" algn="l">
                         <a:buNone/>
                       </a:pPr>
                       <a:r>
@@ -4314,7 +4134,7 @@
                     <a:bodyPr/>
                     <a:lstStyle/>
                     <a:p>
-                      <a:pPr lvl="0" marL="0" indent="0" algn="r">
+                      <a:pPr lvl="0" indent="0" marL="0" algn="r">
                         <a:buNone/>
                       </a:pPr>
                       <a:r>
@@ -4330,7 +4150,7 @@
                     <a:bodyPr/>
                     <a:lstStyle/>
                     <a:p>
-                      <a:pPr lvl="0" marL="0" indent="0" algn="r">
+                      <a:pPr lvl="0" indent="0" marL="0" algn="r">
                         <a:buNone/>
                       </a:pPr>
                       <a:r>
@@ -4346,7 +4166,7 @@
                     <a:bodyPr/>
                     <a:lstStyle/>
                     <a:p>
-                      <a:pPr lvl="0" marL="0" indent="0" algn="r">
+                      <a:pPr lvl="0" indent="0" marL="0" algn="r">
                         <a:buNone/>
                       </a:pPr>
                       <a:r>
@@ -4362,7 +4182,7 @@
                     <a:bodyPr/>
                     <a:lstStyle/>
                     <a:p>
-                      <a:pPr lvl="0" marL="0" indent="0" algn="r">
+                      <a:pPr lvl="0" indent="0" marL="0" algn="r">
                         <a:buNone/>
                       </a:pPr>
                       <a:r>
@@ -4380,7 +4200,7 @@
                     <a:bodyPr/>
                     <a:lstStyle/>
                     <a:p>
-                      <a:pPr lvl="0" marL="0" indent="0" algn="l">
+                      <a:pPr lvl="0" indent="0" marL="0" algn="l">
                         <a:buNone/>
                       </a:pPr>
                       <a:r>
@@ -4395,7 +4215,7 @@
                     <a:bodyPr/>
                     <a:lstStyle/>
                     <a:p>
-                      <a:pPr lvl="0" marL="0" indent="0" algn="r">
+                      <a:pPr lvl="0" indent="0" marL="0" algn="r">
                         <a:buNone/>
                       </a:pPr>
                       <a:r>
@@ -4410,7 +4230,7 @@
                     <a:bodyPr/>
                     <a:lstStyle/>
                     <a:p>
-                      <a:pPr lvl="0" marL="0" indent="0" algn="r">
+                      <a:pPr lvl="0" indent="0" marL="0" algn="r">
                         <a:buNone/>
                       </a:pPr>
                       <a:r>
@@ -4425,7 +4245,7 @@
                     <a:bodyPr/>
                     <a:lstStyle/>
                     <a:p>
-                      <a:pPr lvl="0" marL="0" indent="0" algn="r">
+                      <a:pPr lvl="0" indent="0" marL="0" algn="r">
                         <a:buNone/>
                       </a:pPr>
                       <a:r>
@@ -4440,7 +4260,7 @@
                     <a:bodyPr/>
                     <a:lstStyle/>
                     <a:p>
-                      <a:pPr lvl="0" marL="0" indent="0" algn="r">
+                      <a:pPr lvl="0" indent="0" marL="0" algn="r">
                         <a:buNone/>
                       </a:pPr>
                       <a:r>
@@ -4457,7 +4277,7 @@
                     <a:bodyPr/>
                     <a:lstStyle/>
                     <a:p>
-                      <a:pPr lvl="0" marL="0" indent="0" algn="l">
+                      <a:pPr lvl="0" indent="0" marL="0" algn="l">
                         <a:buNone/>
                       </a:pPr>
                       <a:r>
@@ -4472,7 +4292,7 @@
                     <a:bodyPr/>
                     <a:lstStyle/>
                     <a:p>
-                      <a:pPr lvl="0" marL="0" indent="0" algn="r">
+                      <a:pPr lvl="0" indent="0" marL="0" algn="r">
                         <a:buNone/>
                       </a:pPr>
                       <a:r>
@@ -4487,7 +4307,7 @@
                     <a:bodyPr/>
                     <a:lstStyle/>
                     <a:p>
-                      <a:pPr lvl="0" marL="0" indent="0" algn="r">
+                      <a:pPr lvl="0" indent="0" marL="0" algn="r">
                         <a:buNone/>
                       </a:pPr>
                       <a:r>
@@ -4502,7 +4322,7 @@
                     <a:bodyPr/>
                     <a:lstStyle/>
                     <a:p>
-                      <a:pPr lvl="0" marL="0" indent="0" algn="r">
+                      <a:pPr lvl="0" indent="0" marL="0" algn="r">
                         <a:buNone/>
                       </a:pPr>
                       <a:r>
@@ -4517,7 +4337,7 @@
                     <a:bodyPr/>
                     <a:lstStyle/>
                     <a:p>
-                      <a:pPr lvl="0" marL="0" indent="0" algn="r">
+                      <a:pPr lvl="0" indent="0" marL="0" algn="r">
                         <a:buNone/>
                       </a:pPr>
                       <a:r>
@@ -4534,7 +4354,7 @@
                     <a:bodyPr/>
                     <a:lstStyle/>
                     <a:p>
-                      <a:pPr lvl="0" marL="0" indent="0" algn="l">
+                      <a:pPr lvl="0" indent="0" marL="0" algn="l">
                         <a:buNone/>
                       </a:pPr>
                       <a:r>
@@ -4549,7 +4369,7 @@
                     <a:bodyPr/>
                     <a:lstStyle/>
                     <a:p>
-                      <a:pPr lvl="0" marL="0" indent="0" algn="r">
+                      <a:pPr lvl="0" indent="0" marL="0" algn="r">
                         <a:buNone/>
                       </a:pPr>
                       <a:r>
@@ -4564,7 +4384,7 @@
                     <a:bodyPr/>
                     <a:lstStyle/>
                     <a:p>
-                      <a:pPr lvl="0" marL="0" indent="0" algn="r">
+                      <a:pPr lvl="0" indent="0" marL="0" algn="r">
                         <a:buNone/>
                       </a:pPr>
                       <a:r>
@@ -4579,7 +4399,7 @@
                     <a:bodyPr/>
                     <a:lstStyle/>
                     <a:p>
-                      <a:pPr lvl="0" marL="0" indent="0" algn="r">
+                      <a:pPr lvl="0" indent="0" marL="0" algn="r">
                         <a:buNone/>
                       </a:pPr>
                       <a:r>
@@ -4594,7 +4414,7 @@
                     <a:bodyPr/>
                     <a:lstStyle/>
                     <a:p>
-                      <a:pPr lvl="0" marL="0" indent="0" algn="r">
+                      <a:pPr lvl="0" indent="0" marL="0" algn="r">
                         <a:buNone/>
                       </a:pPr>
                       <a:r>
@@ -4611,7 +4431,7 @@
                     <a:bodyPr/>
                     <a:lstStyle/>
                     <a:p>
-                      <a:pPr lvl="0" marL="0" indent="0" algn="l">
+                      <a:pPr lvl="0" indent="0" marL="0" algn="l">
                         <a:buNone/>
                       </a:pPr>
                       <a:r>
@@ -4626,7 +4446,7 @@
                     <a:bodyPr/>
                     <a:lstStyle/>
                     <a:p>
-                      <a:pPr lvl="0" marL="0" indent="0" algn="r">
+                      <a:pPr lvl="0" indent="0" marL="0" algn="r">
                         <a:buNone/>
                       </a:pPr>
                       <a:r>
@@ -4641,7 +4461,7 @@
                     <a:bodyPr/>
                     <a:lstStyle/>
                     <a:p>
-                      <a:pPr lvl="0" marL="0" indent="0" algn="r">
+                      <a:pPr lvl="0" indent="0" marL="0" algn="r">
                         <a:buNone/>
                       </a:pPr>
                       <a:r>
@@ -4656,7 +4476,7 @@
                     <a:bodyPr/>
                     <a:lstStyle/>
                     <a:p>
-                      <a:pPr lvl="0" marL="0" indent="0" algn="r">
+                      <a:pPr lvl="0" indent="0" marL="0" algn="r">
                         <a:buNone/>
                       </a:pPr>
                       <a:r>
@@ -4671,7 +4491,7 @@
                     <a:bodyPr/>
                     <a:lstStyle/>
                     <a:p>
-                      <a:pPr lvl="0" marL="0" indent="0" algn="r">
+                      <a:pPr lvl="0" indent="0" marL="0" algn="r">
                         <a:buNone/>
                       </a:pPr>
                       <a:r>
@@ -4686,6 +4506,29 @@
           </a:graphicData>
         </a:graphic>
       </p:graphicFrame>
+      <p:sp>
+        <p:nvSpPr>
+          <p:cNvPr id="5" name="Date Placeholder 4"/>
+          <p:cNvSpPr>
+            <a:spLocks noGrp="1"/>
+          </p:cNvSpPr>
+          <p:nvPr>
+            <p:ph idx="10" sz="half" type="dt"/>
+          </p:nvPr>
+        </p:nvSpPr>
+        <p:spPr/>
+        <p:txBody>
+          <a:bodyPr/>
+          <a:lstStyle/>
+          <a:p>
+            <a:fld id="{25078A64-5338-724D-9253-210B3CE97A87}" type="datetime4">
+              <a:rPr lang="en-US" smtClean="0"/>
+              <a:t>2/23/2022</a:t>
+            </a:fld>
+            <a:endParaRPr lang="en-US"/>
+          </a:p>
+        </p:txBody>
+      </p:sp>
     </p:spTree>
   </p:cSld>
 </p:sld>
@@ -4723,28 +4566,12 @@
           <a:bodyPr/>
           <a:lstStyle/>
           <a:p>
-            <a:pPr lvl="0" marL="0" indent="0">
+            <a:pPr lvl="0" indent="0" marL="0">
               <a:buNone/>
             </a:pPr>
             <a:r>
               <a:rPr/>
-              <a:t>Newey-West</a:t>
-            </a:r>
-            <a:r>
-              <a:rPr/>
-              <a:t> </a:t>
-            </a:r>
-            <a:r>
-              <a:rPr/>
-              <a:t>HAC</a:t>
-            </a:r>
-            <a:r>
-              <a:rPr/>
-              <a:t> </a:t>
-            </a:r>
-            <a:r>
-              <a:rPr/>
-              <a:t>Correction</a:t>
+              <a:t>Newey-West HAC Correction</a:t>
             </a:r>
           </a:p>
         </p:txBody>
@@ -4764,7 +4591,7 @@
           <a:bodyPr/>
           <a:lstStyle/>
           <a:p>
-            <a:pPr lvl="1"/>
+            <a:pPr lvl="0"/>
             <a:r>
               <a:rPr/>
               <a:t>Keep OLS but estimate robust (HAC) standard errors</a:t>
@@ -4805,7 +4632,7 @@
                     <a:bodyPr/>
                     <a:lstStyle/>
                     <a:p>
-                      <a:pPr lvl="0" marL="0" indent="0" algn="l">
+                      <a:pPr lvl="0" indent="0" marL="0" algn="l">
                         <a:buNone/>
                       </a:pPr>
                       <a:r>
@@ -4821,7 +4648,7 @@
                     <a:bodyPr/>
                     <a:lstStyle/>
                     <a:p>
-                      <a:pPr lvl="0" marL="0" indent="0" algn="r">
+                      <a:pPr lvl="0" indent="0" marL="0" algn="r">
                         <a:buNone/>
                       </a:pPr>
                       <a:r>
@@ -4837,7 +4664,7 @@
                     <a:bodyPr/>
                     <a:lstStyle/>
                     <a:p>
-                      <a:pPr lvl="0" marL="0" indent="0" algn="r">
+                      <a:pPr lvl="0" indent="0" marL="0" algn="r">
                         <a:buNone/>
                       </a:pPr>
                       <a:r>
@@ -4853,7 +4680,7 @@
                     <a:bodyPr/>
                     <a:lstStyle/>
                     <a:p>
-                      <a:pPr lvl="0" marL="0" indent="0" algn="r">
+                      <a:pPr lvl="0" indent="0" marL="0" algn="r">
                         <a:buNone/>
                       </a:pPr>
                       <a:r>
@@ -4869,7 +4696,7 @@
                     <a:bodyPr/>
                     <a:lstStyle/>
                     <a:p>
-                      <a:pPr lvl="0" marL="0" indent="0" algn="r">
+                      <a:pPr lvl="0" indent="0" marL="0" algn="r">
                         <a:buNone/>
                       </a:pPr>
                       <a:r>
@@ -4887,7 +4714,7 @@
                     <a:bodyPr/>
                     <a:lstStyle/>
                     <a:p>
-                      <a:pPr lvl="0" marL="0" indent="0" algn="l">
+                      <a:pPr lvl="0" indent="0" marL="0" algn="l">
                         <a:buNone/>
                       </a:pPr>
                       <a:r>
@@ -4902,7 +4729,7 @@
                     <a:bodyPr/>
                     <a:lstStyle/>
                     <a:p>
-                      <a:pPr lvl="0" marL="0" indent="0" algn="r">
+                      <a:pPr lvl="0" indent="0" marL="0" algn="r">
                         <a:buNone/>
                       </a:pPr>
                       <a:r>
@@ -4917,7 +4744,7 @@
                     <a:bodyPr/>
                     <a:lstStyle/>
                     <a:p>
-                      <a:pPr lvl="0" marL="0" indent="0" algn="r">
+                      <a:pPr lvl="0" indent="0" marL="0" algn="r">
                         <a:buNone/>
                       </a:pPr>
                       <a:r>
@@ -4932,7 +4759,7 @@
                     <a:bodyPr/>
                     <a:lstStyle/>
                     <a:p>
-                      <a:pPr lvl="0" marL="0" indent="0" algn="r">
+                      <a:pPr lvl="0" indent="0" marL="0" algn="r">
                         <a:buNone/>
                       </a:pPr>
                       <a:r>
@@ -4947,7 +4774,7 @@
                     <a:bodyPr/>
                     <a:lstStyle/>
                     <a:p>
-                      <a:pPr lvl="0" marL="0" indent="0" algn="r">
+                      <a:pPr lvl="0" indent="0" marL="0" algn="r">
                         <a:buNone/>
                       </a:pPr>
                       <a:r>
@@ -4964,7 +4791,7 @@
                     <a:bodyPr/>
                     <a:lstStyle/>
                     <a:p>
-                      <a:pPr lvl="0" marL="0" indent="0" algn="l">
+                      <a:pPr lvl="0" indent="0" marL="0" algn="l">
                         <a:buNone/>
                       </a:pPr>
                       <a:r>
@@ -4979,7 +4806,7 @@
                     <a:bodyPr/>
                     <a:lstStyle/>
                     <a:p>
-                      <a:pPr lvl="0" marL="0" indent="0" algn="r">
+                      <a:pPr lvl="0" indent="0" marL="0" algn="r">
                         <a:buNone/>
                       </a:pPr>
                       <a:r>
@@ -4994,7 +4821,7 @@
                     <a:bodyPr/>
                     <a:lstStyle/>
                     <a:p>
-                      <a:pPr lvl="0" marL="0" indent="0" algn="r">
+                      <a:pPr lvl="0" indent="0" marL="0" algn="r">
                         <a:buNone/>
                       </a:pPr>
                       <a:r>
@@ -5009,7 +4836,7 @@
                     <a:bodyPr/>
                     <a:lstStyle/>
                     <a:p>
-                      <a:pPr lvl="0" marL="0" indent="0" algn="r">
+                      <a:pPr lvl="0" indent="0" marL="0" algn="r">
                         <a:buNone/>
                       </a:pPr>
                       <a:r>
@@ -5024,7 +4851,7 @@
                     <a:bodyPr/>
                     <a:lstStyle/>
                     <a:p>
-                      <a:pPr lvl="0" marL="0" indent="0" algn="r">
+                      <a:pPr lvl="0" indent="0" marL="0" algn="r">
                         <a:buNone/>
                       </a:pPr>
                       <a:r>
@@ -5041,7 +4868,7 @@
                     <a:bodyPr/>
                     <a:lstStyle/>
                     <a:p>
-                      <a:pPr lvl="0" marL="0" indent="0" algn="l">
+                      <a:pPr lvl="0" indent="0" marL="0" algn="l">
                         <a:buNone/>
                       </a:pPr>
                       <a:r>
@@ -5056,7 +4883,7 @@
                     <a:bodyPr/>
                     <a:lstStyle/>
                     <a:p>
-                      <a:pPr lvl="0" marL="0" indent="0" algn="r">
+                      <a:pPr lvl="0" indent="0" marL="0" algn="r">
                         <a:buNone/>
                       </a:pPr>
                       <a:r>
@@ -5071,7 +4898,7 @@
                     <a:bodyPr/>
                     <a:lstStyle/>
                     <a:p>
-                      <a:pPr lvl="0" marL="0" indent="0" algn="r">
+                      <a:pPr lvl="0" indent="0" marL="0" algn="r">
                         <a:buNone/>
                       </a:pPr>
                       <a:r>
@@ -5086,7 +4913,7 @@
                     <a:bodyPr/>
                     <a:lstStyle/>
                     <a:p>
-                      <a:pPr lvl="0" marL="0" indent="0" algn="r">
+                      <a:pPr lvl="0" indent="0" marL="0" algn="r">
                         <a:buNone/>
                       </a:pPr>
                       <a:r>
@@ -5101,7 +4928,7 @@
                     <a:bodyPr/>
                     <a:lstStyle/>
                     <a:p>
-                      <a:pPr lvl="0" marL="0" indent="0" algn="r">
+                      <a:pPr lvl="0" indent="0" marL="0" algn="r">
                         <a:buNone/>
                       </a:pPr>
                       <a:r>
@@ -5118,7 +4945,7 @@
                     <a:bodyPr/>
                     <a:lstStyle/>
                     <a:p>
-                      <a:pPr lvl="0" marL="0" indent="0" algn="l">
+                      <a:pPr lvl="0" indent="0" marL="0" algn="l">
                         <a:buNone/>
                       </a:pPr>
                       <a:r>
@@ -5133,7 +4960,7 @@
                     <a:bodyPr/>
                     <a:lstStyle/>
                     <a:p>
-                      <a:pPr lvl="0" marL="0" indent="0" algn="r">
+                      <a:pPr lvl="0" indent="0" marL="0" algn="r">
                         <a:buNone/>
                       </a:pPr>
                       <a:r>
@@ -5148,7 +4975,7 @@
                     <a:bodyPr/>
                     <a:lstStyle/>
                     <a:p>
-                      <a:pPr lvl="0" marL="0" indent="0" algn="r">
+                      <a:pPr lvl="0" indent="0" marL="0" algn="r">
                         <a:buNone/>
                       </a:pPr>
                       <a:r>
@@ -5163,7 +4990,7 @@
                     <a:bodyPr/>
                     <a:lstStyle/>
                     <a:p>
-                      <a:pPr lvl="0" marL="0" indent="0" algn="r">
+                      <a:pPr lvl="0" indent="0" marL="0" algn="r">
                         <a:buNone/>
                       </a:pPr>
                       <a:r>
@@ -5178,7 +5005,7 @@
                     <a:bodyPr/>
                     <a:lstStyle/>
                     <a:p>
-                      <a:pPr lvl="0" marL="0" indent="0" algn="r">
+                      <a:pPr lvl="0" indent="0" marL="0" algn="r">
                         <a:buNone/>
                       </a:pPr>
                       <a:r>
@@ -5193,6 +5020,29 @@
           </a:graphicData>
         </a:graphic>
       </p:graphicFrame>
+      <p:sp>
+        <p:nvSpPr>
+          <p:cNvPr id="5" name="Date Placeholder 4"/>
+          <p:cNvSpPr>
+            <a:spLocks noGrp="1"/>
+          </p:cNvSpPr>
+          <p:nvPr>
+            <p:ph idx="10" sz="half" type="dt"/>
+          </p:nvPr>
+        </p:nvSpPr>
+        <p:spPr/>
+        <p:txBody>
+          <a:bodyPr/>
+          <a:lstStyle/>
+          <a:p>
+            <a:fld id="{25078A64-5338-724D-9253-210B3CE97A87}" type="datetime4">
+              <a:rPr lang="en-US" smtClean="0"/>
+              <a:t>2/23/2022</a:t>
+            </a:fld>
+            <a:endParaRPr lang="en-US"/>
+          </a:p>
+        </p:txBody>
+      </p:sp>
     </p:spTree>
   </p:cSld>
 </p:sld>
@@ -5230,28 +5080,12 @@
           <a:bodyPr/>
           <a:lstStyle/>
           <a:p>
-            <a:pPr lvl="0" marL="0" indent="0">
+            <a:pPr lvl="0" indent="0" marL="0">
               <a:buNone/>
             </a:pPr>
             <a:r>
               <a:rPr/>
-              <a:t>Andrews</a:t>
-            </a:r>
-            <a:r>
-              <a:rPr/>
-              <a:t> </a:t>
-            </a:r>
-            <a:r>
-              <a:rPr/>
-              <a:t>HAC</a:t>
-            </a:r>
-            <a:r>
-              <a:rPr/>
-              <a:t> </a:t>
-            </a:r>
-            <a:r>
-              <a:rPr/>
-              <a:t>Correction</a:t>
+              <a:t>Andrews HAC Correction</a:t>
             </a:r>
           </a:p>
         </p:txBody>
@@ -5271,7 +5105,7 @@
           <a:bodyPr/>
           <a:lstStyle/>
           <a:p>
-            <a:pPr lvl="1"/>
+            <a:pPr lvl="0"/>
             <a:r>
               <a:rPr/>
               <a:t>Keep OLS but estimate robust (HAC) standard errors</a:t>
@@ -5312,7 +5146,7 @@
                     <a:bodyPr/>
                     <a:lstStyle/>
                     <a:p>
-                      <a:pPr lvl="0" marL="0" indent="0" algn="l">
+                      <a:pPr lvl="0" indent="0" marL="0" algn="l">
                         <a:buNone/>
                       </a:pPr>
                       <a:r>
@@ -5328,7 +5162,7 @@
                     <a:bodyPr/>
                     <a:lstStyle/>
                     <a:p>
-                      <a:pPr lvl="0" marL="0" indent="0" algn="r">
+                      <a:pPr lvl="0" indent="0" marL="0" algn="r">
                         <a:buNone/>
                       </a:pPr>
                       <a:r>
@@ -5344,7 +5178,7 @@
                     <a:bodyPr/>
                     <a:lstStyle/>
                     <a:p>
-                      <a:pPr lvl="0" marL="0" indent="0" algn="r">
+                      <a:pPr lvl="0" indent="0" marL="0" algn="r">
                         <a:buNone/>
                       </a:pPr>
                       <a:r>
@@ -5360,7 +5194,7 @@
                     <a:bodyPr/>
                     <a:lstStyle/>
                     <a:p>
-                      <a:pPr lvl="0" marL="0" indent="0" algn="r">
+                      <a:pPr lvl="0" indent="0" marL="0" algn="r">
                         <a:buNone/>
                       </a:pPr>
                       <a:r>
@@ -5376,7 +5210,7 @@
                     <a:bodyPr/>
                     <a:lstStyle/>
                     <a:p>
-                      <a:pPr lvl="0" marL="0" indent="0" algn="r">
+                      <a:pPr lvl="0" indent="0" marL="0" algn="r">
                         <a:buNone/>
                       </a:pPr>
                       <a:r>
@@ -5394,7 +5228,7 @@
                     <a:bodyPr/>
                     <a:lstStyle/>
                     <a:p>
-                      <a:pPr lvl="0" marL="0" indent="0" algn="l">
+                      <a:pPr lvl="0" indent="0" marL="0" algn="l">
                         <a:buNone/>
                       </a:pPr>
                       <a:r>
@@ -5409,7 +5243,7 @@
                     <a:bodyPr/>
                     <a:lstStyle/>
                     <a:p>
-                      <a:pPr lvl="0" marL="0" indent="0" algn="r">
+                      <a:pPr lvl="0" indent="0" marL="0" algn="r">
                         <a:buNone/>
                       </a:pPr>
                       <a:r>
@@ -5424,7 +5258,7 @@
                     <a:bodyPr/>
                     <a:lstStyle/>
                     <a:p>
-                      <a:pPr lvl="0" marL="0" indent="0" algn="r">
+                      <a:pPr lvl="0" indent="0" marL="0" algn="r">
                         <a:buNone/>
                       </a:pPr>
                       <a:r>
@@ -5439,7 +5273,7 @@
                     <a:bodyPr/>
                     <a:lstStyle/>
                     <a:p>
-                      <a:pPr lvl="0" marL="0" indent="0" algn="r">
+                      <a:pPr lvl="0" indent="0" marL="0" algn="r">
                         <a:buNone/>
                       </a:pPr>
                       <a:r>
@@ -5454,7 +5288,7 @@
                     <a:bodyPr/>
                     <a:lstStyle/>
                     <a:p>
-                      <a:pPr lvl="0" marL="0" indent="0" algn="r">
+                      <a:pPr lvl="0" indent="0" marL="0" algn="r">
                         <a:buNone/>
                       </a:pPr>
                       <a:r>
@@ -5471,7 +5305,7 @@
                     <a:bodyPr/>
                     <a:lstStyle/>
                     <a:p>
-                      <a:pPr lvl="0" marL="0" indent="0" algn="l">
+                      <a:pPr lvl="0" indent="0" marL="0" algn="l">
                         <a:buNone/>
                       </a:pPr>
                       <a:r>
@@ -5486,7 +5320,7 @@
                     <a:bodyPr/>
                     <a:lstStyle/>
                     <a:p>
-                      <a:pPr lvl="0" marL="0" indent="0" algn="r">
+                      <a:pPr lvl="0" indent="0" marL="0" algn="r">
                         <a:buNone/>
                       </a:pPr>
                       <a:r>
@@ -5501,7 +5335,7 @@
                     <a:bodyPr/>
                     <a:lstStyle/>
                     <a:p>
-                      <a:pPr lvl="0" marL="0" indent="0" algn="r">
+                      <a:pPr lvl="0" indent="0" marL="0" algn="r">
                         <a:buNone/>
                       </a:pPr>
                       <a:r>
@@ -5516,7 +5350,7 @@
                     <a:bodyPr/>
                     <a:lstStyle/>
                     <a:p>
-                      <a:pPr lvl="0" marL="0" indent="0" algn="r">
+                      <a:pPr lvl="0" indent="0" marL="0" algn="r">
                         <a:buNone/>
                       </a:pPr>
                       <a:r>
@@ -5531,7 +5365,7 @@
                     <a:bodyPr/>
                     <a:lstStyle/>
                     <a:p>
-                      <a:pPr lvl="0" marL="0" indent="0" algn="r">
+                      <a:pPr lvl="0" indent="0" marL="0" algn="r">
                         <a:buNone/>
                       </a:pPr>
                       <a:r>
@@ -5548,7 +5382,7 @@
                     <a:bodyPr/>
                     <a:lstStyle/>
                     <a:p>
-                      <a:pPr lvl="0" marL="0" indent="0" algn="l">
+                      <a:pPr lvl="0" indent="0" marL="0" algn="l">
                         <a:buNone/>
                       </a:pPr>
                       <a:r>
@@ -5563,7 +5397,7 @@
                     <a:bodyPr/>
                     <a:lstStyle/>
                     <a:p>
-                      <a:pPr lvl="0" marL="0" indent="0" algn="r">
+                      <a:pPr lvl="0" indent="0" marL="0" algn="r">
                         <a:buNone/>
                       </a:pPr>
                       <a:r>
@@ -5578,7 +5412,7 @@
                     <a:bodyPr/>
                     <a:lstStyle/>
                     <a:p>
-                      <a:pPr lvl="0" marL="0" indent="0" algn="r">
+                      <a:pPr lvl="0" indent="0" marL="0" algn="r">
                         <a:buNone/>
                       </a:pPr>
                       <a:r>
@@ -5593,7 +5427,7 @@
                     <a:bodyPr/>
                     <a:lstStyle/>
                     <a:p>
-                      <a:pPr lvl="0" marL="0" indent="0" algn="r">
+                      <a:pPr lvl="0" indent="0" marL="0" algn="r">
                         <a:buNone/>
                       </a:pPr>
                       <a:r>
@@ -5608,7 +5442,7 @@
                     <a:bodyPr/>
                     <a:lstStyle/>
                     <a:p>
-                      <a:pPr lvl="0" marL="0" indent="0" algn="r">
+                      <a:pPr lvl="0" indent="0" marL="0" algn="r">
                         <a:buNone/>
                       </a:pPr>
                       <a:r>
@@ -5625,7 +5459,7 @@
                     <a:bodyPr/>
                     <a:lstStyle/>
                     <a:p>
-                      <a:pPr lvl="0" marL="0" indent="0" algn="l">
+                      <a:pPr lvl="0" indent="0" marL="0" algn="l">
                         <a:buNone/>
                       </a:pPr>
                       <a:r>
@@ -5640,7 +5474,7 @@
                     <a:bodyPr/>
                     <a:lstStyle/>
                     <a:p>
-                      <a:pPr lvl="0" marL="0" indent="0" algn="r">
+                      <a:pPr lvl="0" indent="0" marL="0" algn="r">
                         <a:buNone/>
                       </a:pPr>
                       <a:r>
@@ -5655,7 +5489,7 @@
                     <a:bodyPr/>
                     <a:lstStyle/>
                     <a:p>
-                      <a:pPr lvl="0" marL="0" indent="0" algn="r">
+                      <a:pPr lvl="0" indent="0" marL="0" algn="r">
                         <a:buNone/>
                       </a:pPr>
                       <a:r>
@@ -5670,7 +5504,7 @@
                     <a:bodyPr/>
                     <a:lstStyle/>
                     <a:p>
-                      <a:pPr lvl="0" marL="0" indent="0" algn="r">
+                      <a:pPr lvl="0" indent="0" marL="0" algn="r">
                         <a:buNone/>
                       </a:pPr>
                       <a:r>
@@ -5685,7 +5519,7 @@
                     <a:bodyPr/>
                     <a:lstStyle/>
                     <a:p>
-                      <a:pPr lvl="0" marL="0" indent="0" algn="r">
+                      <a:pPr lvl="0" indent="0" marL="0" algn="r">
                         <a:buNone/>
                       </a:pPr>
                       <a:r>
@@ -5700,6 +5534,29 @@
           </a:graphicData>
         </a:graphic>
       </p:graphicFrame>
+      <p:sp>
+        <p:nvSpPr>
+          <p:cNvPr id="5" name="Date Placeholder 4"/>
+          <p:cNvSpPr>
+            <a:spLocks noGrp="1"/>
+          </p:cNvSpPr>
+          <p:nvPr>
+            <p:ph idx="10" sz="half" type="dt"/>
+          </p:nvPr>
+        </p:nvSpPr>
+        <p:spPr/>
+        <p:txBody>
+          <a:bodyPr/>
+          <a:lstStyle/>
+          <a:p>
+            <a:fld id="{25078A64-5338-724D-9253-210B3CE97A87}" type="datetime4">
+              <a:rPr lang="en-US" smtClean="0"/>
+              <a:t>2/23/2022</a:t>
+            </a:fld>
+            <a:endParaRPr lang="en-US"/>
+          </a:p>
+        </p:txBody>
+      </p:sp>
     </p:spTree>
   </p:cSld>
 </p:sld>
@@ -5737,20 +5594,12 @@
           <a:bodyPr/>
           <a:lstStyle/>
           <a:p>
-            <a:pPr lvl="0" marL="0" indent="0">
+            <a:pPr lvl="0" indent="0" marL="0">
               <a:buNone/>
             </a:pPr>
             <a:r>
               <a:rPr/>
-              <a:t>Block</a:t>
-            </a:r>
-            <a:r>
-              <a:rPr/>
-              <a:t> </a:t>
-            </a:r>
-            <a:r>
-              <a:rPr/>
-              <a:t>Bootstrap</a:t>
+              <a:t>Block Bootstrap</a:t>
             </a:r>
           </a:p>
         </p:txBody>
@@ -5770,7 +5619,7 @@
           <a:bodyPr/>
           <a:lstStyle/>
           <a:p>
-            <a:pPr lvl="1"/>
+            <a:pPr lvl="0"/>
             <a:r>
               <a:rPr/>
               <a:t>Keep the OLS coefficient estimates but </a:t>
@@ -5785,21 +5634,21 @@
             </a:r>
           </a:p>
           <a:p>
-            <a:pPr lvl="1"/>
+            <a:pPr lvl="0"/>
             <a:r>
               <a:rPr/>
               <a:t>Break the time series into sequential blocks (non-random)</a:t>
             </a:r>
           </a:p>
           <a:p>
-            <a:pPr lvl="1"/>
+            <a:pPr lvl="0"/>
             <a:r>
               <a:rPr/>
               <a:t>Randomly sample blocks with replacement</a:t>
             </a:r>
           </a:p>
           <a:p>
-            <a:pPr lvl="1"/>
+            <a:pPr lvl="0"/>
             <a:r>
               <a:rPr/>
               <a:t>Unfortunately, results are sensitive to block size</a:t>
@@ -5840,7 +5689,7 @@
                     <a:bodyPr/>
                     <a:lstStyle/>
                     <a:p>
-                      <a:pPr lvl="0" marL="0" indent="0" algn="l">
+                      <a:pPr lvl="0" indent="0" marL="0" algn="l">
                         <a:buNone/>
                       </a:pPr>
                       <a:r>
@@ -5856,7 +5705,7 @@
                     <a:bodyPr/>
                     <a:lstStyle/>
                     <a:p>
-                      <a:pPr lvl="0" marL="0" indent="0" algn="r">
+                      <a:pPr lvl="0" indent="0" marL="0" algn="r">
                         <a:buNone/>
                       </a:pPr>
                       <a:r>
@@ -5872,7 +5721,7 @@
                     <a:bodyPr/>
                     <a:lstStyle/>
                     <a:p>
-                      <a:pPr lvl="0" marL="0" indent="0" algn="r">
+                      <a:pPr lvl="0" indent="0" marL="0" algn="r">
                         <a:buNone/>
                       </a:pPr>
                       <a:r>
@@ -5888,7 +5737,7 @@
                     <a:bodyPr/>
                     <a:lstStyle/>
                     <a:p>
-                      <a:pPr lvl="0" marL="0" indent="0" algn="r">
+                      <a:pPr lvl="0" indent="0" marL="0" algn="r">
                         <a:buNone/>
                       </a:pPr>
                       <a:r>
@@ -5904,7 +5753,7 @@
                     <a:bodyPr/>
                     <a:lstStyle/>
                     <a:p>
-                      <a:pPr lvl="0" marL="0" indent="0" algn="r">
+                      <a:pPr lvl="0" indent="0" marL="0" algn="r">
                         <a:buNone/>
                       </a:pPr>
                       <a:r>
@@ -5922,7 +5771,7 @@
                     <a:bodyPr/>
                     <a:lstStyle/>
                     <a:p>
-                      <a:pPr lvl="0" marL="0" indent="0" algn="l">
+                      <a:pPr lvl="0" indent="0" marL="0" algn="l">
                         <a:buNone/>
                       </a:pPr>
                       <a:r>
@@ -5937,7 +5786,7 @@
                     <a:bodyPr/>
                     <a:lstStyle/>
                     <a:p>
-                      <a:pPr lvl="0" marL="0" indent="0" algn="r">
+                      <a:pPr lvl="0" indent="0" marL="0" algn="r">
                         <a:buNone/>
                       </a:pPr>
                       <a:r>
@@ -5952,7 +5801,7 @@
                     <a:bodyPr/>
                     <a:lstStyle/>
                     <a:p>
-                      <a:pPr lvl="0" marL="0" indent="0" algn="r">
+                      <a:pPr lvl="0" indent="0" marL="0" algn="r">
                         <a:buNone/>
                       </a:pPr>
                       <a:r>
@@ -5967,7 +5816,7 @@
                     <a:bodyPr/>
                     <a:lstStyle/>
                     <a:p>
-                      <a:pPr lvl="0" marL="0" indent="0" algn="r">
+                      <a:pPr lvl="0" indent="0" marL="0" algn="r">
                         <a:buNone/>
                       </a:pPr>
                       <a:r>
@@ -5982,7 +5831,7 @@
                     <a:bodyPr/>
                     <a:lstStyle/>
                     <a:p>
-                      <a:pPr lvl="0" marL="0" indent="0" algn="r">
+                      <a:pPr lvl="0" indent="0" marL="0" algn="r">
                         <a:buNone/>
                       </a:pPr>
                       <a:r>
@@ -5999,7 +5848,7 @@
                     <a:bodyPr/>
                     <a:lstStyle/>
                     <a:p>
-                      <a:pPr lvl="0" marL="0" indent="0" algn="l">
+                      <a:pPr lvl="0" indent="0" marL="0" algn="l">
                         <a:buNone/>
                       </a:pPr>
                       <a:r>
@@ -6014,7 +5863,7 @@
                     <a:bodyPr/>
                     <a:lstStyle/>
                     <a:p>
-                      <a:pPr lvl="0" marL="0" indent="0" algn="r">
+                      <a:pPr lvl="0" indent="0" marL="0" algn="r">
                         <a:buNone/>
                       </a:pPr>
                       <a:r>
@@ -6029,7 +5878,7 @@
                     <a:bodyPr/>
                     <a:lstStyle/>
                     <a:p>
-                      <a:pPr lvl="0" marL="0" indent="0" algn="r">
+                      <a:pPr lvl="0" indent="0" marL="0" algn="r">
                         <a:buNone/>
                       </a:pPr>
                       <a:r>
@@ -6044,7 +5893,7 @@
                     <a:bodyPr/>
                     <a:lstStyle/>
                     <a:p>
-                      <a:pPr lvl="0" marL="0" indent="0" algn="r">
+                      <a:pPr lvl="0" indent="0" marL="0" algn="r">
                         <a:buNone/>
                       </a:pPr>
                       <a:r>
@@ -6059,7 +5908,7 @@
                     <a:bodyPr/>
                     <a:lstStyle/>
                     <a:p>
-                      <a:pPr lvl="0" marL="0" indent="0" algn="r">
+                      <a:pPr lvl="0" indent="0" marL="0" algn="r">
                         <a:buNone/>
                       </a:pPr>
                       <a:r>
@@ -6076,7 +5925,7 @@
                     <a:bodyPr/>
                     <a:lstStyle/>
                     <a:p>
-                      <a:pPr lvl="0" marL="0" indent="0" algn="l">
+                      <a:pPr lvl="0" indent="0" marL="0" algn="l">
                         <a:buNone/>
                       </a:pPr>
                       <a:r>
@@ -6091,7 +5940,7 @@
                     <a:bodyPr/>
                     <a:lstStyle/>
                     <a:p>
-                      <a:pPr lvl="0" marL="0" indent="0" algn="r">
+                      <a:pPr lvl="0" indent="0" marL="0" algn="r">
                         <a:buNone/>
                       </a:pPr>
                       <a:r>
@@ -6106,7 +5955,7 @@
                     <a:bodyPr/>
                     <a:lstStyle/>
                     <a:p>
-                      <a:pPr lvl="0" marL="0" indent="0" algn="r">
+                      <a:pPr lvl="0" indent="0" marL="0" algn="r">
                         <a:buNone/>
                       </a:pPr>
                       <a:r>
@@ -6121,7 +5970,7 @@
                     <a:bodyPr/>
                     <a:lstStyle/>
                     <a:p>
-                      <a:pPr lvl="0" marL="0" indent="0" algn="r">
+                      <a:pPr lvl="0" indent="0" marL="0" algn="r">
                         <a:buNone/>
                       </a:pPr>
                       <a:r>
@@ -6136,7 +5985,7 @@
                     <a:bodyPr/>
                     <a:lstStyle/>
                     <a:p>
-                      <a:pPr lvl="0" marL="0" indent="0" algn="r">
+                      <a:pPr lvl="0" indent="0" marL="0" algn="r">
                         <a:buNone/>
                       </a:pPr>
                       <a:r>
@@ -6153,7 +6002,7 @@
                     <a:bodyPr/>
                     <a:lstStyle/>
                     <a:p>
-                      <a:pPr lvl="0" marL="0" indent="0" algn="l">
+                      <a:pPr lvl="0" indent="0" marL="0" algn="l">
                         <a:buNone/>
                       </a:pPr>
                       <a:r>
@@ -6168,7 +6017,7 @@
                     <a:bodyPr/>
                     <a:lstStyle/>
                     <a:p>
-                      <a:pPr lvl="0" marL="0" indent="0" algn="r">
+                      <a:pPr lvl="0" indent="0" marL="0" algn="r">
                         <a:buNone/>
                       </a:pPr>
                       <a:r>
@@ -6183,7 +6032,7 @@
                     <a:bodyPr/>
                     <a:lstStyle/>
                     <a:p>
-                      <a:pPr lvl="0" marL="0" indent="0" algn="r">
+                      <a:pPr lvl="0" indent="0" marL="0" algn="r">
                         <a:buNone/>
                       </a:pPr>
                       <a:r>
@@ -6198,7 +6047,7 @@
                     <a:bodyPr/>
                     <a:lstStyle/>
                     <a:p>
-                      <a:pPr lvl="0" marL="0" indent="0" algn="r">
+                      <a:pPr lvl="0" indent="0" marL="0" algn="r">
                         <a:buNone/>
                       </a:pPr>
                       <a:r>
@@ -6213,7 +6062,7 @@
                     <a:bodyPr/>
                     <a:lstStyle/>
                     <a:p>
-                      <a:pPr lvl="0" marL="0" indent="0" algn="r">
+                      <a:pPr lvl="0" indent="0" marL="0" algn="r">
                         <a:buNone/>
                       </a:pPr>
                       <a:r>
@@ -6228,6 +6077,29 @@
           </a:graphicData>
         </a:graphic>
       </p:graphicFrame>
+      <p:sp>
+        <p:nvSpPr>
+          <p:cNvPr id="5" name="Date Placeholder 4"/>
+          <p:cNvSpPr>
+            <a:spLocks noGrp="1"/>
+          </p:cNvSpPr>
+          <p:nvPr>
+            <p:ph idx="10" sz="half" type="dt"/>
+          </p:nvPr>
+        </p:nvSpPr>
+        <p:spPr/>
+        <p:txBody>
+          <a:bodyPr/>
+          <a:lstStyle/>
+          <a:p>
+            <a:fld id="{25078A64-5338-724D-9253-210B3CE97A87}" type="datetime4">
+              <a:rPr lang="en-US" smtClean="0"/>
+              <a:t>2/23/2022</a:t>
+            </a:fld>
+            <a:endParaRPr lang="en-US"/>
+          </a:p>
+        </p:txBody>
+      </p:sp>
     </p:spTree>
   </p:cSld>
 </p:sld>
@@ -6265,52 +6137,12 @@
           <a:bodyPr/>
           <a:lstStyle/>
           <a:p>
-            <a:pPr lvl="0" marL="0" indent="0">
+            <a:pPr lvl="0" indent="0" marL="0">
               <a:buNone/>
             </a:pPr>
             <a:r>
               <a:rPr/>
-              <a:t>Test</a:t>
-            </a:r>
-            <a:r>
-              <a:rPr/>
-              <a:t> </a:t>
-            </a:r>
-            <a:r>
-              <a:rPr/>
-              <a:t>Set</a:t>
-            </a:r>
-            <a:r>
-              <a:rPr/>
-              <a:t> </a:t>
-            </a:r>
-            <a:r>
-              <a:rPr/>
-              <a:t>Performance</a:t>
-            </a:r>
-            <a:r>
-              <a:rPr/>
-              <a:t> </a:t>
-            </a:r>
-            <a:r>
-              <a:rPr/>
-              <a:t>(Ex-post,</a:t>
-            </a:r>
-            <a:r>
-              <a:rPr/>
-              <a:t> </a:t>
-            </a:r>
-            <a:r>
-              <a:rPr/>
-              <a:t>OLS</a:t>
-            </a:r>
-            <a:r>
-              <a:rPr/>
-              <a:t> </a:t>
-            </a:r>
-            <a:r>
-              <a:rPr/>
-              <a:t>vs. GLS)</a:t>
+              <a:t>Test Set Performance (Ex-post, OLS vs. GLS)</a:t>
             </a:r>
           </a:p>
         </p:txBody>
@@ -6345,6 +6177,29 @@
           </a:ln>
         </p:spPr>
       </p:pic>
+      <p:sp>
+        <p:nvSpPr>
+          <p:cNvPr id="4" name="Date Placeholder 3"/>
+          <p:cNvSpPr>
+            <a:spLocks noGrp="1"/>
+          </p:cNvSpPr>
+          <p:nvPr>
+            <p:ph idx="10" sz="half" type="dt"/>
+          </p:nvPr>
+        </p:nvSpPr>
+        <p:spPr/>
+        <p:txBody>
+          <a:bodyPr/>
+          <a:lstStyle/>
+          <a:p>
+            <a:fld id="{78D1BCE1-314F-5145-B548-25B12CA3616C}" type="datetime4">
+              <a:rPr lang="en-US" smtClean="0"/>
+              <a:t>2/23/2022</a:t>
+            </a:fld>
+            <a:endParaRPr dirty="0" lang="en-US"/>
+          </a:p>
+        </p:txBody>
+      </p:sp>
     </p:spTree>
   </p:cSld>
 </p:sld>
@@ -6382,44 +6237,12 @@
           <a:bodyPr/>
           <a:lstStyle/>
           <a:p>
-            <a:pPr lvl="0" marL="0" indent="0">
+            <a:pPr lvl="0" indent="0" marL="0">
               <a:buNone/>
             </a:pPr>
             <a:r>
               <a:rPr/>
-              <a:t>Inference</a:t>
-            </a:r>
-            <a:r>
-              <a:rPr/>
-              <a:t> </a:t>
-            </a:r>
-            <a:r>
-              <a:rPr/>
-              <a:t>is</a:t>
-            </a:r>
-            <a:r>
-              <a:rPr/>
-              <a:t> </a:t>
-            </a:r>
-            <a:r>
-              <a:rPr/>
-              <a:t>harder</a:t>
-            </a:r>
-            <a:r>
-              <a:rPr/>
-              <a:t> </a:t>
-            </a:r>
-            <a:r>
-              <a:rPr/>
-              <a:t>than</a:t>
-            </a:r>
-            <a:r>
-              <a:rPr/>
-              <a:t> </a:t>
-            </a:r>
-            <a:r>
-              <a:rPr/>
-              <a:t>prediction</a:t>
+              <a:t>Inference is harder than prediction</a:t>
             </a:r>
           </a:p>
         </p:txBody>
@@ -6441,14 +6264,14 @@
               <a:bodyPr/>
               <a:lstStyle/>
               <a:p>
-                <a:pPr lvl="1"/>
+                <a:pPr lvl="0"/>
                 <a:r>
                   <a:rPr/>
                   <a:t>Test set performance appears similar between OLS and GLS</a:t>
                 </a:r>
               </a:p>
               <a:p>
-                <a:pPr lvl="1"/>
+                <a:pPr lvl="0"/>
                 <a:r>
                   <a:rPr/>
                   <a:t>However, the p-values for </a:t>
@@ -6515,7 +6338,7 @@
                 </a:r>
               </a:p>
               <a:p>
-                <a:pPr lvl="1"/>
+                <a:pPr lvl="0"/>
                 <a:r>
                   <a:rPr/>
                   <a:t>The p-values from simulated data are </a:t>
@@ -6530,14 +6353,14 @@
                 </a:r>
               </a:p>
               <a:p>
-                <a:pPr lvl="1"/>
+                <a:pPr lvl="0"/>
                 <a:r>
                   <a:rPr/>
                   <a:t>In order to measure the quality of the methods:</a:t>
                 </a:r>
               </a:p>
               <a:p>
-                <a:pPr lvl="2">
+                <a:pPr lvl="1" indent="-457200" marL="914400">
                   <a:buAutoNum type="arabicPeriod"/>
                 </a:pPr>
                 <a:r>
@@ -6573,7 +6396,7 @@
                 </a14:m>
               </a:p>
               <a:p>
-                <a:pPr lvl="2">
+                <a:pPr lvl="1" indent="-457200" marL="914400">
                   <a:buAutoNum type="arabicPeriod"/>
                 </a:pPr>
                 <a:r>
@@ -6602,7 +6425,7 @@
                 </a:r>
               </a:p>
               <a:p>
-                <a:pPr lvl="2">
+                <a:pPr lvl="1" indent="-457200" marL="914400">
                   <a:buAutoNum type="arabicPeriod"/>
                 </a:pPr>
                 <a:r>
@@ -6611,7 +6434,7 @@
                 </a:r>
               </a:p>
               <a:p>
-                <a:pPr lvl="1"/>
+                <a:pPr lvl="0"/>
                 <a:r>
                   <a:rPr/>
                   <a:t>Since </a:t>
@@ -6661,6 +6484,29 @@
           </p:sp>
         </mc:Choice>
       </mc:AlternateContent>
+      <p:sp>
+        <p:nvSpPr>
+          <p:cNvPr id="4" name="Date Placeholder 3"/>
+          <p:cNvSpPr>
+            <a:spLocks noGrp="1"/>
+          </p:cNvSpPr>
+          <p:nvPr>
+            <p:ph idx="10" sz="half" type="dt"/>
+          </p:nvPr>
+        </p:nvSpPr>
+        <p:spPr/>
+        <p:txBody>
+          <a:bodyPr/>
+          <a:lstStyle/>
+          <a:p>
+            <a:fld id="{78D1BCE1-314F-5145-B548-25B12CA3616C}" type="datetime4">
+              <a:rPr lang="en-US" smtClean="0"/>
+              <a:t>2/23/2022</a:t>
+            </a:fld>
+            <a:endParaRPr dirty="0" lang="en-US"/>
+          </a:p>
+        </p:txBody>
+      </p:sp>
     </p:spTree>
   </p:cSld>
 </p:sld>
@@ -6698,36 +6544,12 @@
           <a:bodyPr/>
           <a:lstStyle/>
           <a:p>
-            <a:pPr lvl="0" marL="0" indent="0">
+            <a:pPr lvl="0" indent="0" marL="0">
               <a:buNone/>
             </a:pPr>
             <a:r>
               <a:rPr/>
-              <a:t>Type</a:t>
-            </a:r>
-            <a:r>
-              <a:rPr/>
-              <a:t> </a:t>
-            </a:r>
-            <a:r>
-              <a:rPr/>
-              <a:t>1</a:t>
-            </a:r>
-            <a:r>
-              <a:rPr/>
-              <a:t> </a:t>
-            </a:r>
-            <a:r>
-              <a:rPr/>
-              <a:t>Error</a:t>
-            </a:r>
-            <a:r>
-              <a:rPr/>
-              <a:t> </a:t>
-            </a:r>
-            <a:r>
-              <a:rPr/>
-              <a:t>Frequency</a:t>
+              <a:t>Type 1 Error Frequency</a:t>
             </a:r>
           </a:p>
         </p:txBody>
@@ -6753,10 +6575,11 @@
                 <a:tableStyleId>{5C22544A-7EE6-4342-B048-85BDC9FD1C3A}</a:tableStyleId>
               </a:tblPr>
               <a:tblGrid>
-                <a:gridCol w="2730500"/>
-                <a:gridCol w="2730500"/>
-                <a:gridCol w="2730500"/>
-                <a:gridCol w="2730500"/>
+                <a:gridCol w="2184400"/>
+                <a:gridCol w="2184400"/>
+                <a:gridCol w="2184400"/>
+                <a:gridCol w="2184400"/>
+                <a:gridCol w="2184400"/>
               </a:tblGrid>
               <a:tr h="0">
                 <a:tc>
@@ -6764,7 +6587,7 @@
                     <a:bodyPr/>
                     <a:lstStyle/>
                     <a:p>
-                      <a:pPr lvl="0" marL="0" indent="0" algn="l">
+                      <a:pPr lvl="0" indent="0" marL="0" algn="l">
                         <a:buNone/>
                       </a:pPr>
                       <a:r>
@@ -6780,7 +6603,7 @@
                     <a:bodyPr/>
                     <a:lstStyle/>
                     <a:p>
-                      <a:pPr lvl="0" marL="0" indent="0" algn="l">
+                      <a:pPr lvl="0" indent="0" marL="0" algn="l">
                         <a:buNone/>
                       </a:pPr>
                       <a:r>
@@ -6796,7 +6619,7 @@
                     <a:bodyPr/>
                     <a:lstStyle/>
                     <a:p>
-                      <a:pPr lvl="0" marL="0" indent="0" algn="r">
+                      <a:pPr lvl="0" indent="0" marL="0" algn="r">
                         <a:buNone/>
                       </a:pPr>
                       <a:r>
@@ -6812,7 +6635,23 @@
                     <a:bodyPr/>
                     <a:lstStyle/>
                     <a:p>
-                      <a:pPr lvl="0" marL="0" indent="0" algn="r">
+                      <a:pPr lvl="0" indent="0" marL="0" algn="r">
+                        <a:buNone/>
+                      </a:pPr>
+                      <a:r>
+                        <a:rPr/>
+                        <a:t>Avg_Train_RMSE</a:t>
+                      </a:r>
+                    </a:p>
+                  </a:txBody>
+                  <a:tcPr/>
+                </a:tc>
+                <a:tc>
+                  <a:txBody>
+                    <a:bodyPr/>
+                    <a:lstStyle/>
+                    <a:p>
+                      <a:pPr lvl="0" indent="0" marL="0" algn="r">
                         <a:buNone/>
                       </a:pPr>
                       <a:r>
@@ -6830,30 +6669,22 @@
                     <a:bodyPr/>
                     <a:lstStyle/>
                     <a:p>
-                      <a:pPr lvl="0" marL="0" indent="0" algn="l">
-                        <a:buNone/>
-                      </a:pPr>
-                      <a:r>
-                        <a:rPr/>
-                        <a:t>1-Low</a:t>
-                      </a:r>
-                      <a:r>
-                        <a:rPr/>
-                        <a:t> </a:t>
-                      </a:r>
-                      <a:r>
-                        <a:rPr/>
-                        <a:t>(0.1)</a:t>
-                      </a:r>
-                    </a:p>
-                  </a:txBody>
-                </a:tc>
-                <a:tc>
-                  <a:txBody>
-                    <a:bodyPr/>
-                    <a:lstStyle/>
-                    <a:p>
-                      <a:pPr lvl="0" marL="0" indent="0" algn="l">
+                      <a:pPr lvl="0" indent="0" marL="0" algn="l">
+                        <a:buNone/>
+                      </a:pPr>
+                      <a:r>
+                        <a:rPr/>
+                        <a:t>1-Low (0.1)</a:t>
+                      </a:r>
+                    </a:p>
+                  </a:txBody>
+                </a:tc>
+                <a:tc>
+                  <a:txBody>
+                    <a:bodyPr/>
+                    <a:lstStyle/>
+                    <a:p>
+                      <a:pPr lvl="0" indent="0" marL="0" algn="l">
                         <a:buNone/>
                       </a:pPr>
                       <a:r>
@@ -6868,7 +6699,7 @@
                     <a:bodyPr/>
                     <a:lstStyle/>
                     <a:p>
-                      <a:pPr lvl="0" marL="0" indent="0" algn="r">
+                      <a:pPr lvl="0" indent="0" marL="0" algn="r">
                         <a:buNone/>
                       </a:pPr>
                       <a:r>
@@ -6883,7 +6714,22 @@
                     <a:bodyPr/>
                     <a:lstStyle/>
                     <a:p>
-                      <a:pPr lvl="0" marL="0" indent="0" algn="r">
+                      <a:pPr lvl="0" indent="0" marL="0" algn="r">
+                        <a:buNone/>
+                      </a:pPr>
+                      <a:r>
+                        <a:rPr/>
+                        <a:t>4.93</a:t>
+                      </a:r>
+                    </a:p>
+                  </a:txBody>
+                </a:tc>
+                <a:tc>
+                  <a:txBody>
+                    <a:bodyPr/>
+                    <a:lstStyle/>
+                    <a:p>
+                      <a:pPr lvl="0" indent="0" marL="0" algn="r">
                         <a:buNone/>
                       </a:pPr>
                       <a:r>
@@ -6900,30 +6746,22 @@
                     <a:bodyPr/>
                     <a:lstStyle/>
                     <a:p>
-                      <a:pPr lvl="0" marL="0" indent="0" algn="l">
-                        <a:buNone/>
-                      </a:pPr>
-                      <a:r>
-                        <a:rPr/>
-                        <a:t>1-Low</a:t>
-                      </a:r>
-                      <a:r>
-                        <a:rPr/>
-                        <a:t> </a:t>
-                      </a:r>
-                      <a:r>
-                        <a:rPr/>
-                        <a:t>(0.1)</a:t>
-                      </a:r>
-                    </a:p>
-                  </a:txBody>
-                </a:tc>
-                <a:tc>
-                  <a:txBody>
-                    <a:bodyPr/>
-                    <a:lstStyle/>
-                    <a:p>
-                      <a:pPr lvl="0" marL="0" indent="0" algn="l">
+                      <a:pPr lvl="0" indent="0" marL="0" algn="l">
+                        <a:buNone/>
+                      </a:pPr>
+                      <a:r>
+                        <a:rPr/>
+                        <a:t>1-Low (0.1)</a:t>
+                      </a:r>
+                    </a:p>
+                  </a:txBody>
+                </a:tc>
+                <a:tc>
+                  <a:txBody>
+                    <a:bodyPr/>
+                    <a:lstStyle/>
+                    <a:p>
+                      <a:pPr lvl="0" indent="0" marL="0" algn="l">
                         <a:buNone/>
                       </a:pPr>
                       <a:r>
@@ -6938,7 +6776,7 @@
                     <a:bodyPr/>
                     <a:lstStyle/>
                     <a:p>
-                      <a:pPr lvl="0" marL="0" indent="0" algn="r">
+                      <a:pPr lvl="0" indent="0" marL="0" algn="r">
                         <a:buNone/>
                       </a:pPr>
                       <a:r>
@@ -6953,7 +6791,22 @@
                     <a:bodyPr/>
                     <a:lstStyle/>
                     <a:p>
-                      <a:pPr lvl="0" marL="0" indent="0" algn="r">
+                      <a:pPr lvl="0" indent="0" marL="0" algn="r">
+                        <a:buNone/>
+                      </a:pPr>
+                      <a:r>
+                        <a:rPr/>
+                        <a:t>4.93</a:t>
+                      </a:r>
+                    </a:p>
+                  </a:txBody>
+                </a:tc>
+                <a:tc>
+                  <a:txBody>
+                    <a:bodyPr/>
+                    <a:lstStyle/>
+                    <a:p>
+                      <a:pPr lvl="0" indent="0" marL="0" algn="r">
                         <a:buNone/>
                       </a:pPr>
                       <a:r>
@@ -6970,30 +6823,22 @@
                     <a:bodyPr/>
                     <a:lstStyle/>
                     <a:p>
-                      <a:pPr lvl="0" marL="0" indent="0" algn="l">
-                        <a:buNone/>
-                      </a:pPr>
-                      <a:r>
-                        <a:rPr/>
-                        <a:t>1-Low</a:t>
-                      </a:r>
-                      <a:r>
-                        <a:rPr/>
-                        <a:t> </a:t>
-                      </a:r>
-                      <a:r>
-                        <a:rPr/>
-                        <a:t>(0.1)</a:t>
-                      </a:r>
-                    </a:p>
-                  </a:txBody>
-                </a:tc>
-                <a:tc>
-                  <a:txBody>
-                    <a:bodyPr/>
-                    <a:lstStyle/>
-                    <a:p>
-                      <a:pPr lvl="0" marL="0" indent="0" algn="l">
+                      <a:pPr lvl="0" indent="0" marL="0" algn="l">
+                        <a:buNone/>
+                      </a:pPr>
+                      <a:r>
+                        <a:rPr/>
+                        <a:t>1-Low (0.1)</a:t>
+                      </a:r>
+                    </a:p>
+                  </a:txBody>
+                </a:tc>
+                <a:tc>
+                  <a:txBody>
+                    <a:bodyPr/>
+                    <a:lstStyle/>
+                    <a:p>
+                      <a:pPr lvl="0" indent="0" marL="0" algn="l">
                         <a:buNone/>
                       </a:pPr>
                       <a:r>
@@ -7008,7 +6853,7 @@
                     <a:bodyPr/>
                     <a:lstStyle/>
                     <a:p>
-                      <a:pPr lvl="0" marL="0" indent="0" algn="r">
+                      <a:pPr lvl="0" indent="0" marL="0" algn="r">
                         <a:buNone/>
                       </a:pPr>
                       <a:r>
@@ -7023,7 +6868,22 @@
                     <a:bodyPr/>
                     <a:lstStyle/>
                     <a:p>
-                      <a:pPr lvl="0" marL="0" indent="0" algn="r">
+                      <a:pPr lvl="0" indent="0" marL="0" algn="r">
+                        <a:buNone/>
+                      </a:pPr>
+                      <a:r>
+                        <a:rPr/>
+                        <a:t>NA</a:t>
+                      </a:r>
+                    </a:p>
+                  </a:txBody>
+                </a:tc>
+                <a:tc>
+                  <a:txBody>
+                    <a:bodyPr/>
+                    <a:lstStyle/>
+                    <a:p>
+                      <a:pPr lvl="0" indent="0" marL="0" algn="r">
                         <a:buNone/>
                       </a:pPr>
                       <a:r>
@@ -7040,30 +6900,22 @@
                     <a:bodyPr/>
                     <a:lstStyle/>
                     <a:p>
-                      <a:pPr lvl="0" marL="0" indent="0" algn="l">
-                        <a:buNone/>
-                      </a:pPr>
-                      <a:r>
-                        <a:rPr/>
-                        <a:t>1-Low</a:t>
-                      </a:r>
-                      <a:r>
-                        <a:rPr/>
-                        <a:t> </a:t>
-                      </a:r>
-                      <a:r>
-                        <a:rPr/>
-                        <a:t>(0.1)</a:t>
-                      </a:r>
-                    </a:p>
-                  </a:txBody>
-                </a:tc>
-                <a:tc>
-                  <a:txBody>
-                    <a:bodyPr/>
-                    <a:lstStyle/>
-                    <a:p>
-                      <a:pPr lvl="0" marL="0" indent="0" algn="l">
+                      <a:pPr lvl="0" indent="0" marL="0" algn="l">
+                        <a:buNone/>
+                      </a:pPr>
+                      <a:r>
+                        <a:rPr/>
+                        <a:t>1-Low (0.1)</a:t>
+                      </a:r>
+                    </a:p>
+                  </a:txBody>
+                </a:tc>
+                <a:tc>
+                  <a:txBody>
+                    <a:bodyPr/>
+                    <a:lstStyle/>
+                    <a:p>
+                      <a:pPr lvl="0" indent="0" marL="0" algn="l">
                         <a:buNone/>
                       </a:pPr>
                       <a:r>
@@ -7078,7 +6930,7 @@
                     <a:bodyPr/>
                     <a:lstStyle/>
                     <a:p>
-                      <a:pPr lvl="0" marL="0" indent="0" algn="r">
+                      <a:pPr lvl="0" indent="0" marL="0" algn="r">
                         <a:buNone/>
                       </a:pPr>
                       <a:r>
@@ -7093,7 +6945,22 @@
                     <a:bodyPr/>
                     <a:lstStyle/>
                     <a:p>
-                      <a:pPr lvl="0" marL="0" indent="0" algn="r">
+                      <a:pPr lvl="0" indent="0" marL="0" algn="r">
+                        <a:buNone/>
+                      </a:pPr>
+                      <a:r>
+                        <a:rPr/>
+                        <a:t>NA</a:t>
+                      </a:r>
+                    </a:p>
+                  </a:txBody>
+                </a:tc>
+                <a:tc>
+                  <a:txBody>
+                    <a:bodyPr/>
+                    <a:lstStyle/>
+                    <a:p>
+                      <a:pPr lvl="0" indent="0" marL="0" algn="r">
                         <a:buNone/>
                       </a:pPr>
                       <a:r>
@@ -7110,30 +6977,22 @@
                     <a:bodyPr/>
                     <a:lstStyle/>
                     <a:p>
-                      <a:pPr lvl="0" marL="0" indent="0" algn="l">
-                        <a:buNone/>
-                      </a:pPr>
-                      <a:r>
-                        <a:rPr/>
-                        <a:t>1-Low</a:t>
-                      </a:r>
-                      <a:r>
-                        <a:rPr/>
-                        <a:t> </a:t>
-                      </a:r>
-                      <a:r>
-                        <a:rPr/>
-                        <a:t>(0.1)</a:t>
-                      </a:r>
-                    </a:p>
-                  </a:txBody>
-                </a:tc>
-                <a:tc>
-                  <a:txBody>
-                    <a:bodyPr/>
-                    <a:lstStyle/>
-                    <a:p>
-                      <a:pPr lvl="0" marL="0" indent="0" algn="l">
+                      <a:pPr lvl="0" indent="0" marL="0" algn="l">
+                        <a:buNone/>
+                      </a:pPr>
+                      <a:r>
+                        <a:rPr/>
+                        <a:t>1-Low (0.1)</a:t>
+                      </a:r>
+                    </a:p>
+                  </a:txBody>
+                </a:tc>
+                <a:tc>
+                  <a:txBody>
+                    <a:bodyPr/>
+                    <a:lstStyle/>
+                    <a:p>
+                      <a:pPr lvl="0" indent="0" marL="0" algn="l">
                         <a:buNone/>
                       </a:pPr>
                       <a:r>
@@ -7148,7 +7007,7 @@
                     <a:bodyPr/>
                     <a:lstStyle/>
                     <a:p>
-                      <a:pPr lvl="0" marL="0" indent="0" algn="r">
+                      <a:pPr lvl="0" indent="0" marL="0" algn="r">
                         <a:buNone/>
                       </a:pPr>
                       <a:r>
@@ -7163,7 +7022,22 @@
                     <a:bodyPr/>
                     <a:lstStyle/>
                     <a:p>
-                      <a:pPr lvl="0" marL="0" indent="0" algn="r">
+                      <a:pPr lvl="0" indent="0" marL="0" algn="r">
+                        <a:buNone/>
+                      </a:pPr>
+                      <a:r>
+                        <a:rPr/>
+                        <a:t>NA</a:t>
+                      </a:r>
+                    </a:p>
+                  </a:txBody>
+                </a:tc>
+                <a:tc>
+                  <a:txBody>
+                    <a:bodyPr/>
+                    <a:lstStyle/>
+                    <a:p>
+                      <a:pPr lvl="0" indent="0" marL="0" algn="r">
                         <a:buNone/>
                       </a:pPr>
                       <a:r>
@@ -7199,10 +7073,11 @@
                 <a:tableStyleId>{5C22544A-7EE6-4342-B048-85BDC9FD1C3A}</a:tableStyleId>
               </a:tblPr>
               <a:tblGrid>
-                <a:gridCol w="2743200"/>
-                <a:gridCol w="2743200"/>
-                <a:gridCol w="2743200"/>
-                <a:gridCol w="2743200"/>
+                <a:gridCol w="2184400"/>
+                <a:gridCol w="2184400"/>
+                <a:gridCol w="2184400"/>
+                <a:gridCol w="2184400"/>
+                <a:gridCol w="2184400"/>
               </a:tblGrid>
               <a:tr h="0">
                 <a:tc>
@@ -7210,7 +7085,7 @@
                     <a:bodyPr/>
                     <a:lstStyle/>
                     <a:p>
-                      <a:pPr lvl="0" marL="0" indent="0" algn="l">
+                      <a:pPr lvl="0" indent="0" marL="0" algn="l">
                         <a:buNone/>
                       </a:pPr>
                       <a:r>
@@ -7226,7 +7101,7 @@
                     <a:bodyPr/>
                     <a:lstStyle/>
                     <a:p>
-                      <a:pPr lvl="0" marL="0" indent="0" algn="l">
+                      <a:pPr lvl="0" indent="0" marL="0" algn="l">
                         <a:buNone/>
                       </a:pPr>
                       <a:r>
@@ -7242,7 +7117,7 @@
                     <a:bodyPr/>
                     <a:lstStyle/>
                     <a:p>
-                      <a:pPr lvl="0" marL="0" indent="0" algn="r">
+                      <a:pPr lvl="0" indent="0" marL="0" algn="r">
                         <a:buNone/>
                       </a:pPr>
                       <a:r>
@@ -7258,7 +7133,23 @@
                     <a:bodyPr/>
                     <a:lstStyle/>
                     <a:p>
-                      <a:pPr lvl="0" marL="0" indent="0" algn="r">
+                      <a:pPr lvl="0" indent="0" marL="0" algn="r">
+                        <a:buNone/>
+                      </a:pPr>
+                      <a:r>
+                        <a:rPr/>
+                        <a:t>Avg_Train_RMSE</a:t>
+                      </a:r>
+                    </a:p>
+                  </a:txBody>
+                  <a:tcPr/>
+                </a:tc>
+                <a:tc>
+                  <a:txBody>
+                    <a:bodyPr/>
+                    <a:lstStyle/>
+                    <a:p>
+                      <a:pPr lvl="0" indent="0" marL="0" algn="r">
                         <a:buNone/>
                       </a:pPr>
                       <a:r>
@@ -7276,30 +7167,22 @@
                     <a:bodyPr/>
                     <a:lstStyle/>
                     <a:p>
-                      <a:pPr lvl="0" marL="0" indent="0" algn="l">
-                        <a:buNone/>
-                      </a:pPr>
-                      <a:r>
-                        <a:rPr/>
-                        <a:t>2-Moderate</a:t>
-                      </a:r>
-                      <a:r>
-                        <a:rPr/>
-                        <a:t> </a:t>
-                      </a:r>
-                      <a:r>
-                        <a:rPr/>
-                        <a:t>(0.7)</a:t>
-                      </a:r>
-                    </a:p>
-                  </a:txBody>
-                </a:tc>
-                <a:tc>
-                  <a:txBody>
-                    <a:bodyPr/>
-                    <a:lstStyle/>
-                    <a:p>
-                      <a:pPr lvl="0" marL="0" indent="0" algn="l">
+                      <a:pPr lvl="0" indent="0" marL="0" algn="l">
+                        <a:buNone/>
+                      </a:pPr>
+                      <a:r>
+                        <a:rPr/>
+                        <a:t>2-Moderate (0.7)</a:t>
+                      </a:r>
+                    </a:p>
+                  </a:txBody>
+                </a:tc>
+                <a:tc>
+                  <a:txBody>
+                    <a:bodyPr/>
+                    <a:lstStyle/>
+                    <a:p>
+                      <a:pPr lvl="0" indent="0" marL="0" algn="l">
                         <a:buNone/>
                       </a:pPr>
                       <a:r>
@@ -7314,7 +7197,7 @@
                     <a:bodyPr/>
                     <a:lstStyle/>
                     <a:p>
-                      <a:pPr lvl="0" marL="0" indent="0" algn="r">
+                      <a:pPr lvl="0" indent="0" marL="0" algn="r">
                         <a:buNone/>
                       </a:pPr>
                       <a:r>
@@ -7329,7 +7212,22 @@
                     <a:bodyPr/>
                     <a:lstStyle/>
                     <a:p>
-                      <a:pPr lvl="0" marL="0" indent="0" algn="r">
+                      <a:pPr lvl="0" indent="0" marL="0" algn="r">
+                        <a:buNone/>
+                      </a:pPr>
+                      <a:r>
+                        <a:rPr/>
+                        <a:t>6.80</a:t>
+                      </a:r>
+                    </a:p>
+                  </a:txBody>
+                </a:tc>
+                <a:tc>
+                  <a:txBody>
+                    <a:bodyPr/>
+                    <a:lstStyle/>
+                    <a:p>
+                      <a:pPr lvl="0" indent="0" marL="0" algn="r">
                         <a:buNone/>
                       </a:pPr>
                       <a:r>
@@ -7346,30 +7244,22 @@
                     <a:bodyPr/>
                     <a:lstStyle/>
                     <a:p>
-                      <a:pPr lvl="0" marL="0" indent="0" algn="l">
-                        <a:buNone/>
-                      </a:pPr>
-                      <a:r>
-                        <a:rPr/>
-                        <a:t>2-Moderate</a:t>
-                      </a:r>
-                      <a:r>
-                        <a:rPr/>
-                        <a:t> </a:t>
-                      </a:r>
-                      <a:r>
-                        <a:rPr/>
-                        <a:t>(0.7)</a:t>
-                      </a:r>
-                    </a:p>
-                  </a:txBody>
-                </a:tc>
-                <a:tc>
-                  <a:txBody>
-                    <a:bodyPr/>
-                    <a:lstStyle/>
-                    <a:p>
-                      <a:pPr lvl="0" marL="0" indent="0" algn="l">
+                      <a:pPr lvl="0" indent="0" marL="0" algn="l">
+                        <a:buNone/>
+                      </a:pPr>
+                      <a:r>
+                        <a:rPr/>
+                        <a:t>2-Moderate (0.7)</a:t>
+                      </a:r>
+                    </a:p>
+                  </a:txBody>
+                </a:tc>
+                <a:tc>
+                  <a:txBody>
+                    <a:bodyPr/>
+                    <a:lstStyle/>
+                    <a:p>
+                      <a:pPr lvl="0" indent="0" marL="0" algn="l">
                         <a:buNone/>
                       </a:pPr>
                       <a:r>
@@ -7384,7 +7274,7 @@
                     <a:bodyPr/>
                     <a:lstStyle/>
                     <a:p>
-                      <a:pPr lvl="0" marL="0" indent="0" algn="r">
+                      <a:pPr lvl="0" indent="0" marL="0" algn="r">
                         <a:buNone/>
                       </a:pPr>
                       <a:r>
@@ -7399,7 +7289,22 @@
                     <a:bodyPr/>
                     <a:lstStyle/>
                     <a:p>
-                      <a:pPr lvl="0" marL="0" indent="0" algn="r">
+                      <a:pPr lvl="0" indent="0" marL="0" algn="r">
+                        <a:buNone/>
+                      </a:pPr>
+                      <a:r>
+                        <a:rPr/>
+                        <a:t>NA</a:t>
+                      </a:r>
+                    </a:p>
+                  </a:txBody>
+                </a:tc>
+                <a:tc>
+                  <a:txBody>
+                    <a:bodyPr/>
+                    <a:lstStyle/>
+                    <a:p>
+                      <a:pPr lvl="0" indent="0" marL="0" algn="r">
                         <a:buNone/>
                       </a:pPr>
                       <a:r>
@@ -7416,30 +7321,22 @@
                     <a:bodyPr/>
                     <a:lstStyle/>
                     <a:p>
-                      <a:pPr lvl="0" marL="0" indent="0" algn="l">
-                        <a:buNone/>
-                      </a:pPr>
-                      <a:r>
-                        <a:rPr/>
-                        <a:t>2-Moderate</a:t>
-                      </a:r>
-                      <a:r>
-                        <a:rPr/>
-                        <a:t> </a:t>
-                      </a:r>
-                      <a:r>
-                        <a:rPr/>
-                        <a:t>(0.7)</a:t>
-                      </a:r>
-                    </a:p>
-                  </a:txBody>
-                </a:tc>
-                <a:tc>
-                  <a:txBody>
-                    <a:bodyPr/>
-                    <a:lstStyle/>
-                    <a:p>
-                      <a:pPr lvl="0" marL="0" indent="0" algn="l">
+                      <a:pPr lvl="0" indent="0" marL="0" algn="l">
+                        <a:buNone/>
+                      </a:pPr>
+                      <a:r>
+                        <a:rPr/>
+                        <a:t>2-Moderate (0.7)</a:t>
+                      </a:r>
+                    </a:p>
+                  </a:txBody>
+                </a:tc>
+                <a:tc>
+                  <a:txBody>
+                    <a:bodyPr/>
+                    <a:lstStyle/>
+                    <a:p>
+                      <a:pPr lvl="0" indent="0" marL="0" algn="l">
                         <a:buNone/>
                       </a:pPr>
                       <a:r>
@@ -7454,7 +7351,7 @@
                     <a:bodyPr/>
                     <a:lstStyle/>
                     <a:p>
-                      <a:pPr lvl="0" marL="0" indent="0" algn="r">
+                      <a:pPr lvl="0" indent="0" marL="0" algn="r">
                         <a:buNone/>
                       </a:pPr>
                       <a:r>
@@ -7469,7 +7366,22 @@
                     <a:bodyPr/>
                     <a:lstStyle/>
                     <a:p>
-                      <a:pPr lvl="0" marL="0" indent="0" algn="r">
+                      <a:pPr lvl="0" indent="0" marL="0" algn="r">
+                        <a:buNone/>
+                      </a:pPr>
+                      <a:r>
+                        <a:rPr/>
+                        <a:t>NA</a:t>
+                      </a:r>
+                    </a:p>
+                  </a:txBody>
+                </a:tc>
+                <a:tc>
+                  <a:txBody>
+                    <a:bodyPr/>
+                    <a:lstStyle/>
+                    <a:p>
+                      <a:pPr lvl="0" indent="0" marL="0" algn="r">
                         <a:buNone/>
                       </a:pPr>
                       <a:r>
@@ -7486,30 +7398,22 @@
                     <a:bodyPr/>
                     <a:lstStyle/>
                     <a:p>
-                      <a:pPr lvl="0" marL="0" indent="0" algn="l">
-                        <a:buNone/>
-                      </a:pPr>
-                      <a:r>
-                        <a:rPr/>
-                        <a:t>2-Moderate</a:t>
-                      </a:r>
-                      <a:r>
-                        <a:rPr/>
-                        <a:t> </a:t>
-                      </a:r>
-                      <a:r>
-                        <a:rPr/>
-                        <a:t>(0.7)</a:t>
-                      </a:r>
-                    </a:p>
-                  </a:txBody>
-                </a:tc>
-                <a:tc>
-                  <a:txBody>
-                    <a:bodyPr/>
-                    <a:lstStyle/>
-                    <a:p>
-                      <a:pPr lvl="0" marL="0" indent="0" algn="l">
+                      <a:pPr lvl="0" indent="0" marL="0" algn="l">
+                        <a:buNone/>
+                      </a:pPr>
+                      <a:r>
+                        <a:rPr/>
+                        <a:t>2-Moderate (0.7)</a:t>
+                      </a:r>
+                    </a:p>
+                  </a:txBody>
+                </a:tc>
+                <a:tc>
+                  <a:txBody>
+                    <a:bodyPr/>
+                    <a:lstStyle/>
+                    <a:p>
+                      <a:pPr lvl="0" indent="0" marL="0" algn="l">
                         <a:buNone/>
                       </a:pPr>
                       <a:r>
@@ -7524,7 +7428,7 @@
                     <a:bodyPr/>
                     <a:lstStyle/>
                     <a:p>
-                      <a:pPr lvl="0" marL="0" indent="0" algn="r">
+                      <a:pPr lvl="0" indent="0" marL="0" algn="r">
                         <a:buNone/>
                       </a:pPr>
                       <a:r>
@@ -7539,7 +7443,22 @@
                     <a:bodyPr/>
                     <a:lstStyle/>
                     <a:p>
-                      <a:pPr lvl="0" marL="0" indent="0" algn="r">
+                      <a:pPr lvl="0" indent="0" marL="0" algn="r">
+                        <a:buNone/>
+                      </a:pPr>
+                      <a:r>
+                        <a:rPr/>
+                        <a:t>NA</a:t>
+                      </a:r>
+                    </a:p>
+                  </a:txBody>
+                </a:tc>
+                <a:tc>
+                  <a:txBody>
+                    <a:bodyPr/>
+                    <a:lstStyle/>
+                    <a:p>
+                      <a:pPr lvl="0" indent="0" marL="0" algn="r">
                         <a:buNone/>
                       </a:pPr>
                       <a:r>
@@ -7556,30 +7475,22 @@
                     <a:bodyPr/>
                     <a:lstStyle/>
                     <a:p>
-                      <a:pPr lvl="0" marL="0" indent="0" algn="l">
-                        <a:buNone/>
-                      </a:pPr>
-                      <a:r>
-                        <a:rPr/>
-                        <a:t>2-Moderate</a:t>
-                      </a:r>
-                      <a:r>
-                        <a:rPr/>
-                        <a:t> </a:t>
-                      </a:r>
-                      <a:r>
-                        <a:rPr/>
-                        <a:t>(0.7)</a:t>
-                      </a:r>
-                    </a:p>
-                  </a:txBody>
-                </a:tc>
-                <a:tc>
-                  <a:txBody>
-                    <a:bodyPr/>
-                    <a:lstStyle/>
-                    <a:p>
-                      <a:pPr lvl="0" marL="0" indent="0" algn="l">
+                      <a:pPr lvl="0" indent="0" marL="0" algn="l">
+                        <a:buNone/>
+                      </a:pPr>
+                      <a:r>
+                        <a:rPr/>
+                        <a:t>2-Moderate (0.7)</a:t>
+                      </a:r>
+                    </a:p>
+                  </a:txBody>
+                </a:tc>
+                <a:tc>
+                  <a:txBody>
+                    <a:bodyPr/>
+                    <a:lstStyle/>
+                    <a:p>
+                      <a:pPr lvl="0" indent="0" marL="0" algn="l">
                         <a:buNone/>
                       </a:pPr>
                       <a:r>
@@ -7594,7 +7505,7 @@
                     <a:bodyPr/>
                     <a:lstStyle/>
                     <a:p>
-                      <a:pPr lvl="0" marL="0" indent="0" algn="r">
+                      <a:pPr lvl="0" indent="0" marL="0" algn="r">
                         <a:buNone/>
                       </a:pPr>
                       <a:r>
@@ -7609,7 +7520,22 @@
                     <a:bodyPr/>
                     <a:lstStyle/>
                     <a:p>
-                      <a:pPr lvl="0" marL="0" indent="0" algn="r">
+                      <a:pPr lvl="0" indent="0" marL="0" algn="r">
+                        <a:buNone/>
+                      </a:pPr>
+                      <a:r>
+                        <a:rPr/>
+                        <a:t>6.71</a:t>
+                      </a:r>
+                    </a:p>
+                  </a:txBody>
+                </a:tc>
+                <a:tc>
+                  <a:txBody>
+                    <a:bodyPr/>
+                    <a:lstStyle/>
+                    <a:p>
+                      <a:pPr lvl="0" indent="0" marL="0" algn="r">
                         <a:buNone/>
                       </a:pPr>
                       <a:r>
@@ -7624,6 +7550,29 @@
           </a:graphicData>
         </a:graphic>
       </p:graphicFrame>
+      <p:sp>
+        <p:nvSpPr>
+          <p:cNvPr id="5" name="Date Placeholder 4"/>
+          <p:cNvSpPr>
+            <a:spLocks noGrp="1"/>
+          </p:cNvSpPr>
+          <p:nvPr>
+            <p:ph idx="10" sz="half" type="dt"/>
+          </p:nvPr>
+        </p:nvSpPr>
+        <p:spPr/>
+        <p:txBody>
+          <a:bodyPr/>
+          <a:lstStyle/>
+          <a:p>
+            <a:fld id="{25078A64-5338-724D-9253-210B3CE97A87}" type="datetime4">
+              <a:rPr lang="en-US" smtClean="0"/>
+              <a:t>2/23/2022</a:t>
+            </a:fld>
+            <a:endParaRPr lang="en-US"/>
+          </a:p>
+        </p:txBody>
+      </p:sp>
     </p:spTree>
   </p:cSld>
 </p:sld>
@@ -7661,20 +7610,12 @@
           <a:bodyPr/>
           <a:lstStyle/>
           <a:p>
-            <a:pPr lvl="0" marL="0" indent="0">
+            <a:pPr lvl="0" indent="0" marL="0">
               <a:buNone/>
             </a:pPr>
             <a:r>
               <a:rPr/>
-              <a:t>About</a:t>
-            </a:r>
-            <a:r>
-              <a:rPr/>
-              <a:t> </a:t>
-            </a:r>
-            <a:r>
-              <a:rPr/>
-              <a:t>Me</a:t>
+              <a:t>About Me</a:t>
             </a:r>
           </a:p>
         </p:txBody>
@@ -7694,60 +7635,83 @@
           <a:bodyPr/>
           <a:lstStyle/>
           <a:p>
-            <a:pPr lvl="1"/>
+            <a:pPr lvl="0"/>
             <a:r>
               <a:rPr/>
               <a:t>MSIA Class of 2013</a:t>
             </a:r>
           </a:p>
           <a:p>
-            <a:pPr lvl="1"/>
+            <a:pPr lvl="0"/>
             <a:r>
               <a:rPr/>
               <a:t>Works for a bank</a:t>
             </a:r>
           </a:p>
           <a:p>
-            <a:pPr lvl="1"/>
+            <a:pPr lvl="0"/>
             <a:r>
               <a:rPr/>
               <a:t>Team develops models to explain and forecast:</a:t>
             </a:r>
           </a:p>
           <a:p>
-            <a:pPr lvl="2"/>
+            <a:pPr lvl="1"/>
             <a:r>
               <a:rPr/>
               <a:t>Credit Losses</a:t>
             </a:r>
           </a:p>
           <a:p>
-            <a:pPr lvl="2"/>
+            <a:pPr lvl="1"/>
             <a:r>
               <a:rPr/>
               <a:t>Loan Prepayments</a:t>
             </a:r>
           </a:p>
           <a:p>
-            <a:pPr lvl="2"/>
+            <a:pPr lvl="1"/>
             <a:r>
               <a:rPr/>
               <a:t>Mortgage Rates</a:t>
             </a:r>
           </a:p>
           <a:p>
-            <a:pPr lvl="2"/>
+            <a:pPr lvl="1"/>
             <a:r>
               <a:rPr/>
               <a:t>Deposit Attrition</a:t>
             </a:r>
           </a:p>
           <a:p>
-            <a:pPr lvl="1"/>
+            <a:pPr lvl="0"/>
             <a:r>
               <a:rPr/>
               <a:t>Primarily uses SQL and R</a:t>
             </a:r>
+          </a:p>
+        </p:txBody>
+      </p:sp>
+      <p:sp>
+        <p:nvSpPr>
+          <p:cNvPr id="4" name="Date Placeholder 3"/>
+          <p:cNvSpPr>
+            <a:spLocks noGrp="1"/>
+          </p:cNvSpPr>
+          <p:nvPr>
+            <p:ph idx="10" sz="half" type="dt"/>
+          </p:nvPr>
+        </p:nvSpPr>
+        <p:spPr/>
+        <p:txBody>
+          <a:bodyPr/>
+          <a:lstStyle/>
+          <a:p>
+            <a:fld id="{78D1BCE1-314F-5145-B548-25B12CA3616C}" type="datetime4">
+              <a:rPr lang="en-US" smtClean="0"/>
+              <a:t>2/23/2022</a:t>
+            </a:fld>
+            <a:endParaRPr dirty="0" lang="en-US"/>
           </a:p>
         </p:txBody>
       </p:sp>
@@ -7788,36 +7752,12 @@
           <a:bodyPr/>
           <a:lstStyle/>
           <a:p>
-            <a:pPr lvl="0" marL="0" indent="0">
+            <a:pPr lvl="0" indent="0" marL="0">
               <a:buNone/>
             </a:pPr>
             <a:r>
               <a:rPr/>
-              <a:t>Very</a:t>
-            </a:r>
-            <a:r>
-              <a:rPr/>
-              <a:t> </a:t>
-            </a:r>
-            <a:r>
-              <a:rPr/>
-              <a:t>High</a:t>
-            </a:r>
-            <a:r>
-              <a:rPr/>
-              <a:t> </a:t>
-            </a:r>
-            <a:r>
-              <a:rPr/>
-              <a:t>Serial</a:t>
-            </a:r>
-            <a:r>
-              <a:rPr/>
-              <a:t> </a:t>
-            </a:r>
-            <a:r>
-              <a:rPr/>
-              <a:t>Correlation</a:t>
+              <a:t>Very High Serial Correlation</a:t>
             </a:r>
           </a:p>
         </p:txBody>
@@ -7839,14 +7779,14 @@
               <a:bodyPr/>
               <a:lstStyle/>
               <a:p>
-                <a:pPr lvl="1"/>
+                <a:pPr lvl="0"/>
                 <a:r>
                   <a:rPr/>
                   <a:t>Under very high serial correlation, most of the previous methods struggle to return the correct p-values.</a:t>
                 </a:r>
               </a:p>
               <a:p>
-                <a:pPr lvl="1"/>
+                <a:pPr lvl="0"/>
                 <a:r>
                   <a:rPr/>
                   <a:t>If </a:t>
@@ -7867,7 +7807,14 @@
                 </a14:m>
                 <a:r>
                   <a:rPr/>
-                  <a:t> is close to -1 or 1, then check for non-stationary errors (e.g., Phillips-Ouliaris Cointegration Test; Pesaran-Shin-Smith Cointegration Test).</a:t>
+                  <a:t> is close to -1 or 1, then check for non-stationary residuals (e.g., Phillips-Ouliaris Cointegration Test; Pesaran-Shin-Smith Cointegration Test).</a:t>
+                </a:r>
+              </a:p>
+              <a:p>
+                <a:pPr lvl="0"/>
+                <a:r>
+                  <a:rPr/>
+                  <a:t>Non-stationary residuals could be a strong sign of spurious regression</a:t>
                 </a:r>
               </a:p>
             </p:txBody>
@@ -7895,10 +7842,11 @@
                 <a:tableStyleId>{5C22544A-7EE6-4342-B048-85BDC9FD1C3A}</a:tableStyleId>
               </a:tblPr>
               <a:tblGrid>
-                <a:gridCol w="2743200"/>
-                <a:gridCol w="2743200"/>
-                <a:gridCol w="2743200"/>
-                <a:gridCol w="2743200"/>
+                <a:gridCol w="2184400"/>
+                <a:gridCol w="2184400"/>
+                <a:gridCol w="2184400"/>
+                <a:gridCol w="2184400"/>
+                <a:gridCol w="2184400"/>
               </a:tblGrid>
               <a:tr h="0">
                 <a:tc>
@@ -7906,7 +7854,7 @@
                     <a:bodyPr/>
                     <a:lstStyle/>
                     <a:p>
-                      <a:pPr lvl="0" marL="0" indent="0" algn="l">
+                      <a:pPr lvl="0" indent="0" marL="0" algn="l">
                         <a:buNone/>
                       </a:pPr>
                       <a:r>
@@ -7922,7 +7870,7 @@
                     <a:bodyPr/>
                     <a:lstStyle/>
                     <a:p>
-                      <a:pPr lvl="0" marL="0" indent="0" algn="l">
+                      <a:pPr lvl="0" indent="0" marL="0" algn="l">
                         <a:buNone/>
                       </a:pPr>
                       <a:r>
@@ -7938,7 +7886,7 @@
                     <a:bodyPr/>
                     <a:lstStyle/>
                     <a:p>
-                      <a:pPr lvl="0" marL="0" indent="0" algn="r">
+                      <a:pPr lvl="0" indent="0" marL="0" algn="r">
                         <a:buNone/>
                       </a:pPr>
                       <a:r>
@@ -7954,7 +7902,23 @@
                     <a:bodyPr/>
                     <a:lstStyle/>
                     <a:p>
-                      <a:pPr lvl="0" marL="0" indent="0" algn="r">
+                      <a:pPr lvl="0" indent="0" marL="0" algn="r">
+                        <a:buNone/>
+                      </a:pPr>
+                      <a:r>
+                        <a:rPr/>
+                        <a:t>Avg_Train_RMSE</a:t>
+                      </a:r>
+                    </a:p>
+                  </a:txBody>
+                  <a:tcPr/>
+                </a:tc>
+                <a:tc>
+                  <a:txBody>
+                    <a:bodyPr/>
+                    <a:lstStyle/>
+                    <a:p>
+                      <a:pPr lvl="0" indent="0" marL="0" algn="r">
                         <a:buNone/>
                       </a:pPr>
                       <a:r>
@@ -7972,38 +7936,22 @@
                     <a:bodyPr/>
                     <a:lstStyle/>
                     <a:p>
-                      <a:pPr lvl="0" marL="0" indent="0" algn="l">
-                        <a:buNone/>
-                      </a:pPr>
-                      <a:r>
-                        <a:rPr/>
-                        <a:t>3-Very</a:t>
-                      </a:r>
-                      <a:r>
-                        <a:rPr/>
-                        <a:t> </a:t>
-                      </a:r>
-                      <a:r>
-                        <a:rPr/>
-                        <a:t>High</a:t>
-                      </a:r>
-                      <a:r>
-                        <a:rPr/>
-                        <a:t> </a:t>
-                      </a:r>
-                      <a:r>
-                        <a:rPr/>
-                        <a:t>(0.9)</a:t>
-                      </a:r>
-                    </a:p>
-                  </a:txBody>
-                </a:tc>
-                <a:tc>
-                  <a:txBody>
-                    <a:bodyPr/>
-                    <a:lstStyle/>
-                    <a:p>
-                      <a:pPr lvl="0" marL="0" indent="0" algn="l">
+                      <a:pPr lvl="0" indent="0" marL="0" algn="l">
+                        <a:buNone/>
+                      </a:pPr>
+                      <a:r>
+                        <a:rPr/>
+                        <a:t>3-Very High (0.9)</a:t>
+                      </a:r>
+                    </a:p>
+                  </a:txBody>
+                </a:tc>
+                <a:tc>
+                  <a:txBody>
+                    <a:bodyPr/>
+                    <a:lstStyle/>
+                    <a:p>
+                      <a:pPr lvl="0" indent="0" marL="0" algn="l">
                         <a:buNone/>
                       </a:pPr>
                       <a:r>
@@ -8018,7 +7966,7 @@
                     <a:bodyPr/>
                     <a:lstStyle/>
                     <a:p>
-                      <a:pPr lvl="0" marL="0" indent="0" algn="r">
+                      <a:pPr lvl="0" indent="0" marL="0" algn="r">
                         <a:buNone/>
                       </a:pPr>
                       <a:r>
@@ -8033,7 +7981,22 @@
                     <a:bodyPr/>
                     <a:lstStyle/>
                     <a:p>
-                      <a:pPr lvl="0" marL="0" indent="0" algn="r">
+                      <a:pPr lvl="0" indent="0" marL="0" algn="r">
+                        <a:buNone/>
+                      </a:pPr>
+                      <a:r>
+                        <a:rPr/>
+                        <a:t>10.8</a:t>
+                      </a:r>
+                    </a:p>
+                  </a:txBody>
+                </a:tc>
+                <a:tc>
+                  <a:txBody>
+                    <a:bodyPr/>
+                    <a:lstStyle/>
+                    <a:p>
+                      <a:pPr lvl="0" indent="0" marL="0" algn="r">
                         <a:buNone/>
                       </a:pPr>
                       <a:r>
@@ -8050,38 +8013,22 @@
                     <a:bodyPr/>
                     <a:lstStyle/>
                     <a:p>
-                      <a:pPr lvl="0" marL="0" indent="0" algn="l">
-                        <a:buNone/>
-                      </a:pPr>
-                      <a:r>
-                        <a:rPr/>
-                        <a:t>3-Very</a:t>
-                      </a:r>
-                      <a:r>
-                        <a:rPr/>
-                        <a:t> </a:t>
-                      </a:r>
-                      <a:r>
-                        <a:rPr/>
-                        <a:t>High</a:t>
-                      </a:r>
-                      <a:r>
-                        <a:rPr/>
-                        <a:t> </a:t>
-                      </a:r>
-                      <a:r>
-                        <a:rPr/>
-                        <a:t>(0.9)</a:t>
-                      </a:r>
-                    </a:p>
-                  </a:txBody>
-                </a:tc>
-                <a:tc>
-                  <a:txBody>
-                    <a:bodyPr/>
-                    <a:lstStyle/>
-                    <a:p>
-                      <a:pPr lvl="0" marL="0" indent="0" algn="l">
+                      <a:pPr lvl="0" indent="0" marL="0" algn="l">
+                        <a:buNone/>
+                      </a:pPr>
+                      <a:r>
+                        <a:rPr/>
+                        <a:t>3-Very High (0.9)</a:t>
+                      </a:r>
+                    </a:p>
+                  </a:txBody>
+                </a:tc>
+                <a:tc>
+                  <a:txBody>
+                    <a:bodyPr/>
+                    <a:lstStyle/>
+                    <a:p>
+                      <a:pPr lvl="0" indent="0" marL="0" algn="l">
                         <a:buNone/>
                       </a:pPr>
                       <a:r>
@@ -8096,7 +8043,7 @@
                     <a:bodyPr/>
                     <a:lstStyle/>
                     <a:p>
-                      <a:pPr lvl="0" marL="0" indent="0" algn="r">
+                      <a:pPr lvl="0" indent="0" marL="0" algn="r">
                         <a:buNone/>
                       </a:pPr>
                       <a:r>
@@ -8111,7 +8058,22 @@
                     <a:bodyPr/>
                     <a:lstStyle/>
                     <a:p>
-                      <a:pPr lvl="0" marL="0" indent="0" algn="r">
+                      <a:pPr lvl="0" indent="0" marL="0" algn="r">
+                        <a:buNone/>
+                      </a:pPr>
+                      <a:r>
+                        <a:rPr/>
+                        <a:t>NA</a:t>
+                      </a:r>
+                    </a:p>
+                  </a:txBody>
+                </a:tc>
+                <a:tc>
+                  <a:txBody>
+                    <a:bodyPr/>
+                    <a:lstStyle/>
+                    <a:p>
+                      <a:pPr lvl="0" indent="0" marL="0" algn="r">
                         <a:buNone/>
                       </a:pPr>
                       <a:r>
@@ -8128,38 +8090,22 @@
                     <a:bodyPr/>
                     <a:lstStyle/>
                     <a:p>
-                      <a:pPr lvl="0" marL="0" indent="0" algn="l">
-                        <a:buNone/>
-                      </a:pPr>
-                      <a:r>
-                        <a:rPr/>
-                        <a:t>3-Very</a:t>
-                      </a:r>
-                      <a:r>
-                        <a:rPr/>
-                        <a:t> </a:t>
-                      </a:r>
-                      <a:r>
-                        <a:rPr/>
-                        <a:t>High</a:t>
-                      </a:r>
-                      <a:r>
-                        <a:rPr/>
-                        <a:t> </a:t>
-                      </a:r>
-                      <a:r>
-                        <a:rPr/>
-                        <a:t>(0.9)</a:t>
-                      </a:r>
-                    </a:p>
-                  </a:txBody>
-                </a:tc>
-                <a:tc>
-                  <a:txBody>
-                    <a:bodyPr/>
-                    <a:lstStyle/>
-                    <a:p>
-                      <a:pPr lvl="0" marL="0" indent="0" algn="l">
+                      <a:pPr lvl="0" indent="0" marL="0" algn="l">
+                        <a:buNone/>
+                      </a:pPr>
+                      <a:r>
+                        <a:rPr/>
+                        <a:t>3-Very High (0.9)</a:t>
+                      </a:r>
+                    </a:p>
+                  </a:txBody>
+                </a:tc>
+                <a:tc>
+                  <a:txBody>
+                    <a:bodyPr/>
+                    <a:lstStyle/>
+                    <a:p>
+                      <a:pPr lvl="0" indent="0" marL="0" algn="l">
                         <a:buNone/>
                       </a:pPr>
                       <a:r>
@@ -8174,7 +8120,7 @@
                     <a:bodyPr/>
                     <a:lstStyle/>
                     <a:p>
-                      <a:pPr lvl="0" marL="0" indent="0" algn="r">
+                      <a:pPr lvl="0" indent="0" marL="0" algn="r">
                         <a:buNone/>
                       </a:pPr>
                       <a:r>
@@ -8189,7 +8135,22 @@
                     <a:bodyPr/>
                     <a:lstStyle/>
                     <a:p>
-                      <a:pPr lvl="0" marL="0" indent="0" algn="r">
+                      <a:pPr lvl="0" indent="0" marL="0" algn="r">
+                        <a:buNone/>
+                      </a:pPr>
+                      <a:r>
+                        <a:rPr/>
+                        <a:t>NA</a:t>
+                      </a:r>
+                    </a:p>
+                  </a:txBody>
+                </a:tc>
+                <a:tc>
+                  <a:txBody>
+                    <a:bodyPr/>
+                    <a:lstStyle/>
+                    <a:p>
+                      <a:pPr lvl="0" indent="0" marL="0" algn="r">
                         <a:buNone/>
                       </a:pPr>
                       <a:r>
@@ -8206,38 +8167,22 @@
                     <a:bodyPr/>
                     <a:lstStyle/>
                     <a:p>
-                      <a:pPr lvl="0" marL="0" indent="0" algn="l">
-                        <a:buNone/>
-                      </a:pPr>
-                      <a:r>
-                        <a:rPr/>
-                        <a:t>3-Very</a:t>
-                      </a:r>
-                      <a:r>
-                        <a:rPr/>
-                        <a:t> </a:t>
-                      </a:r>
-                      <a:r>
-                        <a:rPr/>
-                        <a:t>High</a:t>
-                      </a:r>
-                      <a:r>
-                        <a:rPr/>
-                        <a:t> </a:t>
-                      </a:r>
-                      <a:r>
-                        <a:rPr/>
-                        <a:t>(0.9)</a:t>
-                      </a:r>
-                    </a:p>
-                  </a:txBody>
-                </a:tc>
-                <a:tc>
-                  <a:txBody>
-                    <a:bodyPr/>
-                    <a:lstStyle/>
-                    <a:p>
-                      <a:pPr lvl="0" marL="0" indent="0" algn="l">
+                      <a:pPr lvl="0" indent="0" marL="0" algn="l">
+                        <a:buNone/>
+                      </a:pPr>
+                      <a:r>
+                        <a:rPr/>
+                        <a:t>3-Very High (0.9)</a:t>
+                      </a:r>
+                    </a:p>
+                  </a:txBody>
+                </a:tc>
+                <a:tc>
+                  <a:txBody>
+                    <a:bodyPr/>
+                    <a:lstStyle/>
+                    <a:p>
+                      <a:pPr lvl="0" indent="0" marL="0" algn="l">
                         <a:buNone/>
                       </a:pPr>
                       <a:r>
@@ -8252,7 +8197,7 @@
                     <a:bodyPr/>
                     <a:lstStyle/>
                     <a:p>
-                      <a:pPr lvl="0" marL="0" indent="0" algn="r">
+                      <a:pPr lvl="0" indent="0" marL="0" algn="r">
                         <a:buNone/>
                       </a:pPr>
                       <a:r>
@@ -8267,7 +8212,22 @@
                     <a:bodyPr/>
                     <a:lstStyle/>
                     <a:p>
-                      <a:pPr lvl="0" marL="0" indent="0" algn="r">
+                      <a:pPr lvl="0" indent="0" marL="0" algn="r">
+                        <a:buNone/>
+                      </a:pPr>
+                      <a:r>
+                        <a:rPr/>
+                        <a:t>NA</a:t>
+                      </a:r>
+                    </a:p>
+                  </a:txBody>
+                </a:tc>
+                <a:tc>
+                  <a:txBody>
+                    <a:bodyPr/>
+                    <a:lstStyle/>
+                    <a:p>
+                      <a:pPr lvl="0" indent="0" marL="0" algn="r">
                         <a:buNone/>
                       </a:pPr>
                       <a:r>
@@ -8284,38 +8244,22 @@
                     <a:bodyPr/>
                     <a:lstStyle/>
                     <a:p>
-                      <a:pPr lvl="0" marL="0" indent="0" algn="l">
-                        <a:buNone/>
-                      </a:pPr>
-                      <a:r>
-                        <a:rPr/>
-                        <a:t>3-Very</a:t>
-                      </a:r>
-                      <a:r>
-                        <a:rPr/>
-                        <a:t> </a:t>
-                      </a:r>
-                      <a:r>
-                        <a:rPr/>
-                        <a:t>High</a:t>
-                      </a:r>
-                      <a:r>
-                        <a:rPr/>
-                        <a:t> </a:t>
-                      </a:r>
-                      <a:r>
-                        <a:rPr/>
-                        <a:t>(0.9)</a:t>
-                      </a:r>
-                    </a:p>
-                  </a:txBody>
-                </a:tc>
-                <a:tc>
-                  <a:txBody>
-                    <a:bodyPr/>
-                    <a:lstStyle/>
-                    <a:p>
-                      <a:pPr lvl="0" marL="0" indent="0" algn="l">
+                      <a:pPr lvl="0" indent="0" marL="0" algn="l">
+                        <a:buNone/>
+                      </a:pPr>
+                      <a:r>
+                        <a:rPr/>
+                        <a:t>3-Very High (0.9)</a:t>
+                      </a:r>
+                    </a:p>
+                  </a:txBody>
+                </a:tc>
+                <a:tc>
+                  <a:txBody>
+                    <a:bodyPr/>
+                    <a:lstStyle/>
+                    <a:p>
+                      <a:pPr lvl="0" indent="0" marL="0" algn="l">
                         <a:buNone/>
                       </a:pPr>
                       <a:r>
@@ -8330,7 +8274,7 @@
                     <a:bodyPr/>
                     <a:lstStyle/>
                     <a:p>
-                      <a:pPr lvl="0" marL="0" indent="0" algn="r">
+                      <a:pPr lvl="0" indent="0" marL="0" algn="r">
                         <a:buNone/>
                       </a:pPr>
                       <a:r>
@@ -8345,7 +8289,22 @@
                     <a:bodyPr/>
                     <a:lstStyle/>
                     <a:p>
-                      <a:pPr lvl="0" marL="0" indent="0" algn="r">
+                      <a:pPr lvl="0" indent="0" marL="0" algn="r">
+                        <a:buNone/>
+                      </a:pPr>
+                      <a:r>
+                        <a:rPr/>
+                        <a:t>10.3</a:t>
+                      </a:r>
+                    </a:p>
+                  </a:txBody>
+                </a:tc>
+                <a:tc>
+                  <a:txBody>
+                    <a:bodyPr/>
+                    <a:lstStyle/>
+                    <a:p>
+                      <a:pPr lvl="0" indent="0" marL="0" algn="r">
                         <a:buNone/>
                       </a:pPr>
                       <a:r>
@@ -8360,6 +8319,29 @@
           </a:graphicData>
         </a:graphic>
       </p:graphicFrame>
+      <p:sp>
+        <p:nvSpPr>
+          <p:cNvPr id="5" name="Date Placeholder 4"/>
+          <p:cNvSpPr>
+            <a:spLocks noGrp="1"/>
+          </p:cNvSpPr>
+          <p:nvPr>
+            <p:ph idx="10" sz="half" type="dt"/>
+          </p:nvPr>
+        </p:nvSpPr>
+        <p:spPr/>
+        <p:txBody>
+          <a:bodyPr/>
+          <a:lstStyle/>
+          <a:p>
+            <a:fld id="{25078A64-5338-724D-9253-210B3CE97A87}" type="datetime4">
+              <a:rPr lang="en-US" smtClean="0"/>
+              <a:t>2/23/2022</a:t>
+            </a:fld>
+            <a:endParaRPr lang="en-US"/>
+          </a:p>
+        </p:txBody>
+      </p:sp>
     </p:spTree>
   </p:cSld>
 </p:sld>
@@ -8397,28 +8379,12 @@
           <a:bodyPr/>
           <a:lstStyle/>
           <a:p>
-            <a:pPr lvl="0" marL="0" indent="0">
+            <a:pPr lvl="0" indent="0" marL="0">
               <a:buNone/>
             </a:pPr>
             <a:r>
               <a:rPr/>
-              <a:t>Test</a:t>
-            </a:r>
-            <a:r>
-              <a:rPr/>
-              <a:t> </a:t>
-            </a:r>
-            <a:r>
-              <a:rPr/>
-              <a:t>Set</a:t>
-            </a:r>
-            <a:r>
-              <a:rPr/>
-              <a:t> </a:t>
-            </a:r>
-            <a:r>
-              <a:rPr/>
-              <a:t>RMSE</a:t>
+              <a:t>Serial Correlation and Test Set RMSE</a:t>
             </a:r>
           </a:p>
         </p:txBody>
@@ -8440,7 +8406,7 @@
               <a:bodyPr/>
               <a:lstStyle/>
               <a:p>
-                <a:pPr lvl="0" marL="0" indent="0">
+                <a:pPr lvl="0" indent="0" marL="0">
                   <a:buNone/>
                 </a:pPr>
                 <a14:m>
@@ -8578,12 +8544,12 @@
                 </a14:m>
               </a:p>
               <a:p>
-                <a:pPr lvl="0" marL="0" indent="0">
+                <a:pPr lvl="0" indent="0" marL="0">
                   <a:buNone/>
                 </a:pPr>
               </a:p>
               <a:p>
-                <a:pPr lvl="0" marL="0" indent="0">
+                <a:pPr lvl="0" indent="0" marL="0">
                   <a:buNone/>
                 </a:pPr>
                 <a:r>
@@ -8601,6 +8567,29 @@
           </p:sp>
         </mc:Choice>
       </mc:AlternateContent>
+      <p:sp>
+        <p:nvSpPr>
+          <p:cNvPr id="4" name="Date Placeholder 3"/>
+          <p:cNvSpPr>
+            <a:spLocks noGrp="1"/>
+          </p:cNvSpPr>
+          <p:nvPr>
+            <p:ph idx="10" sz="half" type="dt"/>
+          </p:nvPr>
+        </p:nvSpPr>
+        <p:spPr/>
+        <p:txBody>
+          <a:bodyPr/>
+          <a:lstStyle/>
+          <a:p>
+            <a:fld id="{78D1BCE1-314F-5145-B548-25B12CA3616C}" type="datetime4">
+              <a:rPr lang="en-US" smtClean="0"/>
+              <a:t>2/23/2022</a:t>
+            </a:fld>
+            <a:endParaRPr dirty="0" lang="en-US"/>
+          </a:p>
+        </p:txBody>
+      </p:sp>
     </p:spTree>
   </p:cSld>
 </p:sld>
@@ -8638,28 +8627,12 @@
           <a:bodyPr/>
           <a:lstStyle/>
           <a:p>
-            <a:pPr lvl="0" marL="0" indent="0">
+            <a:pPr lvl="0" indent="0" marL="0">
               <a:buNone/>
             </a:pPr>
             <a:r>
               <a:rPr/>
-              <a:t>Violation:</a:t>
-            </a:r>
-            <a:r>
-              <a:rPr/>
-              <a:t> </a:t>
-            </a:r>
-            <a:r>
-              <a:rPr/>
-              <a:t>Non-stationary</a:t>
-            </a:r>
-            <a:r>
-              <a:rPr/>
-              <a:t> </a:t>
-            </a:r>
-            <a:r>
-              <a:rPr/>
-              <a:t>errors</a:t>
+              <a:t>Violation: Non-stationary response and predictors</a:t>
             </a:r>
           </a:p>
         </p:txBody>
@@ -8681,977 +8654,10 @@
               <a:bodyPr/>
               <a:lstStyle/>
               <a:p>
-                <a:pPr lvl="1"/>
+                <a:pPr lvl="0"/>
                 <a:r>
                   <a:rPr/>
-                  <a:t>When </a:t>
-                </a:r>
-                <a14:m>
-                  <m:oMath xmlns:m="http://schemas.openxmlformats.org/officeDocument/2006/math">
-                    <m:r>
-                      <m:t>ρ</m:t>
-                    </m:r>
-                    <m:r>
-                      <m:rPr>
-                        <m:sty m:val="p"/>
-                      </m:rPr>
-                      <m:t>=</m:t>
-                    </m:r>
-                    <m:r>
-                      <m:t>1</m:t>
-                    </m:r>
-                  </m:oMath>
-                </a14:m>
-                <a:r>
-                  <a:rPr/>
-                  <a:t> or </a:t>
-                </a:r>
-                <a14:m>
-                  <m:oMath xmlns:m="http://schemas.openxmlformats.org/officeDocument/2006/math">
-                    <m:r>
-                      <m:t>ρ</m:t>
-                    </m:r>
-                    <m:r>
-                      <m:rPr>
-                        <m:sty m:val="p"/>
-                      </m:rPr>
-                      <m:t>=</m:t>
-                    </m:r>
-                    <m:r>
-                      <m:rPr>
-                        <m:sty m:val="p"/>
-                      </m:rPr>
-                      <m:t>−</m:t>
-                    </m:r>
-                    <m:r>
-                      <m:t>1</m:t>
-                    </m:r>
-                  </m:oMath>
-                </a14:m>
-                <a:r>
-                  <a:rPr/>
-                  <a:t>, the errors are non-stationary (i.e. “random walk”).</a:t>
-                </a:r>
-              </a:p>
-              <a:p>
-                <a:pPr lvl="0" marL="0" indent="0">
-                  <a:buNone/>
-                </a:pPr>
-              </a:p>
-              <a:p>
-                <a:pPr lvl="0" marL="0" indent="0">
-                  <a:buNone/>
-                </a:pPr>
-                <a14:m>
-                  <m:oMath xmlns:m="http://schemas.openxmlformats.org/officeDocument/2006/math">
-                    <m:sSub>
-                      <m:e>
-                        <m:r>
-                          <m:t>ε</m:t>
-                        </m:r>
-                      </m:e>
-                      <m:sub>
-                        <m:r>
-                          <m:t>t</m:t>
-                        </m:r>
-                      </m:sub>
-                    </m:sSub>
-                    <m:r>
-                      <m:rPr>
-                        <m:sty m:val="p"/>
-                      </m:rPr>
-                      <m:t>=</m:t>
-                    </m:r>
-                    <m:r>
-                      <m:t>ρ</m:t>
-                    </m:r>
-                    <m:sSub>
-                      <m:e>
-                        <m:r>
-                          <m:t>ε</m:t>
-                        </m:r>
-                      </m:e>
-                      <m:sub>
-                        <m:r>
-                          <m:t>t</m:t>
-                        </m:r>
-                        <m:r>
-                          <m:rPr>
-                            <m:sty m:val="p"/>
-                          </m:rPr>
-                          <m:t>−</m:t>
-                        </m:r>
-                        <m:r>
-                          <m:t>1</m:t>
-                        </m:r>
-                      </m:sub>
-                    </m:sSub>
-                    <m:r>
-                      <m:rPr>
-                        <m:sty m:val="p"/>
-                      </m:rPr>
-                      <m:t>+</m:t>
-                    </m:r>
-                    <m:sSub>
-                      <m:e>
-                        <m:r>
-                          <m:t>v</m:t>
-                        </m:r>
-                      </m:e>
-                      <m:sub>
-                        <m:r>
-                          <m:t>t</m:t>
-                        </m:r>
-                      </m:sub>
-                    </m:sSub>
-                  </m:oMath>
-                </a14:m>
-              </a:p>
-              <a:p>
-                <a:pPr lvl="0" marL="0" indent="0">
-                  <a:buNone/>
-                </a:pPr>
-              </a:p>
-              <a:p>
-                <a:pPr lvl="1"/>
-                <a:r>
-                  <a:rPr/>
-                  <a:t>Under non-stationary errors, OLS and GLS are both biased and inconsistent (i.e., spurious)</a:t>
-                </a:r>
-              </a:p>
-              <a:p>
-                <a:pPr lvl="1"/>
-                <a:r>
-                  <a:rPr/>
-                  <a:t>Non-stationary errors adversely affect </a:t>
-                </a:r>
-                <a:r>
-                  <a:rPr i="1"/>
-                  <a:t>both</a:t>
-                </a:r>
-                <a:r>
-                  <a:rPr/>
-                  <a:t> prediction and inference (while serially correlated errors affect only inference)</a:t>
-                </a:r>
-              </a:p>
-            </p:txBody>
-          </p:sp>
-        </mc:Choice>
-      </mc:AlternateContent>
-    </p:spTree>
-  </p:cSld>
-</p:sld>
-</file>
-
-<file path=ppt/slides/slide23.xml><?xml version="1.0" encoding="utf-8"?>
-<p:sld xmlns:a="http://schemas.openxmlformats.org/drawingml/2006/main" xmlns:r="http://schemas.openxmlformats.org/officeDocument/2006/relationships" xmlns:p="http://schemas.openxmlformats.org/presentationml/2006/main">
-  <p:cSld>
-    <p:spTree>
-      <p:nvGrpSpPr>
-        <p:cNvPr id="1" name=""/>
-        <p:cNvGrpSpPr/>
-        <p:nvPr/>
-      </p:nvGrpSpPr>
-      <p:grpSpPr>
-        <a:xfrm>
-          <a:off x="0" y="0"/>
-          <a:ext cx="0" cy="0"/>
-          <a:chOff x="0" y="0"/>
-          <a:chExt cx="0" cy="0"/>
-        </a:xfrm>
-      </p:grpSpPr>
-      <p:sp>
-        <p:nvSpPr>
-          <p:cNvPr id="2" name="Title 1"/>
-          <p:cNvSpPr>
-            <a:spLocks noGrp="1"/>
-          </p:cNvSpPr>
-          <p:nvPr>
-            <p:ph type="title"/>
-          </p:nvPr>
-        </p:nvSpPr>
-        <p:spPr/>
-        <p:txBody>
-          <a:bodyPr/>
-          <a:lstStyle/>
-          <a:p>
-            <a:pPr lvl="0" marL="0" indent="0">
-              <a:buNone/>
-            </a:pPr>
-            <a:r>
-              <a:rPr/>
-              <a:t>Simulate</a:t>
-            </a:r>
-            <a:r>
-              <a:rPr/>
-              <a:t> </a:t>
-            </a:r>
-            <a:r>
-              <a:rPr/>
-              <a:t>non-stationary</a:t>
-            </a:r>
-            <a:r>
-              <a:rPr/>
-              <a:t> </a:t>
-            </a:r>
-            <a:r>
-              <a:rPr/>
-              <a:t>predictors</a:t>
-            </a:r>
-          </a:p>
-        </p:txBody>
-      </p:sp>
-      <p:sp>
-        <p:nvSpPr>
-          <p:cNvPr id="3" name="Content Placeholder 2"/>
-          <p:cNvSpPr>
-            <a:spLocks noGrp="1"/>
-          </p:cNvSpPr>
-          <p:nvPr>
-            <p:ph idx="1"/>
-          </p:nvPr>
-        </p:nvSpPr>
-        <p:spPr/>
-        <p:txBody>
-          <a:bodyPr/>
-          <a:lstStyle/>
-          <a:p>
-            <a:pPr lvl="0" indent="0">
-              <a:buNone/>
-            </a:pPr>
-            <a:r>
-              <a:rPr>
-                <a:solidFill>
-                  <a:srgbClr val="06287E"/>
-                </a:solidFill>
-                <a:latin typeface="Courier"/>
-              </a:rPr>
-              <a:t>set.seed</a:t>
-            </a:r>
-            <a:r>
-              <a:rPr>
-                <a:latin typeface="Courier"/>
-              </a:rPr>
-              <a:t>(</a:t>
-            </a:r>
-            <a:r>
-              <a:rPr>
-                <a:solidFill>
-                  <a:srgbClr val="40A070"/>
-                </a:solidFill>
-                <a:latin typeface="Courier"/>
-              </a:rPr>
-              <a:t>2013</a:t>
-            </a:r>
-            <a:r>
-              <a:rPr>
-                <a:latin typeface="Courier"/>
-              </a:rPr>
-              <a:t>) </a:t>
-            </a:r>
-            <a:br/>
-            <a:br/>
-            <a:r>
-              <a:rPr>
-                <a:latin typeface="Courier"/>
-              </a:rPr>
-              <a:t>w1 </a:t>
-            </a:r>
-            <a:r>
-              <a:rPr>
-                <a:solidFill>
-                  <a:srgbClr val="007020"/>
-                </a:solidFill>
-                <a:latin typeface="Courier"/>
-              </a:rPr>
-              <a:t>&lt;-</a:t>
-            </a:r>
-            <a:r>
-              <a:rPr>
-                <a:latin typeface="Courier"/>
-              </a:rPr>
-              <a:t> </a:t>
-            </a:r>
-            <a:r>
-              <a:rPr>
-                <a:solidFill>
-                  <a:srgbClr val="06287E"/>
-                </a:solidFill>
-                <a:latin typeface="Courier"/>
-              </a:rPr>
-              <a:t>arima.sim</a:t>
-            </a:r>
-            <a:r>
-              <a:rPr>
-                <a:latin typeface="Courier"/>
-              </a:rPr>
-              <a:t>(</a:t>
-            </a:r>
-            <a:r>
-              <a:rPr>
-                <a:solidFill>
-                  <a:srgbClr val="06287E"/>
-                </a:solidFill>
-                <a:latin typeface="Courier"/>
-              </a:rPr>
-              <a:t>list</a:t>
-            </a:r>
-            <a:r>
-              <a:rPr>
-                <a:latin typeface="Courier"/>
-              </a:rPr>
-              <a:t>(</a:t>
-            </a:r>
-            <a:r>
-              <a:rPr>
-                <a:solidFill>
-                  <a:srgbClr val="7D9029"/>
-                </a:solidFill>
-                <a:latin typeface="Courier"/>
-              </a:rPr>
-              <a:t>order =</a:t>
-            </a:r>
-            <a:r>
-              <a:rPr>
-                <a:latin typeface="Courier"/>
-              </a:rPr>
-              <a:t> </a:t>
-            </a:r>
-            <a:r>
-              <a:rPr>
-                <a:solidFill>
-                  <a:srgbClr val="06287E"/>
-                </a:solidFill>
-                <a:latin typeface="Courier"/>
-              </a:rPr>
-              <a:t>c</a:t>
-            </a:r>
-            <a:r>
-              <a:rPr>
-                <a:latin typeface="Courier"/>
-              </a:rPr>
-              <a:t>(</a:t>
-            </a:r>
-            <a:r>
-              <a:rPr>
-                <a:solidFill>
-                  <a:srgbClr val="40A070"/>
-                </a:solidFill>
-                <a:latin typeface="Courier"/>
-              </a:rPr>
-              <a:t>0</a:t>
-            </a:r>
-            <a:r>
-              <a:rPr>
-                <a:latin typeface="Courier"/>
-              </a:rPr>
-              <a:t>,</a:t>
-            </a:r>
-            <a:r>
-              <a:rPr>
-                <a:solidFill>
-                  <a:srgbClr val="40A070"/>
-                </a:solidFill>
-                <a:latin typeface="Courier"/>
-              </a:rPr>
-              <a:t>1</a:t>
-            </a:r>
-            <a:r>
-              <a:rPr>
-                <a:latin typeface="Courier"/>
-              </a:rPr>
-              <a:t>,</a:t>
-            </a:r>
-            <a:r>
-              <a:rPr>
-                <a:solidFill>
-                  <a:srgbClr val="40A070"/>
-                </a:solidFill>
-                <a:latin typeface="Courier"/>
-              </a:rPr>
-              <a:t>0</a:t>
-            </a:r>
-            <a:r>
-              <a:rPr>
-                <a:latin typeface="Courier"/>
-              </a:rPr>
-              <a:t>)), </a:t>
-            </a:r>
-            <a:r>
-              <a:rPr>
-                <a:solidFill>
-                  <a:srgbClr val="7D9029"/>
-                </a:solidFill>
-                <a:latin typeface="Courier"/>
-              </a:rPr>
-              <a:t>n =</a:t>
-            </a:r>
-            <a:r>
-              <a:rPr>
-                <a:latin typeface="Courier"/>
-              </a:rPr>
-              <a:t> </a:t>
-            </a:r>
-            <a:r>
-              <a:rPr>
-                <a:solidFill>
-                  <a:srgbClr val="40A070"/>
-                </a:solidFill>
-                <a:latin typeface="Courier"/>
-              </a:rPr>
-              <a:t>200</a:t>
-            </a:r>
-            <a:r>
-              <a:rPr>
-                <a:latin typeface="Courier"/>
-              </a:rPr>
-              <a:t>, </a:t>
-            </a:r>
-            <a:r>
-              <a:rPr>
-                <a:solidFill>
-                  <a:srgbClr val="7D9029"/>
-                </a:solidFill>
-                <a:latin typeface="Courier"/>
-              </a:rPr>
-              <a:t>sd=</a:t>
-            </a:r>
-            <a:r>
-              <a:rPr>
-                <a:solidFill>
-                  <a:srgbClr val="40A070"/>
-                </a:solidFill>
-                <a:latin typeface="Courier"/>
-              </a:rPr>
-              <a:t>2</a:t>
-            </a:r>
-            <a:r>
-              <a:rPr>
-                <a:latin typeface="Courier"/>
-              </a:rPr>
-              <a:t>, </a:t>
-            </a:r>
-            <a:r>
-              <a:rPr>
-                <a:solidFill>
-                  <a:srgbClr val="7D9029"/>
-                </a:solidFill>
-                <a:latin typeface="Courier"/>
-              </a:rPr>
-              <a:t>mean=</a:t>
-            </a:r>
-            <a:r>
-              <a:rPr>
-                <a:solidFill>
-                  <a:srgbClr val="40A070"/>
-                </a:solidFill>
-                <a:latin typeface="Courier"/>
-              </a:rPr>
-              <a:t>2</a:t>
-            </a:r>
-            <a:r>
-              <a:rPr>
-                <a:latin typeface="Courier"/>
-              </a:rPr>
-              <a:t>)</a:t>
-            </a:r>
-            <a:br/>
-            <a:r>
-              <a:rPr>
-                <a:latin typeface="Courier"/>
-              </a:rPr>
-              <a:t>w2 </a:t>
-            </a:r>
-            <a:r>
-              <a:rPr>
-                <a:solidFill>
-                  <a:srgbClr val="007020"/>
-                </a:solidFill>
-                <a:latin typeface="Courier"/>
-              </a:rPr>
-              <a:t>&lt;-</a:t>
-            </a:r>
-            <a:r>
-              <a:rPr>
-                <a:latin typeface="Courier"/>
-              </a:rPr>
-              <a:t> </a:t>
-            </a:r>
-            <a:r>
-              <a:rPr>
-                <a:solidFill>
-                  <a:srgbClr val="06287E"/>
-                </a:solidFill>
-                <a:latin typeface="Courier"/>
-              </a:rPr>
-              <a:t>arima.sim</a:t>
-            </a:r>
-            <a:r>
-              <a:rPr>
-                <a:latin typeface="Courier"/>
-              </a:rPr>
-              <a:t>(</a:t>
-            </a:r>
-            <a:r>
-              <a:rPr>
-                <a:solidFill>
-                  <a:srgbClr val="06287E"/>
-                </a:solidFill>
-                <a:latin typeface="Courier"/>
-              </a:rPr>
-              <a:t>list</a:t>
-            </a:r>
-            <a:r>
-              <a:rPr>
-                <a:latin typeface="Courier"/>
-              </a:rPr>
-              <a:t>(</a:t>
-            </a:r>
-            <a:r>
-              <a:rPr>
-                <a:solidFill>
-                  <a:srgbClr val="7D9029"/>
-                </a:solidFill>
-                <a:latin typeface="Courier"/>
-              </a:rPr>
-              <a:t>order =</a:t>
-            </a:r>
-            <a:r>
-              <a:rPr>
-                <a:latin typeface="Courier"/>
-              </a:rPr>
-              <a:t> </a:t>
-            </a:r>
-            <a:r>
-              <a:rPr>
-                <a:solidFill>
-                  <a:srgbClr val="06287E"/>
-                </a:solidFill>
-                <a:latin typeface="Courier"/>
-              </a:rPr>
-              <a:t>c</a:t>
-            </a:r>
-            <a:r>
-              <a:rPr>
-                <a:latin typeface="Courier"/>
-              </a:rPr>
-              <a:t>(</a:t>
-            </a:r>
-            <a:r>
-              <a:rPr>
-                <a:solidFill>
-                  <a:srgbClr val="40A070"/>
-                </a:solidFill>
-                <a:latin typeface="Courier"/>
-              </a:rPr>
-              <a:t>0</a:t>
-            </a:r>
-            <a:r>
-              <a:rPr>
-                <a:latin typeface="Courier"/>
-              </a:rPr>
-              <a:t>,</a:t>
-            </a:r>
-            <a:r>
-              <a:rPr>
-                <a:solidFill>
-                  <a:srgbClr val="40A070"/>
-                </a:solidFill>
-                <a:latin typeface="Courier"/>
-              </a:rPr>
-              <a:t>1</a:t>
-            </a:r>
-            <a:r>
-              <a:rPr>
-                <a:latin typeface="Courier"/>
-              </a:rPr>
-              <a:t>,</a:t>
-            </a:r>
-            <a:r>
-              <a:rPr>
-                <a:solidFill>
-                  <a:srgbClr val="40A070"/>
-                </a:solidFill>
-                <a:latin typeface="Courier"/>
-              </a:rPr>
-              <a:t>0</a:t>
-            </a:r>
-            <a:r>
-              <a:rPr>
-                <a:latin typeface="Courier"/>
-              </a:rPr>
-              <a:t>)), </a:t>
-            </a:r>
-            <a:r>
-              <a:rPr>
-                <a:solidFill>
-                  <a:srgbClr val="7D9029"/>
-                </a:solidFill>
-                <a:latin typeface="Courier"/>
-              </a:rPr>
-              <a:t>n =</a:t>
-            </a:r>
-            <a:r>
-              <a:rPr>
-                <a:latin typeface="Courier"/>
-              </a:rPr>
-              <a:t> </a:t>
-            </a:r>
-            <a:r>
-              <a:rPr>
-                <a:solidFill>
-                  <a:srgbClr val="40A070"/>
-                </a:solidFill>
-                <a:latin typeface="Courier"/>
-              </a:rPr>
-              <a:t>200</a:t>
-            </a:r>
-            <a:r>
-              <a:rPr>
-                <a:latin typeface="Courier"/>
-              </a:rPr>
-              <a:t>, </a:t>
-            </a:r>
-            <a:r>
-              <a:rPr>
-                <a:solidFill>
-                  <a:srgbClr val="7D9029"/>
-                </a:solidFill>
-                <a:latin typeface="Courier"/>
-              </a:rPr>
-              <a:t>sd=</a:t>
-            </a:r>
-            <a:r>
-              <a:rPr>
-                <a:solidFill>
-                  <a:srgbClr val="40A070"/>
-                </a:solidFill>
-                <a:latin typeface="Courier"/>
-              </a:rPr>
-              <a:t>3</a:t>
-            </a:r>
-            <a:r>
-              <a:rPr>
-                <a:latin typeface="Courier"/>
-              </a:rPr>
-              <a:t>, </a:t>
-            </a:r>
-            <a:r>
-              <a:rPr>
-                <a:solidFill>
-                  <a:srgbClr val="7D9029"/>
-                </a:solidFill>
-                <a:latin typeface="Courier"/>
-              </a:rPr>
-              <a:t>mean=</a:t>
-            </a:r>
-            <a:r>
-              <a:rPr>
-                <a:solidFill>
-                  <a:srgbClr val="40A070"/>
-                </a:solidFill>
-                <a:latin typeface="Courier"/>
-              </a:rPr>
-              <a:t>2</a:t>
-            </a:r>
-            <a:r>
-              <a:rPr>
-                <a:latin typeface="Courier"/>
-              </a:rPr>
-              <a:t>)</a:t>
-            </a:r>
-            <a:br/>
-            <a:r>
-              <a:rPr>
-                <a:latin typeface="Courier"/>
-              </a:rPr>
-              <a:t>w3 </a:t>
-            </a:r>
-            <a:r>
-              <a:rPr>
-                <a:solidFill>
-                  <a:srgbClr val="007020"/>
-                </a:solidFill>
-                <a:latin typeface="Courier"/>
-              </a:rPr>
-              <a:t>&lt;-</a:t>
-            </a:r>
-            <a:r>
-              <a:rPr>
-                <a:latin typeface="Courier"/>
-              </a:rPr>
-              <a:t> </a:t>
-            </a:r>
-            <a:r>
-              <a:rPr>
-                <a:solidFill>
-                  <a:srgbClr val="06287E"/>
-                </a:solidFill>
-                <a:latin typeface="Courier"/>
-              </a:rPr>
-              <a:t>arima.sim</a:t>
-            </a:r>
-            <a:r>
-              <a:rPr>
-                <a:latin typeface="Courier"/>
-              </a:rPr>
-              <a:t>(</a:t>
-            </a:r>
-            <a:r>
-              <a:rPr>
-                <a:solidFill>
-                  <a:srgbClr val="06287E"/>
-                </a:solidFill>
-                <a:latin typeface="Courier"/>
-              </a:rPr>
-              <a:t>list</a:t>
-            </a:r>
-            <a:r>
-              <a:rPr>
-                <a:latin typeface="Courier"/>
-              </a:rPr>
-              <a:t>(</a:t>
-            </a:r>
-            <a:r>
-              <a:rPr>
-                <a:solidFill>
-                  <a:srgbClr val="7D9029"/>
-                </a:solidFill>
-                <a:latin typeface="Courier"/>
-              </a:rPr>
-              <a:t>order =</a:t>
-            </a:r>
-            <a:r>
-              <a:rPr>
-                <a:latin typeface="Courier"/>
-              </a:rPr>
-              <a:t> </a:t>
-            </a:r>
-            <a:r>
-              <a:rPr>
-                <a:solidFill>
-                  <a:srgbClr val="06287E"/>
-                </a:solidFill>
-                <a:latin typeface="Courier"/>
-              </a:rPr>
-              <a:t>c</a:t>
-            </a:r>
-            <a:r>
-              <a:rPr>
-                <a:latin typeface="Courier"/>
-              </a:rPr>
-              <a:t>(</a:t>
-            </a:r>
-            <a:r>
-              <a:rPr>
-                <a:solidFill>
-                  <a:srgbClr val="40A070"/>
-                </a:solidFill>
-                <a:latin typeface="Courier"/>
-              </a:rPr>
-              <a:t>0</a:t>
-            </a:r>
-            <a:r>
-              <a:rPr>
-                <a:latin typeface="Courier"/>
-              </a:rPr>
-              <a:t>,</a:t>
-            </a:r>
-            <a:r>
-              <a:rPr>
-                <a:solidFill>
-                  <a:srgbClr val="40A070"/>
-                </a:solidFill>
-                <a:latin typeface="Courier"/>
-              </a:rPr>
-              <a:t>1</a:t>
-            </a:r>
-            <a:r>
-              <a:rPr>
-                <a:latin typeface="Courier"/>
-              </a:rPr>
-              <a:t>,</a:t>
-            </a:r>
-            <a:r>
-              <a:rPr>
-                <a:solidFill>
-                  <a:srgbClr val="40A070"/>
-                </a:solidFill>
-                <a:latin typeface="Courier"/>
-              </a:rPr>
-              <a:t>0</a:t>
-            </a:r>
-            <a:r>
-              <a:rPr>
-                <a:latin typeface="Courier"/>
-              </a:rPr>
-              <a:t>)), </a:t>
-            </a:r>
-            <a:r>
-              <a:rPr>
-                <a:solidFill>
-                  <a:srgbClr val="7D9029"/>
-                </a:solidFill>
-                <a:latin typeface="Courier"/>
-              </a:rPr>
-              <a:t>n =</a:t>
-            </a:r>
-            <a:r>
-              <a:rPr>
-                <a:latin typeface="Courier"/>
-              </a:rPr>
-              <a:t> </a:t>
-            </a:r>
-            <a:r>
-              <a:rPr>
-                <a:solidFill>
-                  <a:srgbClr val="40A070"/>
-                </a:solidFill>
-                <a:latin typeface="Courier"/>
-              </a:rPr>
-              <a:t>200</a:t>
-            </a:r>
-            <a:r>
-              <a:rPr>
-                <a:latin typeface="Courier"/>
-              </a:rPr>
-              <a:t>, </a:t>
-            </a:r>
-            <a:r>
-              <a:rPr>
-                <a:solidFill>
-                  <a:srgbClr val="7D9029"/>
-                </a:solidFill>
-                <a:latin typeface="Courier"/>
-              </a:rPr>
-              <a:t>sd=</a:t>
-            </a:r>
-            <a:r>
-              <a:rPr>
-                <a:solidFill>
-                  <a:srgbClr val="40A070"/>
-                </a:solidFill>
-                <a:latin typeface="Courier"/>
-              </a:rPr>
-              <a:t>4</a:t>
-            </a:r>
-            <a:r>
-              <a:rPr>
-                <a:latin typeface="Courier"/>
-              </a:rPr>
-              <a:t>, </a:t>
-            </a:r>
-            <a:r>
-              <a:rPr>
-                <a:solidFill>
-                  <a:srgbClr val="7D9029"/>
-                </a:solidFill>
-                <a:latin typeface="Courier"/>
-              </a:rPr>
-              <a:t>mean=</a:t>
-            </a:r>
-            <a:r>
-              <a:rPr>
-                <a:solidFill>
-                  <a:srgbClr val="40A070"/>
-                </a:solidFill>
-                <a:latin typeface="Courier"/>
-              </a:rPr>
-              <a:t>2</a:t>
-            </a:r>
-            <a:r>
-              <a:rPr>
-                <a:latin typeface="Courier"/>
-              </a:rPr>
-              <a:t>)</a:t>
-            </a:r>
-          </a:p>
-        </p:txBody>
-      </p:sp>
-    </p:spTree>
-  </p:cSld>
-</p:sld>
-</file>
-
-<file path=ppt/slides/slide24.xml><?xml version="1.0" encoding="utf-8"?>
-<p:sld xmlns:a="http://schemas.openxmlformats.org/drawingml/2006/main" xmlns:r="http://schemas.openxmlformats.org/officeDocument/2006/relationships" xmlns:p="http://schemas.openxmlformats.org/presentationml/2006/main">
-  <p:cSld>
-    <p:spTree>
-      <p:nvGrpSpPr>
-        <p:cNvPr id="1" name=""/>
-        <p:cNvGrpSpPr/>
-        <p:nvPr/>
-      </p:nvGrpSpPr>
-      <p:grpSpPr>
-        <a:xfrm>
-          <a:off x="0" y="0"/>
-          <a:ext cx="0" cy="0"/>
-          <a:chOff x="0" y="0"/>
-          <a:chExt cx="0" cy="0"/>
-        </a:xfrm>
-      </p:grpSpPr>
-      <p:sp>
-        <p:nvSpPr>
-          <p:cNvPr id="2" name="Title 1"/>
-          <p:cNvSpPr>
-            <a:spLocks noGrp="1"/>
-          </p:cNvSpPr>
-          <p:nvPr>
-            <p:ph type="title"/>
-          </p:nvPr>
-        </p:nvSpPr>
-        <p:spPr/>
-        <p:txBody>
-          <a:bodyPr/>
-          <a:lstStyle/>
-          <a:p>
-            <a:pPr lvl="0" marL="0" indent="0">
-              <a:buNone/>
-            </a:pPr>
-            <a:r>
-              <a:rPr/>
-              <a:t>Simulate</a:t>
-            </a:r>
-            <a:r>
-              <a:rPr/>
-              <a:t> </a:t>
-            </a:r>
-            <a:r>
-              <a:rPr/>
-              <a:t>non-stationary</a:t>
-            </a:r>
-            <a:r>
-              <a:rPr/>
-              <a:t> </a:t>
-            </a:r>
-            <a:r>
-              <a:rPr/>
-              <a:t>response</a:t>
-            </a:r>
-          </a:p>
-        </p:txBody>
-      </p:sp>
-      <mc:AlternateContent xmlns:mc="http://schemas.openxmlformats.org/markup-compatibility/2006">
-        <mc:Choice xmlns:a14="http://schemas.microsoft.com/office/drawing/2010/main" Requires="a14">
-          <p:sp>
-            <p:nvSpPr>
-              <p:cNvPr id="3" name="Content Placeholder 2"/>
-              <p:cNvSpPr>
-                <a:spLocks noGrp="1"/>
-              </p:cNvSpPr>
-              <p:nvPr>
-                <p:ph idx="1"/>
-              </p:nvPr>
-            </p:nvSpPr>
-            <p:spPr/>
-            <p:txBody>
-              <a:bodyPr/>
-              <a:lstStyle/>
-              <a:p>
-                <a:pPr lvl="1"/>
-                <a:r>
-                  <a:rPr/>
-                  <a:t>Suppose </a:t>
+                  <a:t>The data generating process (dgp) for time series is often non-stationary. For example, </a:t>
                 </a:r>
                 <a14:m>
                   <m:oMath xmlns:m="http://schemas.openxmlformats.org/officeDocument/2006/math">
@@ -9671,19 +8677,31 @@
                 </a14:m>
                 <a:r>
                   <a:rPr/>
-                  <a:t> is a random walk and does </a:t>
+                  <a:t> and </a:t>
                 </a:r>
-                <a:r>
-                  <a:rPr b="1"/>
-                  <a:t>not</a:t>
-                </a:r>
+                <a14:m>
+                  <m:oMath xmlns:m="http://schemas.openxmlformats.org/officeDocument/2006/math">
+                    <m:sSub>
+                      <m:e>
+                        <m:r>
+                          <m:t>w</m:t>
+                        </m:r>
+                      </m:e>
+                      <m:sub>
+                        <m:r>
+                          <m:t>t</m:t>
+                        </m:r>
+                      </m:sub>
+                    </m:sSub>
+                  </m:oMath>
+                </a14:m>
                 <a:r>
                   <a:rPr/>
-                  <a:t> depend on any predictors</a:t>
+                  <a:t> are independent random walks:</a:t>
                 </a:r>
               </a:p>
               <a:p>
-                <a:pPr lvl="0" marL="0" indent="0">
+                <a:pPr lvl="0" indent="0" marL="0">
                   <a:buNone/>
                 </a:pPr>
                 <a14:m>
@@ -9754,7 +8772,1188 @@
                 </a14:m>
               </a:p>
               <a:p>
-                <a:pPr lvl="0" marL="0" indent="0">
+                <a:pPr lvl="0" indent="0" marL="0">
+                  <a:buNone/>
+                </a:pPr>
+                <a14:m>
+                  <m:oMathPara xmlns:m="http://schemas.openxmlformats.org/officeDocument/2006/math">
+                    <m:oMathParaPr>
+                      <m:jc m:val="center"/>
+                    </m:oMathParaPr>
+                    <m:oMath>
+                      <m:sSub>
+                        <m:e>
+                          <m:r>
+                            <m:t>v</m:t>
+                          </m:r>
+                        </m:e>
+                        <m:sub>
+                          <m:r>
+                            <m:t>t</m:t>
+                          </m:r>
+                        </m:sub>
+                      </m:sSub>
+                      <m:r>
+                        <m:rPr>
+                          <m:sty m:val="p"/>
+                        </m:rPr>
+                        <m:t>∼</m:t>
+                      </m:r>
+                      <m:r>
+                        <m:rPr>
+                          <m:sty m:val="p"/>
+                          <m:scr m:val="script"/>
+                        </m:rPr>
+                        <m:t>N</m:t>
+                      </m:r>
+                      <m:d>
+                        <m:dPr>
+                          <m:begChr m:val="("/>
+                          <m:endChr m:val=")"/>
+                          <m:sepChr m:val=""/>
+                          <m:grow/>
+                        </m:dPr>
+                        <m:e>
+                          <m:r>
+                            <m:t>0</m:t>
+                          </m:r>
+                          <m:r>
+                            <m:rPr>
+                              <m:sty m:val="p"/>
+                            </m:rPr>
+                            <m:t>,</m:t>
+                          </m:r>
+                          <m:sSubSup>
+                            <m:e>
+                              <m:r>
+                                <m:t>σ</m:t>
+                              </m:r>
+                            </m:e>
+                            <m:sub>
+                              <m:r>
+                                <m:t>v</m:t>
+                              </m:r>
+                            </m:sub>
+                            <m:sup>
+                              <m:r>
+                                <m:t>2</m:t>
+                              </m:r>
+                            </m:sup>
+                          </m:sSubSup>
+                        </m:e>
+                      </m:d>
+                    </m:oMath>
+                  </m:oMathPara>
+                </a14:m>
+              </a:p>
+              <a:p>
+                <a:pPr lvl="0" indent="0" marL="0">
+                  <a:buNone/>
+                </a:pPr>
+                <a14:m>
+                  <m:oMathPara xmlns:m="http://schemas.openxmlformats.org/officeDocument/2006/math">
+                    <m:oMathParaPr>
+                      <m:jc m:val="center"/>
+                    </m:oMathParaPr>
+                    <m:oMath>
+                      <m:sSub>
+                        <m:e>
+                          <m:r>
+                            <m:t>w</m:t>
+                          </m:r>
+                        </m:e>
+                        <m:sub>
+                          <m:r>
+                            <m:t>t</m:t>
+                          </m:r>
+                        </m:sub>
+                      </m:sSub>
+                      <m:r>
+                        <m:rPr>
+                          <m:sty m:val="p"/>
+                        </m:rPr>
+                        <m:t>=</m:t>
+                      </m:r>
+                      <m:sSub>
+                        <m:e>
+                          <m:r>
+                            <m:t>w</m:t>
+                          </m:r>
+                        </m:e>
+                        <m:sub>
+                          <m:r>
+                            <m:t>t</m:t>
+                          </m:r>
+                          <m:r>
+                            <m:rPr>
+                              <m:sty m:val="p"/>
+                            </m:rPr>
+                            <m:t>−</m:t>
+                          </m:r>
+                          <m:r>
+                            <m:t>1</m:t>
+                          </m:r>
+                        </m:sub>
+                      </m:sSub>
+                      <m:r>
+                        <m:rPr>
+                          <m:sty m:val="p"/>
+                        </m:rPr>
+                        <m:t>+</m:t>
+                      </m:r>
+                      <m:sSub>
+                        <m:e>
+                          <m:r>
+                            <m:t>e</m:t>
+                          </m:r>
+                        </m:e>
+                        <m:sub>
+                          <m:r>
+                            <m:t>t</m:t>
+                          </m:r>
+                        </m:sub>
+                      </m:sSub>
+                    </m:oMath>
+                  </m:oMathPara>
+                </a14:m>
+              </a:p>
+              <a:p>
+                <a:pPr lvl="0" indent="0" marL="0">
+                  <a:buNone/>
+                </a:pPr>
+                <a14:m>
+                  <m:oMathPara xmlns:m="http://schemas.openxmlformats.org/officeDocument/2006/math">
+                    <m:oMathParaPr>
+                      <m:jc m:val="center"/>
+                    </m:oMathParaPr>
+                    <m:oMath>
+                      <m:sSub>
+                        <m:e>
+                          <m:r>
+                            <m:t>e</m:t>
+                          </m:r>
+                        </m:e>
+                        <m:sub>
+                          <m:r>
+                            <m:t>t</m:t>
+                          </m:r>
+                        </m:sub>
+                      </m:sSub>
+                      <m:r>
+                        <m:rPr>
+                          <m:sty m:val="p"/>
+                        </m:rPr>
+                        <m:t>∼</m:t>
+                      </m:r>
+                      <m:r>
+                        <m:rPr>
+                          <m:sty m:val="p"/>
+                          <m:scr m:val="script"/>
+                        </m:rPr>
+                        <m:t>N</m:t>
+                      </m:r>
+                      <m:d>
+                        <m:dPr>
+                          <m:begChr m:val="("/>
+                          <m:endChr m:val=")"/>
+                          <m:sepChr m:val=""/>
+                          <m:grow/>
+                        </m:dPr>
+                        <m:e>
+                          <m:r>
+                            <m:t>c</m:t>
+                          </m:r>
+                          <m:r>
+                            <m:rPr>
+                              <m:sty m:val="p"/>
+                            </m:rPr>
+                            <m:t>,</m:t>
+                          </m:r>
+                          <m:sSubSup>
+                            <m:e>
+                              <m:r>
+                                <m:t>σ</m:t>
+                              </m:r>
+                            </m:e>
+                            <m:sub>
+                              <m:r>
+                                <m:t>e</m:t>
+                              </m:r>
+                            </m:sub>
+                            <m:sup>
+                              <m:r>
+                                <m:t>2</m:t>
+                              </m:r>
+                            </m:sup>
+                          </m:sSubSup>
+                        </m:e>
+                      </m:d>
+                    </m:oMath>
+                  </m:oMathPara>
+                </a14:m>
+              </a:p>
+              <a:p>
+                <a:pPr lvl="0" indent="0" marL="0">
+                  <a:buNone/>
+                </a:pPr>
+              </a:p>
+              <a:p>
+                <a:pPr lvl="0"/>
+                <a:r>
+                  <a:rPr/>
+                  <a:t>When the response and predictors are non-stationary, OLS and GLS could be biased and inconsistent (i.e., spurious) – except in the case of cointegration</a:t>
+                </a:r>
+              </a:p>
+              <a:p>
+                <a:pPr lvl="0"/>
+                <a:r>
+                  <a:rPr/>
+                  <a:t>Non-stationary errors adversely affect </a:t>
+                </a:r>
+                <a:r>
+                  <a:rPr i="1"/>
+                  <a:t>both</a:t>
+                </a:r>
+                <a:r>
+                  <a:rPr/>
+                  <a:t> prediction and inference (while serially correlated errors affect only inference)</a:t>
+                </a:r>
+              </a:p>
+            </p:txBody>
+          </p:sp>
+        </mc:Choice>
+      </mc:AlternateContent>
+      <p:sp>
+        <p:nvSpPr>
+          <p:cNvPr id="4" name="Date Placeholder 3"/>
+          <p:cNvSpPr>
+            <a:spLocks noGrp="1"/>
+          </p:cNvSpPr>
+          <p:nvPr>
+            <p:ph idx="10" sz="half" type="dt"/>
+          </p:nvPr>
+        </p:nvSpPr>
+        <p:spPr/>
+        <p:txBody>
+          <a:bodyPr/>
+          <a:lstStyle/>
+          <a:p>
+            <a:fld id="{78D1BCE1-314F-5145-B548-25B12CA3616C}" type="datetime4">
+              <a:rPr lang="en-US" smtClean="0"/>
+              <a:t>2/23/2022</a:t>
+            </a:fld>
+            <a:endParaRPr dirty="0" lang="en-US"/>
+          </a:p>
+        </p:txBody>
+      </p:sp>
+    </p:spTree>
+  </p:cSld>
+</p:sld>
+</file>
+
+<file path=ppt/slides/slide23.xml><?xml version="1.0" encoding="utf-8"?>
+<p:sld xmlns:a="http://schemas.openxmlformats.org/drawingml/2006/main" xmlns:r="http://schemas.openxmlformats.org/officeDocument/2006/relationships" xmlns:p="http://schemas.openxmlformats.org/presentationml/2006/main">
+  <p:cSld>
+    <p:spTree>
+      <p:nvGrpSpPr>
+        <p:cNvPr id="1" name=""/>
+        <p:cNvGrpSpPr/>
+        <p:nvPr/>
+      </p:nvGrpSpPr>
+      <p:grpSpPr>
+        <a:xfrm>
+          <a:off x="0" y="0"/>
+          <a:ext cx="0" cy="0"/>
+          <a:chOff x="0" y="0"/>
+          <a:chExt cx="0" cy="0"/>
+        </a:xfrm>
+      </p:grpSpPr>
+      <p:sp>
+        <p:nvSpPr>
+          <p:cNvPr id="2" name="Title 1"/>
+          <p:cNvSpPr>
+            <a:spLocks noGrp="1"/>
+          </p:cNvSpPr>
+          <p:nvPr>
+            <p:ph type="title"/>
+          </p:nvPr>
+        </p:nvSpPr>
+        <p:spPr/>
+        <p:txBody>
+          <a:bodyPr/>
+          <a:lstStyle/>
+          <a:p>
+            <a:pPr lvl="0" indent="0" marL="0">
+              <a:buNone/>
+            </a:pPr>
+            <a:r>
+              <a:rPr/>
+              <a:t>Simulate non-stationary predictors</a:t>
+            </a:r>
+          </a:p>
+        </p:txBody>
+      </p:sp>
+      <p:sp>
+        <p:nvSpPr>
+          <p:cNvPr id="3" name="Content Placeholder 2"/>
+          <p:cNvSpPr>
+            <a:spLocks noGrp="1"/>
+          </p:cNvSpPr>
+          <p:nvPr>
+            <p:ph idx="1"/>
+          </p:nvPr>
+        </p:nvSpPr>
+        <p:spPr/>
+        <p:txBody>
+          <a:bodyPr/>
+          <a:lstStyle/>
+          <a:p>
+            <a:pPr lvl="0" indent="0">
+              <a:buNone/>
+            </a:pPr>
+            <a:r>
+              <a:rPr>
+                <a:solidFill>
+                  <a:srgbClr val="06287E"/>
+                </a:solidFill>
+                <a:latin typeface="Courier"/>
+              </a:rPr>
+              <a:t>set.seed</a:t>
+            </a:r>
+            <a:r>
+              <a:rPr>
+                <a:latin typeface="Courier"/>
+              </a:rPr>
+              <a:t>(</a:t>
+            </a:r>
+            <a:r>
+              <a:rPr>
+                <a:solidFill>
+                  <a:srgbClr val="40A070"/>
+                </a:solidFill>
+                <a:latin typeface="Courier"/>
+              </a:rPr>
+              <a:t>2013</a:t>
+            </a:r>
+            <a:r>
+              <a:rPr>
+                <a:latin typeface="Courier"/>
+              </a:rPr>
+              <a:t>) </a:t>
+            </a:r>
+            <a:br/>
+            <a:br/>
+            <a:r>
+              <a:rPr>
+                <a:latin typeface="Courier"/>
+              </a:rPr>
+              <a:t>w1 </a:t>
+            </a:r>
+            <a:r>
+              <a:rPr>
+                <a:solidFill>
+                  <a:srgbClr val="007020"/>
+                </a:solidFill>
+                <a:latin typeface="Courier"/>
+              </a:rPr>
+              <a:t>&lt;-</a:t>
+            </a:r>
+            <a:r>
+              <a:rPr>
+                <a:latin typeface="Courier"/>
+              </a:rPr>
+              <a:t> </a:t>
+            </a:r>
+            <a:r>
+              <a:rPr>
+                <a:solidFill>
+                  <a:srgbClr val="06287E"/>
+                </a:solidFill>
+                <a:latin typeface="Courier"/>
+              </a:rPr>
+              <a:t>arima.sim</a:t>
+            </a:r>
+            <a:r>
+              <a:rPr>
+                <a:latin typeface="Courier"/>
+              </a:rPr>
+              <a:t>(</a:t>
+            </a:r>
+            <a:r>
+              <a:rPr>
+                <a:solidFill>
+                  <a:srgbClr val="06287E"/>
+                </a:solidFill>
+                <a:latin typeface="Courier"/>
+              </a:rPr>
+              <a:t>list</a:t>
+            </a:r>
+            <a:r>
+              <a:rPr>
+                <a:latin typeface="Courier"/>
+              </a:rPr>
+              <a:t>(</a:t>
+            </a:r>
+            <a:r>
+              <a:rPr>
+                <a:solidFill>
+                  <a:srgbClr val="7D9029"/>
+                </a:solidFill>
+                <a:latin typeface="Courier"/>
+              </a:rPr>
+              <a:t>order =</a:t>
+            </a:r>
+            <a:r>
+              <a:rPr>
+                <a:latin typeface="Courier"/>
+              </a:rPr>
+              <a:t> </a:t>
+            </a:r>
+            <a:r>
+              <a:rPr>
+                <a:solidFill>
+                  <a:srgbClr val="06287E"/>
+                </a:solidFill>
+                <a:latin typeface="Courier"/>
+              </a:rPr>
+              <a:t>c</a:t>
+            </a:r>
+            <a:r>
+              <a:rPr>
+                <a:latin typeface="Courier"/>
+              </a:rPr>
+              <a:t>(</a:t>
+            </a:r>
+            <a:r>
+              <a:rPr>
+                <a:solidFill>
+                  <a:srgbClr val="40A070"/>
+                </a:solidFill>
+                <a:latin typeface="Courier"/>
+              </a:rPr>
+              <a:t>0</a:t>
+            </a:r>
+            <a:r>
+              <a:rPr>
+                <a:latin typeface="Courier"/>
+              </a:rPr>
+              <a:t>,</a:t>
+            </a:r>
+            <a:r>
+              <a:rPr>
+                <a:solidFill>
+                  <a:srgbClr val="40A070"/>
+                </a:solidFill>
+                <a:latin typeface="Courier"/>
+              </a:rPr>
+              <a:t>1</a:t>
+            </a:r>
+            <a:r>
+              <a:rPr>
+                <a:latin typeface="Courier"/>
+              </a:rPr>
+              <a:t>,</a:t>
+            </a:r>
+            <a:r>
+              <a:rPr>
+                <a:solidFill>
+                  <a:srgbClr val="40A070"/>
+                </a:solidFill>
+                <a:latin typeface="Courier"/>
+              </a:rPr>
+              <a:t>0</a:t>
+            </a:r>
+            <a:r>
+              <a:rPr>
+                <a:latin typeface="Courier"/>
+              </a:rPr>
+              <a:t>)), </a:t>
+            </a:r>
+            <a:r>
+              <a:rPr>
+                <a:solidFill>
+                  <a:srgbClr val="7D9029"/>
+                </a:solidFill>
+                <a:latin typeface="Courier"/>
+              </a:rPr>
+              <a:t>n =</a:t>
+            </a:r>
+            <a:r>
+              <a:rPr>
+                <a:latin typeface="Courier"/>
+              </a:rPr>
+              <a:t> </a:t>
+            </a:r>
+            <a:r>
+              <a:rPr>
+                <a:solidFill>
+                  <a:srgbClr val="40A070"/>
+                </a:solidFill>
+                <a:latin typeface="Courier"/>
+              </a:rPr>
+              <a:t>200</a:t>
+            </a:r>
+            <a:r>
+              <a:rPr>
+                <a:latin typeface="Courier"/>
+              </a:rPr>
+              <a:t>, </a:t>
+            </a:r>
+            <a:r>
+              <a:rPr>
+                <a:solidFill>
+                  <a:srgbClr val="7D9029"/>
+                </a:solidFill>
+                <a:latin typeface="Courier"/>
+              </a:rPr>
+              <a:t>sd=</a:t>
+            </a:r>
+            <a:r>
+              <a:rPr>
+                <a:solidFill>
+                  <a:srgbClr val="40A070"/>
+                </a:solidFill>
+                <a:latin typeface="Courier"/>
+              </a:rPr>
+              <a:t>2</a:t>
+            </a:r>
+            <a:r>
+              <a:rPr>
+                <a:latin typeface="Courier"/>
+              </a:rPr>
+              <a:t>, </a:t>
+            </a:r>
+            <a:r>
+              <a:rPr>
+                <a:solidFill>
+                  <a:srgbClr val="7D9029"/>
+                </a:solidFill>
+                <a:latin typeface="Courier"/>
+              </a:rPr>
+              <a:t>mean=</a:t>
+            </a:r>
+            <a:r>
+              <a:rPr>
+                <a:solidFill>
+                  <a:srgbClr val="40A070"/>
+                </a:solidFill>
+                <a:latin typeface="Courier"/>
+              </a:rPr>
+              <a:t>2</a:t>
+            </a:r>
+            <a:r>
+              <a:rPr>
+                <a:latin typeface="Courier"/>
+              </a:rPr>
+              <a:t>)</a:t>
+            </a:r>
+            <a:br/>
+            <a:r>
+              <a:rPr>
+                <a:latin typeface="Courier"/>
+              </a:rPr>
+              <a:t>w2 </a:t>
+            </a:r>
+            <a:r>
+              <a:rPr>
+                <a:solidFill>
+                  <a:srgbClr val="007020"/>
+                </a:solidFill>
+                <a:latin typeface="Courier"/>
+              </a:rPr>
+              <a:t>&lt;-</a:t>
+            </a:r>
+            <a:r>
+              <a:rPr>
+                <a:latin typeface="Courier"/>
+              </a:rPr>
+              <a:t> </a:t>
+            </a:r>
+            <a:r>
+              <a:rPr>
+                <a:solidFill>
+                  <a:srgbClr val="06287E"/>
+                </a:solidFill>
+                <a:latin typeface="Courier"/>
+              </a:rPr>
+              <a:t>arima.sim</a:t>
+            </a:r>
+            <a:r>
+              <a:rPr>
+                <a:latin typeface="Courier"/>
+              </a:rPr>
+              <a:t>(</a:t>
+            </a:r>
+            <a:r>
+              <a:rPr>
+                <a:solidFill>
+                  <a:srgbClr val="06287E"/>
+                </a:solidFill>
+                <a:latin typeface="Courier"/>
+              </a:rPr>
+              <a:t>list</a:t>
+            </a:r>
+            <a:r>
+              <a:rPr>
+                <a:latin typeface="Courier"/>
+              </a:rPr>
+              <a:t>(</a:t>
+            </a:r>
+            <a:r>
+              <a:rPr>
+                <a:solidFill>
+                  <a:srgbClr val="7D9029"/>
+                </a:solidFill>
+                <a:latin typeface="Courier"/>
+              </a:rPr>
+              <a:t>order =</a:t>
+            </a:r>
+            <a:r>
+              <a:rPr>
+                <a:latin typeface="Courier"/>
+              </a:rPr>
+              <a:t> </a:t>
+            </a:r>
+            <a:r>
+              <a:rPr>
+                <a:solidFill>
+                  <a:srgbClr val="06287E"/>
+                </a:solidFill>
+                <a:latin typeface="Courier"/>
+              </a:rPr>
+              <a:t>c</a:t>
+            </a:r>
+            <a:r>
+              <a:rPr>
+                <a:latin typeface="Courier"/>
+              </a:rPr>
+              <a:t>(</a:t>
+            </a:r>
+            <a:r>
+              <a:rPr>
+                <a:solidFill>
+                  <a:srgbClr val="40A070"/>
+                </a:solidFill>
+                <a:latin typeface="Courier"/>
+              </a:rPr>
+              <a:t>0</a:t>
+            </a:r>
+            <a:r>
+              <a:rPr>
+                <a:latin typeface="Courier"/>
+              </a:rPr>
+              <a:t>,</a:t>
+            </a:r>
+            <a:r>
+              <a:rPr>
+                <a:solidFill>
+                  <a:srgbClr val="40A070"/>
+                </a:solidFill>
+                <a:latin typeface="Courier"/>
+              </a:rPr>
+              <a:t>1</a:t>
+            </a:r>
+            <a:r>
+              <a:rPr>
+                <a:latin typeface="Courier"/>
+              </a:rPr>
+              <a:t>,</a:t>
+            </a:r>
+            <a:r>
+              <a:rPr>
+                <a:solidFill>
+                  <a:srgbClr val="40A070"/>
+                </a:solidFill>
+                <a:latin typeface="Courier"/>
+              </a:rPr>
+              <a:t>0</a:t>
+            </a:r>
+            <a:r>
+              <a:rPr>
+                <a:latin typeface="Courier"/>
+              </a:rPr>
+              <a:t>)), </a:t>
+            </a:r>
+            <a:r>
+              <a:rPr>
+                <a:solidFill>
+                  <a:srgbClr val="7D9029"/>
+                </a:solidFill>
+                <a:latin typeface="Courier"/>
+              </a:rPr>
+              <a:t>n =</a:t>
+            </a:r>
+            <a:r>
+              <a:rPr>
+                <a:latin typeface="Courier"/>
+              </a:rPr>
+              <a:t> </a:t>
+            </a:r>
+            <a:r>
+              <a:rPr>
+                <a:solidFill>
+                  <a:srgbClr val="40A070"/>
+                </a:solidFill>
+                <a:latin typeface="Courier"/>
+              </a:rPr>
+              <a:t>200</a:t>
+            </a:r>
+            <a:r>
+              <a:rPr>
+                <a:latin typeface="Courier"/>
+              </a:rPr>
+              <a:t>, </a:t>
+            </a:r>
+            <a:r>
+              <a:rPr>
+                <a:solidFill>
+                  <a:srgbClr val="7D9029"/>
+                </a:solidFill>
+                <a:latin typeface="Courier"/>
+              </a:rPr>
+              <a:t>sd=</a:t>
+            </a:r>
+            <a:r>
+              <a:rPr>
+                <a:solidFill>
+                  <a:srgbClr val="40A070"/>
+                </a:solidFill>
+                <a:latin typeface="Courier"/>
+              </a:rPr>
+              <a:t>3</a:t>
+            </a:r>
+            <a:r>
+              <a:rPr>
+                <a:latin typeface="Courier"/>
+              </a:rPr>
+              <a:t>, </a:t>
+            </a:r>
+            <a:r>
+              <a:rPr>
+                <a:solidFill>
+                  <a:srgbClr val="7D9029"/>
+                </a:solidFill>
+                <a:latin typeface="Courier"/>
+              </a:rPr>
+              <a:t>mean=</a:t>
+            </a:r>
+            <a:r>
+              <a:rPr>
+                <a:solidFill>
+                  <a:srgbClr val="40A070"/>
+                </a:solidFill>
+                <a:latin typeface="Courier"/>
+              </a:rPr>
+              <a:t>2</a:t>
+            </a:r>
+            <a:r>
+              <a:rPr>
+                <a:latin typeface="Courier"/>
+              </a:rPr>
+              <a:t>)</a:t>
+            </a:r>
+            <a:br/>
+            <a:r>
+              <a:rPr>
+                <a:latin typeface="Courier"/>
+              </a:rPr>
+              <a:t>w3 </a:t>
+            </a:r>
+            <a:r>
+              <a:rPr>
+                <a:solidFill>
+                  <a:srgbClr val="007020"/>
+                </a:solidFill>
+                <a:latin typeface="Courier"/>
+              </a:rPr>
+              <a:t>&lt;-</a:t>
+            </a:r>
+            <a:r>
+              <a:rPr>
+                <a:latin typeface="Courier"/>
+              </a:rPr>
+              <a:t> </a:t>
+            </a:r>
+            <a:r>
+              <a:rPr>
+                <a:solidFill>
+                  <a:srgbClr val="06287E"/>
+                </a:solidFill>
+                <a:latin typeface="Courier"/>
+              </a:rPr>
+              <a:t>arima.sim</a:t>
+            </a:r>
+            <a:r>
+              <a:rPr>
+                <a:latin typeface="Courier"/>
+              </a:rPr>
+              <a:t>(</a:t>
+            </a:r>
+            <a:r>
+              <a:rPr>
+                <a:solidFill>
+                  <a:srgbClr val="06287E"/>
+                </a:solidFill>
+                <a:latin typeface="Courier"/>
+              </a:rPr>
+              <a:t>list</a:t>
+            </a:r>
+            <a:r>
+              <a:rPr>
+                <a:latin typeface="Courier"/>
+              </a:rPr>
+              <a:t>(</a:t>
+            </a:r>
+            <a:r>
+              <a:rPr>
+                <a:solidFill>
+                  <a:srgbClr val="7D9029"/>
+                </a:solidFill>
+                <a:latin typeface="Courier"/>
+              </a:rPr>
+              <a:t>order =</a:t>
+            </a:r>
+            <a:r>
+              <a:rPr>
+                <a:latin typeface="Courier"/>
+              </a:rPr>
+              <a:t> </a:t>
+            </a:r>
+            <a:r>
+              <a:rPr>
+                <a:solidFill>
+                  <a:srgbClr val="06287E"/>
+                </a:solidFill>
+                <a:latin typeface="Courier"/>
+              </a:rPr>
+              <a:t>c</a:t>
+            </a:r>
+            <a:r>
+              <a:rPr>
+                <a:latin typeface="Courier"/>
+              </a:rPr>
+              <a:t>(</a:t>
+            </a:r>
+            <a:r>
+              <a:rPr>
+                <a:solidFill>
+                  <a:srgbClr val="40A070"/>
+                </a:solidFill>
+                <a:latin typeface="Courier"/>
+              </a:rPr>
+              <a:t>0</a:t>
+            </a:r>
+            <a:r>
+              <a:rPr>
+                <a:latin typeface="Courier"/>
+              </a:rPr>
+              <a:t>,</a:t>
+            </a:r>
+            <a:r>
+              <a:rPr>
+                <a:solidFill>
+                  <a:srgbClr val="40A070"/>
+                </a:solidFill>
+                <a:latin typeface="Courier"/>
+              </a:rPr>
+              <a:t>1</a:t>
+            </a:r>
+            <a:r>
+              <a:rPr>
+                <a:latin typeface="Courier"/>
+              </a:rPr>
+              <a:t>,</a:t>
+            </a:r>
+            <a:r>
+              <a:rPr>
+                <a:solidFill>
+                  <a:srgbClr val="40A070"/>
+                </a:solidFill>
+                <a:latin typeface="Courier"/>
+              </a:rPr>
+              <a:t>0</a:t>
+            </a:r>
+            <a:r>
+              <a:rPr>
+                <a:latin typeface="Courier"/>
+              </a:rPr>
+              <a:t>)), </a:t>
+            </a:r>
+            <a:r>
+              <a:rPr>
+                <a:solidFill>
+                  <a:srgbClr val="7D9029"/>
+                </a:solidFill>
+                <a:latin typeface="Courier"/>
+              </a:rPr>
+              <a:t>n =</a:t>
+            </a:r>
+            <a:r>
+              <a:rPr>
+                <a:latin typeface="Courier"/>
+              </a:rPr>
+              <a:t> </a:t>
+            </a:r>
+            <a:r>
+              <a:rPr>
+                <a:solidFill>
+                  <a:srgbClr val="40A070"/>
+                </a:solidFill>
+                <a:latin typeface="Courier"/>
+              </a:rPr>
+              <a:t>200</a:t>
+            </a:r>
+            <a:r>
+              <a:rPr>
+                <a:latin typeface="Courier"/>
+              </a:rPr>
+              <a:t>, </a:t>
+            </a:r>
+            <a:r>
+              <a:rPr>
+                <a:solidFill>
+                  <a:srgbClr val="7D9029"/>
+                </a:solidFill>
+                <a:latin typeface="Courier"/>
+              </a:rPr>
+              <a:t>sd=</a:t>
+            </a:r>
+            <a:r>
+              <a:rPr>
+                <a:solidFill>
+                  <a:srgbClr val="40A070"/>
+                </a:solidFill>
+                <a:latin typeface="Courier"/>
+              </a:rPr>
+              <a:t>4</a:t>
+            </a:r>
+            <a:r>
+              <a:rPr>
+                <a:latin typeface="Courier"/>
+              </a:rPr>
+              <a:t>, </a:t>
+            </a:r>
+            <a:r>
+              <a:rPr>
+                <a:solidFill>
+                  <a:srgbClr val="7D9029"/>
+                </a:solidFill>
+                <a:latin typeface="Courier"/>
+              </a:rPr>
+              <a:t>mean=</a:t>
+            </a:r>
+            <a:r>
+              <a:rPr>
+                <a:solidFill>
+                  <a:srgbClr val="40A070"/>
+                </a:solidFill>
+                <a:latin typeface="Courier"/>
+              </a:rPr>
+              <a:t>2</a:t>
+            </a:r>
+            <a:r>
+              <a:rPr>
+                <a:latin typeface="Courier"/>
+              </a:rPr>
+              <a:t>)</a:t>
+            </a:r>
+          </a:p>
+        </p:txBody>
+      </p:sp>
+      <p:sp>
+        <p:nvSpPr>
+          <p:cNvPr id="4" name="Date Placeholder 3"/>
+          <p:cNvSpPr>
+            <a:spLocks noGrp="1"/>
+          </p:cNvSpPr>
+          <p:nvPr>
+            <p:ph idx="10" sz="half" type="dt"/>
+          </p:nvPr>
+        </p:nvSpPr>
+        <p:spPr/>
+        <p:txBody>
+          <a:bodyPr/>
+          <a:lstStyle/>
+          <a:p>
+            <a:fld id="{78D1BCE1-314F-5145-B548-25B12CA3616C}" type="datetime4">
+              <a:rPr lang="en-US" smtClean="0"/>
+              <a:t>2/23/2022</a:t>
+            </a:fld>
+            <a:endParaRPr dirty="0" lang="en-US"/>
+          </a:p>
+        </p:txBody>
+      </p:sp>
+    </p:spTree>
+  </p:cSld>
+</p:sld>
+</file>
+
+<file path=ppt/slides/slide24.xml><?xml version="1.0" encoding="utf-8"?>
+<p:sld xmlns:a="http://schemas.openxmlformats.org/drawingml/2006/main" xmlns:r="http://schemas.openxmlformats.org/officeDocument/2006/relationships" xmlns:p="http://schemas.openxmlformats.org/presentationml/2006/main">
+  <p:cSld>
+    <p:spTree>
+      <p:nvGrpSpPr>
+        <p:cNvPr id="1" name=""/>
+        <p:cNvGrpSpPr/>
+        <p:nvPr/>
+      </p:nvGrpSpPr>
+      <p:grpSpPr>
+        <a:xfrm>
+          <a:off x="0" y="0"/>
+          <a:ext cx="0" cy="0"/>
+          <a:chOff x="0" y="0"/>
+          <a:chExt cx="0" cy="0"/>
+        </a:xfrm>
+      </p:grpSpPr>
+      <p:sp>
+        <p:nvSpPr>
+          <p:cNvPr id="2" name="Title 1"/>
+          <p:cNvSpPr>
+            <a:spLocks noGrp="1"/>
+          </p:cNvSpPr>
+          <p:nvPr>
+            <p:ph type="title"/>
+          </p:nvPr>
+        </p:nvSpPr>
+        <p:spPr/>
+        <p:txBody>
+          <a:bodyPr/>
+          <a:lstStyle/>
+          <a:p>
+            <a:pPr lvl="0" indent="0" marL="0">
+              <a:buNone/>
+            </a:pPr>
+            <a:r>
+              <a:rPr/>
+              <a:t>Simulate non-stationary response</a:t>
+            </a:r>
+          </a:p>
+        </p:txBody>
+      </p:sp>
+      <mc:AlternateContent xmlns:mc="http://schemas.openxmlformats.org/markup-compatibility/2006">
+        <mc:Choice xmlns:a14="http://schemas.microsoft.com/office/drawing/2010/main" Requires="a14">
+          <p:sp>
+            <p:nvSpPr>
+              <p:cNvPr id="3" name="Content Placeholder 2"/>
+              <p:cNvSpPr>
+                <a:spLocks noGrp="1"/>
+              </p:cNvSpPr>
+              <p:nvPr>
+                <p:ph idx="1"/>
+              </p:nvPr>
+            </p:nvSpPr>
+            <p:spPr/>
+            <p:txBody>
+              <a:bodyPr/>
+              <a:lstStyle/>
+              <a:p>
+                <a:pPr lvl="0"/>
+                <a:r>
+                  <a:rPr/>
+                  <a:t>Suppose </a:t>
+                </a:r>
+                <a14:m>
+                  <m:oMath xmlns:m="http://schemas.openxmlformats.org/officeDocument/2006/math">
+                    <m:sSub>
+                      <m:e>
+                        <m:r>
+                          <m:t>z</m:t>
+                        </m:r>
+                      </m:e>
+                      <m:sub>
+                        <m:r>
+                          <m:t>t</m:t>
+                        </m:r>
+                      </m:sub>
+                    </m:sSub>
+                  </m:oMath>
+                </a14:m>
+                <a:r>
+                  <a:rPr/>
+                  <a:t> is a random walk and does </a:t>
+                </a:r>
+                <a:r>
+                  <a:rPr b="1"/>
+                  <a:t>not</a:t>
+                </a:r>
+                <a:r>
+                  <a:rPr/>
+                  <a:t> depend on any predictors</a:t>
+                </a:r>
+              </a:p>
+              <a:p>
+                <a:pPr lvl="0" indent="0" marL="0">
+                  <a:buNone/>
+                </a:pPr>
+                <a14:m>
+                  <m:oMathPara xmlns:m="http://schemas.openxmlformats.org/officeDocument/2006/math">
+                    <m:oMathParaPr>
+                      <m:jc m:val="center"/>
+                    </m:oMathParaPr>
+                    <m:oMath>
+                      <m:sSub>
+                        <m:e>
+                          <m:r>
+                            <m:t>z</m:t>
+                          </m:r>
+                        </m:e>
+                        <m:sub>
+                          <m:r>
+                            <m:t>t</m:t>
+                          </m:r>
+                        </m:sub>
+                      </m:sSub>
+                      <m:r>
+                        <m:rPr>
+                          <m:sty m:val="p"/>
+                        </m:rPr>
+                        <m:t>=</m:t>
+                      </m:r>
+                      <m:sSub>
+                        <m:e>
+                          <m:r>
+                            <m:t>z</m:t>
+                          </m:r>
+                        </m:e>
+                        <m:sub>
+                          <m:r>
+                            <m:t>t</m:t>
+                          </m:r>
+                          <m:r>
+                            <m:rPr>
+                              <m:sty m:val="p"/>
+                            </m:rPr>
+                            <m:t>−</m:t>
+                          </m:r>
+                          <m:r>
+                            <m:t>1</m:t>
+                          </m:r>
+                        </m:sub>
+                      </m:sSub>
+                      <m:r>
+                        <m:rPr>
+                          <m:sty m:val="p"/>
+                        </m:rPr>
+                        <m:t>+</m:t>
+                      </m:r>
+                      <m:sSub>
+                        <m:e>
+                          <m:r>
+                            <m:t>v</m:t>
+                          </m:r>
+                        </m:e>
+                        <m:sub>
+                          <m:r>
+                            <m:t>t</m:t>
+                          </m:r>
+                        </m:sub>
+                      </m:sSub>
+                    </m:oMath>
+                  </m:oMathPara>
+                </a14:m>
+              </a:p>
+              <a:p>
+                <a:pPr lvl="0" indent="0" marL="0">
                   <a:buNone/>
                 </a:pPr>
                 <a14:m>
@@ -9824,7 +10023,7 @@
                 </a14:m>
               </a:p>
               <a:p>
-                <a:pPr lvl="1"/>
+                <a:pPr lvl="0"/>
                 <a:r>
                   <a:rPr/>
                   <a:t>The predictors </a:t>
@@ -9907,7 +10106,7 @@
                 </a14:m>
               </a:p>
               <a:p>
-                <a:pPr lvl="0" marL="0" indent="0">
+                <a:pPr lvl="0" indent="0" marL="0">
                   <a:buNone/>
                 </a:pPr>
               </a:p>
@@ -10275,6 +10474,29 @@
           </p:sp>
         </mc:Choice>
       </mc:AlternateContent>
+      <p:sp>
+        <p:nvSpPr>
+          <p:cNvPr id="4" name="Date Placeholder 3"/>
+          <p:cNvSpPr>
+            <a:spLocks noGrp="1"/>
+          </p:cNvSpPr>
+          <p:nvPr>
+            <p:ph idx="10" sz="half" type="dt"/>
+          </p:nvPr>
+        </p:nvSpPr>
+        <p:spPr/>
+        <p:txBody>
+          <a:bodyPr/>
+          <a:lstStyle/>
+          <a:p>
+            <a:fld id="{78D1BCE1-314F-5145-B548-25B12CA3616C}" type="datetime4">
+              <a:rPr lang="en-US" smtClean="0"/>
+              <a:t>2/23/2022</a:t>
+            </a:fld>
+            <a:endParaRPr dirty="0" lang="en-US"/>
+          </a:p>
+        </p:txBody>
+      </p:sp>
     </p:spTree>
   </p:cSld>
 </p:sld>
@@ -10312,36 +10534,12 @@
           <a:bodyPr/>
           <a:lstStyle/>
           <a:p>
-            <a:pPr lvl="0" marL="0" indent="0">
+            <a:pPr lvl="0" indent="0" marL="0">
               <a:buNone/>
             </a:pPr>
             <a:r>
               <a:rPr/>
-              <a:t>Plot</a:t>
-            </a:r>
-            <a:r>
-              <a:rPr/>
-              <a:t> </a:t>
-            </a:r>
-            <a:r>
-              <a:rPr/>
-              <a:t>simulated</a:t>
-            </a:r>
-            <a:r>
-              <a:rPr/>
-              <a:t> </a:t>
-            </a:r>
-            <a:r>
-              <a:rPr/>
-              <a:t>data</a:t>
-            </a:r>
-            <a:r>
-              <a:rPr/>
-              <a:t> </a:t>
-            </a:r>
-            <a:r>
-              <a:rPr/>
-              <a:t>(Train)</a:t>
+              <a:t>Plot simulated data (Train)</a:t>
             </a:r>
           </a:p>
         </p:txBody>
@@ -10376,6 +10574,29 @@
           </a:ln>
         </p:spPr>
       </p:pic>
+      <p:sp>
+        <p:nvSpPr>
+          <p:cNvPr id="4" name="Date Placeholder 3"/>
+          <p:cNvSpPr>
+            <a:spLocks noGrp="1"/>
+          </p:cNvSpPr>
+          <p:nvPr>
+            <p:ph idx="10" sz="half" type="dt"/>
+          </p:nvPr>
+        </p:nvSpPr>
+        <p:spPr/>
+        <p:txBody>
+          <a:bodyPr/>
+          <a:lstStyle/>
+          <a:p>
+            <a:fld id="{78D1BCE1-314F-5145-B548-25B12CA3616C}" type="datetime4">
+              <a:rPr lang="en-US" smtClean="0"/>
+              <a:t>2/23/2022</a:t>
+            </a:fld>
+            <a:endParaRPr dirty="0" lang="en-US"/>
+          </a:p>
+        </p:txBody>
+      </p:sp>
     </p:spTree>
   </p:cSld>
 </p:sld>
@@ -10413,44 +10634,12 @@
           <a:bodyPr/>
           <a:lstStyle/>
           <a:p>
-            <a:pPr lvl="0" marL="0" indent="0">
+            <a:pPr lvl="0" indent="0" marL="0">
               <a:buNone/>
             </a:pPr>
             <a:r>
               <a:rPr/>
-              <a:t>Split</a:t>
-            </a:r>
-            <a:r>
-              <a:rPr/>
-              <a:t> </a:t>
-            </a:r>
-            <a:r>
-              <a:rPr/>
-              <a:t>between</a:t>
-            </a:r>
-            <a:r>
-              <a:rPr/>
-              <a:t> </a:t>
-            </a:r>
-            <a:r>
-              <a:rPr/>
-              <a:t>train</a:t>
-            </a:r>
-            <a:r>
-              <a:rPr/>
-              <a:t> </a:t>
-            </a:r>
-            <a:r>
-              <a:rPr/>
-              <a:t>and</a:t>
-            </a:r>
-            <a:r>
-              <a:rPr/>
-              <a:t> </a:t>
-            </a:r>
-            <a:r>
-              <a:rPr/>
-              <a:t>test</a:t>
+              <a:t>Split between train and test</a:t>
             </a:r>
           </a:p>
         </p:txBody>
@@ -10585,6 +10774,29 @@
               </a:rPr>
               <a:t># helps with plotting</a:t>
             </a:r>
+          </a:p>
+        </p:txBody>
+      </p:sp>
+      <p:sp>
+        <p:nvSpPr>
+          <p:cNvPr id="4" name="Date Placeholder 3"/>
+          <p:cNvSpPr>
+            <a:spLocks noGrp="1"/>
+          </p:cNvSpPr>
+          <p:nvPr>
+            <p:ph idx="10" sz="half" type="dt"/>
+          </p:nvPr>
+        </p:nvSpPr>
+        <p:spPr/>
+        <p:txBody>
+          <a:bodyPr/>
+          <a:lstStyle/>
+          <a:p>
+            <a:fld id="{78D1BCE1-314F-5145-B548-25B12CA3616C}" type="datetime4">
+              <a:rPr lang="en-US" smtClean="0"/>
+              <a:t>2/23/2022</a:t>
+            </a:fld>
+            <a:endParaRPr dirty="0" lang="en-US"/>
           </a:p>
         </p:txBody>
       </p:sp>
@@ -10625,36 +10837,12 @@
           <a:bodyPr/>
           <a:lstStyle/>
           <a:p>
-            <a:pPr lvl="0" marL="0" indent="0">
+            <a:pPr lvl="0" indent="0" marL="0">
               <a:buNone/>
             </a:pPr>
             <a:r>
               <a:rPr/>
-              <a:t>OLS</a:t>
-            </a:r>
-            <a:r>
-              <a:rPr/>
-              <a:t> </a:t>
-            </a:r>
-            <a:r>
-              <a:rPr/>
-              <a:t>ignores</a:t>
-            </a:r>
-            <a:r>
-              <a:rPr/>
-              <a:t> </a:t>
-            </a:r>
-            <a:r>
-              <a:rPr/>
-              <a:t>non-stationary</a:t>
-            </a:r>
-            <a:r>
-              <a:rPr/>
-              <a:t> </a:t>
-            </a:r>
-            <a:r>
-              <a:rPr/>
-              <a:t>errors</a:t>
+              <a:t>OLS ignores non-stationarity</a:t>
             </a:r>
           </a:p>
         </p:txBody>
@@ -10692,7 +10880,7 @@
                     <a:bodyPr/>
                     <a:lstStyle/>
                     <a:p>
-                      <a:pPr lvl="0" marL="0" indent="0" algn="l">
+                      <a:pPr lvl="0" indent="0" marL="0" algn="l">
                         <a:buNone/>
                       </a:pPr>
                       <a:r>
@@ -10708,7 +10896,7 @@
                     <a:bodyPr/>
                     <a:lstStyle/>
                     <a:p>
-                      <a:pPr lvl="0" marL="0" indent="0" algn="r">
+                      <a:pPr lvl="0" indent="0" marL="0" algn="r">
                         <a:buNone/>
                       </a:pPr>
                       <a:r>
@@ -10724,7 +10912,7 @@
                     <a:bodyPr/>
                     <a:lstStyle/>
                     <a:p>
-                      <a:pPr lvl="0" marL="0" indent="0" algn="r">
+                      <a:pPr lvl="0" indent="0" marL="0" algn="r">
                         <a:buNone/>
                       </a:pPr>
                       <a:r>
@@ -10740,7 +10928,7 @@
                     <a:bodyPr/>
                     <a:lstStyle/>
                     <a:p>
-                      <a:pPr lvl="0" marL="0" indent="0" algn="r">
+                      <a:pPr lvl="0" indent="0" marL="0" algn="r">
                         <a:buNone/>
                       </a:pPr>
                       <a:r>
@@ -10756,7 +10944,7 @@
                     <a:bodyPr/>
                     <a:lstStyle/>
                     <a:p>
-                      <a:pPr lvl="0" marL="0" indent="0" algn="r">
+                      <a:pPr lvl="0" indent="0" marL="0" algn="r">
                         <a:buNone/>
                       </a:pPr>
                       <a:r>
@@ -10774,7 +10962,7 @@
                     <a:bodyPr/>
                     <a:lstStyle/>
                     <a:p>
-                      <a:pPr lvl="0" marL="0" indent="0" algn="l">
+                      <a:pPr lvl="0" indent="0" marL="0" algn="l">
                         <a:buNone/>
                       </a:pPr>
                       <a:r>
@@ -10789,7 +10977,7 @@
                     <a:bodyPr/>
                     <a:lstStyle/>
                     <a:p>
-                      <a:pPr lvl="0" marL="0" indent="0" algn="r">
+                      <a:pPr lvl="0" indent="0" marL="0" algn="r">
                         <a:buNone/>
                       </a:pPr>
                       <a:r>
@@ -10804,7 +10992,7 @@
                     <a:bodyPr/>
                     <a:lstStyle/>
                     <a:p>
-                      <a:pPr lvl="0" marL="0" indent="0" algn="r">
+                      <a:pPr lvl="0" indent="0" marL="0" algn="r">
                         <a:buNone/>
                       </a:pPr>
                       <a:r>
@@ -10819,7 +11007,7 @@
                     <a:bodyPr/>
                     <a:lstStyle/>
                     <a:p>
-                      <a:pPr lvl="0" marL="0" indent="0" algn="r">
+                      <a:pPr lvl="0" indent="0" marL="0" algn="r">
                         <a:buNone/>
                       </a:pPr>
                       <a:r>
@@ -10834,7 +11022,7 @@
                     <a:bodyPr/>
                     <a:lstStyle/>
                     <a:p>
-                      <a:pPr lvl="0" marL="0" indent="0" algn="r">
+                      <a:pPr lvl="0" indent="0" marL="0" algn="r">
                         <a:buNone/>
                       </a:pPr>
                       <a:r>
@@ -10851,7 +11039,7 @@
                     <a:bodyPr/>
                     <a:lstStyle/>
                     <a:p>
-                      <a:pPr lvl="0" marL="0" indent="0" algn="l">
+                      <a:pPr lvl="0" indent="0" marL="0" algn="l">
                         <a:buNone/>
                       </a:pPr>
                       <a:r>
@@ -10866,7 +11054,7 @@
                     <a:bodyPr/>
                     <a:lstStyle/>
                     <a:p>
-                      <a:pPr lvl="0" marL="0" indent="0" algn="r">
+                      <a:pPr lvl="0" indent="0" marL="0" algn="r">
                         <a:buNone/>
                       </a:pPr>
                       <a:r>
@@ -10881,7 +11069,7 @@
                     <a:bodyPr/>
                     <a:lstStyle/>
                     <a:p>
-                      <a:pPr lvl="0" marL="0" indent="0" algn="r">
+                      <a:pPr lvl="0" indent="0" marL="0" algn="r">
                         <a:buNone/>
                       </a:pPr>
                       <a:r>
@@ -10896,7 +11084,7 @@
                     <a:bodyPr/>
                     <a:lstStyle/>
                     <a:p>
-                      <a:pPr lvl="0" marL="0" indent="0" algn="r">
+                      <a:pPr lvl="0" indent="0" marL="0" algn="r">
                         <a:buNone/>
                       </a:pPr>
                       <a:r>
@@ -10911,7 +11099,7 @@
                     <a:bodyPr/>
                     <a:lstStyle/>
                     <a:p>
-                      <a:pPr lvl="0" marL="0" indent="0" algn="r">
+                      <a:pPr lvl="0" indent="0" marL="0" algn="r">
                         <a:buNone/>
                       </a:pPr>
                       <a:r>
@@ -10928,7 +11116,7 @@
                     <a:bodyPr/>
                     <a:lstStyle/>
                     <a:p>
-                      <a:pPr lvl="0" marL="0" indent="0" algn="l">
+                      <a:pPr lvl="0" indent="0" marL="0" algn="l">
                         <a:buNone/>
                       </a:pPr>
                       <a:r>
@@ -10943,7 +11131,7 @@
                     <a:bodyPr/>
                     <a:lstStyle/>
                     <a:p>
-                      <a:pPr lvl="0" marL="0" indent="0" algn="r">
+                      <a:pPr lvl="0" indent="0" marL="0" algn="r">
                         <a:buNone/>
                       </a:pPr>
                       <a:r>
@@ -10958,7 +11146,7 @@
                     <a:bodyPr/>
                     <a:lstStyle/>
                     <a:p>
-                      <a:pPr lvl="0" marL="0" indent="0" algn="r">
+                      <a:pPr lvl="0" indent="0" marL="0" algn="r">
                         <a:buNone/>
                       </a:pPr>
                       <a:r>
@@ -10973,7 +11161,7 @@
                     <a:bodyPr/>
                     <a:lstStyle/>
                     <a:p>
-                      <a:pPr lvl="0" marL="0" indent="0" algn="r">
+                      <a:pPr lvl="0" indent="0" marL="0" algn="r">
                         <a:buNone/>
                       </a:pPr>
                       <a:r>
@@ -10988,7 +11176,7 @@
                     <a:bodyPr/>
                     <a:lstStyle/>
                     <a:p>
-                      <a:pPr lvl="0" marL="0" indent="0" algn="r">
+                      <a:pPr lvl="0" indent="0" marL="0" algn="r">
                         <a:buNone/>
                       </a:pPr>
                       <a:r>
@@ -11005,7 +11193,7 @@
                     <a:bodyPr/>
                     <a:lstStyle/>
                     <a:p>
-                      <a:pPr lvl="0" marL="0" indent="0" algn="l">
+                      <a:pPr lvl="0" indent="0" marL="0" algn="l">
                         <a:buNone/>
                       </a:pPr>
                       <a:r>
@@ -11020,7 +11208,7 @@
                     <a:bodyPr/>
                     <a:lstStyle/>
                     <a:p>
-                      <a:pPr lvl="0" marL="0" indent="0" algn="r">
+                      <a:pPr lvl="0" indent="0" marL="0" algn="r">
                         <a:buNone/>
                       </a:pPr>
                       <a:r>
@@ -11035,7 +11223,7 @@
                     <a:bodyPr/>
                     <a:lstStyle/>
                     <a:p>
-                      <a:pPr lvl="0" marL="0" indent="0" algn="r">
+                      <a:pPr lvl="0" indent="0" marL="0" algn="r">
                         <a:buNone/>
                       </a:pPr>
                       <a:r>
@@ -11050,7 +11238,7 @@
                     <a:bodyPr/>
                     <a:lstStyle/>
                     <a:p>
-                      <a:pPr lvl="0" marL="0" indent="0" algn="r">
+                      <a:pPr lvl="0" indent="0" marL="0" algn="r">
                         <a:buNone/>
                       </a:pPr>
                       <a:r>
@@ -11065,7 +11253,7 @@
                     <a:bodyPr/>
                     <a:lstStyle/>
                     <a:p>
-                      <a:pPr lvl="0" marL="0" indent="0" algn="r">
+                      <a:pPr lvl="0" indent="0" marL="0" algn="r">
                         <a:buNone/>
                       </a:pPr>
                       <a:r>
@@ -11110,7 +11298,7 @@
                     <a:bodyPr/>
                     <a:lstStyle/>
                     <a:p>
-                      <a:pPr lvl="0" marL="0" indent="0" algn="r">
+                      <a:pPr lvl="0" indent="0" marL="0" algn="r">
                         <a:buNone/>
                       </a:pPr>
                       <a:r>
@@ -11126,7 +11314,7 @@
                     <a:bodyPr/>
                     <a:lstStyle/>
                     <a:p>
-                      <a:pPr lvl="0" marL="0" indent="0" algn="r">
+                      <a:pPr lvl="0" indent="0" marL="0" algn="r">
                         <a:buNone/>
                       </a:pPr>
                       <a:r>
@@ -11144,7 +11332,7 @@
                     <a:bodyPr/>
                     <a:lstStyle/>
                     <a:p>
-                      <a:pPr lvl="0" marL="0" indent="0" algn="r">
+                      <a:pPr lvl="0" indent="0" marL="0" algn="r">
                         <a:buNone/>
                       </a:pPr>
                       <a:r>
@@ -11159,7 +11347,7 @@
                     <a:bodyPr/>
                     <a:lstStyle/>
                     <a:p>
-                      <a:pPr lvl="0" marL="0" indent="0" algn="r">
+                      <a:pPr lvl="0" indent="0" marL="0" algn="r">
                         <a:buNone/>
                       </a:pPr>
                       <a:r>
@@ -11174,6 +11362,29 @@
           </a:graphicData>
         </a:graphic>
       </p:graphicFrame>
+      <p:sp>
+        <p:nvSpPr>
+          <p:cNvPr id="5" name="Date Placeholder 4"/>
+          <p:cNvSpPr>
+            <a:spLocks noGrp="1"/>
+          </p:cNvSpPr>
+          <p:nvPr>
+            <p:ph idx="10" sz="half" type="dt"/>
+          </p:nvPr>
+        </p:nvSpPr>
+        <p:spPr/>
+        <p:txBody>
+          <a:bodyPr/>
+          <a:lstStyle/>
+          <a:p>
+            <a:fld id="{25078A64-5338-724D-9253-210B3CE97A87}" type="datetime4">
+              <a:rPr lang="en-US" smtClean="0"/>
+              <a:t>2/23/2022</a:t>
+            </a:fld>
+            <a:endParaRPr lang="en-US"/>
+          </a:p>
+        </p:txBody>
+      </p:sp>
     </p:spTree>
   </p:cSld>
 </p:sld>
@@ -11211,36 +11422,12 @@
           <a:bodyPr/>
           <a:lstStyle/>
           <a:p>
-            <a:pPr lvl="0" marL="0" indent="0">
+            <a:pPr lvl="0" indent="0" marL="0">
               <a:buNone/>
             </a:pPr>
             <a:r>
               <a:rPr/>
-              <a:t>Test</a:t>
-            </a:r>
-            <a:r>
-              <a:rPr/>
-              <a:t> </a:t>
-            </a:r>
-            <a:r>
-              <a:rPr/>
-              <a:t>Set</a:t>
-            </a:r>
-            <a:r>
-              <a:rPr/>
-              <a:t> </a:t>
-            </a:r>
-            <a:r>
-              <a:rPr/>
-              <a:t>Error</a:t>
-            </a:r>
-            <a:r>
-              <a:rPr/>
-              <a:t> </a:t>
-            </a:r>
-            <a:r>
-              <a:rPr/>
-              <a:t>Explodes</a:t>
+              <a:t>Test Set Error Explodes</a:t>
             </a:r>
           </a:p>
         </p:txBody>
@@ -11275,6 +11462,29 @@
           </a:ln>
         </p:spPr>
       </p:pic>
+      <p:sp>
+        <p:nvSpPr>
+          <p:cNvPr id="4" name="Date Placeholder 3"/>
+          <p:cNvSpPr>
+            <a:spLocks noGrp="1"/>
+          </p:cNvSpPr>
+          <p:nvPr>
+            <p:ph idx="10" sz="half" type="dt"/>
+          </p:nvPr>
+        </p:nvSpPr>
+        <p:spPr/>
+        <p:txBody>
+          <a:bodyPr/>
+          <a:lstStyle/>
+          <a:p>
+            <a:fld id="{78D1BCE1-314F-5145-B548-25B12CA3616C}" type="datetime4">
+              <a:rPr lang="en-US" smtClean="0"/>
+              <a:t>2/23/2022</a:t>
+            </a:fld>
+            <a:endParaRPr dirty="0" lang="en-US"/>
+          </a:p>
+        </p:txBody>
+      </p:sp>
     </p:spTree>
   </p:cSld>
 </p:sld>
@@ -11312,52 +11522,12 @@
           <a:bodyPr/>
           <a:lstStyle/>
           <a:p>
-            <a:pPr lvl="0" marL="0" indent="0">
+            <a:pPr lvl="0" indent="0" marL="0">
               <a:buNone/>
             </a:pPr>
             <a:r>
               <a:rPr/>
-              <a:t>Non-stationarity</a:t>
-            </a:r>
-            <a:r>
-              <a:rPr/>
-              <a:t> </a:t>
-            </a:r>
-            <a:r>
-              <a:rPr/>
-              <a:t>is</a:t>
-            </a:r>
-            <a:r>
-              <a:rPr/>
-              <a:t> </a:t>
-            </a:r>
-            <a:r>
-              <a:rPr/>
-              <a:t>a</a:t>
-            </a:r>
-            <a:r>
-              <a:rPr/>
-              <a:t> </a:t>
-            </a:r>
-            <a:r>
-              <a:rPr/>
-              <a:t>very</a:t>
-            </a:r>
-            <a:r>
-              <a:rPr/>
-              <a:t> </a:t>
-            </a:r>
-            <a:r>
-              <a:rPr/>
-              <a:t>big</a:t>
-            </a:r>
-            <a:r>
-              <a:rPr/>
-              <a:t> </a:t>
-            </a:r>
-            <a:r>
-              <a:rPr/>
-              <a:t>problem</a:t>
+              <a:t>Non-stationarity is a very big problem</a:t>
             </a:r>
           </a:p>
         </p:txBody>
@@ -11379,7 +11549,7 @@
               <a:bodyPr/>
               <a:lstStyle/>
               <a:p>
-                <a:pPr lvl="1"/>
+                <a:pPr lvl="0"/>
                 <a:r>
                   <a:rPr/>
                   <a:t>Simulate </a:t>
@@ -11406,14 +11576,14 @@
                 </a:r>
               </a:p>
               <a:p>
-                <a:pPr lvl="1"/>
+                <a:pPr lvl="0"/>
                 <a:r>
                   <a:rPr/>
                   <a:t>OLS inferences are highly unreliable</a:t>
                 </a:r>
               </a:p>
               <a:p>
-                <a:pPr lvl="1"/>
+                <a:pPr lvl="0"/>
                 <a:r>
                   <a:rPr/>
                   <a:t>OLS and GLS both perform worse than a naive model (i.e., take the last response from the training set and assume the response never changes in the test set)</a:t>
@@ -11444,9 +11614,10 @@
                 <a:tableStyleId>{5C22544A-7EE6-4342-B048-85BDC9FD1C3A}</a:tableStyleId>
               </a:tblPr>
               <a:tblGrid>
-                <a:gridCol w="3657600"/>
-                <a:gridCol w="3657600"/>
-                <a:gridCol w="3657600"/>
+                <a:gridCol w="2743200"/>
+                <a:gridCol w="2743200"/>
+                <a:gridCol w="2743200"/>
+                <a:gridCol w="2743200"/>
               </a:tblGrid>
               <a:tr h="0">
                 <a:tc>
@@ -11454,7 +11625,7 @@
                     <a:bodyPr/>
                     <a:lstStyle/>
                     <a:p>
-                      <a:pPr lvl="0" marL="0" indent="0" algn="l">
+                      <a:pPr lvl="0" indent="0" marL="0" algn="l">
                         <a:buNone/>
                       </a:pPr>
                       <a:r>
@@ -11470,7 +11641,7 @@
                     <a:bodyPr/>
                     <a:lstStyle/>
                     <a:p>
-                      <a:pPr lvl="0" marL="0" indent="0" algn="r">
+                      <a:pPr lvl="0" indent="0" marL="0" algn="r">
                         <a:buNone/>
                       </a:pPr>
                       <a:r>
@@ -11486,7 +11657,23 @@
                     <a:bodyPr/>
                     <a:lstStyle/>
                     <a:p>
-                      <a:pPr lvl="0" marL="0" indent="0" algn="r">
+                      <a:pPr lvl="0" indent="0" marL="0" algn="r">
+                        <a:buNone/>
+                      </a:pPr>
+                      <a:r>
+                        <a:rPr/>
+                        <a:t>Avg_Train_RMSE</a:t>
+                      </a:r>
+                    </a:p>
+                  </a:txBody>
+                  <a:tcPr/>
+                </a:tc>
+                <a:tc>
+                  <a:txBody>
+                    <a:bodyPr/>
+                    <a:lstStyle/>
+                    <a:p>
+                      <a:pPr lvl="0" indent="0" marL="0" algn="r">
                         <a:buNone/>
                       </a:pPr>
                       <a:r>
@@ -11504,7 +11691,7 @@
                     <a:bodyPr/>
                     <a:lstStyle/>
                     <a:p>
-                      <a:pPr lvl="0" marL="0" indent="0" algn="l">
+                      <a:pPr lvl="0" indent="0" marL="0" algn="l">
                         <a:buNone/>
                       </a:pPr>
                       <a:r>
@@ -11519,7 +11706,7 @@
                     <a:bodyPr/>
                     <a:lstStyle/>
                     <a:p>
-                      <a:pPr lvl="0" marL="0" indent="0" algn="r">
+                      <a:pPr lvl="0" indent="0" marL="0" algn="r">
                         <a:buNone/>
                       </a:pPr>
                       <a:r>
@@ -11534,7 +11721,22 @@
                     <a:bodyPr/>
                     <a:lstStyle/>
                     <a:p>
-                      <a:pPr lvl="0" marL="0" indent="0" algn="r">
+                      <a:pPr lvl="0" indent="0" marL="0" algn="r">
+                        <a:buNone/>
+                      </a:pPr>
+                      <a:r>
+                        <a:rPr/>
+                        <a:t>NA</a:t>
+                      </a:r>
+                    </a:p>
+                  </a:txBody>
+                </a:tc>
+                <a:tc>
+                  <a:txBody>
+                    <a:bodyPr/>
+                    <a:lstStyle/>
+                    <a:p>
+                      <a:pPr lvl="0" indent="0" marL="0" algn="r">
                         <a:buNone/>
                       </a:pPr>
                       <a:r>
@@ -11551,7 +11753,7 @@
                     <a:bodyPr/>
                     <a:lstStyle/>
                     <a:p>
-                      <a:pPr lvl="0" marL="0" indent="0" algn="l">
+                      <a:pPr lvl="0" indent="0" marL="0" algn="l">
                         <a:buNone/>
                       </a:pPr>
                       <a:r>
@@ -11566,7 +11768,7 @@
                     <a:bodyPr/>
                     <a:lstStyle/>
                     <a:p>
-                      <a:pPr lvl="0" marL="0" indent="0" algn="r">
+                      <a:pPr lvl="0" indent="0" marL="0" algn="r">
                         <a:buNone/>
                       </a:pPr>
                       <a:r>
@@ -11581,7 +11783,22 @@
                     <a:bodyPr/>
                     <a:lstStyle/>
                     <a:p>
-                      <a:pPr lvl="0" marL="0" indent="0" algn="r">
+                      <a:pPr lvl="0" indent="0" marL="0" algn="r">
+                        <a:buNone/>
+                      </a:pPr>
+                      <a:r>
+                        <a:rPr/>
+                        <a:t>17.4</a:t>
+                      </a:r>
+                    </a:p>
+                  </a:txBody>
+                </a:tc>
+                <a:tc>
+                  <a:txBody>
+                    <a:bodyPr/>
+                    <a:lstStyle/>
+                    <a:p>
+                      <a:pPr lvl="0" indent="0" marL="0" algn="r">
                         <a:buNone/>
                       </a:pPr>
                       <a:r>
@@ -11598,7 +11815,7 @@
                     <a:bodyPr/>
                     <a:lstStyle/>
                     <a:p>
-                      <a:pPr lvl="0" marL="0" indent="0" algn="l">
+                      <a:pPr lvl="0" indent="0" marL="0" algn="l">
                         <a:buNone/>
                       </a:pPr>
                       <a:r>
@@ -11613,7 +11830,7 @@
                     <a:bodyPr/>
                     <a:lstStyle/>
                     <a:p>
-                      <a:pPr lvl="0" marL="0" indent="0" algn="r">
+                      <a:pPr lvl="0" indent="0" marL="0" algn="r">
                         <a:buNone/>
                       </a:pPr>
                       <a:r>
@@ -11628,7 +11845,22 @@
                     <a:bodyPr/>
                     <a:lstStyle/>
                     <a:p>
-                      <a:pPr lvl="0" marL="0" indent="0" algn="r">
+                      <a:pPr lvl="0" indent="0" marL="0" algn="r">
+                        <a:buNone/>
+                      </a:pPr>
+                      <a:r>
+                        <a:rPr/>
+                        <a:t>NA</a:t>
+                      </a:r>
+                    </a:p>
+                  </a:txBody>
+                </a:tc>
+                <a:tc>
+                  <a:txBody>
+                    <a:bodyPr/>
+                    <a:lstStyle/>
+                    <a:p>
+                      <a:pPr lvl="0" indent="0" marL="0" algn="r">
                         <a:buNone/>
                       </a:pPr>
                       <a:r>
@@ -11645,7 +11877,7 @@
                     <a:bodyPr/>
                     <a:lstStyle/>
                     <a:p>
-                      <a:pPr lvl="0" marL="0" indent="0" algn="l">
+                      <a:pPr lvl="0" indent="0" marL="0" algn="l">
                         <a:buNone/>
                       </a:pPr>
                       <a:r>
@@ -11660,7 +11892,7 @@
                     <a:bodyPr/>
                     <a:lstStyle/>
                     <a:p>
-                      <a:pPr lvl="0" marL="0" indent="0" algn="r">
+                      <a:pPr lvl="0" indent="0" marL="0" algn="r">
                         <a:buNone/>
                       </a:pPr>
                       <a:r>
@@ -11675,7 +11907,22 @@
                     <a:bodyPr/>
                     <a:lstStyle/>
                     <a:p>
-                      <a:pPr lvl="0" marL="0" indent="0" algn="r">
+                      <a:pPr lvl="0" indent="0" marL="0" algn="r">
+                        <a:buNone/>
+                      </a:pPr>
+                      <a:r>
+                        <a:rPr/>
+                        <a:t>NA</a:t>
+                      </a:r>
+                    </a:p>
+                  </a:txBody>
+                </a:tc>
+                <a:tc>
+                  <a:txBody>
+                    <a:bodyPr/>
+                    <a:lstStyle/>
+                    <a:p>
+                      <a:pPr lvl="0" indent="0" marL="0" algn="r">
                         <a:buNone/>
                       </a:pPr>
                       <a:r>
@@ -11692,7 +11939,7 @@
                     <a:bodyPr/>
                     <a:lstStyle/>
                     <a:p>
-                      <a:pPr lvl="0" marL="0" indent="0" algn="l">
+                      <a:pPr lvl="0" indent="0" marL="0" algn="l">
                         <a:buNone/>
                       </a:pPr>
                       <a:r>
@@ -11707,7 +11954,7 @@
                     <a:bodyPr/>
                     <a:lstStyle/>
                     <a:p>
-                      <a:pPr lvl="0" marL="0" indent="0" algn="r">
+                      <a:pPr lvl="0" indent="0" marL="0" algn="r">
                         <a:buNone/>
                       </a:pPr>
                       <a:r>
@@ -11722,7 +11969,22 @@
                     <a:bodyPr/>
                     <a:lstStyle/>
                     <a:p>
-                      <a:pPr lvl="0" marL="0" indent="0" algn="r">
+                      <a:pPr lvl="0" indent="0" marL="0" algn="r">
+                        <a:buNone/>
+                      </a:pPr>
+                      <a:r>
+                        <a:rPr/>
+                        <a:t>NA</a:t>
+                      </a:r>
+                    </a:p>
+                  </a:txBody>
+                </a:tc>
+                <a:tc>
+                  <a:txBody>
+                    <a:bodyPr/>
+                    <a:lstStyle/>
+                    <a:p>
+                      <a:pPr lvl="0" indent="0" marL="0" algn="r">
                         <a:buNone/>
                       </a:pPr>
                       <a:r>
@@ -11739,7 +12001,7 @@
                     <a:bodyPr/>
                     <a:lstStyle/>
                     <a:p>
-                      <a:pPr lvl="0" marL="0" indent="0" algn="l">
+                      <a:pPr lvl="0" indent="0" marL="0" algn="l">
                         <a:buNone/>
                       </a:pPr>
                       <a:r>
@@ -11754,7 +12016,7 @@
                     <a:bodyPr/>
                     <a:lstStyle/>
                     <a:p>
-                      <a:pPr lvl="0" marL="0" indent="0" algn="r">
+                      <a:pPr lvl="0" indent="0" marL="0" algn="r">
                         <a:buNone/>
                       </a:pPr>
                       <a:r>
@@ -11769,7 +12031,22 @@
                     <a:bodyPr/>
                     <a:lstStyle/>
                     <a:p>
-                      <a:pPr lvl="0" marL="0" indent="0" algn="r">
+                      <a:pPr lvl="0" indent="0" marL="0" algn="r">
+                        <a:buNone/>
+                      </a:pPr>
+                      <a:r>
+                        <a:rPr/>
+                        <a:t>13.1</a:t>
+                      </a:r>
+                    </a:p>
+                  </a:txBody>
+                </a:tc>
+                <a:tc>
+                  <a:txBody>
+                    <a:bodyPr/>
+                    <a:lstStyle/>
+                    <a:p>
+                      <a:pPr lvl="0" indent="0" marL="0" algn="r">
                         <a:buNone/>
                       </a:pPr>
                       <a:r>
@@ -11784,6 +12061,29 @@
           </a:graphicData>
         </a:graphic>
       </p:graphicFrame>
+      <p:sp>
+        <p:nvSpPr>
+          <p:cNvPr id="5" name="Date Placeholder 4"/>
+          <p:cNvSpPr>
+            <a:spLocks noGrp="1"/>
+          </p:cNvSpPr>
+          <p:nvPr>
+            <p:ph idx="10" sz="half" type="dt"/>
+          </p:nvPr>
+        </p:nvSpPr>
+        <p:spPr/>
+        <p:txBody>
+          <a:bodyPr/>
+          <a:lstStyle/>
+          <a:p>
+            <a:fld id="{25078A64-5338-724D-9253-210B3CE97A87}" type="datetime4">
+              <a:rPr lang="en-US" smtClean="0"/>
+              <a:t>2/23/2022</a:t>
+            </a:fld>
+            <a:endParaRPr lang="en-US"/>
+          </a:p>
+        </p:txBody>
+      </p:sp>
     </p:spTree>
   </p:cSld>
 </p:sld>
@@ -11821,28 +12121,12 @@
           <a:bodyPr/>
           <a:lstStyle/>
           <a:p>
-            <a:pPr lvl="0" marL="0" indent="0">
+            <a:pPr lvl="0" indent="0" marL="0">
               <a:buNone/>
             </a:pPr>
             <a:r>
               <a:rPr/>
-              <a:t>Time</a:t>
-            </a:r>
-            <a:r>
-              <a:rPr/>
-              <a:t> </a:t>
-            </a:r>
-            <a:r>
-              <a:rPr/>
-              <a:t>Series</a:t>
-            </a:r>
-            <a:r>
-              <a:rPr/>
-              <a:t> </a:t>
-            </a:r>
-            <a:r>
-              <a:rPr/>
-              <a:t>Regression</a:t>
+              <a:t>Time Series Regression</a:t>
             </a:r>
           </a:p>
         </p:txBody>
@@ -11864,14 +12148,14 @@
               <a:bodyPr/>
               <a:lstStyle/>
               <a:p>
-                <a:pPr lvl="1"/>
+                <a:pPr lvl="0"/>
                 <a:r>
                   <a:rPr/>
                   <a:t>Time series is data collected in equally-spaced time intervals.</a:t>
                 </a:r>
               </a:p>
               <a:p>
-                <a:pPr lvl="1"/>
+                <a:pPr lvl="0"/>
                 <a:r>
                   <a:rPr/>
                   <a:t>Linear regression estimates the linear relationship between a continuous response (</a:t>
@@ -11898,14 +12182,14 @@
                 </a:r>
               </a:p>
               <a:p>
-                <a:pPr lvl="1"/>
+                <a:pPr lvl="0"/>
                 <a:r>
                   <a:rPr/>
                   <a:t>Ordinary least squares (OLS) is the most common implementation of linear regression, and estimates the coefficients that minimize the error sum of squares:</a:t>
                 </a:r>
               </a:p>
               <a:p>
-                <a:pPr lvl="0" marL="0" indent="0">
+                <a:pPr lvl="0" indent="0" marL="0">
                   <a:buNone/>
                 </a:pPr>
                 <a14:m>
@@ -12140,7 +12424,7 @@
                 </a14:m>
               </a:p>
               <a:p>
-                <a:pPr lvl="1"/>
+                <a:pPr lvl="0"/>
                 <a:r>
                   <a:rPr/>
                   <a:t>Using linear regression on time series is called time series regression.</a:t>
@@ -12150,6 +12434,29 @@
           </p:sp>
         </mc:Choice>
       </mc:AlternateContent>
+      <p:sp>
+        <p:nvSpPr>
+          <p:cNvPr id="4" name="Date Placeholder 3"/>
+          <p:cNvSpPr>
+            <a:spLocks noGrp="1"/>
+          </p:cNvSpPr>
+          <p:nvPr>
+            <p:ph idx="10" sz="half" type="dt"/>
+          </p:nvPr>
+        </p:nvSpPr>
+        <p:spPr/>
+        <p:txBody>
+          <a:bodyPr/>
+          <a:lstStyle/>
+          <a:p>
+            <a:fld id="{78D1BCE1-314F-5145-B548-25B12CA3616C}" type="datetime4">
+              <a:rPr lang="en-US" smtClean="0"/>
+              <a:t>2/23/2022</a:t>
+            </a:fld>
+            <a:endParaRPr dirty="0" lang="en-US"/>
+          </a:p>
+        </p:txBody>
+      </p:sp>
     </p:spTree>
   </p:cSld>
 </p:sld>
@@ -12187,28 +12494,12 @@
           <a:bodyPr/>
           <a:lstStyle/>
           <a:p>
-            <a:pPr lvl="0" marL="0" indent="0">
+            <a:pPr lvl="0" indent="0" marL="0">
               <a:buNone/>
             </a:pPr>
             <a:r>
               <a:rPr/>
-              <a:t>Remediating</a:t>
-            </a:r>
-            <a:r>
-              <a:rPr/>
-              <a:t> </a:t>
-            </a:r>
-            <a:r>
-              <a:rPr/>
-              <a:t>non-stationary</a:t>
-            </a:r>
-            <a:r>
-              <a:rPr/>
-              <a:t> </a:t>
-            </a:r>
-            <a:r>
-              <a:rPr/>
-              <a:t>errors</a:t>
+              <a:t>Remediating non-stationarity</a:t>
             </a:r>
           </a:p>
         </p:txBody>
@@ -12230,12 +12521,12 @@
               <a:bodyPr/>
               <a:lstStyle/>
               <a:p>
-                <a:pPr lvl="1">
+                <a:pPr lvl="0" indent="-457200" marL="457200">
                   <a:buAutoNum type="arabicPeriod"/>
                 </a:pPr>
                 <a:r>
                   <a:rPr/>
-                  <a:t>Transform each response and predictor into “first differences” (e.g., </a:t>
+                  <a:t>Transform each response and/or predictor into “first differences” (e.g., </a:t>
                 </a:r>
                 <a14:m>
                   <m:oMath xmlns:m="http://schemas.openxmlformats.org/officeDocument/2006/math">
@@ -12286,7 +12577,7 @@
                 </a:r>
               </a:p>
               <a:p>
-                <a:pPr lvl="1">
+                <a:pPr lvl="0" indent="-457200" marL="457200">
                   <a:buAutoNum type="arabicPeriod"/>
                 </a:pPr>
                 <a:r>
@@ -12295,7 +12586,7 @@
                 </a:r>
               </a:p>
               <a:p>
-                <a:pPr lvl="1">
+                <a:pPr lvl="0" indent="-457200" marL="457200">
                   <a:buAutoNum type="arabicPeriod"/>
                 </a:pPr>
                 <a:r>
@@ -12304,7 +12595,7 @@
                 </a:r>
               </a:p>
               <a:p>
-                <a:pPr lvl="0" marL="0" indent="0">
+                <a:pPr lvl="0" indent="0" marL="0">
                   <a:buNone/>
                 </a:pPr>
                 <a14:m>
@@ -12437,6 +12728,29 @@
           </p:sp>
         </mc:Choice>
       </mc:AlternateContent>
+      <p:sp>
+        <p:nvSpPr>
+          <p:cNvPr id="4" name="Date Placeholder 3"/>
+          <p:cNvSpPr>
+            <a:spLocks noGrp="1"/>
+          </p:cNvSpPr>
+          <p:nvPr>
+            <p:ph idx="10" sz="half" type="dt"/>
+          </p:nvPr>
+        </p:nvSpPr>
+        <p:spPr/>
+        <p:txBody>
+          <a:bodyPr/>
+          <a:lstStyle/>
+          <a:p>
+            <a:fld id="{78D1BCE1-314F-5145-B548-25B12CA3616C}" type="datetime4">
+              <a:rPr lang="en-US" smtClean="0"/>
+              <a:t>2/23/2022</a:t>
+            </a:fld>
+            <a:endParaRPr dirty="0" lang="en-US"/>
+          </a:p>
+        </p:txBody>
+      </p:sp>
     </p:spTree>
   </p:cSld>
 </p:sld>
@@ -12474,7 +12788,7 @@
           <a:bodyPr/>
           <a:lstStyle/>
           <a:p>
-            <a:pPr lvl="0" marL="0" indent="0">
+            <a:pPr lvl="0" indent="0" marL="0">
               <a:buNone/>
             </a:pPr>
             <a:r>
@@ -12499,67 +12813,90 @@
           <a:bodyPr/>
           <a:lstStyle/>
           <a:p>
-            <a:pPr lvl="1"/>
+            <a:pPr lvl="0"/>
             <a:r>
               <a:rPr/>
               <a:t>OLS is most suitable for independent errors</a:t>
             </a:r>
           </a:p>
           <a:p>
-            <a:pPr lvl="1"/>
+            <a:pPr lvl="0"/>
             <a:r>
               <a:rPr/>
               <a:t>The independent error assumption is often violated with time series regression</a:t>
             </a:r>
           </a:p>
           <a:p>
-            <a:pPr lvl="1"/>
+            <a:pPr lvl="0"/>
             <a:r>
               <a:rPr/>
               <a:t>Under serial correlation, standard errors and p-values from OLS are unreliable</a:t>
             </a:r>
           </a:p>
           <a:p>
-            <a:pPr lvl="1"/>
+            <a:pPr lvl="0"/>
             <a:r>
               <a:rPr/>
               <a:t>Fortunately, OLS coefficient estimates remain unbiased and consistent</a:t>
             </a:r>
           </a:p>
           <a:p>
-            <a:pPr lvl="1"/>
+            <a:pPr lvl="0"/>
             <a:r>
               <a:rPr/>
               <a:t>Remediating serial correlation:</a:t>
             </a:r>
           </a:p>
           <a:p>
-            <a:pPr lvl="2"/>
+            <a:pPr lvl="1"/>
             <a:r>
               <a:rPr/>
               <a:t>GLS</a:t>
             </a:r>
           </a:p>
           <a:p>
-            <a:pPr lvl="2"/>
+            <a:pPr lvl="1"/>
             <a:r>
               <a:rPr/>
               <a:t>OLS with HAC standard errors</a:t>
             </a:r>
           </a:p>
           <a:p>
-            <a:pPr lvl="2"/>
+            <a:pPr lvl="1"/>
             <a:r>
               <a:rPr/>
               <a:t>OLS with block bootstrapped standard errors</a:t>
             </a:r>
           </a:p>
           <a:p>
-            <a:pPr lvl="1"/>
+            <a:pPr lvl="0"/>
             <a:r>
               <a:rPr/>
               <a:t>Under non-stationary errors, beware of spurious regressions</a:t>
             </a:r>
+          </a:p>
+        </p:txBody>
+      </p:sp>
+      <p:sp>
+        <p:nvSpPr>
+          <p:cNvPr id="4" name="Date Placeholder 3"/>
+          <p:cNvSpPr>
+            <a:spLocks noGrp="1"/>
+          </p:cNvSpPr>
+          <p:nvPr>
+            <p:ph idx="10" sz="half" type="dt"/>
+          </p:nvPr>
+        </p:nvSpPr>
+        <p:spPr/>
+        <p:txBody>
+          <a:bodyPr/>
+          <a:lstStyle/>
+          <a:p>
+            <a:fld id="{78D1BCE1-314F-5145-B548-25B12CA3616C}" type="datetime4">
+              <a:rPr lang="en-US" smtClean="0"/>
+              <a:t>2/23/2022</a:t>
+            </a:fld>
+            <a:endParaRPr dirty="0" lang="en-US"/>
           </a:p>
         </p:txBody>
       </p:sp>
@@ -12600,44 +12937,12 @@
           <a:bodyPr/>
           <a:lstStyle/>
           <a:p>
-            <a:pPr lvl="0" marL="0" indent="0">
+            <a:pPr lvl="0" indent="0" marL="0">
               <a:buNone/>
             </a:pPr>
             <a:r>
               <a:rPr/>
-              <a:t>OLS</a:t>
-            </a:r>
-            <a:r>
-              <a:rPr/>
-              <a:t> </a:t>
-            </a:r>
-            <a:r>
-              <a:rPr/>
-              <a:t>Assumptions</a:t>
-            </a:r>
-            <a:r>
-              <a:rPr/>
-              <a:t> </a:t>
-            </a:r>
-            <a:r>
-              <a:rPr/>
-              <a:t>for</a:t>
-            </a:r>
-            <a:r>
-              <a:rPr/>
-              <a:t> </a:t>
-            </a:r>
-            <a:r>
-              <a:rPr/>
-              <a:t>Time</a:t>
-            </a:r>
-            <a:r>
-              <a:rPr/>
-              <a:t> </a:t>
-            </a:r>
-            <a:r>
-              <a:rPr/>
-              <a:t>Series</a:t>
+              <a:t>OLS Assumptions for Time Series</a:t>
             </a:r>
           </a:p>
         </p:txBody>
@@ -12659,19 +12964,19 @@
               <a:bodyPr/>
               <a:lstStyle/>
               <a:p>
-                <a:pPr lvl="1"/>
+                <a:pPr lvl="0"/>
                 <a:r>
                   <a:rPr/>
                   <a:t>Population data generating process (dgp) most suitable for OLS:</a:t>
                 </a:r>
               </a:p>
               <a:p>
-                <a:pPr lvl="0" marL="0" indent="0">
+                <a:pPr lvl="0" indent="0" marL="0">
                   <a:buNone/>
                 </a:pPr>
               </a:p>
               <a:p>
-                <a:pPr lvl="0" marL="0" indent="0">
+                <a:pPr lvl="0" indent="0" marL="0">
                   <a:buNone/>
                 </a:pPr>
                 <a14:m>
@@ -12830,7 +13135,7 @@
                 </a14:m>
               </a:p>
               <a:p>
-                <a:pPr lvl="0" marL="0" indent="0">
+                <a:pPr lvl="0" indent="0" marL="0">
                   <a:buNone/>
                 </a:pPr>
                 <a14:m>
@@ -12895,49 +13200,72 @@
                 </a14:m>
               </a:p>
               <a:p>
-                <a:pPr lvl="0" marL="0" indent="0">
+                <a:pPr lvl="0" indent="0" marL="0">
                   <a:buNone/>
                 </a:pPr>
               </a:p>
               <a:p>
-                <a:pPr lvl="1"/>
+                <a:pPr lvl="0"/>
                 <a:r>
                   <a:rPr/>
                   <a:t>Linear parameters</a:t>
                 </a:r>
               </a:p>
               <a:p>
-                <a:pPr lvl="1"/>
+                <a:pPr lvl="0"/>
                 <a:r>
                   <a:rPr/>
                   <a:t>Independent errors (no serial correlation)</a:t>
                 </a:r>
               </a:p>
               <a:p>
-                <a:pPr lvl="1"/>
+                <a:pPr lvl="0"/>
                 <a:r>
                   <a:rPr/>
                   <a:t>Normally distributed errors</a:t>
                 </a:r>
               </a:p>
               <a:p>
-                <a:pPr lvl="1"/>
+                <a:pPr lvl="0"/>
                 <a:r>
                   <a:rPr/>
                   <a:t>Equal variance errors (homoscedasticity)</a:t>
                 </a:r>
               </a:p>
               <a:p>
-                <a:pPr lvl="1"/>
+                <a:pPr lvl="0"/>
                 <a:r>
                   <a:rPr/>
-                  <a:t>Stationary errors</a:t>
+                  <a:t>Stationary response and predictors (unless there is co-integration)</a:t>
                 </a:r>
               </a:p>
             </p:txBody>
           </p:sp>
         </mc:Choice>
       </mc:AlternateContent>
+      <p:sp>
+        <p:nvSpPr>
+          <p:cNvPr id="4" name="Date Placeholder 3"/>
+          <p:cNvSpPr>
+            <a:spLocks noGrp="1"/>
+          </p:cNvSpPr>
+          <p:nvPr>
+            <p:ph idx="10" sz="half" type="dt"/>
+          </p:nvPr>
+        </p:nvSpPr>
+        <p:spPr/>
+        <p:txBody>
+          <a:bodyPr/>
+          <a:lstStyle/>
+          <a:p>
+            <a:fld id="{78D1BCE1-314F-5145-B548-25B12CA3616C}" type="datetime4">
+              <a:rPr lang="en-US" smtClean="0"/>
+              <a:t>2/23/2022</a:t>
+            </a:fld>
+            <a:endParaRPr dirty="0" lang="en-US"/>
+          </a:p>
+        </p:txBody>
+      </p:sp>
     </p:spTree>
   </p:cSld>
 </p:sld>
@@ -12975,28 +13303,12 @@
           <a:bodyPr/>
           <a:lstStyle/>
           <a:p>
-            <a:pPr lvl="0" marL="0" indent="0">
+            <a:pPr lvl="0" indent="0" marL="0">
               <a:buNone/>
             </a:pPr>
             <a:r>
               <a:rPr/>
-              <a:t>Violation:</a:t>
-            </a:r>
-            <a:r>
-              <a:rPr/>
-              <a:t> </a:t>
-            </a:r>
-            <a:r>
-              <a:rPr/>
-              <a:t>Serial</a:t>
-            </a:r>
-            <a:r>
-              <a:rPr/>
-              <a:t> </a:t>
-            </a:r>
-            <a:r>
-              <a:rPr/>
-              <a:t>Correlation</a:t>
+              <a:t>Violation: Serial Correlation</a:t>
             </a:r>
           </a:p>
         </p:txBody>
@@ -13018,19 +13330,19 @@
               <a:bodyPr/>
               <a:lstStyle/>
               <a:p>
-                <a:pPr lvl="1"/>
+                <a:pPr lvl="0"/>
                 <a:r>
                   <a:rPr/>
                   <a:t>Unfortunately, the data generating process (dgp) for time series often violates the independent errors assumption. For example:</a:t>
                 </a:r>
               </a:p>
               <a:p>
-                <a:pPr lvl="0" marL="0" indent="0">
+                <a:pPr lvl="0" indent="0" marL="0">
                   <a:buNone/>
                 </a:pPr>
               </a:p>
               <a:p>
-                <a:pPr lvl="0" marL="0" indent="0">
+                <a:pPr lvl="0" indent="0" marL="0">
                   <a:buNone/>
                 </a:pPr>
                 <a14:m>
@@ -13189,7 +13501,7 @@
                 </a14:m>
               </a:p>
               <a:p>
-                <a:pPr lvl="0" marL="0" indent="0">
+                <a:pPr lvl="0" indent="0" marL="0">
                   <a:buNone/>
                 </a:pPr>
                 <a14:m>
@@ -13258,7 +13570,7 @@
                 </a14:m>
               </a:p>
               <a:p>
-                <a:pPr lvl="0" marL="0" indent="0">
+                <a:pPr lvl="0" indent="0" marL="0">
                   <a:buNone/>
                 </a:pPr>
                 <a14:m>
@@ -13323,12 +13635,12 @@
                 </a14:m>
               </a:p>
               <a:p>
-                <a:pPr lvl="0" marL="0" indent="0">
+                <a:pPr lvl="0" indent="0" marL="0">
                   <a:buNone/>
                 </a:pPr>
               </a:p>
               <a:p>
-                <a:pPr lvl="1"/>
+                <a:pPr lvl="0"/>
                 <a:r>
                   <a:rPr/>
                   <a:t>If </a:t>
@@ -13355,7 +13667,7 @@
                 </a:r>
               </a:p>
               <a:p>
-                <a:pPr lvl="1"/>
+                <a:pPr lvl="0"/>
                 <a:r>
                   <a:rPr/>
                   <a:t>If </a:t>
@@ -13400,6 +13712,29 @@
           </p:sp>
         </mc:Choice>
       </mc:AlternateContent>
+      <p:sp>
+        <p:nvSpPr>
+          <p:cNvPr id="4" name="Date Placeholder 3"/>
+          <p:cNvSpPr>
+            <a:spLocks noGrp="1"/>
+          </p:cNvSpPr>
+          <p:nvPr>
+            <p:ph idx="10" sz="half" type="dt"/>
+          </p:nvPr>
+        </p:nvSpPr>
+        <p:spPr/>
+        <p:txBody>
+          <a:bodyPr/>
+          <a:lstStyle/>
+          <a:p>
+            <a:fld id="{78D1BCE1-314F-5145-B548-25B12CA3616C}" type="datetime4">
+              <a:rPr lang="en-US" smtClean="0"/>
+              <a:t>2/23/2022</a:t>
+            </a:fld>
+            <a:endParaRPr dirty="0" lang="en-US"/>
+          </a:p>
+        </p:txBody>
+      </p:sp>
     </p:spTree>
   </p:cSld>
 </p:sld>
@@ -13437,44 +13772,12 @@
           <a:bodyPr/>
           <a:lstStyle/>
           <a:p>
-            <a:pPr lvl="0" marL="0" indent="0">
+            <a:pPr lvl="0" indent="0" marL="0">
               <a:buNone/>
             </a:pPr>
             <a:r>
               <a:rPr/>
-              <a:t>Simulate</a:t>
-            </a:r>
-            <a:r>
-              <a:rPr/>
-              <a:t> </a:t>
-            </a:r>
-            <a:r>
-              <a:rPr/>
-              <a:t>predictors</a:t>
-            </a:r>
-            <a:r>
-              <a:rPr/>
-              <a:t> </a:t>
-            </a:r>
-            <a:r>
-              <a:rPr/>
-              <a:t>with</a:t>
-            </a:r>
-            <a:r>
-              <a:rPr/>
-              <a:t> </a:t>
-            </a:r>
-            <a:r>
-              <a:rPr/>
-              <a:t>serial</a:t>
-            </a:r>
-            <a:r>
-              <a:rPr/>
-              <a:t> </a:t>
-            </a:r>
-            <a:r>
-              <a:rPr/>
-              <a:t>correlation</a:t>
+              <a:t>Simulate predictors with serial correlation</a:t>
             </a:r>
           </a:p>
         </p:txBody>
@@ -14242,6 +14545,29 @@
               </a:rPr>
               <a:t>)</a:t>
             </a:r>
+          </a:p>
+        </p:txBody>
+      </p:sp>
+      <p:sp>
+        <p:nvSpPr>
+          <p:cNvPr id="4" name="Date Placeholder 3"/>
+          <p:cNvSpPr>
+            <a:spLocks noGrp="1"/>
+          </p:cNvSpPr>
+          <p:nvPr>
+            <p:ph idx="10" sz="half" type="dt"/>
+          </p:nvPr>
+        </p:nvSpPr>
+        <p:spPr/>
+        <p:txBody>
+          <a:bodyPr/>
+          <a:lstStyle/>
+          <a:p>
+            <a:fld id="{78D1BCE1-314F-5145-B548-25B12CA3616C}" type="datetime4">
+              <a:rPr lang="en-US" smtClean="0"/>
+              <a:t>2/23/2022</a:t>
+            </a:fld>
+            <a:endParaRPr dirty="0" lang="en-US"/>
           </a:p>
         </p:txBody>
       </p:sp>
@@ -14282,44 +14608,12 @@
           <a:bodyPr/>
           <a:lstStyle/>
           <a:p>
-            <a:pPr lvl="0" marL="0" indent="0">
+            <a:pPr lvl="0" indent="0" marL="0">
               <a:buNone/>
             </a:pPr>
             <a:r>
               <a:rPr/>
-              <a:t>Simulate</a:t>
-            </a:r>
-            <a:r>
-              <a:rPr/>
-              <a:t> </a:t>
-            </a:r>
-            <a:r>
-              <a:rPr/>
-              <a:t>response</a:t>
-            </a:r>
-            <a:r>
-              <a:rPr/>
-              <a:t> </a:t>
-            </a:r>
-            <a:r>
-              <a:rPr/>
-              <a:t>with</a:t>
-            </a:r>
-            <a:r>
-              <a:rPr/>
-              <a:t> </a:t>
-            </a:r>
-            <a:r>
-              <a:rPr/>
-              <a:t>serial</a:t>
-            </a:r>
-            <a:r>
-              <a:rPr/>
-              <a:t> </a:t>
-            </a:r>
-            <a:r>
-              <a:rPr/>
-              <a:t>correlation</a:t>
+              <a:t>Simulate response with serial correlation</a:t>
             </a:r>
           </a:p>
         </p:txBody>
@@ -14857,6 +15151,29 @@
               </a:rPr>
               <a:t>(y))</a:t>
             </a:r>
+          </a:p>
+        </p:txBody>
+      </p:sp>
+      <p:sp>
+        <p:nvSpPr>
+          <p:cNvPr id="4" name="Date Placeholder 3"/>
+          <p:cNvSpPr>
+            <a:spLocks noGrp="1"/>
+          </p:cNvSpPr>
+          <p:nvPr>
+            <p:ph idx="10" sz="half" type="dt"/>
+          </p:nvPr>
+        </p:nvSpPr>
+        <p:spPr/>
+        <p:txBody>
+          <a:bodyPr/>
+          <a:lstStyle/>
+          <a:p>
+            <a:fld id="{78D1BCE1-314F-5145-B548-25B12CA3616C}" type="datetime4">
+              <a:rPr lang="en-US" smtClean="0"/>
+              <a:t>2/23/2022</a:t>
+            </a:fld>
+            <a:endParaRPr dirty="0" lang="en-US"/>
           </a:p>
         </p:txBody>
       </p:sp>
@@ -14897,36 +15214,12 @@
           <a:bodyPr/>
           <a:lstStyle/>
           <a:p>
-            <a:pPr lvl="0" marL="0" indent="0">
+            <a:pPr lvl="0" indent="0" marL="0">
               <a:buNone/>
             </a:pPr>
             <a:r>
               <a:rPr/>
-              <a:t>Plot</a:t>
-            </a:r>
-            <a:r>
-              <a:rPr/>
-              <a:t> </a:t>
-            </a:r>
-            <a:r>
-              <a:rPr/>
-              <a:t>simulated</a:t>
-            </a:r>
-            <a:r>
-              <a:rPr/>
-              <a:t> </a:t>
-            </a:r>
-            <a:r>
-              <a:rPr/>
-              <a:t>data</a:t>
-            </a:r>
-            <a:r>
-              <a:rPr/>
-              <a:t> </a:t>
-            </a:r>
-            <a:r>
-              <a:rPr/>
-              <a:t>(Train)</a:t>
+              <a:t>Plot simulated data (Train)</a:t>
             </a:r>
           </a:p>
         </p:txBody>
@@ -14961,6 +15254,29 @@
           </a:ln>
         </p:spPr>
       </p:pic>
+      <p:sp>
+        <p:nvSpPr>
+          <p:cNvPr id="4" name="Date Placeholder 3"/>
+          <p:cNvSpPr>
+            <a:spLocks noGrp="1"/>
+          </p:cNvSpPr>
+          <p:nvPr>
+            <p:ph idx="10" sz="half" type="dt"/>
+          </p:nvPr>
+        </p:nvSpPr>
+        <p:spPr/>
+        <p:txBody>
+          <a:bodyPr/>
+          <a:lstStyle/>
+          <a:p>
+            <a:fld id="{78D1BCE1-314F-5145-B548-25B12CA3616C}" type="datetime4">
+              <a:rPr lang="en-US" smtClean="0"/>
+              <a:t>2/23/2022</a:t>
+            </a:fld>
+            <a:endParaRPr dirty="0" lang="en-US"/>
+          </a:p>
+        </p:txBody>
+      </p:sp>
     </p:spTree>
   </p:cSld>
 </p:sld>
@@ -14998,44 +15314,12 @@
           <a:bodyPr/>
           <a:lstStyle/>
           <a:p>
-            <a:pPr lvl="0" marL="0" indent="0">
+            <a:pPr lvl="0" indent="0" marL="0">
               <a:buNone/>
             </a:pPr>
             <a:r>
               <a:rPr/>
-              <a:t>Split</a:t>
-            </a:r>
-            <a:r>
-              <a:rPr/>
-              <a:t> </a:t>
-            </a:r>
-            <a:r>
-              <a:rPr/>
-              <a:t>between</a:t>
-            </a:r>
-            <a:r>
-              <a:rPr/>
-              <a:t> </a:t>
-            </a:r>
-            <a:r>
-              <a:rPr/>
-              <a:t>train</a:t>
-            </a:r>
-            <a:r>
-              <a:rPr/>
-              <a:t> </a:t>
-            </a:r>
-            <a:r>
-              <a:rPr/>
-              <a:t>and</a:t>
-            </a:r>
-            <a:r>
-              <a:rPr/>
-              <a:t> </a:t>
-            </a:r>
-            <a:r>
-              <a:rPr/>
-              <a:t>test</a:t>
+              <a:t>Split between train and test</a:t>
             </a:r>
           </a:p>
         </p:txBody>
@@ -15161,6 +15445,29 @@
               </a:rPr>
               <a:t>)</a:t>
             </a:r>
+          </a:p>
+        </p:txBody>
+      </p:sp>
+      <p:sp>
+        <p:nvSpPr>
+          <p:cNvPr id="4" name="Date Placeholder 3"/>
+          <p:cNvSpPr>
+            <a:spLocks noGrp="1"/>
+          </p:cNvSpPr>
+          <p:nvPr>
+            <p:ph idx="10" sz="half" type="dt"/>
+          </p:nvPr>
+        </p:nvSpPr>
+        <p:spPr/>
+        <p:txBody>
+          <a:bodyPr/>
+          <a:lstStyle/>
+          <a:p>
+            <a:fld id="{78D1BCE1-314F-5145-B548-25B12CA3616C}" type="datetime4">
+              <a:rPr lang="en-US" smtClean="0"/>
+              <a:t>2/23/2022</a:t>
+            </a:fld>
+            <a:endParaRPr dirty="0" lang="en-US"/>
           </a:p>
         </p:txBody>
       </p:sp>
@@ -15487,4 +15794,299 @@
   </a:objectDefaults>
   <a:extraClrSchemeLst/>
 </a:theme>
+</file>
+
+<file path=ppt/theme/theme2.xml><?xml version="1.0" encoding="utf-8"?>
+<a:theme xmlns:a="http://schemas.openxmlformats.org/drawingml/2006/main" name="Office Theme">
+  <a:themeElements>
+    <a:clrScheme name="Office">
+      <a:dk1>
+        <a:sysClr val="windowText" lastClr="000000"/>
+      </a:dk1>
+      <a:lt1>
+        <a:sysClr val="window" lastClr="FFFFFF"/>
+      </a:lt1>
+      <a:dk2>
+        <a:srgbClr val="44546A"/>
+      </a:dk2>
+      <a:lt2>
+        <a:srgbClr val="E7E6E6"/>
+      </a:lt2>
+      <a:accent1>
+        <a:srgbClr val="4472C4"/>
+      </a:accent1>
+      <a:accent2>
+        <a:srgbClr val="ED7D31"/>
+      </a:accent2>
+      <a:accent3>
+        <a:srgbClr val="A5A5A5"/>
+      </a:accent3>
+      <a:accent4>
+        <a:srgbClr val="FFC000"/>
+      </a:accent4>
+      <a:accent5>
+        <a:srgbClr val="5B9BD5"/>
+      </a:accent5>
+      <a:accent6>
+        <a:srgbClr val="70AD47"/>
+      </a:accent6>
+      <a:hlink>
+        <a:srgbClr val="0563C1"/>
+      </a:hlink>
+      <a:folHlink>
+        <a:srgbClr val="954F72"/>
+      </a:folHlink>
+    </a:clrScheme>
+    <a:fontScheme name="Office">
+      <a:majorFont>
+        <a:latin typeface="Calibri Light" panose="020F0302020204030204"/>
+        <a:ea typeface=""/>
+        <a:cs typeface=""/>
+        <a:font script="Jpan" typeface="游ゴシック Light"/>
+        <a:font script="Hang" typeface="맑은 고딕"/>
+        <a:font script="Hans" typeface="等线 Light"/>
+        <a:font script="Hant" typeface="新細明體"/>
+        <a:font script="Arab" typeface="Times New Roman"/>
+        <a:font script="Hebr" typeface="Times New Roman"/>
+        <a:font script="Thai" typeface="Angsana New"/>
+        <a:font script="Ethi" typeface="Nyala"/>
+        <a:font script="Beng" typeface="Vrinda"/>
+        <a:font script="Gujr" typeface="Shruti"/>
+        <a:font script="Khmr" typeface="MoolBoran"/>
+        <a:font script="Knda" typeface="Tunga"/>
+        <a:font script="Guru" typeface="Raavi"/>
+        <a:font script="Cans" typeface="Euphemia"/>
+        <a:font script="Cher" typeface="Plantagenet Cherokee"/>
+        <a:font script="Yiii" typeface="Microsoft Yi Baiti"/>
+        <a:font script="Tibt" typeface="Microsoft Himalaya"/>
+        <a:font script="Thaa" typeface="MV Boli"/>
+        <a:font script="Deva" typeface="Mangal"/>
+        <a:font script="Telu" typeface="Gautami"/>
+        <a:font script="Taml" typeface="Latha"/>
+        <a:font script="Syrc" typeface="Estrangelo Edessa"/>
+        <a:font script="Orya" typeface="Kalinga"/>
+        <a:font script="Mlym" typeface="Kartika"/>
+        <a:font script="Laoo" typeface="DokChampa"/>
+        <a:font script="Sinh" typeface="Iskoola Pota"/>
+        <a:font script="Mong" typeface="Mongolian Baiti"/>
+        <a:font script="Viet" typeface="Times New Roman"/>
+        <a:font script="Uigh" typeface="Microsoft Uighur"/>
+        <a:font script="Geor" typeface="Sylfaen"/>
+        <a:font script="Armn" typeface="Arial"/>
+        <a:font script="Bugi" typeface="Leelawadee UI"/>
+        <a:font script="Bopo" typeface="Microsoft JhengHei"/>
+        <a:font script="Java" typeface="Javanese Text"/>
+        <a:font script="Lisu" typeface="Segoe UI"/>
+        <a:font script="Mymr" typeface="Myanmar Text"/>
+        <a:font script="Nkoo" typeface="Ebrima"/>
+        <a:font script="Olck" typeface="Nirmala UI"/>
+        <a:font script="Osma" typeface="Ebrima"/>
+        <a:font script="Phag" typeface="Phagspa"/>
+        <a:font script="Syrn" typeface="Estrangelo Edessa"/>
+        <a:font script="Syrj" typeface="Estrangelo Edessa"/>
+        <a:font script="Syre" typeface="Estrangelo Edessa"/>
+        <a:font script="Sora" typeface="Nirmala UI"/>
+        <a:font script="Tale" typeface="Microsoft Tai Le"/>
+        <a:font script="Talu" typeface="Microsoft New Tai Lue"/>
+        <a:font script="Tfng" typeface="Ebrima"/>
+      </a:majorFont>
+      <a:minorFont>
+        <a:latin typeface="Calibri" panose="020F0502020204030204"/>
+        <a:ea typeface=""/>
+        <a:cs typeface=""/>
+        <a:font script="Jpan" typeface="游ゴシック"/>
+        <a:font script="Hang" typeface="맑은 고딕"/>
+        <a:font script="Hans" typeface="等线"/>
+        <a:font script="Hant" typeface="新細明體"/>
+        <a:font script="Arab" typeface="Arial"/>
+        <a:font script="Hebr" typeface="Arial"/>
+        <a:font script="Thai" typeface="Cordia New"/>
+        <a:font script="Ethi" typeface="Nyala"/>
+        <a:font script="Beng" typeface="Vrinda"/>
+        <a:font script="Gujr" typeface="Shruti"/>
+        <a:font script="Khmr" typeface="DaunPenh"/>
+        <a:font script="Knda" typeface="Tunga"/>
+        <a:font script="Guru" typeface="Raavi"/>
+        <a:font script="Cans" typeface="Euphemia"/>
+        <a:font script="Cher" typeface="Plantagenet Cherokee"/>
+        <a:font script="Yiii" typeface="Microsoft Yi Baiti"/>
+        <a:font script="Tibt" typeface="Microsoft Himalaya"/>
+        <a:font script="Thaa" typeface="MV Boli"/>
+        <a:font script="Deva" typeface="Mangal"/>
+        <a:font script="Telu" typeface="Gautami"/>
+        <a:font script="Taml" typeface="Latha"/>
+        <a:font script="Syrc" typeface="Estrangelo Edessa"/>
+        <a:font script="Orya" typeface="Kalinga"/>
+        <a:font script="Mlym" typeface="Kartika"/>
+        <a:font script="Laoo" typeface="DokChampa"/>
+        <a:font script="Sinh" typeface="Iskoola Pota"/>
+        <a:font script="Mong" typeface="Mongolian Baiti"/>
+        <a:font script="Viet" typeface="Arial"/>
+        <a:font script="Uigh" typeface="Microsoft Uighur"/>
+        <a:font script="Geor" typeface="Sylfaen"/>
+        <a:font script="Armn" typeface="Arial"/>
+        <a:font script="Bugi" typeface="Leelawadee UI"/>
+        <a:font script="Bopo" typeface="Microsoft JhengHei"/>
+        <a:font script="Java" typeface="Javanese Text"/>
+        <a:font script="Lisu" typeface="Segoe UI"/>
+        <a:font script="Mymr" typeface="Myanmar Text"/>
+        <a:font script="Nkoo" typeface="Ebrima"/>
+        <a:font script="Olck" typeface="Nirmala UI"/>
+        <a:font script="Osma" typeface="Ebrima"/>
+        <a:font script="Phag" typeface="Phagspa"/>
+        <a:font script="Syrn" typeface="Estrangelo Edessa"/>
+        <a:font script="Syrj" typeface="Estrangelo Edessa"/>
+        <a:font script="Syre" typeface="Estrangelo Edessa"/>
+        <a:font script="Sora" typeface="Nirmala UI"/>
+        <a:font script="Tale" typeface="Microsoft Tai Le"/>
+        <a:font script="Talu" typeface="Microsoft New Tai Lue"/>
+        <a:font script="Tfng" typeface="Ebrima"/>
+      </a:minorFont>
+    </a:fontScheme>
+    <a:fmtScheme name="Office">
+      <a:fillStyleLst>
+        <a:solidFill>
+          <a:schemeClr val="phClr"/>
+        </a:solidFill>
+        <a:gradFill rotWithShape="1">
+          <a:gsLst>
+            <a:gs pos="0">
+              <a:schemeClr val="phClr">
+                <a:lumMod val="110000"/>
+                <a:satMod val="105000"/>
+                <a:tint val="67000"/>
+              </a:schemeClr>
+            </a:gs>
+            <a:gs pos="50000">
+              <a:schemeClr val="phClr">
+                <a:lumMod val="105000"/>
+                <a:satMod val="103000"/>
+                <a:tint val="73000"/>
+              </a:schemeClr>
+            </a:gs>
+            <a:gs pos="100000">
+              <a:schemeClr val="phClr">
+                <a:lumMod val="105000"/>
+                <a:satMod val="109000"/>
+                <a:tint val="81000"/>
+              </a:schemeClr>
+            </a:gs>
+          </a:gsLst>
+          <a:lin ang="5400000" scaled="0"/>
+        </a:gradFill>
+        <a:gradFill rotWithShape="1">
+          <a:gsLst>
+            <a:gs pos="0">
+              <a:schemeClr val="phClr">
+                <a:satMod val="103000"/>
+                <a:lumMod val="102000"/>
+                <a:tint val="94000"/>
+              </a:schemeClr>
+            </a:gs>
+            <a:gs pos="50000">
+              <a:schemeClr val="phClr">
+                <a:satMod val="110000"/>
+                <a:lumMod val="100000"/>
+                <a:shade val="100000"/>
+              </a:schemeClr>
+            </a:gs>
+            <a:gs pos="100000">
+              <a:schemeClr val="phClr">
+                <a:lumMod val="99000"/>
+                <a:satMod val="120000"/>
+                <a:shade val="78000"/>
+              </a:schemeClr>
+            </a:gs>
+          </a:gsLst>
+          <a:lin ang="5400000" scaled="0"/>
+        </a:gradFill>
+      </a:fillStyleLst>
+      <a:lnStyleLst>
+        <a:ln w="6350" cap="flat" cmpd="sng" algn="ctr">
+          <a:solidFill>
+            <a:schemeClr val="phClr"/>
+          </a:solidFill>
+          <a:prstDash val="solid"/>
+          <a:miter lim="800000"/>
+        </a:ln>
+        <a:ln w="12700" cap="flat" cmpd="sng" algn="ctr">
+          <a:solidFill>
+            <a:schemeClr val="phClr"/>
+          </a:solidFill>
+          <a:prstDash val="solid"/>
+          <a:miter lim="800000"/>
+        </a:ln>
+        <a:ln w="19050" cap="flat" cmpd="sng" algn="ctr">
+          <a:solidFill>
+            <a:schemeClr val="phClr"/>
+          </a:solidFill>
+          <a:prstDash val="solid"/>
+          <a:miter lim="800000"/>
+        </a:ln>
+      </a:lnStyleLst>
+      <a:effectStyleLst>
+        <a:effectStyle>
+          <a:effectLst/>
+        </a:effectStyle>
+        <a:effectStyle>
+          <a:effectLst/>
+        </a:effectStyle>
+        <a:effectStyle>
+          <a:effectLst>
+            <a:outerShdw blurRad="57150" dist="19050" dir="5400000" algn="ctr" rotWithShape="0">
+              <a:srgbClr val="000000">
+                <a:alpha val="63000"/>
+              </a:srgbClr>
+            </a:outerShdw>
+          </a:effectLst>
+        </a:effectStyle>
+      </a:effectStyleLst>
+      <a:bgFillStyleLst>
+        <a:solidFill>
+          <a:schemeClr val="phClr"/>
+        </a:solidFill>
+        <a:solidFill>
+          <a:schemeClr val="phClr">
+            <a:tint val="95000"/>
+            <a:satMod val="170000"/>
+          </a:schemeClr>
+        </a:solidFill>
+        <a:gradFill rotWithShape="1">
+          <a:gsLst>
+            <a:gs pos="0">
+              <a:schemeClr val="phClr">
+                <a:tint val="93000"/>
+                <a:satMod val="150000"/>
+                <a:shade val="98000"/>
+                <a:lumMod val="102000"/>
+              </a:schemeClr>
+            </a:gs>
+            <a:gs pos="50000">
+              <a:schemeClr val="phClr">
+                <a:tint val="98000"/>
+                <a:satMod val="130000"/>
+                <a:shade val="90000"/>
+                <a:lumMod val="103000"/>
+              </a:schemeClr>
+            </a:gs>
+            <a:gs pos="100000">
+              <a:schemeClr val="phClr">
+                <a:shade val="63000"/>
+                <a:satMod val="120000"/>
+              </a:schemeClr>
+            </a:gs>
+          </a:gsLst>
+          <a:lin ang="5400000" scaled="0"/>
+        </a:gradFill>
+      </a:bgFillStyleLst>
+    </a:fmtScheme>
+  </a:themeElements>
+  <a:objectDefaults/>
+  <a:extraClrSchemeLst/>
+  <a:extLst>
+    <a:ext uri="{05A4C25C-085E-4340-85A3-A5531E510DB2}">
+      <thm15:themeFamily xmlns:thm15="http://schemas.microsoft.com/office/thememl/2012/main" name="Office Theme" id="{62F939B6-93AF-4DB8-9C6B-D6C7DFDC589F}" vid="{4A3C46E8-61CC-4603-A589-7422A47A8E4A}"/>
+    </a:ext>
+  </a:extLst>
+</a:theme>
 </file>
--- a/time_series_regression.pptx
+++ b/time_series_regression.pptx
@@ -3517,7 +3517,7 @@
           <a:p>
             <a:fld id="{25078A64-5338-724D-9253-210B3CE97A87}" type="datetime4">
               <a:rPr lang="en-US" smtClean="0"/>
-              <a:t>2/23/2022</a:t>
+              <a:t>3/10/2022</a:t>
             </a:fld>
             <a:endParaRPr lang="en-US"/>
           </a:p>
@@ -3805,7 +3805,7 @@
           <a:p>
             <a:fld id="{25078A64-5338-724D-9253-210B3CE97A87}" type="datetime4">
               <a:rPr lang="en-US" smtClean="0"/>
-              <a:t>2/23/2022</a:t>
+              <a:t>3/10/2022</a:t>
             </a:fld>
             <a:endParaRPr lang="en-US"/>
           </a:p>
@@ -3912,7 +3912,7 @@
           <a:p>
             <a:fld id="{78D1BCE1-314F-5145-B548-25B12CA3616C}" type="datetime4">
               <a:rPr lang="en-US" smtClean="0"/>
-              <a:t>2/23/2022</a:t>
+              <a:t>3/10/2022</a:t>
             </a:fld>
             <a:endParaRPr dirty="0" lang="en-US"/>
           </a:p>
@@ -4523,7 +4523,7 @@
           <a:p>
             <a:fld id="{25078A64-5338-724D-9253-210B3CE97A87}" type="datetime4">
               <a:rPr lang="en-US" smtClean="0"/>
-              <a:t>2/23/2022</a:t>
+              <a:t>3/10/2022</a:t>
             </a:fld>
             <a:endParaRPr lang="en-US"/>
           </a:p>
@@ -5037,7 +5037,7 @@
           <a:p>
             <a:fld id="{25078A64-5338-724D-9253-210B3CE97A87}" type="datetime4">
               <a:rPr lang="en-US" smtClean="0"/>
-              <a:t>2/23/2022</a:t>
+              <a:t>3/10/2022</a:t>
             </a:fld>
             <a:endParaRPr lang="en-US"/>
           </a:p>
@@ -5551,7 +5551,7 @@
           <a:p>
             <a:fld id="{25078A64-5338-724D-9253-210B3CE97A87}" type="datetime4">
               <a:rPr lang="en-US" smtClean="0"/>
-              <a:t>2/23/2022</a:t>
+              <a:t>3/10/2022</a:t>
             </a:fld>
             <a:endParaRPr lang="en-US"/>
           </a:p>
@@ -6094,7 +6094,7 @@
           <a:p>
             <a:fld id="{25078A64-5338-724D-9253-210B3CE97A87}" type="datetime4">
               <a:rPr lang="en-US" smtClean="0"/>
-              <a:t>2/23/2022</a:t>
+              <a:t>3/10/2022</a:t>
             </a:fld>
             <a:endParaRPr lang="en-US"/>
           </a:p>
@@ -6194,7 +6194,7 @@
           <a:p>
             <a:fld id="{78D1BCE1-314F-5145-B548-25B12CA3616C}" type="datetime4">
               <a:rPr lang="en-US" smtClean="0"/>
-              <a:t>2/23/2022</a:t>
+              <a:t>3/10/2022</a:t>
             </a:fld>
             <a:endParaRPr dirty="0" lang="en-US"/>
           </a:p>
@@ -6379,8 +6379,26 @@
                       <m:t>=</m:t>
                     </m:r>
                     <m:r>
-                      <m:t>1000</m:t>
+                      <m:t>2.5</m:t>
                     </m:r>
+                    <m:r>
+                      <m:rPr>
+                        <m:sty m:val="p"/>
+                      </m:rPr>
+                      <m:t>×</m:t>
+                    </m:r>
+                    <m:sSup>
+                      <m:e>
+                        <m:r>
+                          <m:t>10</m:t>
+                        </m:r>
+                      </m:e>
+                      <m:sup>
+                        <m:r>
+                          <m:t>4</m:t>
+                        </m:r>
+                      </m:sup>
+                    </m:sSup>
                   </m:oMath>
                 </a14:m>
                 <a:r>
@@ -6501,7 +6519,7 @@
           <a:p>
             <a:fld id="{78D1BCE1-314F-5145-B548-25B12CA3616C}" type="datetime4">
               <a:rPr lang="en-US" smtClean="0"/>
-              <a:t>2/23/2022</a:t>
+              <a:t>3/10/2022</a:t>
             </a:fld>
             <a:endParaRPr dirty="0" lang="en-US"/>
           </a:p>
@@ -6704,37 +6722,37 @@
                       </a:pPr>
                       <a:r>
                         <a:rPr/>
-                        <a:t>0.109</a:t>
-                      </a:r>
-                    </a:p>
-                  </a:txBody>
-                </a:tc>
-                <a:tc>
-                  <a:txBody>
-                    <a:bodyPr/>
-                    <a:lstStyle/>
-                    <a:p>
-                      <a:pPr lvl="0" indent="0" marL="0" algn="r">
-                        <a:buNone/>
-                      </a:pPr>
-                      <a:r>
-                        <a:rPr/>
-                        <a:t>4.93</a:t>
-                      </a:r>
-                    </a:p>
-                  </a:txBody>
-                </a:tc>
-                <a:tc>
-                  <a:txBody>
-                    <a:bodyPr/>
-                    <a:lstStyle/>
-                    <a:p>
-                      <a:pPr lvl="0" indent="0" marL="0" algn="r">
-                        <a:buNone/>
-                      </a:pPr>
-                      <a:r>
-                        <a:rPr/>
-                        <a:t>5.12</a:t>
+                        <a:t>0.106</a:t>
+                      </a:r>
+                    </a:p>
+                  </a:txBody>
+                </a:tc>
+                <a:tc>
+                  <a:txBody>
+                    <a:bodyPr/>
+                    <a:lstStyle/>
+                    <a:p>
+                      <a:pPr lvl="0" indent="0" marL="0" algn="r">
+                        <a:buNone/>
+                      </a:pPr>
+                      <a:r>
+                        <a:rPr/>
+                        <a:t>4.95</a:t>
+                      </a:r>
+                    </a:p>
+                  </a:txBody>
+                </a:tc>
+                <a:tc>
+                  <a:txBody>
+                    <a:bodyPr/>
+                    <a:lstStyle/>
+                    <a:p>
+                      <a:pPr lvl="0" indent="0" marL="0" algn="r">
+                        <a:buNone/>
+                      </a:pPr>
+                      <a:r>
+                        <a:rPr/>
+                        <a:t>5.1</a:t>
                       </a:r>
                     </a:p>
                   </a:txBody>
@@ -6781,37 +6799,37 @@
                       </a:pPr>
                       <a:r>
                         <a:rPr/>
-                        <a:t>0.114</a:t>
-                      </a:r>
-                    </a:p>
-                  </a:txBody>
-                </a:tc>
-                <a:tc>
-                  <a:txBody>
-                    <a:bodyPr/>
-                    <a:lstStyle/>
-                    <a:p>
-                      <a:pPr lvl="0" indent="0" marL="0" algn="r">
-                        <a:buNone/>
-                      </a:pPr>
-                      <a:r>
-                        <a:rPr/>
-                        <a:t>4.93</a:t>
-                      </a:r>
-                    </a:p>
-                  </a:txBody>
-                </a:tc>
-                <a:tc>
-                  <a:txBody>
-                    <a:bodyPr/>
-                    <a:lstStyle/>
-                    <a:p>
-                      <a:pPr lvl="0" indent="0" marL="0" algn="r">
-                        <a:buNone/>
-                      </a:pPr>
-                      <a:r>
-                        <a:rPr/>
-                        <a:t>5.12</a:t>
+                        <a:t>0.106</a:t>
+                      </a:r>
+                    </a:p>
+                  </a:txBody>
+                </a:tc>
+                <a:tc>
+                  <a:txBody>
+                    <a:bodyPr/>
+                    <a:lstStyle/>
+                    <a:p>
+                      <a:pPr lvl="0" indent="0" marL="0" algn="r">
+                        <a:buNone/>
+                      </a:pPr>
+                      <a:r>
+                        <a:rPr/>
+                        <a:t>4.95</a:t>
+                      </a:r>
+                    </a:p>
+                  </a:txBody>
+                </a:tc>
+                <a:tc>
+                  <a:txBody>
+                    <a:bodyPr/>
+                    <a:lstStyle/>
+                    <a:p>
+                      <a:pPr lvl="0" indent="0" marL="0" algn="r">
+                        <a:buNone/>
+                      </a:pPr>
+                      <a:r>
+                        <a:rPr/>
+                        <a:t>5.1</a:t>
                       </a:r>
                     </a:p>
                   </a:txBody>
@@ -6858,7 +6876,7 @@
                       </a:pPr>
                       <a:r>
                         <a:rPr/>
-                        <a:t>0.120</a:t>
+                        <a:t>0.111</a:t>
                       </a:r>
                     </a:p>
                   </a:txBody>
@@ -6935,7 +6953,7 @@
                       </a:pPr>
                       <a:r>
                         <a:rPr/>
-                        <a:t>0.128</a:t>
+                        <a:t>0.116</a:t>
                       </a:r>
                     </a:p>
                   </a:txBody>
@@ -7012,7 +7030,7 @@
                       </a:pPr>
                       <a:r>
                         <a:rPr/>
-                        <a:t>0.138</a:t>
+                        <a:t>0.126</a:t>
                       </a:r>
                     </a:p>
                   </a:txBody>
@@ -7202,37 +7220,37 @@
                       </a:pPr>
                       <a:r>
                         <a:rPr/>
-                        <a:t>0.108</a:t>
-                      </a:r>
-                    </a:p>
-                  </a:txBody>
-                </a:tc>
-                <a:tc>
-                  <a:txBody>
-                    <a:bodyPr/>
-                    <a:lstStyle/>
-                    <a:p>
-                      <a:pPr lvl="0" indent="0" marL="0" algn="r">
-                        <a:buNone/>
-                      </a:pPr>
-                      <a:r>
-                        <a:rPr/>
-                        <a:t>6.80</a:t>
-                      </a:r>
-                    </a:p>
-                  </a:txBody>
-                </a:tc>
-                <a:tc>
-                  <a:txBody>
-                    <a:bodyPr/>
-                    <a:lstStyle/>
-                    <a:p>
-                      <a:pPr lvl="0" indent="0" marL="0" algn="r">
-                        <a:buNone/>
-                      </a:pPr>
-                      <a:r>
-                        <a:rPr/>
-                        <a:t>7.10</a:t>
+                        <a:t>0.104</a:t>
+                      </a:r>
+                    </a:p>
+                  </a:txBody>
+                </a:tc>
+                <a:tc>
+                  <a:txBody>
+                    <a:bodyPr/>
+                    <a:lstStyle/>
+                    <a:p>
+                      <a:pPr lvl="0" indent="0" marL="0" algn="r">
+                        <a:buNone/>
+                      </a:pPr>
+                      <a:r>
+                        <a:rPr/>
+                        <a:t>6.81</a:t>
+                      </a:r>
+                    </a:p>
+                  </a:txBody>
+                </a:tc>
+                <a:tc>
+                  <a:txBody>
+                    <a:bodyPr/>
+                    <a:lstStyle/>
+                    <a:p>
+                      <a:pPr lvl="0" indent="0" marL="0" algn="r">
+                        <a:buNone/>
+                      </a:pPr>
+                      <a:r>
+                        <a:rPr/>
+                        <a:t>7.17</a:t>
                       </a:r>
                     </a:p>
                   </a:txBody>
@@ -7279,7 +7297,7 @@
                       </a:pPr>
                       <a:r>
                         <a:rPr/>
-                        <a:t>0.132</a:t>
+                        <a:t>0.134</a:t>
                       </a:r>
                     </a:p>
                   </a:txBody>
@@ -7356,7 +7374,7 @@
                       </a:pPr>
                       <a:r>
                         <a:rPr/>
-                        <a:t>0.148</a:t>
+                        <a:t>0.144</a:t>
                       </a:r>
                     </a:p>
                   </a:txBody>
@@ -7433,7 +7451,7 @@
                       </a:pPr>
                       <a:r>
                         <a:rPr/>
-                        <a:t>0.174</a:t>
+                        <a:t>0.177</a:t>
                       </a:r>
                     </a:p>
                   </a:txBody>
@@ -7510,37 +7528,37 @@
                       </a:pPr>
                       <a:r>
                         <a:rPr/>
-                        <a:t>0.319</a:t>
-                      </a:r>
-                    </a:p>
-                  </a:txBody>
-                </a:tc>
-                <a:tc>
-                  <a:txBody>
-                    <a:bodyPr/>
-                    <a:lstStyle/>
-                    <a:p>
-                      <a:pPr lvl="0" indent="0" marL="0" algn="r">
-                        <a:buNone/>
-                      </a:pPr>
-                      <a:r>
-                        <a:rPr/>
-                        <a:t>6.71</a:t>
-                      </a:r>
-                    </a:p>
-                  </a:txBody>
-                </a:tc>
-                <a:tc>
-                  <a:txBody>
-                    <a:bodyPr/>
-                    <a:lstStyle/>
-                    <a:p>
-                      <a:pPr lvl="0" indent="0" marL="0" algn="r">
-                        <a:buNone/>
-                      </a:pPr>
-                      <a:r>
-                        <a:rPr/>
-                        <a:t>7.21</a:t>
+                        <a:t>0.326</a:t>
+                      </a:r>
+                    </a:p>
+                  </a:txBody>
+                </a:tc>
+                <a:tc>
+                  <a:txBody>
+                    <a:bodyPr/>
+                    <a:lstStyle/>
+                    <a:p>
+                      <a:pPr lvl="0" indent="0" marL="0" algn="r">
+                        <a:buNone/>
+                      </a:pPr>
+                      <a:r>
+                        <a:rPr/>
+                        <a:t>6.72</a:t>
+                      </a:r>
+                    </a:p>
+                  </a:txBody>
+                </a:tc>
+                <a:tc>
+                  <a:txBody>
+                    <a:bodyPr/>
+                    <a:lstStyle/>
+                    <a:p>
+                      <a:pPr lvl="0" indent="0" marL="0" algn="r">
+                        <a:buNone/>
+                      </a:pPr>
+                      <a:r>
+                        <a:rPr/>
+                        <a:t>7.26</a:t>
                       </a:r>
                     </a:p>
                   </a:txBody>
@@ -7567,7 +7585,7 @@
           <a:p>
             <a:fld id="{25078A64-5338-724D-9253-210B3CE97A87}" type="datetime4">
               <a:rPr lang="en-US" smtClean="0"/>
-              <a:t>2/23/2022</a:t>
+              <a:t>3/10/2022</a:t>
             </a:fld>
             <a:endParaRPr lang="en-US"/>
           </a:p>
@@ -7709,7 +7727,7 @@
           <a:p>
             <a:fld id="{78D1BCE1-314F-5145-B548-25B12CA3616C}" type="datetime4">
               <a:rPr lang="en-US" smtClean="0"/>
-              <a:t>2/23/2022</a:t>
+              <a:t>3/10/2022</a:t>
             </a:fld>
             <a:endParaRPr dirty="0" lang="en-US"/>
           </a:p>
@@ -7971,22 +7989,22 @@
                       </a:pPr>
                       <a:r>
                         <a:rPr/>
-                        <a:t>0.096</a:t>
-                      </a:r>
-                    </a:p>
-                  </a:txBody>
-                </a:tc>
-                <a:tc>
-                  <a:txBody>
-                    <a:bodyPr/>
-                    <a:lstStyle/>
-                    <a:p>
-                      <a:pPr lvl="0" indent="0" marL="0" algn="r">
-                        <a:buNone/>
-                      </a:pPr>
-                      <a:r>
-                        <a:rPr/>
-                        <a:t>10.8</a:t>
+                        <a:t>0.107</a:t>
+                      </a:r>
+                    </a:p>
+                  </a:txBody>
+                </a:tc>
+                <a:tc>
+                  <a:txBody>
+                    <a:bodyPr/>
+                    <a:lstStyle/>
+                    <a:p>
+                      <a:pPr lvl="0" indent="0" marL="0" algn="r">
+                        <a:buNone/>
+                      </a:pPr>
+                      <a:r>
+                        <a:rPr/>
+                        <a:t>10.7</a:t>
                       </a:r>
                     </a:p>
                   </a:txBody>
@@ -8048,7 +8066,7 @@
                       </a:pPr>
                       <a:r>
                         <a:rPr/>
-                        <a:t>0.186</a:t>
+                        <a:t>0.199</a:t>
                       </a:r>
                     </a:p>
                   </a:txBody>
@@ -8125,7 +8143,7 @@
                       </a:pPr>
                       <a:r>
                         <a:rPr/>
-                        <a:t>0.195</a:t>
+                        <a:t>0.205</a:t>
                       </a:r>
                     </a:p>
                   </a:txBody>
@@ -8202,7 +8220,7 @@
                       </a:pPr>
                       <a:r>
                         <a:rPr/>
-                        <a:t>0.233</a:t>
+                        <a:t>0.246</a:t>
                       </a:r>
                     </a:p>
                   </a:txBody>
@@ -8279,37 +8297,37 @@
                       </a:pPr>
                       <a:r>
                         <a:rPr/>
-                        <a:t>0.550</a:t>
-                      </a:r>
-                    </a:p>
-                  </a:txBody>
-                </a:tc>
-                <a:tc>
-                  <a:txBody>
-                    <a:bodyPr/>
-                    <a:lstStyle/>
-                    <a:p>
-                      <a:pPr lvl="0" indent="0" marL="0" algn="r">
-                        <a:buNone/>
-                      </a:pPr>
-                      <a:r>
-                        <a:rPr/>
-                        <a:t>10.3</a:t>
-                      </a:r>
-                    </a:p>
-                  </a:txBody>
-                </a:tc>
-                <a:tc>
-                  <a:txBody>
-                    <a:bodyPr/>
-                    <a:lstStyle/>
-                    <a:p>
-                      <a:pPr lvl="0" indent="0" marL="0" algn="r">
-                        <a:buNone/>
-                      </a:pPr>
-                      <a:r>
-                        <a:rPr/>
-                        <a:t>12.7</a:t>
+                        <a:t>0.572</a:t>
+                      </a:r>
+                    </a:p>
+                  </a:txBody>
+                </a:tc>
+                <a:tc>
+                  <a:txBody>
+                    <a:bodyPr/>
+                    <a:lstStyle/>
+                    <a:p>
+                      <a:pPr lvl="0" indent="0" marL="0" algn="r">
+                        <a:buNone/>
+                      </a:pPr>
+                      <a:r>
+                        <a:rPr/>
+                        <a:t>10.2</a:t>
+                      </a:r>
+                    </a:p>
+                  </a:txBody>
+                </a:tc>
+                <a:tc>
+                  <a:txBody>
+                    <a:bodyPr/>
+                    <a:lstStyle/>
+                    <a:p>
+                      <a:pPr lvl="0" indent="0" marL="0" algn="r">
+                        <a:buNone/>
+                      </a:pPr>
+                      <a:r>
+                        <a:rPr/>
+                        <a:t>12.6</a:t>
                       </a:r>
                     </a:p>
                   </a:txBody>
@@ -8336,7 +8354,7 @@
           <a:p>
             <a:fld id="{25078A64-5338-724D-9253-210B3CE97A87}" type="datetime4">
               <a:rPr lang="en-US" smtClean="0"/>
-              <a:t>2/23/2022</a:t>
+              <a:t>3/10/2022</a:t>
             </a:fld>
             <a:endParaRPr lang="en-US"/>
           </a:p>
@@ -8584,7 +8602,7 @@
           <a:p>
             <a:fld id="{78D1BCE1-314F-5145-B548-25B12CA3616C}" type="datetime4">
               <a:rPr lang="en-US" smtClean="0"/>
-              <a:t>2/23/2022</a:t>
+              <a:t>3/10/2022</a:t>
             </a:fld>
             <a:endParaRPr dirty="0" lang="en-US"/>
           </a:p>
@@ -9040,7 +9058,7 @@
           <a:p>
             <a:fld id="{78D1BCE1-314F-5145-B548-25B12CA3616C}" type="datetime4">
               <a:rPr lang="en-US" smtClean="0"/>
-              <a:t>2/23/2022</a:t>
+              <a:t>3/10/2022</a:t>
             </a:fld>
             <a:endParaRPr dirty="0" lang="en-US"/>
           </a:p>
@@ -9777,7 +9795,7 @@
           <a:p>
             <a:fld id="{78D1BCE1-314F-5145-B548-25B12CA3616C}" type="datetime4">
               <a:rPr lang="en-US" smtClean="0"/>
-              <a:t>2/23/2022</a:t>
+              <a:t>3/10/2022</a:t>
             </a:fld>
             <a:endParaRPr dirty="0" lang="en-US"/>
           </a:p>
@@ -10491,7 +10509,7 @@
           <a:p>
             <a:fld id="{78D1BCE1-314F-5145-B548-25B12CA3616C}" type="datetime4">
               <a:rPr lang="en-US" smtClean="0"/>
-              <a:t>2/23/2022</a:t>
+              <a:t>3/10/2022</a:t>
             </a:fld>
             <a:endParaRPr dirty="0" lang="en-US"/>
           </a:p>
@@ -10591,7 +10609,7 @@
           <a:p>
             <a:fld id="{78D1BCE1-314F-5145-B548-25B12CA3616C}" type="datetime4">
               <a:rPr lang="en-US" smtClean="0"/>
-              <a:t>2/23/2022</a:t>
+              <a:t>3/10/2022</a:t>
             </a:fld>
             <a:endParaRPr dirty="0" lang="en-US"/>
           </a:p>
@@ -10794,7 +10812,7 @@
           <a:p>
             <a:fld id="{78D1BCE1-314F-5145-B548-25B12CA3616C}" type="datetime4">
               <a:rPr lang="en-US" smtClean="0"/>
-              <a:t>2/23/2022</a:t>
+              <a:t>3/10/2022</a:t>
             </a:fld>
             <a:endParaRPr dirty="0" lang="en-US"/>
           </a:p>
@@ -11379,7 +11397,7 @@
           <a:p>
             <a:fld id="{25078A64-5338-724D-9253-210B3CE97A87}" type="datetime4">
               <a:rPr lang="en-US" smtClean="0"/>
-              <a:t>2/23/2022</a:t>
+              <a:t>3/10/2022</a:t>
             </a:fld>
             <a:endParaRPr lang="en-US"/>
           </a:p>
@@ -11479,7 +11497,7 @@
           <a:p>
             <a:fld id="{78D1BCE1-314F-5145-B548-25B12CA3616C}" type="datetime4">
               <a:rPr lang="en-US" smtClean="0"/>
-              <a:t>2/23/2022</a:t>
+              <a:t>3/10/2022</a:t>
             </a:fld>
             <a:endParaRPr dirty="0" lang="en-US"/>
           </a:p>
@@ -11566,8 +11584,26 @@
                       <m:t>=</m:t>
                     </m:r>
                     <m:r>
-                      <m:t>1000</m:t>
+                      <m:t>2.5</m:t>
                     </m:r>
+                    <m:r>
+                      <m:rPr>
+                        <m:sty m:val="p"/>
+                      </m:rPr>
+                      <m:t>×</m:t>
+                    </m:r>
+                    <m:sSup>
+                      <m:e>
+                        <m:r>
+                          <m:t>10</m:t>
+                        </m:r>
+                      </m:e>
+                      <m:sup>
+                        <m:r>
+                          <m:t>4</m:t>
+                        </m:r>
+                      </m:sup>
+                    </m:sSup>
                   </m:oMath>
                 </a14:m>
                 <a:r>
@@ -11741,7 +11777,7 @@
                       </a:pPr>
                       <a:r>
                         <a:rPr/>
-                        <a:t>25.6</a:t>
+                        <a:t>25.7</a:t>
                       </a:r>
                     </a:p>
                   </a:txBody>
@@ -11773,37 +11809,37 @@
                       </a:pPr>
                       <a:r>
                         <a:rPr/>
-                        <a:t>0.148</a:t>
-                      </a:r>
-                    </a:p>
-                  </a:txBody>
-                </a:tc>
-                <a:tc>
-                  <a:txBody>
-                    <a:bodyPr/>
-                    <a:lstStyle/>
-                    <a:p>
-                      <a:pPr lvl="0" indent="0" marL="0" algn="r">
-                        <a:buNone/>
-                      </a:pPr>
-                      <a:r>
-                        <a:rPr/>
-                        <a:t>17.4</a:t>
-                      </a:r>
-                    </a:p>
-                  </a:txBody>
-                </a:tc>
-                <a:tc>
-                  <a:txBody>
-                    <a:bodyPr/>
-                    <a:lstStyle/>
-                    <a:p>
-                      <a:pPr lvl="0" indent="0" marL="0" algn="r">
-                        <a:buNone/>
-                      </a:pPr>
-                      <a:r>
-                        <a:rPr/>
-                        <a:t>31.3</a:t>
+                        <a:t>0.131</a:t>
+                      </a:r>
+                    </a:p>
+                  </a:txBody>
+                </a:tc>
+                <a:tc>
+                  <a:txBody>
+                    <a:bodyPr/>
+                    <a:lstStyle/>
+                    <a:p>
+                      <a:pPr lvl="0" indent="0" marL="0" algn="r">
+                        <a:buNone/>
+                      </a:pPr>
+                      <a:r>
+                        <a:rPr/>
+                        <a:t>17.5</a:t>
+                      </a:r>
+                    </a:p>
+                  </a:txBody>
+                </a:tc>
+                <a:tc>
+                  <a:txBody>
+                    <a:bodyPr/>
+                    <a:lstStyle/>
+                    <a:p>
+                      <a:pPr lvl="0" indent="0" marL="0" algn="r">
+                        <a:buNone/>
+                      </a:pPr>
+                      <a:r>
+                        <a:rPr/>
+                        <a:t>31.7</a:t>
                       </a:r>
                     </a:p>
                   </a:txBody>
@@ -11835,7 +11871,7 @@
                       </a:pPr>
                       <a:r>
                         <a:rPr/>
-                        <a:t>0.290</a:t>
+                        <a:t>0.305</a:t>
                       </a:r>
                     </a:p>
                   </a:txBody>
@@ -11897,7 +11933,7 @@
                       </a:pPr>
                       <a:r>
                         <a:rPr/>
-                        <a:t>0.290</a:t>
+                        <a:t>0.307</a:t>
                       </a:r>
                     </a:p>
                   </a:txBody>
@@ -11959,7 +11995,7 @@
                       </a:pPr>
                       <a:r>
                         <a:rPr/>
-                        <a:t>0.346</a:t>
+                        <a:t>0.350</a:t>
                       </a:r>
                     </a:p>
                   </a:txBody>
@@ -12021,37 +12057,37 @@
                       </a:pPr>
                       <a:r>
                         <a:rPr/>
-                        <a:t>0.743</a:t>
-                      </a:r>
-                    </a:p>
-                  </a:txBody>
-                </a:tc>
-                <a:tc>
-                  <a:txBody>
-                    <a:bodyPr/>
-                    <a:lstStyle/>
-                    <a:p>
-                      <a:pPr lvl="0" indent="0" marL="0" algn="r">
-                        <a:buNone/>
-                      </a:pPr>
-                      <a:r>
-                        <a:rPr/>
-                        <a:t>13.1</a:t>
-                      </a:r>
-                    </a:p>
-                  </a:txBody>
-                </a:tc>
-                <a:tc>
-                  <a:txBody>
-                    <a:bodyPr/>
-                    <a:lstStyle/>
-                    <a:p>
-                      <a:pPr lvl="0" indent="0" marL="0" algn="r">
-                        <a:buNone/>
-                      </a:pPr>
-                      <a:r>
-                        <a:rPr/>
-                        <a:t>39.2</a:t>
+                        <a:t>0.740</a:t>
+                      </a:r>
+                    </a:p>
+                  </a:txBody>
+                </a:tc>
+                <a:tc>
+                  <a:txBody>
+                    <a:bodyPr/>
+                    <a:lstStyle/>
+                    <a:p>
+                      <a:pPr lvl="0" indent="0" marL="0" algn="r">
+                        <a:buNone/>
+                      </a:pPr>
+                      <a:r>
+                        <a:rPr/>
+                        <a:t>13.3</a:t>
+                      </a:r>
+                    </a:p>
+                  </a:txBody>
+                </a:tc>
+                <a:tc>
+                  <a:txBody>
+                    <a:bodyPr/>
+                    <a:lstStyle/>
+                    <a:p>
+                      <a:pPr lvl="0" indent="0" marL="0" algn="r">
+                        <a:buNone/>
+                      </a:pPr>
+                      <a:r>
+                        <a:rPr/>
+                        <a:t>39.5</a:t>
                       </a:r>
                     </a:p>
                   </a:txBody>
@@ -12078,7 +12114,7 @@
           <a:p>
             <a:fld id="{25078A64-5338-724D-9253-210B3CE97A87}" type="datetime4">
               <a:rPr lang="en-US" smtClean="0"/>
-              <a:t>2/23/2022</a:t>
+              <a:t>3/10/2022</a:t>
             </a:fld>
             <a:endParaRPr lang="en-US"/>
           </a:p>
@@ -12451,7 +12487,7 @@
           <a:p>
             <a:fld id="{78D1BCE1-314F-5145-B548-25B12CA3616C}" type="datetime4">
               <a:rPr lang="en-US" smtClean="0"/>
-              <a:t>2/23/2022</a:t>
+              <a:t>3/10/2022</a:t>
             </a:fld>
             <a:endParaRPr dirty="0" lang="en-US"/>
           </a:p>
@@ -12745,7 +12781,7 @@
           <a:p>
             <a:fld id="{78D1BCE1-314F-5145-B548-25B12CA3616C}" type="datetime4">
               <a:rPr lang="en-US" smtClean="0"/>
-              <a:t>2/23/2022</a:t>
+              <a:t>3/10/2022</a:t>
             </a:fld>
             <a:endParaRPr dirty="0" lang="en-US"/>
           </a:p>
@@ -12894,7 +12930,7 @@
           <a:p>
             <a:fld id="{78D1BCE1-314F-5145-B548-25B12CA3616C}" type="datetime4">
               <a:rPr lang="en-US" smtClean="0"/>
-              <a:t>2/23/2022</a:t>
+              <a:t>3/10/2022</a:t>
             </a:fld>
             <a:endParaRPr dirty="0" lang="en-US"/>
           </a:p>
@@ -13260,7 +13296,7 @@
           <a:p>
             <a:fld id="{78D1BCE1-314F-5145-B548-25B12CA3616C}" type="datetime4">
               <a:rPr lang="en-US" smtClean="0"/>
-              <a:t>2/23/2022</a:t>
+              <a:t>3/10/2022</a:t>
             </a:fld>
             <a:endParaRPr dirty="0" lang="en-US"/>
           </a:p>
@@ -13729,7 +13765,7 @@
           <a:p>
             <a:fld id="{78D1BCE1-314F-5145-B548-25B12CA3616C}" type="datetime4">
               <a:rPr lang="en-US" smtClean="0"/>
-              <a:t>2/23/2022</a:t>
+              <a:t>3/10/2022</a:t>
             </a:fld>
             <a:endParaRPr dirty="0" lang="en-US"/>
           </a:p>
@@ -14565,7 +14601,7 @@
           <a:p>
             <a:fld id="{78D1BCE1-314F-5145-B548-25B12CA3616C}" type="datetime4">
               <a:rPr lang="en-US" smtClean="0"/>
-              <a:t>2/23/2022</a:t>
+              <a:t>3/10/2022</a:t>
             </a:fld>
             <a:endParaRPr dirty="0" lang="en-US"/>
           </a:p>
@@ -15171,7 +15207,7 @@
           <a:p>
             <a:fld id="{78D1BCE1-314F-5145-B548-25B12CA3616C}" type="datetime4">
               <a:rPr lang="en-US" smtClean="0"/>
-              <a:t>2/23/2022</a:t>
+              <a:t>3/10/2022</a:t>
             </a:fld>
             <a:endParaRPr dirty="0" lang="en-US"/>
           </a:p>
@@ -15271,7 +15307,7 @@
           <a:p>
             <a:fld id="{78D1BCE1-314F-5145-B548-25B12CA3616C}" type="datetime4">
               <a:rPr lang="en-US" smtClean="0"/>
-              <a:t>2/23/2022</a:t>
+              <a:t>3/10/2022</a:t>
             </a:fld>
             <a:endParaRPr dirty="0" lang="en-US"/>
           </a:p>
@@ -15465,7 +15501,7 @@
           <a:p>
             <a:fld id="{78D1BCE1-314F-5145-B548-25B12CA3616C}" type="datetime4">
               <a:rPr lang="en-US" smtClean="0"/>
-              <a:t>2/23/2022</a:t>
+              <a:t>3/10/2022</a:t>
             </a:fld>
             <a:endParaRPr dirty="0" lang="en-US"/>
           </a:p>

--- a/time_series_regression.pptx
+++ b/time_series_regression.pptx
@@ -3718,7 +3718,7 @@
                       </a:pPr>
                       <a:r>
                         <a:rPr/>
-                        <a:t>9.84e-10</a:t>
+                        <a:t>0.000000000984</a:t>
                       </a:r>
                     </a:p>
                   </a:txBody>
@@ -6379,26 +6379,8 @@
                       <m:t>=</m:t>
                     </m:r>
                     <m:r>
-                      <m:t>2.5</m:t>
+                      <m:t>25000</m:t>
                     </m:r>
-                    <m:r>
-                      <m:rPr>
-                        <m:sty m:val="p"/>
-                      </m:rPr>
-                      <m:t>×</m:t>
-                    </m:r>
-                    <m:sSup>
-                      <m:e>
-                        <m:r>
-                          <m:t>10</m:t>
-                        </m:r>
-                      </m:e>
-                      <m:sup>
-                        <m:r>
-                          <m:t>4</m:t>
-                        </m:r>
-                      </m:sup>
-                    </m:sSup>
                   </m:oMath>
                 </a14:m>
                 <a:r>
@@ -11584,26 +11566,8 @@
                       <m:t>=</m:t>
                     </m:r>
                     <m:r>
-                      <m:t>2.5</m:t>
+                      <m:t>25000</m:t>
                     </m:r>
-                    <m:r>
-                      <m:rPr>
-                        <m:sty m:val="p"/>
-                      </m:rPr>
-                      <m:t>×</m:t>
-                    </m:r>
-                    <m:sSup>
-                      <m:e>
-                        <m:r>
-                          <m:t>10</m:t>
-                        </m:r>
-                      </m:e>
-                      <m:sup>
-                        <m:r>
-                          <m:t>4</m:t>
-                        </m:r>
-                      </m:sup>
-                    </m:sSup>
                   </m:oMath>
                 </a14:m>
                 <a:r>
